--- a/DAPC_Info_523_RPM_BJMM.pptx
+++ b/DAPC_Info_523_RPM_BJMM.pptx
@@ -5,21 +5,32 @@
     <p:sldMasterId id="2147483670" r:id="rId1"/>
   </p:sldMasterIdLst>
   <p:notesMasterIdLst>
-    <p:notesMasterId r:id="rId14"/>
+    <p:notesMasterId r:id="rId25"/>
   </p:notesMasterIdLst>
   <p:sldIdLst>
     <p:sldId id="269" r:id="rId2"/>
-    <p:sldId id="272" r:id="rId3"/>
-    <p:sldId id="274" r:id="rId4"/>
-    <p:sldId id="275" r:id="rId5"/>
-    <p:sldId id="276" r:id="rId6"/>
-    <p:sldId id="277" r:id="rId7"/>
-    <p:sldId id="278" r:id="rId8"/>
-    <p:sldId id="279" r:id="rId9"/>
-    <p:sldId id="280" r:id="rId10"/>
-    <p:sldId id="281" r:id="rId11"/>
-    <p:sldId id="282" r:id="rId12"/>
-    <p:sldId id="268" r:id="rId13"/>
+    <p:sldId id="283" r:id="rId3"/>
+    <p:sldId id="288" r:id="rId4"/>
+    <p:sldId id="290" r:id="rId5"/>
+    <p:sldId id="292" r:id="rId6"/>
+    <p:sldId id="291" r:id="rId7"/>
+    <p:sldId id="293" r:id="rId8"/>
+    <p:sldId id="277" r:id="rId9"/>
+    <p:sldId id="289" r:id="rId10"/>
+    <p:sldId id="285" r:id="rId11"/>
+    <p:sldId id="284" r:id="rId12"/>
+    <p:sldId id="278" r:id="rId13"/>
+    <p:sldId id="286" r:id="rId14"/>
+    <p:sldId id="279" r:id="rId15"/>
+    <p:sldId id="280" r:id="rId16"/>
+    <p:sldId id="281" r:id="rId17"/>
+    <p:sldId id="287" r:id="rId18"/>
+    <p:sldId id="282" r:id="rId19"/>
+    <p:sldId id="268" r:id="rId20"/>
+    <p:sldId id="272" r:id="rId21"/>
+    <p:sldId id="274" r:id="rId22"/>
+    <p:sldId id="275" r:id="rId23"/>
+    <p:sldId id="276" r:id="rId24"/>
   </p:sldIdLst>
   <p:sldSz cx="18288000" cy="10287000"/>
   <p:notesSz cx="18288000" cy="10287000"/>
@@ -119,6 +130,41 @@
     </a:lvl9pPr>
   </p:defaultTextStyle>
   <p:extLst>
+    <p:ext uri="{521415D9-36F7-43E2-AB2F-B90AF26B5E84}">
+      <p14:sectionLst xmlns:p14="http://schemas.microsoft.com/office/powerpoint/2010/main">
+        <p14:section name="Default Section" id="{1533AB34-F73E-4750-B683-3864F3BC1FDB}">
+          <p14:sldIdLst>
+            <p14:sldId id="269"/>
+            <p14:sldId id="283"/>
+            <p14:sldId id="288"/>
+            <p14:sldId id="290"/>
+            <p14:sldId id="292"/>
+            <p14:sldId id="291"/>
+            <p14:sldId id="293"/>
+            <p14:sldId id="277"/>
+            <p14:sldId id="289"/>
+            <p14:sldId id="285"/>
+            <p14:sldId id="284"/>
+            <p14:sldId id="278"/>
+            <p14:sldId id="286"/>
+            <p14:sldId id="279"/>
+            <p14:sldId id="280"/>
+            <p14:sldId id="281"/>
+            <p14:sldId id="287"/>
+            <p14:sldId id="282"/>
+            <p14:sldId id="268"/>
+          </p14:sldIdLst>
+        </p14:section>
+        <p14:section name="Backup" id="{4639FF53-061F-4BE1-8E85-8F07C64F0914}">
+          <p14:sldIdLst>
+            <p14:sldId id="272"/>
+            <p14:sldId id="274"/>
+            <p14:sldId id="275"/>
+            <p14:sldId id="276"/>
+          </p14:sldIdLst>
+        </p14:section>
+      </p14:sectionLst>
+    </p:ext>
     <p:ext uri="{EFAFB233-063F-42B5-8137-9DF3F51BA10A}">
       <p15:sldGuideLst xmlns:p15="http://schemas.microsoft.com/office/powerpoint/2012/main">
         <p15:guide id="1" orient="horz" pos="2880">
@@ -11355,7 +11401,7 @@
                 <a:highlight>
                   <a:srgbClr val="FFFFFF"/>
                 </a:highlight>
-                <a:latin typeface="Times New Roman" panose="02020603050405020304" pitchFamily="18" charset="0"/>
+                <a:latin typeface="Aptos Display" panose="020B0004020202020204" pitchFamily="34" charset="0"/>
               </a:rPr>
               <a:t>DAPC, EDM Artist, or Useful Data Analysis Tool?</a:t>
             </a:r>
@@ -11363,7 +11409,7 @@
               <a:solidFill>
                 <a:srgbClr val="0C234B"/>
               </a:solidFill>
-              <a:latin typeface="Times New Roman" panose="02020603050405020304" pitchFamily="18" charset="0"/>
+              <a:latin typeface="Aptos Display" panose="020B0004020202020204" pitchFamily="34" charset="0"/>
               <a:cs typeface="Times New Roman" panose="02020603050405020304" pitchFamily="18" charset="0"/>
             </a:endParaRPr>
           </a:p>
@@ -11409,7 +11455,7 @@
                 <a:solidFill>
                   <a:srgbClr val="0C234A"/>
                 </a:solidFill>
-                <a:latin typeface="Calibri" panose="020F0502020204030204" pitchFamily="34" charset="0"/>
+                <a:latin typeface="Aptos" panose="020B0004020202020204" pitchFamily="34" charset="0"/>
                 <a:cs typeface="Calibri" panose="020F0502020204030204" pitchFamily="34" charset="0"/>
               </a:rPr>
               <a:t>INFO 523 – Summer 2024</a:t>
@@ -11419,7 +11465,7 @@
                 <a:solidFill>
                   <a:srgbClr val="0C234A"/>
                 </a:solidFill>
-                <a:latin typeface="Calibri" panose="020F0502020204030204" pitchFamily="34" charset="0"/>
+                <a:latin typeface="Aptos" panose="020B0004020202020204" pitchFamily="34" charset="0"/>
                 <a:cs typeface="Calibri" panose="020F0502020204030204" pitchFamily="34" charset="0"/>
               </a:rPr>
             </a:br>
@@ -11428,7 +11474,7 @@
                 <a:solidFill>
                   <a:srgbClr val="0C234A"/>
                 </a:solidFill>
-                <a:latin typeface="Calibri" panose="020F0502020204030204" pitchFamily="34" charset="0"/>
+                <a:latin typeface="Aptos" panose="020B0004020202020204" pitchFamily="34" charset="0"/>
                 <a:cs typeface="Calibri" panose="020F0502020204030204" pitchFamily="34" charset="0"/>
               </a:rPr>
               <a:t>Riley Mawson</a:t>
@@ -11448,7 +11494,7 @@
                 <a:solidFill>
                   <a:srgbClr val="0C234A"/>
                 </a:solidFill>
-                <a:latin typeface="Calibri" panose="020F0502020204030204" pitchFamily="34" charset="0"/>
+                <a:latin typeface="Aptos" panose="020B0004020202020204" pitchFamily="34" charset="0"/>
                 <a:cs typeface="Calibri" panose="020F0502020204030204" pitchFamily="34" charset="0"/>
               </a:rPr>
               <a:t>Ben Morgan</a:t>
@@ -11467,7 +11513,7 @@
               <a:solidFill>
                 <a:srgbClr val="0C234A"/>
               </a:solidFill>
-              <a:latin typeface="Calibri" panose="020F0502020204030204" pitchFamily="34" charset="0"/>
+              <a:latin typeface="Aptos" panose="020B0004020202020204" pitchFamily="34" charset="0"/>
               <a:cs typeface="Calibri" panose="020F0502020204030204" pitchFamily="34" charset="0"/>
             </a:endParaRPr>
           </a:p>
@@ -11592,6 +11638,1940 @@
       </p:grpSpPr>
       <p:sp>
         <p:nvSpPr>
+          <p:cNvPr id="2" name="TextBox 1">
+            <a:extLst>
+              <a:ext uri="{FF2B5EF4-FFF2-40B4-BE49-F238E27FC236}">
+                <a16:creationId xmlns:a16="http://schemas.microsoft.com/office/drawing/2014/main" id="{7A3917FB-9318-B75A-2B17-4E1FDD2B3267}"/>
+              </a:ext>
+            </a:extLst>
+          </p:cNvPr>
+          <p:cNvSpPr txBox="1"/>
+          <p:nvPr/>
+        </p:nvSpPr>
+        <p:spPr>
+          <a:xfrm>
+            <a:off x="3017520" y="3620006"/>
+            <a:ext cx="12252960" cy="3046988"/>
+          </a:xfrm>
+          <a:prstGeom prst="rect">
+            <a:avLst/>
+          </a:prstGeom>
+          <a:noFill/>
+        </p:spPr>
+        <p:txBody>
+          <a:bodyPr wrap="square" rtlCol="0">
+            <a:spAutoFit/>
+          </a:bodyPr>
+          <a:lstStyle/>
+          <a:p>
+            <a:pPr algn="ctr"/>
+            <a:r>
+              <a:rPr lang="en-US" sz="9600" dirty="0">
+                <a:latin typeface="Aptos Display" panose="020B0004020202020204" pitchFamily="34" charset="0"/>
+              </a:rPr>
+              <a:t>Relation to Course Materials</a:t>
+            </a:r>
+          </a:p>
+        </p:txBody>
+      </p:sp>
+    </p:spTree>
+    <p:extLst>
+      <p:ext uri="{BB962C8B-B14F-4D97-AF65-F5344CB8AC3E}">
+        <p14:creationId xmlns:p14="http://schemas.microsoft.com/office/powerpoint/2010/main" val="4153605085"/>
+      </p:ext>
+    </p:extLst>
+  </p:cSld>
+  <p:clrMapOvr>
+    <a:masterClrMapping/>
+  </p:clrMapOvr>
+</p:sld>
+</file>
+
+<file path=ppt/slides/slide11.xml><?xml version="1.0" encoding="utf-8"?>
+<p:sld xmlns:a="http://schemas.openxmlformats.org/drawingml/2006/main" xmlns:r="http://schemas.openxmlformats.org/officeDocument/2006/relationships" xmlns:p="http://schemas.openxmlformats.org/presentationml/2006/main">
+  <p:cSld>
+    <p:spTree>
+      <p:nvGrpSpPr>
+        <p:cNvPr id="1" name=""/>
+        <p:cNvGrpSpPr/>
+        <p:nvPr/>
+      </p:nvGrpSpPr>
+      <p:grpSpPr>
+        <a:xfrm>
+          <a:off x="0" y="0"/>
+          <a:ext cx="0" cy="0"/>
+          <a:chOff x="0" y="0"/>
+          <a:chExt cx="0" cy="0"/>
+        </a:xfrm>
+      </p:grpSpPr>
+      <p:sp>
+        <p:nvSpPr>
+          <p:cNvPr id="2" name="TextBox 1">
+            <a:extLst>
+              <a:ext uri="{FF2B5EF4-FFF2-40B4-BE49-F238E27FC236}">
+                <a16:creationId xmlns:a16="http://schemas.microsoft.com/office/drawing/2014/main" id="{7A3917FB-9318-B75A-2B17-4E1FDD2B3267}"/>
+              </a:ext>
+            </a:extLst>
+          </p:cNvPr>
+          <p:cNvSpPr txBox="1"/>
+          <p:nvPr/>
+        </p:nvSpPr>
+        <p:spPr>
+          <a:xfrm>
+            <a:off x="3017520" y="3620006"/>
+            <a:ext cx="12252960" cy="3046988"/>
+          </a:xfrm>
+          <a:prstGeom prst="rect">
+            <a:avLst/>
+          </a:prstGeom>
+          <a:noFill/>
+        </p:spPr>
+        <p:txBody>
+          <a:bodyPr wrap="square" rtlCol="0">
+            <a:spAutoFit/>
+          </a:bodyPr>
+          <a:lstStyle/>
+          <a:p>
+            <a:pPr algn="ctr"/>
+            <a:r>
+              <a:rPr lang="en-US" sz="9600" dirty="0">
+                <a:latin typeface="Aptos Display" panose="020B0004020202020204" pitchFamily="34" charset="0"/>
+              </a:rPr>
+              <a:t>Real-World</a:t>
+            </a:r>
+          </a:p>
+          <a:p>
+            <a:pPr algn="ctr"/>
+            <a:r>
+              <a:rPr lang="en-US" sz="9600" dirty="0">
+                <a:latin typeface="Aptos Display" panose="020B0004020202020204" pitchFamily="34" charset="0"/>
+              </a:rPr>
+              <a:t>Applications</a:t>
+            </a:r>
+          </a:p>
+        </p:txBody>
+      </p:sp>
+    </p:spTree>
+    <p:extLst>
+      <p:ext uri="{BB962C8B-B14F-4D97-AF65-F5344CB8AC3E}">
+        <p14:creationId xmlns:p14="http://schemas.microsoft.com/office/powerpoint/2010/main" val="2904149315"/>
+      </p:ext>
+    </p:extLst>
+  </p:cSld>
+  <p:clrMapOvr>
+    <a:masterClrMapping/>
+  </p:clrMapOvr>
+</p:sld>
+</file>
+
+<file path=ppt/slides/slide12.xml><?xml version="1.0" encoding="utf-8"?>
+<p:sld xmlns:a="http://schemas.openxmlformats.org/drawingml/2006/main" xmlns:r="http://schemas.openxmlformats.org/officeDocument/2006/relationships" xmlns:p="http://schemas.openxmlformats.org/presentationml/2006/main">
+  <p:cSld>
+    <p:spTree>
+      <p:nvGrpSpPr>
+        <p:cNvPr id="1" name=""/>
+        <p:cNvGrpSpPr/>
+        <p:nvPr/>
+      </p:nvGrpSpPr>
+      <p:grpSpPr>
+        <a:xfrm>
+          <a:off x="0" y="0"/>
+          <a:ext cx="0" cy="0"/>
+          <a:chOff x="0" y="0"/>
+          <a:chExt cx="0" cy="0"/>
+        </a:xfrm>
+      </p:grpSpPr>
+      <p:sp>
+        <p:nvSpPr>
+          <p:cNvPr id="2" name="object 2"/>
+          <p:cNvSpPr txBox="1">
+            <a:spLocks noGrp="1"/>
+          </p:cNvSpPr>
+          <p:nvPr>
+            <p:ph type="title" idx="4294967295"/>
+          </p:nvPr>
+        </p:nvSpPr>
+        <p:spPr>
+          <a:xfrm>
+            <a:off x="2362200" y="1028700"/>
+            <a:ext cx="10352088" cy="936625"/>
+          </a:xfrm>
+          <a:prstGeom prst="rect">
+            <a:avLst/>
+          </a:prstGeom>
+        </p:spPr>
+        <p:txBody>
+          <a:bodyPr vert="horz" wrap="square" lIns="0" tIns="12700" rIns="0" bIns="0" rtlCol="0">
+            <a:noAutofit/>
+          </a:bodyPr>
+          <a:lstStyle/>
+          <a:p>
+            <a:pPr marL="12700">
+              <a:lnSpc>
+                <a:spcPct val="100000"/>
+              </a:lnSpc>
+              <a:spcBef>
+                <a:spcPts val="100"/>
+              </a:spcBef>
+            </a:pPr>
+            <a:r>
+              <a:rPr lang="en-US" sz="6000" dirty="0"/>
+              <a:t>Real-World Applications</a:t>
+            </a:r>
+            <a:endParaRPr sz="6000" b="0" dirty="0">
+              <a:solidFill>
+                <a:srgbClr val="0C234B"/>
+              </a:solidFill>
+              <a:latin typeface="Times New Roman" panose="02020603050405020304" pitchFamily="18" charset="0"/>
+              <a:cs typeface="Times New Roman" panose="02020603050405020304" pitchFamily="18" charset="0"/>
+            </a:endParaRPr>
+          </a:p>
+        </p:txBody>
+      </p:sp>
+      <p:sp>
+        <p:nvSpPr>
+          <p:cNvPr id="3" name="Rectangle 1">
+            <a:extLst>
+              <a:ext uri="{FF2B5EF4-FFF2-40B4-BE49-F238E27FC236}">
+                <a16:creationId xmlns:a16="http://schemas.microsoft.com/office/drawing/2014/main" id="{C6FBA578-1E4C-30F6-851B-7EEB1978AD02}"/>
+              </a:ext>
+            </a:extLst>
+          </p:cNvPr>
+          <p:cNvSpPr>
+            <a:spLocks noChangeArrowheads="1"/>
+          </p:cNvSpPr>
+          <p:nvPr/>
+        </p:nvSpPr>
+        <p:spPr bwMode="auto">
+          <a:xfrm>
+            <a:off x="2362200" y="2476500"/>
+            <a:ext cx="8610600" cy="1200329"/>
+          </a:xfrm>
+          <a:prstGeom prst="rect">
+            <a:avLst/>
+          </a:prstGeom>
+          <a:noFill/>
+          <a:ln>
+            <a:noFill/>
+          </a:ln>
+          <a:effectLst/>
+          <a:extLst>
+            <a:ext uri="{909E8E84-426E-40DD-AFC4-6F175D3DCCD1}">
+              <a14:hiddenFill xmlns:a14="http://schemas.microsoft.com/office/drawing/2010/main">
+                <a:solidFill>
+                  <a:schemeClr val="accent1"/>
+                </a:solidFill>
+              </a14:hiddenFill>
+            </a:ext>
+            <a:ext uri="{91240B29-F687-4F45-9708-019B960494DF}">
+              <a14:hiddenLine xmlns:a14="http://schemas.microsoft.com/office/drawing/2010/main" w="9525">
+                <a:solidFill>
+                  <a:schemeClr val="tx1"/>
+                </a:solidFill>
+                <a:miter lim="800000"/>
+                <a:headEnd/>
+                <a:tailEnd/>
+              </a14:hiddenLine>
+            </a:ext>
+            <a:ext uri="{AF507438-7753-43E0-B8FC-AC1667EBCBE1}">
+              <a14:hiddenEffects xmlns:a14="http://schemas.microsoft.com/office/drawing/2010/main">
+                <a:effectLst>
+                  <a:outerShdw dist="35921" dir="2700000" algn="ctr" rotWithShape="0">
+                    <a:schemeClr val="bg2"/>
+                  </a:outerShdw>
+                </a:effectLst>
+              </a14:hiddenEffects>
+            </a:ext>
+          </a:extLst>
+        </p:spPr>
+        <p:txBody>
+          <a:bodyPr vert="horz" wrap="square" lIns="91440" tIns="45720" rIns="91440" bIns="45720" numCol="1" anchor="ctr" anchorCtr="0" compatLnSpc="1">
+            <a:prstTxWarp prst="textNoShape">
+              <a:avLst/>
+            </a:prstTxWarp>
+            <a:spAutoFit/>
+          </a:bodyPr>
+          <a:lstStyle/>
+          <a:p>
+            <a:pPr marL="0" marR="0" lvl="0" indent="0" algn="l" defTabSz="914400" rtl="0" eaLnBrk="0" fontAlgn="base" latinLnBrk="0" hangingPunct="0">
+              <a:lnSpc>
+                <a:spcPct val="100000"/>
+              </a:lnSpc>
+              <a:spcBef>
+                <a:spcPct val="0"/>
+              </a:spcBef>
+              <a:spcAft>
+                <a:spcPct val="0"/>
+              </a:spcAft>
+              <a:buClrTx/>
+              <a:buSzTx/>
+              <a:buFontTx/>
+              <a:buNone/>
+              <a:tabLst/>
+            </a:pPr>
+            <a:endParaRPr kumimoji="0" lang="en-US" altLang="en-US" sz="1800" b="0" i="0" u="none" strike="noStrike" cap="none" normalizeH="0" baseline="0">
+              <a:ln>
+                <a:noFill/>
+              </a:ln>
+              <a:solidFill>
+                <a:schemeClr val="tx1"/>
+              </a:solidFill>
+              <a:effectLst/>
+              <a:latin typeface="Arial" panose="020B0604020202020204" pitchFamily="34" charset="0"/>
+            </a:endParaRPr>
+          </a:p>
+          <a:p>
+            <a:pPr marL="0" marR="0" lvl="0" indent="0" algn="l" defTabSz="914400" rtl="0" eaLnBrk="0" fontAlgn="base" latinLnBrk="0" hangingPunct="0">
+              <a:lnSpc>
+                <a:spcPct val="100000"/>
+              </a:lnSpc>
+              <a:spcBef>
+                <a:spcPct val="0"/>
+              </a:spcBef>
+              <a:spcAft>
+                <a:spcPct val="0"/>
+              </a:spcAft>
+              <a:buClrTx/>
+              <a:buSzTx/>
+              <a:buFontTx/>
+              <a:buChar char="•"/>
+              <a:tabLst/>
+            </a:pPr>
+            <a:r>
+              <a:rPr kumimoji="0" lang="en-US" altLang="en-US" sz="1800" b="0" i="0" u="none" strike="noStrike" cap="none" normalizeH="0" baseline="0">
+                <a:ln>
+                  <a:noFill/>
+                </a:ln>
+                <a:solidFill>
+                  <a:schemeClr val="tx1"/>
+                </a:solidFill>
+                <a:effectLst/>
+                <a:latin typeface="Arial" panose="020B0604020202020204" pitchFamily="34" charset="0"/>
+              </a:rPr>
+              <a:t>Examples: Genomics, Ecology, Medical Diagnostics, Marketing, Finance.</a:t>
+            </a:r>
+          </a:p>
+          <a:p>
+            <a:pPr marL="0" marR="0" lvl="0" indent="0" algn="l" defTabSz="914400" rtl="0" eaLnBrk="0" fontAlgn="base" latinLnBrk="0" hangingPunct="0">
+              <a:lnSpc>
+                <a:spcPct val="100000"/>
+              </a:lnSpc>
+              <a:spcBef>
+                <a:spcPct val="0"/>
+              </a:spcBef>
+              <a:spcAft>
+                <a:spcPct val="0"/>
+              </a:spcAft>
+              <a:buClrTx/>
+              <a:buSzTx/>
+              <a:buFontTx/>
+              <a:buChar char="•"/>
+              <a:tabLst/>
+            </a:pPr>
+            <a:r>
+              <a:rPr kumimoji="0" lang="en-US" altLang="en-US" sz="1800" b="0" i="0" u="none" strike="noStrike" cap="none" normalizeH="0" baseline="0">
+                <a:ln>
+                  <a:noFill/>
+                </a:ln>
+                <a:solidFill>
+                  <a:schemeClr val="tx1"/>
+                </a:solidFill>
+                <a:effectLst/>
+                <a:latin typeface="Arial" panose="020B0604020202020204" pitchFamily="34" charset="0"/>
+              </a:rPr>
+              <a:t>Brief descriptions of how DAPC is used in these fields.</a:t>
+            </a:r>
+          </a:p>
+          <a:p>
+            <a:pPr marL="0" marR="0" lvl="0" indent="0" algn="l" defTabSz="914400" rtl="0" eaLnBrk="0" fontAlgn="base" latinLnBrk="0" hangingPunct="0">
+              <a:lnSpc>
+                <a:spcPct val="100000"/>
+              </a:lnSpc>
+              <a:spcBef>
+                <a:spcPct val="0"/>
+              </a:spcBef>
+              <a:spcAft>
+                <a:spcPct val="0"/>
+              </a:spcAft>
+              <a:buClrTx/>
+              <a:buSzTx/>
+              <a:buFontTx/>
+              <a:buChar char="•"/>
+              <a:tabLst/>
+            </a:pPr>
+            <a:r>
+              <a:rPr kumimoji="0" lang="en-US" altLang="en-US" sz="1800" b="0" i="0" u="none" strike="noStrike" cap="none" normalizeH="0" baseline="0">
+                <a:ln>
+                  <a:noFill/>
+                </a:ln>
+                <a:solidFill>
+                  <a:schemeClr val="tx1"/>
+                </a:solidFill>
+                <a:effectLst/>
+                <a:latin typeface="Arial" panose="020B0604020202020204" pitchFamily="34" charset="0"/>
+              </a:rPr>
+              <a:t>Visual: Icons or images representing different applications. </a:t>
+            </a:r>
+          </a:p>
+        </p:txBody>
+      </p:sp>
+    </p:spTree>
+    <p:extLst>
+      <p:ext uri="{BB962C8B-B14F-4D97-AF65-F5344CB8AC3E}">
+        <p14:creationId xmlns:p14="http://schemas.microsoft.com/office/powerpoint/2010/main" val="2957130855"/>
+      </p:ext>
+    </p:extLst>
+  </p:cSld>
+  <p:clrMapOvr>
+    <a:masterClrMapping/>
+  </p:clrMapOvr>
+</p:sld>
+</file>
+
+<file path=ppt/slides/slide13.xml><?xml version="1.0" encoding="utf-8"?>
+<p:sld xmlns:a="http://schemas.openxmlformats.org/drawingml/2006/main" xmlns:r="http://schemas.openxmlformats.org/officeDocument/2006/relationships" xmlns:p="http://schemas.openxmlformats.org/presentationml/2006/main">
+  <p:cSld>
+    <p:spTree>
+      <p:nvGrpSpPr>
+        <p:cNvPr id="1" name=""/>
+        <p:cNvGrpSpPr/>
+        <p:nvPr/>
+      </p:nvGrpSpPr>
+      <p:grpSpPr>
+        <a:xfrm>
+          <a:off x="0" y="0"/>
+          <a:ext cx="0" cy="0"/>
+          <a:chOff x="0" y="0"/>
+          <a:chExt cx="0" cy="0"/>
+        </a:xfrm>
+      </p:grpSpPr>
+      <p:sp>
+        <p:nvSpPr>
+          <p:cNvPr id="2" name="TextBox 1">
+            <a:extLst>
+              <a:ext uri="{FF2B5EF4-FFF2-40B4-BE49-F238E27FC236}">
+                <a16:creationId xmlns:a16="http://schemas.microsoft.com/office/drawing/2014/main" id="{7A3917FB-9318-B75A-2B17-4E1FDD2B3267}"/>
+              </a:ext>
+            </a:extLst>
+          </p:cNvPr>
+          <p:cNvSpPr txBox="1"/>
+          <p:nvPr/>
+        </p:nvSpPr>
+        <p:spPr>
+          <a:xfrm>
+            <a:off x="3017520" y="3620006"/>
+            <a:ext cx="12252960" cy="1569660"/>
+          </a:xfrm>
+          <a:prstGeom prst="rect">
+            <a:avLst/>
+          </a:prstGeom>
+          <a:noFill/>
+        </p:spPr>
+        <p:txBody>
+          <a:bodyPr wrap="square" rtlCol="0">
+            <a:spAutoFit/>
+          </a:bodyPr>
+          <a:lstStyle/>
+          <a:p>
+            <a:pPr algn="ctr"/>
+            <a:r>
+              <a:rPr lang="en-US" sz="9600" dirty="0">
+                <a:latin typeface="Aptos Display" panose="020B0004020202020204" pitchFamily="34" charset="0"/>
+              </a:rPr>
+              <a:t>Example</a:t>
+            </a:r>
+          </a:p>
+        </p:txBody>
+      </p:sp>
+    </p:spTree>
+    <p:extLst>
+      <p:ext uri="{BB962C8B-B14F-4D97-AF65-F5344CB8AC3E}">
+        <p14:creationId xmlns:p14="http://schemas.microsoft.com/office/powerpoint/2010/main" val="3265257831"/>
+      </p:ext>
+    </p:extLst>
+  </p:cSld>
+  <p:clrMapOvr>
+    <a:masterClrMapping/>
+  </p:clrMapOvr>
+</p:sld>
+</file>
+
+<file path=ppt/slides/slide14.xml><?xml version="1.0" encoding="utf-8"?>
+<p:sld xmlns:a="http://schemas.openxmlformats.org/drawingml/2006/main" xmlns:r="http://schemas.openxmlformats.org/officeDocument/2006/relationships" xmlns:p="http://schemas.openxmlformats.org/presentationml/2006/main">
+  <p:cSld>
+    <p:spTree>
+      <p:nvGrpSpPr>
+        <p:cNvPr id="1" name=""/>
+        <p:cNvGrpSpPr/>
+        <p:nvPr/>
+      </p:nvGrpSpPr>
+      <p:grpSpPr>
+        <a:xfrm>
+          <a:off x="0" y="0"/>
+          <a:ext cx="0" cy="0"/>
+          <a:chOff x="0" y="0"/>
+          <a:chExt cx="0" cy="0"/>
+        </a:xfrm>
+      </p:grpSpPr>
+      <p:sp>
+        <p:nvSpPr>
+          <p:cNvPr id="2" name="object 2"/>
+          <p:cNvSpPr txBox="1">
+            <a:spLocks noGrp="1"/>
+          </p:cNvSpPr>
+          <p:nvPr>
+            <p:ph type="title" idx="4294967295"/>
+          </p:nvPr>
+        </p:nvSpPr>
+        <p:spPr>
+          <a:xfrm>
+            <a:off x="2362200" y="1028700"/>
+            <a:ext cx="10896600" cy="1066800"/>
+          </a:xfrm>
+          <a:prstGeom prst="rect">
+            <a:avLst/>
+          </a:prstGeom>
+        </p:spPr>
+        <p:txBody>
+          <a:bodyPr vert="horz" wrap="square" lIns="0" tIns="12700" rIns="0" bIns="0" rtlCol="0">
+            <a:noAutofit/>
+          </a:bodyPr>
+          <a:lstStyle/>
+          <a:p>
+            <a:pPr marL="12700">
+              <a:spcBef>
+                <a:spcPts val="100"/>
+              </a:spcBef>
+            </a:pPr>
+            <a:r>
+              <a:rPr lang="en-US" sz="6000" b="1" dirty="0"/>
+              <a:t>Case Study Example</a:t>
+            </a:r>
+            <a:br>
+              <a:rPr lang="en-US" sz="6000" b="1" dirty="0"/>
+            </a:br>
+            <a:endParaRPr sz="6000" b="0" dirty="0">
+              <a:solidFill>
+                <a:srgbClr val="0C234B"/>
+              </a:solidFill>
+              <a:latin typeface="Times New Roman" panose="02020603050405020304" pitchFamily="18" charset="0"/>
+              <a:cs typeface="Times New Roman" panose="02020603050405020304" pitchFamily="18" charset="0"/>
+            </a:endParaRPr>
+          </a:p>
+        </p:txBody>
+      </p:sp>
+      <p:sp>
+        <p:nvSpPr>
+          <p:cNvPr id="3" name="Rectangle 1">
+            <a:extLst>
+              <a:ext uri="{FF2B5EF4-FFF2-40B4-BE49-F238E27FC236}">
+                <a16:creationId xmlns:a16="http://schemas.microsoft.com/office/drawing/2014/main" id="{C9E71B6D-F93E-4D2B-76E0-B2E5ECBE46B5}"/>
+              </a:ext>
+            </a:extLst>
+          </p:cNvPr>
+          <p:cNvSpPr>
+            <a:spLocks noChangeArrowheads="1"/>
+          </p:cNvSpPr>
+          <p:nvPr/>
+        </p:nvSpPr>
+        <p:spPr bwMode="auto">
+          <a:xfrm rot="10800000" flipV="1">
+            <a:off x="2362200" y="2324101"/>
+            <a:ext cx="11049000" cy="1200329"/>
+          </a:xfrm>
+          <a:prstGeom prst="rect">
+            <a:avLst/>
+          </a:prstGeom>
+          <a:noFill/>
+          <a:ln>
+            <a:noFill/>
+          </a:ln>
+          <a:effectLst/>
+          <a:extLst>
+            <a:ext uri="{909E8E84-426E-40DD-AFC4-6F175D3DCCD1}">
+              <a14:hiddenFill xmlns:a14="http://schemas.microsoft.com/office/drawing/2010/main">
+                <a:solidFill>
+                  <a:schemeClr val="accent1"/>
+                </a:solidFill>
+              </a14:hiddenFill>
+            </a:ext>
+            <a:ext uri="{91240B29-F687-4F45-9708-019B960494DF}">
+              <a14:hiddenLine xmlns:a14="http://schemas.microsoft.com/office/drawing/2010/main" w="9525">
+                <a:solidFill>
+                  <a:schemeClr val="tx1"/>
+                </a:solidFill>
+                <a:miter lim="800000"/>
+                <a:headEnd/>
+                <a:tailEnd/>
+              </a14:hiddenLine>
+            </a:ext>
+            <a:ext uri="{AF507438-7753-43E0-B8FC-AC1667EBCBE1}">
+              <a14:hiddenEffects xmlns:a14="http://schemas.microsoft.com/office/drawing/2010/main">
+                <a:effectLst>
+                  <a:outerShdw dist="35921" dir="2700000" algn="ctr" rotWithShape="0">
+                    <a:schemeClr val="bg2"/>
+                  </a:outerShdw>
+                </a:effectLst>
+              </a14:hiddenEffects>
+            </a:ext>
+          </a:extLst>
+        </p:spPr>
+        <p:txBody>
+          <a:bodyPr vert="horz" wrap="square" lIns="91440" tIns="45720" rIns="91440" bIns="45720" numCol="1" anchor="ctr" anchorCtr="0" compatLnSpc="1">
+            <a:prstTxWarp prst="textNoShape">
+              <a:avLst/>
+            </a:prstTxWarp>
+            <a:spAutoFit/>
+          </a:bodyPr>
+          <a:lstStyle/>
+          <a:p>
+            <a:pPr marL="0" marR="0" lvl="0" indent="0" algn="l" defTabSz="914400" rtl="0" eaLnBrk="0" fontAlgn="base" latinLnBrk="0" hangingPunct="0">
+              <a:lnSpc>
+                <a:spcPct val="100000"/>
+              </a:lnSpc>
+              <a:spcBef>
+                <a:spcPct val="0"/>
+              </a:spcBef>
+              <a:spcAft>
+                <a:spcPct val="0"/>
+              </a:spcAft>
+              <a:buClrTx/>
+              <a:buSzTx/>
+              <a:buFontTx/>
+              <a:buNone/>
+              <a:tabLst/>
+            </a:pPr>
+            <a:endParaRPr kumimoji="0" lang="en-US" altLang="en-US" sz="1800" b="0" i="0" u="none" strike="noStrike" cap="none" normalizeH="0" baseline="0" dirty="0">
+              <a:ln>
+                <a:noFill/>
+              </a:ln>
+              <a:solidFill>
+                <a:schemeClr val="tx1"/>
+              </a:solidFill>
+              <a:effectLst/>
+              <a:latin typeface="Arial" panose="020B0604020202020204" pitchFamily="34" charset="0"/>
+            </a:endParaRPr>
+          </a:p>
+          <a:p>
+            <a:pPr marL="0" marR="0" lvl="0" indent="0" algn="l" defTabSz="914400" rtl="0" eaLnBrk="0" fontAlgn="base" latinLnBrk="0" hangingPunct="0">
+              <a:lnSpc>
+                <a:spcPct val="100000"/>
+              </a:lnSpc>
+              <a:spcBef>
+                <a:spcPct val="0"/>
+              </a:spcBef>
+              <a:spcAft>
+                <a:spcPct val="0"/>
+              </a:spcAft>
+              <a:buClrTx/>
+              <a:buSzTx/>
+              <a:buFontTx/>
+              <a:buChar char="•"/>
+              <a:tabLst/>
+            </a:pPr>
+            <a:r>
+              <a:rPr kumimoji="0" lang="en-US" altLang="en-US" sz="1800" b="0" i="0" u="none" strike="noStrike" cap="none" normalizeH="0" baseline="0" dirty="0">
+                <a:ln>
+                  <a:noFill/>
+                </a:ln>
+                <a:solidFill>
+                  <a:schemeClr val="tx1"/>
+                </a:solidFill>
+                <a:effectLst/>
+                <a:latin typeface="Arial" panose="020B0604020202020204" pitchFamily="34" charset="0"/>
+              </a:rPr>
+              <a:t>Brief overview of a specific case study or dataset (e.g., wine or yeast dataset).</a:t>
+            </a:r>
+          </a:p>
+          <a:p>
+            <a:pPr marL="0" marR="0" lvl="0" indent="0" algn="l" defTabSz="914400" rtl="0" eaLnBrk="0" fontAlgn="base" latinLnBrk="0" hangingPunct="0">
+              <a:lnSpc>
+                <a:spcPct val="100000"/>
+              </a:lnSpc>
+              <a:spcBef>
+                <a:spcPct val="0"/>
+              </a:spcBef>
+              <a:spcAft>
+                <a:spcPct val="0"/>
+              </a:spcAft>
+              <a:buClrTx/>
+              <a:buSzTx/>
+              <a:buFontTx/>
+              <a:buChar char="•"/>
+              <a:tabLst/>
+            </a:pPr>
+            <a:r>
+              <a:rPr kumimoji="0" lang="en-US" altLang="en-US" sz="1800" b="0" i="0" u="none" strike="noStrike" cap="none" normalizeH="0" baseline="0" dirty="0">
+                <a:ln>
+                  <a:noFill/>
+                </a:ln>
+                <a:solidFill>
+                  <a:schemeClr val="tx1"/>
+                </a:solidFill>
+                <a:effectLst/>
+                <a:latin typeface="Arial" panose="020B0604020202020204" pitchFamily="34" charset="0"/>
+              </a:rPr>
+              <a:t>Summary of how DAPC was applied and the results.</a:t>
+            </a:r>
+          </a:p>
+          <a:p>
+            <a:pPr marL="0" marR="0" lvl="0" indent="0" algn="l" defTabSz="914400" rtl="0" eaLnBrk="0" fontAlgn="base" latinLnBrk="0" hangingPunct="0">
+              <a:lnSpc>
+                <a:spcPct val="100000"/>
+              </a:lnSpc>
+              <a:spcBef>
+                <a:spcPct val="0"/>
+              </a:spcBef>
+              <a:spcAft>
+                <a:spcPct val="0"/>
+              </a:spcAft>
+              <a:buClrTx/>
+              <a:buSzTx/>
+              <a:buFontTx/>
+              <a:buChar char="•"/>
+              <a:tabLst/>
+            </a:pPr>
+            <a:r>
+              <a:rPr kumimoji="0" lang="en-US" altLang="en-US" sz="1800" b="0" i="0" u="none" strike="noStrike" cap="none" normalizeH="0" baseline="0" dirty="0">
+                <a:ln>
+                  <a:noFill/>
+                </a:ln>
+                <a:solidFill>
+                  <a:schemeClr val="tx1"/>
+                </a:solidFill>
+                <a:effectLst/>
+                <a:latin typeface="Arial" panose="020B0604020202020204" pitchFamily="34" charset="0"/>
+              </a:rPr>
+              <a:t>Visual: Charts or graphs from the case study. </a:t>
+            </a:r>
+            <a:r>
+              <a:rPr kumimoji="0" lang="en-US" altLang="en-US" sz="1800" b="0" i="0" u="none" strike="noStrike" cap="none" normalizeH="0" baseline="0">
+                <a:ln>
+                  <a:noFill/>
+                </a:ln>
+                <a:solidFill>
+                  <a:schemeClr val="tx1"/>
+                </a:solidFill>
+                <a:effectLst/>
+                <a:latin typeface="Arial" panose="020B0604020202020204" pitchFamily="34" charset="0"/>
+              </a:rPr>
+              <a:t>Penguins?</a:t>
+            </a:r>
+            <a:endParaRPr kumimoji="0" lang="en-US" altLang="en-US" sz="1800" b="0" i="0" u="none" strike="noStrike" cap="none" normalizeH="0" baseline="0" dirty="0">
+              <a:ln>
+                <a:noFill/>
+              </a:ln>
+              <a:solidFill>
+                <a:schemeClr val="tx1"/>
+              </a:solidFill>
+              <a:effectLst/>
+              <a:latin typeface="Arial" panose="020B0604020202020204" pitchFamily="34" charset="0"/>
+            </a:endParaRPr>
+          </a:p>
+        </p:txBody>
+      </p:sp>
+    </p:spTree>
+    <p:extLst>
+      <p:ext uri="{BB962C8B-B14F-4D97-AF65-F5344CB8AC3E}">
+        <p14:creationId xmlns:p14="http://schemas.microsoft.com/office/powerpoint/2010/main" val="771827445"/>
+      </p:ext>
+    </p:extLst>
+  </p:cSld>
+  <p:clrMapOvr>
+    <a:masterClrMapping/>
+  </p:clrMapOvr>
+</p:sld>
+</file>
+
+<file path=ppt/slides/slide15.xml><?xml version="1.0" encoding="utf-8"?>
+<p:sld xmlns:a="http://schemas.openxmlformats.org/drawingml/2006/main" xmlns:r="http://schemas.openxmlformats.org/officeDocument/2006/relationships" xmlns:p="http://schemas.openxmlformats.org/presentationml/2006/main">
+  <p:cSld>
+    <p:spTree>
+      <p:nvGrpSpPr>
+        <p:cNvPr id="1" name=""/>
+        <p:cNvGrpSpPr/>
+        <p:nvPr/>
+      </p:nvGrpSpPr>
+      <p:grpSpPr>
+        <a:xfrm>
+          <a:off x="0" y="0"/>
+          <a:ext cx="0" cy="0"/>
+          <a:chOff x="0" y="0"/>
+          <a:chExt cx="0" cy="0"/>
+        </a:xfrm>
+      </p:grpSpPr>
+      <p:sp>
+        <p:nvSpPr>
+          <p:cNvPr id="2" name="object 2"/>
+          <p:cNvSpPr txBox="1">
+            <a:spLocks noGrp="1"/>
+          </p:cNvSpPr>
+          <p:nvPr>
+            <p:ph type="title" idx="4294967295"/>
+          </p:nvPr>
+        </p:nvSpPr>
+        <p:spPr>
+          <a:xfrm>
+            <a:off x="2362200" y="1028700"/>
+            <a:ext cx="10352088" cy="936625"/>
+          </a:xfrm>
+          <a:prstGeom prst="rect">
+            <a:avLst/>
+          </a:prstGeom>
+        </p:spPr>
+        <p:txBody>
+          <a:bodyPr vert="horz" wrap="square" lIns="0" tIns="12700" rIns="0" bIns="0" rtlCol="0">
+            <a:noAutofit/>
+          </a:bodyPr>
+          <a:lstStyle/>
+          <a:p>
+            <a:pPr marL="12700">
+              <a:lnSpc>
+                <a:spcPct val="100000"/>
+              </a:lnSpc>
+              <a:spcBef>
+                <a:spcPts val="100"/>
+              </a:spcBef>
+            </a:pPr>
+            <a:r>
+              <a:rPr lang="en-US" sz="6000" dirty="0"/>
+              <a:t>Advantages of DAPC</a:t>
+            </a:r>
+            <a:endParaRPr sz="6000" b="0" dirty="0">
+              <a:solidFill>
+                <a:srgbClr val="0C234B"/>
+              </a:solidFill>
+              <a:latin typeface="Times New Roman" panose="02020603050405020304" pitchFamily="18" charset="0"/>
+              <a:cs typeface="Times New Roman" panose="02020603050405020304" pitchFamily="18" charset="0"/>
+            </a:endParaRPr>
+          </a:p>
+        </p:txBody>
+      </p:sp>
+      <p:sp>
+        <p:nvSpPr>
+          <p:cNvPr id="3" name="Rectangle 1">
+            <a:extLst>
+              <a:ext uri="{FF2B5EF4-FFF2-40B4-BE49-F238E27FC236}">
+                <a16:creationId xmlns:a16="http://schemas.microsoft.com/office/drawing/2014/main" id="{29133AF8-330C-0AA1-AF87-FD8CE34F8ED1}"/>
+              </a:ext>
+            </a:extLst>
+          </p:cNvPr>
+          <p:cNvSpPr>
+            <a:spLocks noChangeArrowheads="1"/>
+          </p:cNvSpPr>
+          <p:nvPr/>
+        </p:nvSpPr>
+        <p:spPr bwMode="auto">
+          <a:xfrm>
+            <a:off x="2242344" y="2109401"/>
+            <a:ext cx="10591800" cy="1754326"/>
+          </a:xfrm>
+          <a:prstGeom prst="rect">
+            <a:avLst/>
+          </a:prstGeom>
+          <a:noFill/>
+          <a:ln>
+            <a:noFill/>
+          </a:ln>
+          <a:effectLst/>
+          <a:extLst>
+            <a:ext uri="{909E8E84-426E-40DD-AFC4-6F175D3DCCD1}">
+              <a14:hiddenFill xmlns:a14="http://schemas.microsoft.com/office/drawing/2010/main">
+                <a:solidFill>
+                  <a:schemeClr val="accent1"/>
+                </a:solidFill>
+              </a14:hiddenFill>
+            </a:ext>
+            <a:ext uri="{91240B29-F687-4F45-9708-019B960494DF}">
+              <a14:hiddenLine xmlns:a14="http://schemas.microsoft.com/office/drawing/2010/main" w="9525">
+                <a:solidFill>
+                  <a:schemeClr val="tx1"/>
+                </a:solidFill>
+                <a:miter lim="800000"/>
+                <a:headEnd/>
+                <a:tailEnd/>
+              </a14:hiddenLine>
+            </a:ext>
+            <a:ext uri="{AF507438-7753-43E0-B8FC-AC1667EBCBE1}">
+              <a14:hiddenEffects xmlns:a14="http://schemas.microsoft.com/office/drawing/2010/main">
+                <a:effectLst>
+                  <a:outerShdw dist="35921" dir="2700000" algn="ctr" rotWithShape="0">
+                    <a:schemeClr val="bg2"/>
+                  </a:outerShdw>
+                </a:effectLst>
+              </a14:hiddenEffects>
+            </a:ext>
+          </a:extLst>
+        </p:spPr>
+        <p:txBody>
+          <a:bodyPr vert="horz" wrap="square" lIns="91440" tIns="45720" rIns="91440" bIns="45720" numCol="1" anchor="ctr" anchorCtr="0" compatLnSpc="1">
+            <a:prstTxWarp prst="textNoShape">
+              <a:avLst/>
+            </a:prstTxWarp>
+            <a:spAutoFit/>
+          </a:bodyPr>
+          <a:lstStyle/>
+          <a:p>
+            <a:pPr marL="0" marR="0" lvl="0" indent="0" algn="l" defTabSz="914400" rtl="0" eaLnBrk="0" fontAlgn="base" latinLnBrk="0" hangingPunct="0">
+              <a:lnSpc>
+                <a:spcPct val="100000"/>
+              </a:lnSpc>
+              <a:spcBef>
+                <a:spcPct val="0"/>
+              </a:spcBef>
+              <a:spcAft>
+                <a:spcPct val="0"/>
+              </a:spcAft>
+              <a:buClrTx/>
+              <a:buSzTx/>
+              <a:buFontTx/>
+              <a:buNone/>
+              <a:tabLst/>
+            </a:pPr>
+            <a:endParaRPr kumimoji="0" lang="en-US" altLang="en-US" sz="1800" b="0" i="0" u="none" strike="noStrike" cap="none" normalizeH="0" baseline="0" dirty="0">
+              <a:ln>
+                <a:noFill/>
+              </a:ln>
+              <a:solidFill>
+                <a:schemeClr val="tx1"/>
+              </a:solidFill>
+              <a:effectLst/>
+              <a:latin typeface="Arial" panose="020B0604020202020204" pitchFamily="34" charset="0"/>
+            </a:endParaRPr>
+          </a:p>
+          <a:p>
+            <a:pPr marL="0" marR="0" lvl="0" indent="0" algn="l" defTabSz="914400" rtl="0" eaLnBrk="0" fontAlgn="base" latinLnBrk="0" hangingPunct="0">
+              <a:lnSpc>
+                <a:spcPct val="100000"/>
+              </a:lnSpc>
+              <a:spcBef>
+                <a:spcPct val="0"/>
+              </a:spcBef>
+              <a:spcAft>
+                <a:spcPct val="0"/>
+              </a:spcAft>
+              <a:buClrTx/>
+              <a:buSzTx/>
+              <a:buFontTx/>
+              <a:buChar char="•"/>
+              <a:tabLst/>
+            </a:pPr>
+            <a:r>
+              <a:rPr kumimoji="0" lang="en-US" altLang="en-US" sz="1800" b="0" i="0" u="none" strike="noStrike" cap="none" normalizeH="0" baseline="0" dirty="0">
+                <a:ln>
+                  <a:noFill/>
+                </a:ln>
+                <a:solidFill>
+                  <a:schemeClr val="tx1"/>
+                </a:solidFill>
+                <a:effectLst/>
+                <a:latin typeface="Arial" panose="020B0604020202020204" pitchFamily="34" charset="0"/>
+              </a:rPr>
+              <a:t>Improved classification accuracy.</a:t>
+            </a:r>
+          </a:p>
+          <a:p>
+            <a:pPr marL="0" marR="0" lvl="0" indent="0" algn="l" defTabSz="914400" rtl="0" eaLnBrk="0" fontAlgn="base" latinLnBrk="0" hangingPunct="0">
+              <a:lnSpc>
+                <a:spcPct val="100000"/>
+              </a:lnSpc>
+              <a:spcBef>
+                <a:spcPct val="0"/>
+              </a:spcBef>
+              <a:spcAft>
+                <a:spcPct val="0"/>
+              </a:spcAft>
+              <a:buClrTx/>
+              <a:buSzTx/>
+              <a:buFontTx/>
+              <a:buChar char="•"/>
+              <a:tabLst/>
+            </a:pPr>
+            <a:r>
+              <a:rPr kumimoji="0" lang="en-US" altLang="en-US" sz="1800" b="0" i="0" u="none" strike="noStrike" cap="none" normalizeH="0" baseline="0" dirty="0">
+                <a:ln>
+                  <a:noFill/>
+                </a:ln>
+                <a:solidFill>
+                  <a:schemeClr val="tx1"/>
+                </a:solidFill>
+                <a:effectLst/>
+                <a:latin typeface="Arial" panose="020B0604020202020204" pitchFamily="34" charset="0"/>
+              </a:rPr>
+              <a:t>Effective handling of high-dimensional data.</a:t>
+            </a:r>
+          </a:p>
+          <a:p>
+            <a:pPr marL="0" marR="0" lvl="0" indent="0" algn="l" defTabSz="914400" rtl="0" eaLnBrk="0" fontAlgn="base" latinLnBrk="0" hangingPunct="0">
+              <a:lnSpc>
+                <a:spcPct val="100000"/>
+              </a:lnSpc>
+              <a:spcBef>
+                <a:spcPct val="0"/>
+              </a:spcBef>
+              <a:spcAft>
+                <a:spcPct val="0"/>
+              </a:spcAft>
+              <a:buClrTx/>
+              <a:buSzTx/>
+              <a:buFontTx/>
+              <a:buChar char="•"/>
+              <a:tabLst/>
+            </a:pPr>
+            <a:r>
+              <a:rPr kumimoji="0" lang="en-US" altLang="en-US" sz="1800" b="0" i="0" u="none" strike="noStrike" cap="none" normalizeH="0" baseline="0" dirty="0">
+                <a:ln>
+                  <a:noFill/>
+                </a:ln>
+                <a:solidFill>
+                  <a:schemeClr val="tx1"/>
+                </a:solidFill>
+                <a:effectLst/>
+                <a:latin typeface="Arial" panose="020B0604020202020204" pitchFamily="34" charset="0"/>
+              </a:rPr>
+              <a:t>Enhanced interpretability of results.</a:t>
+            </a:r>
+          </a:p>
+          <a:p>
+            <a:pPr marL="0" marR="0" lvl="0" indent="0" algn="l" defTabSz="914400" rtl="0" eaLnBrk="0" fontAlgn="base" latinLnBrk="0" hangingPunct="0">
+              <a:lnSpc>
+                <a:spcPct val="100000"/>
+              </a:lnSpc>
+              <a:spcBef>
+                <a:spcPct val="0"/>
+              </a:spcBef>
+              <a:spcAft>
+                <a:spcPct val="0"/>
+              </a:spcAft>
+              <a:buClrTx/>
+              <a:buSzTx/>
+              <a:buFontTx/>
+              <a:buChar char="•"/>
+              <a:tabLst/>
+            </a:pPr>
+            <a:r>
+              <a:rPr kumimoji="0" lang="en-US" altLang="en-US" sz="1800" b="0" i="0" u="none" strike="noStrike" cap="none" normalizeH="0" baseline="0" dirty="0">
+                <a:ln>
+                  <a:noFill/>
+                </a:ln>
+                <a:solidFill>
+                  <a:schemeClr val="tx1"/>
+                </a:solidFill>
+                <a:effectLst/>
+                <a:latin typeface="Arial" panose="020B0604020202020204" pitchFamily="34" charset="0"/>
+              </a:rPr>
+              <a:t>Visual: Bullet points or a table summarizing advantages.</a:t>
+            </a:r>
+          </a:p>
+          <a:p>
+            <a:pPr marL="0" marR="0" lvl="0" indent="0" algn="l" defTabSz="914400" rtl="0" eaLnBrk="0" fontAlgn="base" latinLnBrk="0" hangingPunct="0">
+              <a:lnSpc>
+                <a:spcPct val="100000"/>
+              </a:lnSpc>
+              <a:spcBef>
+                <a:spcPct val="0"/>
+              </a:spcBef>
+              <a:spcAft>
+                <a:spcPct val="0"/>
+              </a:spcAft>
+              <a:buClrTx/>
+              <a:buSzTx/>
+              <a:buFontTx/>
+              <a:buChar char="•"/>
+              <a:tabLst/>
+            </a:pPr>
+            <a:r>
+              <a:rPr kumimoji="0" lang="en-US" altLang="en-US" sz="1800" b="0" i="0" u="none" strike="noStrike" cap="none" normalizeH="0" baseline="0" dirty="0">
+                <a:ln>
+                  <a:noFill/>
+                </a:ln>
+                <a:solidFill>
+                  <a:schemeClr val="tx1"/>
+                </a:solidFill>
+                <a:effectLst/>
+                <a:latin typeface="Arial" panose="020B0604020202020204" pitchFamily="34" charset="0"/>
+              </a:rPr>
+              <a:t> </a:t>
+            </a:r>
+          </a:p>
+        </p:txBody>
+      </p:sp>
+      <p:sp>
+        <p:nvSpPr>
+          <p:cNvPr id="4" name="Rectangle 2">
+            <a:extLst>
+              <a:ext uri="{FF2B5EF4-FFF2-40B4-BE49-F238E27FC236}">
+                <a16:creationId xmlns:a16="http://schemas.microsoft.com/office/drawing/2014/main" id="{509AF5BE-DA18-072B-ECE6-DF52B284E2FF}"/>
+              </a:ext>
+            </a:extLst>
+          </p:cNvPr>
+          <p:cNvSpPr>
+            <a:spLocks noChangeArrowheads="1"/>
+          </p:cNvSpPr>
+          <p:nvPr/>
+        </p:nvSpPr>
+        <p:spPr bwMode="auto">
+          <a:xfrm>
+            <a:off x="2819400" y="3843556"/>
+            <a:ext cx="10210800" cy="3647152"/>
+          </a:xfrm>
+          <a:prstGeom prst="rect">
+            <a:avLst/>
+          </a:prstGeom>
+          <a:noFill/>
+          <a:ln>
+            <a:noFill/>
+          </a:ln>
+          <a:effectLst/>
+          <a:extLst>
+            <a:ext uri="{909E8E84-426E-40DD-AFC4-6F175D3DCCD1}">
+              <a14:hiddenFill xmlns:a14="http://schemas.microsoft.com/office/drawing/2010/main">
+                <a:solidFill>
+                  <a:schemeClr val="accent1"/>
+                </a:solidFill>
+              </a14:hiddenFill>
+            </a:ext>
+            <a:ext uri="{91240B29-F687-4F45-9708-019B960494DF}">
+              <a14:hiddenLine xmlns:a14="http://schemas.microsoft.com/office/drawing/2010/main" w="9525">
+                <a:solidFill>
+                  <a:schemeClr val="tx1"/>
+                </a:solidFill>
+                <a:miter lim="800000"/>
+                <a:headEnd/>
+                <a:tailEnd/>
+              </a14:hiddenLine>
+            </a:ext>
+            <a:ext uri="{AF507438-7753-43E0-B8FC-AC1667EBCBE1}">
+              <a14:hiddenEffects xmlns:a14="http://schemas.microsoft.com/office/drawing/2010/main">
+                <a:effectLst>
+                  <a:outerShdw dist="35921" dir="2700000" algn="ctr" rotWithShape="0">
+                    <a:schemeClr val="bg2"/>
+                  </a:outerShdw>
+                </a:effectLst>
+              </a14:hiddenEffects>
+            </a:ext>
+          </a:extLst>
+        </p:spPr>
+        <p:txBody>
+          <a:bodyPr vert="horz" wrap="square" lIns="91440" tIns="45720" rIns="91440" bIns="45720" numCol="1" anchor="ctr" anchorCtr="0" compatLnSpc="1">
+            <a:prstTxWarp prst="textNoShape">
+              <a:avLst/>
+            </a:prstTxWarp>
+            <a:spAutoFit/>
+          </a:bodyPr>
+          <a:lstStyle/>
+          <a:p>
+            <a:pPr marL="0" marR="0" lvl="0" indent="0" algn="l" defTabSz="914400" rtl="0" eaLnBrk="0" fontAlgn="base" latinLnBrk="0" hangingPunct="0">
+              <a:lnSpc>
+                <a:spcPct val="100000"/>
+              </a:lnSpc>
+              <a:spcBef>
+                <a:spcPct val="0"/>
+              </a:spcBef>
+              <a:spcAft>
+                <a:spcPct val="0"/>
+              </a:spcAft>
+              <a:buClrTx/>
+              <a:buSzTx/>
+              <a:buFontTx/>
+              <a:buChar char="•"/>
+              <a:tabLst/>
+            </a:pPr>
+            <a:r>
+              <a:rPr kumimoji="0" lang="en-US" altLang="en-US" sz="1100" b="1" i="0" u="none" strike="noStrike" cap="none" normalizeH="0" baseline="0" dirty="0">
+                <a:ln>
+                  <a:noFill/>
+                </a:ln>
+                <a:solidFill>
+                  <a:schemeClr val="tx1"/>
+                </a:solidFill>
+                <a:effectLst/>
+                <a:latin typeface="Arial" panose="020B0604020202020204" pitchFamily="34" charset="0"/>
+              </a:rPr>
+              <a:t>Enhanced Classification Accuracy</a:t>
+            </a:r>
+            <a:r>
+              <a:rPr kumimoji="0" lang="en-US" altLang="en-US" sz="1100" b="0" i="0" u="none" strike="noStrike" cap="none" normalizeH="0" baseline="0" dirty="0">
+                <a:ln>
+                  <a:noFill/>
+                </a:ln>
+                <a:solidFill>
+                  <a:schemeClr val="tx1"/>
+                </a:solidFill>
+                <a:effectLst/>
+                <a:latin typeface="Arial" panose="020B0604020202020204" pitchFamily="34" charset="0"/>
+              </a:rPr>
+              <a:t>:</a:t>
+            </a:r>
+          </a:p>
+          <a:p>
+            <a:pPr marL="0" marR="0" lvl="0" indent="0" algn="l" defTabSz="914400" rtl="0" eaLnBrk="0" fontAlgn="base" latinLnBrk="0" hangingPunct="0">
+              <a:lnSpc>
+                <a:spcPct val="100000"/>
+              </a:lnSpc>
+              <a:spcBef>
+                <a:spcPct val="0"/>
+              </a:spcBef>
+              <a:spcAft>
+                <a:spcPct val="0"/>
+              </a:spcAft>
+              <a:buClrTx/>
+              <a:buSzTx/>
+              <a:buFontTx/>
+              <a:buChar char="•"/>
+              <a:tabLst/>
+            </a:pPr>
+            <a:r>
+              <a:rPr kumimoji="0" lang="en-US" altLang="en-US" sz="1100" b="0" i="0" u="none" strike="noStrike" cap="none" normalizeH="0" baseline="0" dirty="0">
+                <a:ln>
+                  <a:noFill/>
+                </a:ln>
+                <a:solidFill>
+                  <a:schemeClr val="tx1"/>
+                </a:solidFill>
+                <a:effectLst/>
+                <a:latin typeface="Arial" panose="020B0604020202020204" pitchFamily="34" charset="0"/>
+              </a:rPr>
+              <a:t>DAPC combines PCA and DA, often resulting in more accurate classification by leveraging reduced-dimensionality data that emphasizes key features.</a:t>
+            </a:r>
+          </a:p>
+          <a:p>
+            <a:pPr marL="0" marR="0" lvl="0" indent="0" algn="l" defTabSz="914400" rtl="0" eaLnBrk="0" fontAlgn="base" latinLnBrk="0" hangingPunct="0">
+              <a:lnSpc>
+                <a:spcPct val="100000"/>
+              </a:lnSpc>
+              <a:spcBef>
+                <a:spcPct val="0"/>
+              </a:spcBef>
+              <a:spcAft>
+                <a:spcPct val="0"/>
+              </a:spcAft>
+              <a:buClrTx/>
+              <a:buSzTx/>
+              <a:buFontTx/>
+              <a:buChar char="•"/>
+              <a:tabLst/>
+            </a:pPr>
+            <a:r>
+              <a:rPr kumimoji="0" lang="en-US" altLang="en-US" sz="1100" b="1" i="0" u="none" strike="noStrike" cap="none" normalizeH="0" baseline="0" dirty="0">
+                <a:ln>
+                  <a:noFill/>
+                </a:ln>
+                <a:solidFill>
+                  <a:schemeClr val="tx1"/>
+                </a:solidFill>
+                <a:effectLst/>
+                <a:latin typeface="Arial" panose="020B0604020202020204" pitchFamily="34" charset="0"/>
+              </a:rPr>
+              <a:t>Dimensionality Reduction</a:t>
+            </a:r>
+            <a:r>
+              <a:rPr kumimoji="0" lang="en-US" altLang="en-US" sz="1100" b="0" i="0" u="none" strike="noStrike" cap="none" normalizeH="0" baseline="0" dirty="0">
+                <a:ln>
+                  <a:noFill/>
+                </a:ln>
+                <a:solidFill>
+                  <a:schemeClr val="tx1"/>
+                </a:solidFill>
+                <a:effectLst/>
+                <a:latin typeface="Arial" panose="020B0604020202020204" pitchFamily="34" charset="0"/>
+              </a:rPr>
+              <a:t>:</a:t>
+            </a:r>
+          </a:p>
+          <a:p>
+            <a:pPr marL="0" marR="0" lvl="0" indent="0" algn="l" defTabSz="914400" rtl="0" eaLnBrk="0" fontAlgn="base" latinLnBrk="0" hangingPunct="0">
+              <a:lnSpc>
+                <a:spcPct val="100000"/>
+              </a:lnSpc>
+              <a:spcBef>
+                <a:spcPct val="0"/>
+              </a:spcBef>
+              <a:spcAft>
+                <a:spcPct val="0"/>
+              </a:spcAft>
+              <a:buClrTx/>
+              <a:buSzTx/>
+              <a:buFontTx/>
+              <a:buChar char="•"/>
+              <a:tabLst/>
+            </a:pPr>
+            <a:r>
+              <a:rPr kumimoji="0" lang="en-US" altLang="en-US" sz="1100" b="0" i="0" u="none" strike="noStrike" cap="none" normalizeH="0" baseline="0" dirty="0">
+                <a:ln>
+                  <a:noFill/>
+                </a:ln>
+                <a:solidFill>
+                  <a:schemeClr val="tx1"/>
+                </a:solidFill>
+                <a:effectLst/>
+                <a:latin typeface="Arial" panose="020B0604020202020204" pitchFamily="34" charset="0"/>
+              </a:rPr>
+              <a:t>PCA reduces the number of features, simplifying the data while retaining most of the variability, which helps in dealing with high-dimensional datasets.</a:t>
+            </a:r>
+          </a:p>
+          <a:p>
+            <a:pPr marL="0" marR="0" lvl="0" indent="0" algn="l" defTabSz="914400" rtl="0" eaLnBrk="0" fontAlgn="base" latinLnBrk="0" hangingPunct="0">
+              <a:lnSpc>
+                <a:spcPct val="100000"/>
+              </a:lnSpc>
+              <a:spcBef>
+                <a:spcPct val="0"/>
+              </a:spcBef>
+              <a:spcAft>
+                <a:spcPct val="0"/>
+              </a:spcAft>
+              <a:buClrTx/>
+              <a:buSzTx/>
+              <a:buFontTx/>
+              <a:buChar char="•"/>
+              <a:tabLst/>
+            </a:pPr>
+            <a:r>
+              <a:rPr kumimoji="0" lang="en-US" altLang="en-US" sz="1100" b="1" i="0" u="none" strike="noStrike" cap="none" normalizeH="0" baseline="0" dirty="0">
+                <a:ln>
+                  <a:noFill/>
+                </a:ln>
+                <a:solidFill>
+                  <a:schemeClr val="tx1"/>
+                </a:solidFill>
+                <a:effectLst/>
+                <a:latin typeface="Arial" panose="020B0604020202020204" pitchFamily="34" charset="0"/>
+              </a:rPr>
+              <a:t>Improved Computational Efficiency</a:t>
+            </a:r>
+            <a:r>
+              <a:rPr kumimoji="0" lang="en-US" altLang="en-US" sz="1100" b="0" i="0" u="none" strike="noStrike" cap="none" normalizeH="0" baseline="0" dirty="0">
+                <a:ln>
+                  <a:noFill/>
+                </a:ln>
+                <a:solidFill>
+                  <a:schemeClr val="tx1"/>
+                </a:solidFill>
+                <a:effectLst/>
+                <a:latin typeface="Arial" panose="020B0604020202020204" pitchFamily="34" charset="0"/>
+              </a:rPr>
+              <a:t>:</a:t>
+            </a:r>
+          </a:p>
+          <a:p>
+            <a:pPr marL="0" marR="0" lvl="0" indent="0" algn="l" defTabSz="914400" rtl="0" eaLnBrk="0" fontAlgn="base" latinLnBrk="0" hangingPunct="0">
+              <a:lnSpc>
+                <a:spcPct val="100000"/>
+              </a:lnSpc>
+              <a:spcBef>
+                <a:spcPct val="0"/>
+              </a:spcBef>
+              <a:spcAft>
+                <a:spcPct val="0"/>
+              </a:spcAft>
+              <a:buClrTx/>
+              <a:buSzTx/>
+              <a:buFontTx/>
+              <a:buChar char="•"/>
+              <a:tabLst/>
+            </a:pPr>
+            <a:r>
+              <a:rPr kumimoji="0" lang="en-US" altLang="en-US" sz="1100" b="0" i="0" u="none" strike="noStrike" cap="none" normalizeH="0" baseline="0" dirty="0">
+                <a:ln>
+                  <a:noFill/>
+                </a:ln>
+                <a:solidFill>
+                  <a:schemeClr val="tx1"/>
+                </a:solidFill>
+                <a:effectLst/>
+                <a:latin typeface="Arial" panose="020B0604020202020204" pitchFamily="34" charset="0"/>
+              </a:rPr>
+              <a:t>By reducing dimensionality before applying DA, DAPC reduces computational complexity and processing time, making it more efficient for large datasets.</a:t>
+            </a:r>
+          </a:p>
+          <a:p>
+            <a:pPr marL="0" marR="0" lvl="0" indent="0" algn="l" defTabSz="914400" rtl="0" eaLnBrk="0" fontAlgn="base" latinLnBrk="0" hangingPunct="0">
+              <a:lnSpc>
+                <a:spcPct val="100000"/>
+              </a:lnSpc>
+              <a:spcBef>
+                <a:spcPct val="0"/>
+              </a:spcBef>
+              <a:spcAft>
+                <a:spcPct val="0"/>
+              </a:spcAft>
+              <a:buClrTx/>
+              <a:buSzTx/>
+              <a:buFontTx/>
+              <a:buChar char="•"/>
+              <a:tabLst/>
+            </a:pPr>
+            <a:r>
+              <a:rPr kumimoji="0" lang="en-US" altLang="en-US" sz="1100" b="1" i="0" u="none" strike="noStrike" cap="none" normalizeH="0" baseline="0" dirty="0">
+                <a:ln>
+                  <a:noFill/>
+                </a:ln>
+                <a:solidFill>
+                  <a:schemeClr val="tx1"/>
+                </a:solidFill>
+                <a:effectLst/>
+                <a:latin typeface="Arial" panose="020B0604020202020204" pitchFamily="34" charset="0"/>
+              </a:rPr>
+              <a:t>Better Visualization</a:t>
+            </a:r>
+            <a:r>
+              <a:rPr kumimoji="0" lang="en-US" altLang="en-US" sz="1100" b="0" i="0" u="none" strike="noStrike" cap="none" normalizeH="0" baseline="0" dirty="0">
+                <a:ln>
+                  <a:noFill/>
+                </a:ln>
+                <a:solidFill>
+                  <a:schemeClr val="tx1"/>
+                </a:solidFill>
+                <a:effectLst/>
+                <a:latin typeface="Arial" panose="020B0604020202020204" pitchFamily="34" charset="0"/>
+              </a:rPr>
+              <a:t>:</a:t>
+            </a:r>
+          </a:p>
+          <a:p>
+            <a:pPr marL="0" marR="0" lvl="0" indent="0" algn="l" defTabSz="914400" rtl="0" eaLnBrk="0" fontAlgn="base" latinLnBrk="0" hangingPunct="0">
+              <a:lnSpc>
+                <a:spcPct val="100000"/>
+              </a:lnSpc>
+              <a:spcBef>
+                <a:spcPct val="0"/>
+              </a:spcBef>
+              <a:spcAft>
+                <a:spcPct val="0"/>
+              </a:spcAft>
+              <a:buClrTx/>
+              <a:buSzTx/>
+              <a:buFontTx/>
+              <a:buChar char="•"/>
+              <a:tabLst/>
+            </a:pPr>
+            <a:r>
+              <a:rPr kumimoji="0" lang="en-US" altLang="en-US" sz="1100" b="0" i="0" u="none" strike="noStrike" cap="none" normalizeH="0" baseline="0" dirty="0">
+                <a:ln>
+                  <a:noFill/>
+                </a:ln>
+                <a:solidFill>
+                  <a:schemeClr val="tx1"/>
+                </a:solidFill>
+                <a:effectLst/>
+                <a:latin typeface="Arial" panose="020B0604020202020204" pitchFamily="34" charset="0"/>
+              </a:rPr>
+              <a:t>PCA transforms data into a lower-dimensional space that can be visualized more easily, helping in understanding and interpreting complex data structures.</a:t>
+            </a:r>
+          </a:p>
+          <a:p>
+            <a:pPr marL="0" marR="0" lvl="0" indent="0" algn="l" defTabSz="914400" rtl="0" eaLnBrk="0" fontAlgn="base" latinLnBrk="0" hangingPunct="0">
+              <a:lnSpc>
+                <a:spcPct val="100000"/>
+              </a:lnSpc>
+              <a:spcBef>
+                <a:spcPct val="0"/>
+              </a:spcBef>
+              <a:spcAft>
+                <a:spcPct val="0"/>
+              </a:spcAft>
+              <a:buClrTx/>
+              <a:buSzTx/>
+              <a:buFontTx/>
+              <a:buChar char="•"/>
+              <a:tabLst/>
+            </a:pPr>
+            <a:r>
+              <a:rPr kumimoji="0" lang="en-US" altLang="en-US" sz="1100" b="1" i="0" u="none" strike="noStrike" cap="none" normalizeH="0" baseline="0" dirty="0">
+                <a:ln>
+                  <a:noFill/>
+                </a:ln>
+                <a:solidFill>
+                  <a:schemeClr val="tx1"/>
+                </a:solidFill>
+                <a:effectLst/>
+                <a:latin typeface="Arial" panose="020B0604020202020204" pitchFamily="34" charset="0"/>
+              </a:rPr>
+              <a:t>Noise Reduction</a:t>
+            </a:r>
+            <a:r>
+              <a:rPr kumimoji="0" lang="en-US" altLang="en-US" sz="1100" b="0" i="0" u="none" strike="noStrike" cap="none" normalizeH="0" baseline="0" dirty="0">
+                <a:ln>
+                  <a:noFill/>
+                </a:ln>
+                <a:solidFill>
+                  <a:schemeClr val="tx1"/>
+                </a:solidFill>
+                <a:effectLst/>
+                <a:latin typeface="Arial" panose="020B0604020202020204" pitchFamily="34" charset="0"/>
+              </a:rPr>
+              <a:t>:</a:t>
+            </a:r>
+          </a:p>
+          <a:p>
+            <a:pPr marL="0" marR="0" lvl="0" indent="0" algn="l" defTabSz="914400" rtl="0" eaLnBrk="0" fontAlgn="base" latinLnBrk="0" hangingPunct="0">
+              <a:lnSpc>
+                <a:spcPct val="100000"/>
+              </a:lnSpc>
+              <a:spcBef>
+                <a:spcPct val="0"/>
+              </a:spcBef>
+              <a:spcAft>
+                <a:spcPct val="0"/>
+              </a:spcAft>
+              <a:buClrTx/>
+              <a:buSzTx/>
+              <a:buFontTx/>
+              <a:buChar char="•"/>
+              <a:tabLst/>
+            </a:pPr>
+            <a:r>
+              <a:rPr kumimoji="0" lang="en-US" altLang="en-US" sz="1100" b="0" i="0" u="none" strike="noStrike" cap="none" normalizeH="0" baseline="0" dirty="0">
+                <a:ln>
+                  <a:noFill/>
+                </a:ln>
+                <a:solidFill>
+                  <a:schemeClr val="tx1"/>
+                </a:solidFill>
+                <a:effectLst/>
+                <a:latin typeface="Arial" panose="020B0604020202020204" pitchFamily="34" charset="0"/>
+              </a:rPr>
+              <a:t>PCA helps in filtering out noise and irrelevant features, leading to cleaner and more robust input for the discriminant analysis.</a:t>
+            </a:r>
+          </a:p>
+          <a:p>
+            <a:pPr marL="0" marR="0" lvl="0" indent="0" algn="l" defTabSz="914400" rtl="0" eaLnBrk="0" fontAlgn="base" latinLnBrk="0" hangingPunct="0">
+              <a:lnSpc>
+                <a:spcPct val="100000"/>
+              </a:lnSpc>
+              <a:spcBef>
+                <a:spcPct val="0"/>
+              </a:spcBef>
+              <a:spcAft>
+                <a:spcPct val="0"/>
+              </a:spcAft>
+              <a:buClrTx/>
+              <a:buSzTx/>
+              <a:buFontTx/>
+              <a:buChar char="•"/>
+              <a:tabLst/>
+            </a:pPr>
+            <a:r>
+              <a:rPr kumimoji="0" lang="en-US" altLang="en-US" sz="1100" b="1" i="0" u="none" strike="noStrike" cap="none" normalizeH="0" baseline="0" dirty="0">
+                <a:ln>
+                  <a:noFill/>
+                </a:ln>
+                <a:solidFill>
+                  <a:schemeClr val="tx1"/>
+                </a:solidFill>
+                <a:effectLst/>
+                <a:latin typeface="Arial" panose="020B0604020202020204" pitchFamily="34" charset="0"/>
+              </a:rPr>
+              <a:t>Handling Multicollinearity</a:t>
+            </a:r>
+            <a:r>
+              <a:rPr kumimoji="0" lang="en-US" altLang="en-US" sz="1100" b="0" i="0" u="none" strike="noStrike" cap="none" normalizeH="0" baseline="0" dirty="0">
+                <a:ln>
+                  <a:noFill/>
+                </a:ln>
+                <a:solidFill>
+                  <a:schemeClr val="tx1"/>
+                </a:solidFill>
+                <a:effectLst/>
+                <a:latin typeface="Arial" panose="020B0604020202020204" pitchFamily="34" charset="0"/>
+              </a:rPr>
+              <a:t>:</a:t>
+            </a:r>
+          </a:p>
+          <a:p>
+            <a:pPr marL="0" marR="0" lvl="0" indent="0" algn="l" defTabSz="914400" rtl="0" eaLnBrk="0" fontAlgn="base" latinLnBrk="0" hangingPunct="0">
+              <a:lnSpc>
+                <a:spcPct val="100000"/>
+              </a:lnSpc>
+              <a:spcBef>
+                <a:spcPct val="0"/>
+              </a:spcBef>
+              <a:spcAft>
+                <a:spcPct val="0"/>
+              </a:spcAft>
+              <a:buClrTx/>
+              <a:buSzTx/>
+              <a:buFontTx/>
+              <a:buChar char="•"/>
+              <a:tabLst/>
+            </a:pPr>
+            <a:r>
+              <a:rPr kumimoji="0" lang="en-US" altLang="en-US" sz="1100" b="0" i="0" u="none" strike="noStrike" cap="none" normalizeH="0" baseline="0" dirty="0">
+                <a:ln>
+                  <a:noFill/>
+                </a:ln>
+                <a:solidFill>
+                  <a:schemeClr val="tx1"/>
+                </a:solidFill>
+                <a:effectLst/>
+                <a:latin typeface="Arial" panose="020B0604020202020204" pitchFamily="34" charset="0"/>
+              </a:rPr>
+              <a:t>PCA addresses multicollinearity by transforming correlated features into uncorrelated principal components, improving the performance of the subsequent DA.</a:t>
+            </a:r>
+          </a:p>
+          <a:p>
+            <a:pPr marL="0" marR="0" lvl="0" indent="0" algn="l" defTabSz="914400" rtl="0" eaLnBrk="0" fontAlgn="base" latinLnBrk="0" hangingPunct="0">
+              <a:lnSpc>
+                <a:spcPct val="100000"/>
+              </a:lnSpc>
+              <a:spcBef>
+                <a:spcPct val="0"/>
+              </a:spcBef>
+              <a:spcAft>
+                <a:spcPct val="0"/>
+              </a:spcAft>
+              <a:buClrTx/>
+              <a:buSzTx/>
+              <a:buFontTx/>
+              <a:buChar char="•"/>
+              <a:tabLst/>
+            </a:pPr>
+            <a:r>
+              <a:rPr kumimoji="0" lang="en-US" altLang="en-US" sz="1100" b="1" i="0" u="none" strike="noStrike" cap="none" normalizeH="0" baseline="0" dirty="0">
+                <a:ln>
+                  <a:noFill/>
+                </a:ln>
+                <a:solidFill>
+                  <a:schemeClr val="tx1"/>
+                </a:solidFill>
+                <a:effectLst/>
+                <a:latin typeface="Arial" panose="020B0604020202020204" pitchFamily="34" charset="0"/>
+              </a:rPr>
+              <a:t>Flexibility in Classification</a:t>
+            </a:r>
+            <a:r>
+              <a:rPr kumimoji="0" lang="en-US" altLang="en-US" sz="1100" b="0" i="0" u="none" strike="noStrike" cap="none" normalizeH="0" baseline="0" dirty="0">
+                <a:ln>
+                  <a:noFill/>
+                </a:ln>
+                <a:solidFill>
+                  <a:schemeClr val="tx1"/>
+                </a:solidFill>
+                <a:effectLst/>
+                <a:latin typeface="Arial" panose="020B0604020202020204" pitchFamily="34" charset="0"/>
+              </a:rPr>
+              <a:t>:</a:t>
+            </a:r>
+          </a:p>
+          <a:p>
+            <a:pPr marL="0" marR="0" lvl="0" indent="0" algn="l" defTabSz="914400" rtl="0" eaLnBrk="0" fontAlgn="base" latinLnBrk="0" hangingPunct="0">
+              <a:lnSpc>
+                <a:spcPct val="100000"/>
+              </a:lnSpc>
+              <a:spcBef>
+                <a:spcPct val="0"/>
+              </a:spcBef>
+              <a:spcAft>
+                <a:spcPct val="0"/>
+              </a:spcAft>
+              <a:buClrTx/>
+              <a:buSzTx/>
+              <a:buFontTx/>
+              <a:buChar char="•"/>
+              <a:tabLst/>
+            </a:pPr>
+            <a:r>
+              <a:rPr kumimoji="0" lang="en-US" altLang="en-US" sz="1100" b="0" i="0" u="none" strike="noStrike" cap="none" normalizeH="0" baseline="0" dirty="0">
+                <a:ln>
+                  <a:noFill/>
+                </a:ln>
+                <a:solidFill>
+                  <a:schemeClr val="tx1"/>
+                </a:solidFill>
+                <a:effectLst/>
+                <a:latin typeface="Arial" panose="020B0604020202020204" pitchFamily="34" charset="0"/>
+              </a:rPr>
+              <a:t>DAPC can handle different types of discriminant analysis techniques (e.g., linear or quadratic) depending on the dataset and classification needs.</a:t>
+            </a:r>
+          </a:p>
+          <a:p>
+            <a:pPr marL="0" marR="0" lvl="0" indent="0" algn="l" defTabSz="914400" rtl="0" eaLnBrk="0" fontAlgn="base" latinLnBrk="0" hangingPunct="0">
+              <a:lnSpc>
+                <a:spcPct val="100000"/>
+              </a:lnSpc>
+              <a:spcBef>
+                <a:spcPct val="0"/>
+              </a:spcBef>
+              <a:spcAft>
+                <a:spcPct val="0"/>
+              </a:spcAft>
+              <a:buClrTx/>
+              <a:buSzTx/>
+              <a:buFontTx/>
+              <a:buChar char="•"/>
+              <a:tabLst/>
+            </a:pPr>
+            <a:r>
+              <a:rPr kumimoji="0" lang="en-US" altLang="en-US" sz="1100" b="1" i="0" u="none" strike="noStrike" cap="none" normalizeH="0" baseline="0" dirty="0">
+                <a:ln>
+                  <a:noFill/>
+                </a:ln>
+                <a:solidFill>
+                  <a:schemeClr val="tx1"/>
+                </a:solidFill>
+                <a:effectLst/>
+                <a:latin typeface="Arial" panose="020B0604020202020204" pitchFamily="34" charset="0"/>
+              </a:rPr>
+              <a:t>Scalability</a:t>
+            </a:r>
+            <a:r>
+              <a:rPr kumimoji="0" lang="en-US" altLang="en-US" sz="1100" b="0" i="0" u="none" strike="noStrike" cap="none" normalizeH="0" baseline="0" dirty="0">
+                <a:ln>
+                  <a:noFill/>
+                </a:ln>
+                <a:solidFill>
+                  <a:schemeClr val="tx1"/>
+                </a:solidFill>
+                <a:effectLst/>
+                <a:latin typeface="Arial" panose="020B0604020202020204" pitchFamily="34" charset="0"/>
+              </a:rPr>
+              <a:t>:</a:t>
+            </a:r>
+          </a:p>
+          <a:p>
+            <a:pPr marL="0" marR="0" lvl="0" indent="0" algn="l" defTabSz="914400" rtl="0" eaLnBrk="0" fontAlgn="base" latinLnBrk="0" hangingPunct="0">
+              <a:lnSpc>
+                <a:spcPct val="100000"/>
+              </a:lnSpc>
+              <a:spcBef>
+                <a:spcPct val="0"/>
+              </a:spcBef>
+              <a:spcAft>
+                <a:spcPct val="0"/>
+              </a:spcAft>
+              <a:buClrTx/>
+              <a:buSzTx/>
+              <a:buFontTx/>
+              <a:buChar char="•"/>
+              <a:tabLst/>
+            </a:pPr>
+            <a:r>
+              <a:rPr kumimoji="0" lang="en-US" altLang="en-US" sz="1100" b="0" i="0" u="none" strike="noStrike" cap="none" normalizeH="0" baseline="0" dirty="0">
+                <a:ln>
+                  <a:noFill/>
+                </a:ln>
+                <a:solidFill>
+                  <a:schemeClr val="tx1"/>
+                </a:solidFill>
+                <a:effectLst/>
+                <a:latin typeface="Arial" panose="020B0604020202020204" pitchFamily="34" charset="0"/>
+              </a:rPr>
+              <a:t>The method scales well with large datasets due to its combination of dimensionality reduction and classification, making it suitable for various domains.</a:t>
+            </a:r>
+          </a:p>
+          <a:p>
+            <a:pPr marL="0" marR="0" lvl="0" indent="0" algn="l" defTabSz="914400" rtl="0" eaLnBrk="0" fontAlgn="base" latinLnBrk="0" hangingPunct="0">
+              <a:lnSpc>
+                <a:spcPct val="100000"/>
+              </a:lnSpc>
+              <a:spcBef>
+                <a:spcPct val="0"/>
+              </a:spcBef>
+              <a:spcAft>
+                <a:spcPct val="0"/>
+              </a:spcAft>
+              <a:buClrTx/>
+              <a:buSzTx/>
+              <a:buFontTx/>
+              <a:buChar char="•"/>
+              <a:tabLst/>
+            </a:pPr>
+            <a:r>
+              <a:rPr kumimoji="0" lang="en-US" altLang="en-US" sz="1100" b="1" i="0" u="none" strike="noStrike" cap="none" normalizeH="0" baseline="0" dirty="0">
+                <a:ln>
+                  <a:noFill/>
+                </a:ln>
+                <a:solidFill>
+                  <a:schemeClr val="tx1"/>
+                </a:solidFill>
+                <a:effectLst/>
+                <a:latin typeface="Arial" panose="020B0604020202020204" pitchFamily="34" charset="0"/>
+              </a:rPr>
+              <a:t>Feature Extraction</a:t>
+            </a:r>
+            <a:r>
+              <a:rPr kumimoji="0" lang="en-US" altLang="en-US" sz="1100" b="0" i="0" u="none" strike="noStrike" cap="none" normalizeH="0" baseline="0" dirty="0">
+                <a:ln>
+                  <a:noFill/>
+                </a:ln>
+                <a:solidFill>
+                  <a:schemeClr val="tx1"/>
+                </a:solidFill>
+                <a:effectLst/>
+                <a:latin typeface="Arial" panose="020B0604020202020204" pitchFamily="34" charset="0"/>
+              </a:rPr>
+              <a:t>:</a:t>
+            </a:r>
+          </a:p>
+          <a:p>
+            <a:pPr marL="0" marR="0" lvl="0" indent="0" algn="l" defTabSz="914400" rtl="0" eaLnBrk="0" fontAlgn="base" latinLnBrk="0" hangingPunct="0">
+              <a:lnSpc>
+                <a:spcPct val="100000"/>
+              </a:lnSpc>
+              <a:spcBef>
+                <a:spcPct val="0"/>
+              </a:spcBef>
+              <a:spcAft>
+                <a:spcPct val="0"/>
+              </a:spcAft>
+              <a:buClrTx/>
+              <a:buSzTx/>
+              <a:buFontTx/>
+              <a:buChar char="•"/>
+              <a:tabLst/>
+            </a:pPr>
+            <a:r>
+              <a:rPr kumimoji="0" lang="en-US" altLang="en-US" sz="1100" b="0" i="0" u="none" strike="noStrike" cap="none" normalizeH="0" baseline="0" dirty="0">
+                <a:ln>
+                  <a:noFill/>
+                </a:ln>
+                <a:solidFill>
+                  <a:schemeClr val="tx1"/>
+                </a:solidFill>
+                <a:effectLst/>
+                <a:latin typeface="Arial" panose="020B0604020202020204" pitchFamily="34" charset="0"/>
+              </a:rPr>
+              <a:t>PCA identifies the most important features (principal components), which can be valuable for feature selection and understanding underlying data patterns.</a:t>
+            </a:r>
+          </a:p>
+          <a:p>
+            <a:pPr marL="0" marR="0" lvl="0" indent="0" algn="l" defTabSz="914400" rtl="0" eaLnBrk="0" fontAlgn="base" latinLnBrk="0" hangingPunct="0">
+              <a:lnSpc>
+                <a:spcPct val="100000"/>
+              </a:lnSpc>
+              <a:spcBef>
+                <a:spcPct val="0"/>
+              </a:spcBef>
+              <a:spcAft>
+                <a:spcPct val="0"/>
+              </a:spcAft>
+              <a:buClrTx/>
+              <a:buSzTx/>
+              <a:buFontTx/>
+              <a:buChar char="•"/>
+              <a:tabLst/>
+            </a:pPr>
+            <a:r>
+              <a:rPr kumimoji="0" lang="en-US" altLang="en-US" sz="1100" b="1" i="0" u="none" strike="noStrike" cap="none" normalizeH="0" baseline="0" dirty="0">
+                <a:ln>
+                  <a:noFill/>
+                </a:ln>
+                <a:solidFill>
+                  <a:schemeClr val="tx1"/>
+                </a:solidFill>
+                <a:effectLst/>
+                <a:latin typeface="Arial" panose="020B0604020202020204" pitchFamily="34" charset="0"/>
+              </a:rPr>
+              <a:t>Enhanced Interpretability</a:t>
+            </a:r>
+            <a:r>
+              <a:rPr kumimoji="0" lang="en-US" altLang="en-US" sz="1100" b="0" i="0" u="none" strike="noStrike" cap="none" normalizeH="0" baseline="0" dirty="0">
+                <a:ln>
+                  <a:noFill/>
+                </a:ln>
+                <a:solidFill>
+                  <a:schemeClr val="tx1"/>
+                </a:solidFill>
+                <a:effectLst/>
+                <a:latin typeface="Arial" panose="020B0604020202020204" pitchFamily="34" charset="0"/>
+              </a:rPr>
+              <a:t>:</a:t>
+            </a:r>
+          </a:p>
+          <a:p>
+            <a:pPr marL="0" marR="0" lvl="0" indent="0" algn="l" defTabSz="914400" rtl="0" eaLnBrk="0" fontAlgn="base" latinLnBrk="0" hangingPunct="0">
+              <a:lnSpc>
+                <a:spcPct val="100000"/>
+              </a:lnSpc>
+              <a:spcBef>
+                <a:spcPct val="0"/>
+              </a:spcBef>
+              <a:spcAft>
+                <a:spcPct val="0"/>
+              </a:spcAft>
+              <a:buClrTx/>
+              <a:buSzTx/>
+              <a:buFontTx/>
+              <a:buChar char="•"/>
+              <a:tabLst/>
+            </a:pPr>
+            <a:r>
+              <a:rPr kumimoji="0" lang="en-US" altLang="en-US" sz="1100" b="0" i="0" u="none" strike="noStrike" cap="none" normalizeH="0" baseline="0" dirty="0">
+                <a:ln>
+                  <a:noFill/>
+                </a:ln>
+                <a:solidFill>
+                  <a:schemeClr val="tx1"/>
+                </a:solidFill>
+                <a:effectLst/>
+                <a:latin typeface="Arial" panose="020B0604020202020204" pitchFamily="34" charset="0"/>
+              </a:rPr>
+              <a:t>By focusing on principal components, DAPC simplifies the data structure, making the results of the discriminant analysis easier to interpret and analyze.</a:t>
+            </a:r>
+          </a:p>
+          <a:p>
+            <a:pPr marL="0" marR="0" lvl="0" indent="0" algn="l" defTabSz="914400" rtl="0" eaLnBrk="0" fontAlgn="base" latinLnBrk="0" hangingPunct="0">
+              <a:lnSpc>
+                <a:spcPct val="100000"/>
+              </a:lnSpc>
+              <a:spcBef>
+                <a:spcPct val="0"/>
+              </a:spcBef>
+              <a:spcAft>
+                <a:spcPct val="0"/>
+              </a:spcAft>
+              <a:buClrTx/>
+              <a:buSzTx/>
+              <a:buFontTx/>
+              <a:buNone/>
+              <a:tabLst/>
+            </a:pPr>
+            <a:endParaRPr kumimoji="0" lang="en-US" altLang="en-US" sz="1100" b="0" i="0" u="none" strike="noStrike" cap="none" normalizeH="0" baseline="0" dirty="0">
+              <a:ln>
+                <a:noFill/>
+              </a:ln>
+              <a:solidFill>
+                <a:schemeClr val="tx1"/>
+              </a:solidFill>
+              <a:effectLst/>
+              <a:latin typeface="Arial" panose="020B0604020202020204" pitchFamily="34" charset="0"/>
+            </a:endParaRPr>
+          </a:p>
+        </p:txBody>
+      </p:sp>
+    </p:spTree>
+    <p:extLst>
+      <p:ext uri="{BB962C8B-B14F-4D97-AF65-F5344CB8AC3E}">
+        <p14:creationId xmlns:p14="http://schemas.microsoft.com/office/powerpoint/2010/main" val="3023116690"/>
+      </p:ext>
+    </p:extLst>
+  </p:cSld>
+  <p:clrMapOvr>
+    <a:masterClrMapping/>
+  </p:clrMapOvr>
+</p:sld>
+</file>
+
+<file path=ppt/slides/slide16.xml><?xml version="1.0" encoding="utf-8"?>
+<p:sld xmlns:a="http://schemas.openxmlformats.org/drawingml/2006/main" xmlns:r="http://schemas.openxmlformats.org/officeDocument/2006/relationships" xmlns:p="http://schemas.openxmlformats.org/presentationml/2006/main">
+  <p:cSld>
+    <p:spTree>
+      <p:nvGrpSpPr>
+        <p:cNvPr id="1" name=""/>
+        <p:cNvGrpSpPr/>
+        <p:nvPr/>
+      </p:nvGrpSpPr>
+      <p:grpSpPr>
+        <a:xfrm>
+          <a:off x="0" y="0"/>
+          <a:ext cx="0" cy="0"/>
+          <a:chOff x="0" y="0"/>
+          <a:chExt cx="0" cy="0"/>
+        </a:xfrm>
+      </p:grpSpPr>
+      <p:sp>
+        <p:nvSpPr>
           <p:cNvPr id="2" name="object 2"/>
           <p:cNvSpPr txBox="1">
             <a:spLocks noGrp="1"/>
@@ -12681,7 +14661,75 @@
 </p:sld>
 </file>
 
-<file path=ppt/slides/slide11.xml><?xml version="1.0" encoding="utf-8"?>
+<file path=ppt/slides/slide17.xml><?xml version="1.0" encoding="utf-8"?>
+<p:sld xmlns:a="http://schemas.openxmlformats.org/drawingml/2006/main" xmlns:r="http://schemas.openxmlformats.org/officeDocument/2006/relationships" xmlns:p="http://schemas.openxmlformats.org/presentationml/2006/main">
+  <p:cSld>
+    <p:spTree>
+      <p:nvGrpSpPr>
+        <p:cNvPr id="1" name=""/>
+        <p:cNvGrpSpPr/>
+        <p:nvPr/>
+      </p:nvGrpSpPr>
+      <p:grpSpPr>
+        <a:xfrm>
+          <a:off x="0" y="0"/>
+          <a:ext cx="0" cy="0"/>
+          <a:chOff x="0" y="0"/>
+          <a:chExt cx="0" cy="0"/>
+        </a:xfrm>
+      </p:grpSpPr>
+      <p:sp>
+        <p:nvSpPr>
+          <p:cNvPr id="2" name="TextBox 1">
+            <a:extLst>
+              <a:ext uri="{FF2B5EF4-FFF2-40B4-BE49-F238E27FC236}">
+                <a16:creationId xmlns:a16="http://schemas.microsoft.com/office/drawing/2014/main" id="{7A3917FB-9318-B75A-2B17-4E1FDD2B3267}"/>
+              </a:ext>
+            </a:extLst>
+          </p:cNvPr>
+          <p:cNvSpPr txBox="1"/>
+          <p:nvPr/>
+        </p:nvSpPr>
+        <p:spPr>
+          <a:xfrm>
+            <a:off x="3017520" y="3620006"/>
+            <a:ext cx="12252960" cy="1569660"/>
+          </a:xfrm>
+          <a:prstGeom prst="rect">
+            <a:avLst/>
+          </a:prstGeom>
+          <a:noFill/>
+        </p:spPr>
+        <p:txBody>
+          <a:bodyPr wrap="square" rtlCol="0">
+            <a:spAutoFit/>
+          </a:bodyPr>
+          <a:lstStyle/>
+          <a:p>
+            <a:pPr algn="ctr"/>
+            <a:r>
+              <a:rPr lang="en-US" sz="9600" dirty="0">
+                <a:latin typeface="Aptos Display" panose="020B0004020202020204" pitchFamily="34" charset="0"/>
+              </a:rPr>
+              <a:t>Conclusion</a:t>
+            </a:r>
+          </a:p>
+        </p:txBody>
+      </p:sp>
+    </p:spTree>
+    <p:extLst>
+      <p:ext uri="{BB962C8B-B14F-4D97-AF65-F5344CB8AC3E}">
+        <p14:creationId xmlns:p14="http://schemas.microsoft.com/office/powerpoint/2010/main" val="1749243724"/>
+      </p:ext>
+    </p:extLst>
+  </p:cSld>
+  <p:clrMapOvr>
+    <a:masterClrMapping/>
+  </p:clrMapOvr>
+</p:sld>
+</file>
+
+<file path=ppt/slides/slide18.xml><?xml version="1.0" encoding="utf-8"?>
 <p:sld xmlns:a="http://schemas.openxmlformats.org/drawingml/2006/main" xmlns:r="http://schemas.openxmlformats.org/officeDocument/2006/relationships" xmlns:p="http://schemas.openxmlformats.org/presentationml/2006/main">
   <p:cSld>
     <p:spTree>
@@ -12976,7 +15024,7 @@
 </p:sld>
 </file>
 
-<file path=ppt/slides/slide12.xml><?xml version="1.0" encoding="utf-8"?>
+<file path=ppt/slides/slide19.xml><?xml version="1.0" encoding="utf-8"?>
 <p:sld xmlns:a="http://schemas.openxmlformats.org/drawingml/2006/main" xmlns:r="http://schemas.openxmlformats.org/officeDocument/2006/relationships" xmlns:p="http://schemas.openxmlformats.org/presentationml/2006/main">
   <p:cSld>
     <p:spTree>
@@ -13240,6 +15288,74 @@
 </file>
 
 <file path=ppt/slides/slide2.xml><?xml version="1.0" encoding="utf-8"?>
+<p:sld xmlns:a="http://schemas.openxmlformats.org/drawingml/2006/main" xmlns:r="http://schemas.openxmlformats.org/officeDocument/2006/relationships" xmlns:p="http://schemas.openxmlformats.org/presentationml/2006/main">
+  <p:cSld>
+    <p:spTree>
+      <p:nvGrpSpPr>
+        <p:cNvPr id="1" name=""/>
+        <p:cNvGrpSpPr/>
+        <p:nvPr/>
+      </p:nvGrpSpPr>
+      <p:grpSpPr>
+        <a:xfrm>
+          <a:off x="0" y="0"/>
+          <a:ext cx="0" cy="0"/>
+          <a:chOff x="0" y="0"/>
+          <a:chExt cx="0" cy="0"/>
+        </a:xfrm>
+      </p:grpSpPr>
+      <p:sp>
+        <p:nvSpPr>
+          <p:cNvPr id="2" name="TextBox 1">
+            <a:extLst>
+              <a:ext uri="{FF2B5EF4-FFF2-40B4-BE49-F238E27FC236}">
+                <a16:creationId xmlns:a16="http://schemas.microsoft.com/office/drawing/2014/main" id="{7A3917FB-9318-B75A-2B17-4E1FDD2B3267}"/>
+              </a:ext>
+            </a:extLst>
+          </p:cNvPr>
+          <p:cNvSpPr txBox="1"/>
+          <p:nvPr/>
+        </p:nvSpPr>
+        <p:spPr>
+          <a:xfrm>
+            <a:off x="3017520" y="3620006"/>
+            <a:ext cx="12252960" cy="1569660"/>
+          </a:xfrm>
+          <a:prstGeom prst="rect">
+            <a:avLst/>
+          </a:prstGeom>
+          <a:noFill/>
+        </p:spPr>
+        <p:txBody>
+          <a:bodyPr wrap="square" rtlCol="0">
+            <a:spAutoFit/>
+          </a:bodyPr>
+          <a:lstStyle/>
+          <a:p>
+            <a:pPr algn="ctr"/>
+            <a:r>
+              <a:rPr lang="en-US" sz="9600" dirty="0">
+                <a:latin typeface="Aptos Display" panose="020B0004020202020204" pitchFamily="34" charset="0"/>
+              </a:rPr>
+              <a:t>Background Information</a:t>
+            </a:r>
+          </a:p>
+        </p:txBody>
+      </p:sp>
+    </p:spTree>
+    <p:extLst>
+      <p:ext uri="{BB962C8B-B14F-4D97-AF65-F5344CB8AC3E}">
+        <p14:creationId xmlns:p14="http://schemas.microsoft.com/office/powerpoint/2010/main" val="1253725192"/>
+      </p:ext>
+    </p:extLst>
+  </p:cSld>
+  <p:clrMapOvr>
+    <a:masterClrMapping/>
+  </p:clrMapOvr>
+</p:sld>
+</file>
+
+<file path=ppt/slides/slide20.xml><?xml version="1.0" encoding="utf-8"?>
 <p:sld xmlns:a="http://schemas.openxmlformats.org/drawingml/2006/main" xmlns:r="http://schemas.openxmlformats.org/officeDocument/2006/relationships" xmlns:p="http://schemas.openxmlformats.org/presentationml/2006/main">
   <p:cSld>
     <p:spTree>
@@ -14108,7 +16224,7 @@
 </p:sld>
 </file>
 
-<file path=ppt/slides/slide3.xml><?xml version="1.0" encoding="utf-8"?>
+<file path=ppt/slides/slide21.xml><?xml version="1.0" encoding="utf-8"?>
 <p:sld xmlns:a="http://schemas.openxmlformats.org/drawingml/2006/main" xmlns:r="http://schemas.openxmlformats.org/officeDocument/2006/relationships" xmlns:p="http://schemas.openxmlformats.org/presentationml/2006/main">
   <p:cSld>
     <p:spTree>
@@ -15242,7 +17358,7 @@
 </p:sld>
 </file>
 
-<file path=ppt/slides/slide4.xml><?xml version="1.0" encoding="utf-8"?>
+<file path=ppt/slides/slide22.xml><?xml version="1.0" encoding="utf-8"?>
 <p:sld xmlns:a="http://schemas.openxmlformats.org/drawingml/2006/main" xmlns:r="http://schemas.openxmlformats.org/officeDocument/2006/relationships" xmlns:p="http://schemas.openxmlformats.org/presentationml/2006/main">
   <p:cSld>
     <p:spTree>
@@ -15387,7 +17503,7 @@
               <a:buNone/>
               <a:tabLst/>
             </a:pPr>
-            <a:endParaRPr kumimoji="0" lang="en-US" altLang="en-US" sz="1800" b="0" i="0" u="none" strike="noStrike" cap="none" normalizeH="0" baseline="0">
+            <a:endParaRPr kumimoji="0" lang="en-US" altLang="en-US" sz="1800" b="0" i="0" u="none" strike="noStrike" cap="none" normalizeH="0" baseline="0" dirty="0">
               <a:ln>
                 <a:noFill/>
               </a:ln>
@@ -15416,7 +17532,7 @@
               <a:tabLst/>
             </a:pPr>
             <a:r>
-              <a:rPr kumimoji="0" lang="en-US" altLang="en-US" sz="1800" b="0" i="0" u="none" strike="noStrike" cap="none" normalizeH="0" baseline="0">
+              <a:rPr kumimoji="0" lang="en-US" altLang="en-US" sz="1800" b="0" i="0" u="none" strike="noStrike" cap="none" normalizeH="0" baseline="0" dirty="0">
                 <a:ln>
                   <a:noFill/>
                 </a:ln>
@@ -15447,7 +17563,7 @@
               <a:tabLst/>
             </a:pPr>
             <a:r>
-              <a:rPr kumimoji="0" lang="en-US" altLang="en-US" sz="1800" b="0" i="0" u="none" strike="noStrike" cap="none" normalizeH="0" baseline="0">
+              <a:rPr kumimoji="0" lang="en-US" altLang="en-US" sz="1800" b="0" i="0" u="none" strike="noStrike" cap="none" normalizeH="0" baseline="0" dirty="0">
                 <a:ln>
                   <a:noFill/>
                 </a:ln>
@@ -15478,7 +17594,7 @@
               <a:tabLst/>
             </a:pPr>
             <a:r>
-              <a:rPr kumimoji="0" lang="en-US" altLang="en-US" sz="1800" b="0" i="0" u="none" strike="noStrike" cap="none" normalizeH="0" baseline="0">
+              <a:rPr kumimoji="0" lang="en-US" altLang="en-US" sz="1800" b="0" i="0" u="none" strike="noStrike" cap="none" normalizeH="0" baseline="0" dirty="0">
                 <a:ln>
                   <a:noFill/>
                 </a:ln>
@@ -16355,7 +18471,7 @@
 </p:sld>
 </file>
 
-<file path=ppt/slides/slide5.xml><?xml version="1.0" encoding="utf-8"?>
+<file path=ppt/slides/slide23.xml><?xml version="1.0" encoding="utf-8"?>
 <p:sld xmlns:a="http://schemas.openxmlformats.org/drawingml/2006/main" xmlns:r="http://schemas.openxmlformats.org/officeDocument/2006/relationships" xmlns:p="http://schemas.openxmlformats.org/presentationml/2006/main">
   <p:cSld>
     <p:spTree>
@@ -16649,7 +18765,1473 @@
 </p:sld>
 </file>
 
+<file path=ppt/slides/slide3.xml><?xml version="1.0" encoding="utf-8"?>
+<p:sld xmlns:a="http://schemas.openxmlformats.org/drawingml/2006/main" xmlns:r="http://schemas.openxmlformats.org/officeDocument/2006/relationships" xmlns:p="http://schemas.openxmlformats.org/presentationml/2006/main">
+  <p:cSld>
+    <p:spTree>
+      <p:nvGrpSpPr>
+        <p:cNvPr id="1" name=""/>
+        <p:cNvGrpSpPr/>
+        <p:nvPr/>
+      </p:nvGrpSpPr>
+      <p:grpSpPr>
+        <a:xfrm>
+          <a:off x="0" y="0"/>
+          <a:ext cx="0" cy="0"/>
+          <a:chOff x="0" y="0"/>
+          <a:chExt cx="0" cy="0"/>
+        </a:xfrm>
+      </p:grpSpPr>
+      <p:sp>
+        <p:nvSpPr>
+          <p:cNvPr id="2" name="object 2"/>
+          <p:cNvSpPr txBox="1">
+            <a:spLocks noGrp="1"/>
+          </p:cNvSpPr>
+          <p:nvPr>
+            <p:ph type="title" idx="4294967295"/>
+          </p:nvPr>
+        </p:nvSpPr>
+        <p:spPr>
+          <a:xfrm>
+            <a:off x="2590799" y="876300"/>
+            <a:ext cx="10098088" cy="936625"/>
+          </a:xfrm>
+          <a:prstGeom prst="rect">
+            <a:avLst/>
+          </a:prstGeom>
+        </p:spPr>
+        <p:txBody>
+          <a:bodyPr vert="horz" wrap="square" lIns="0" tIns="12700" rIns="0" bIns="0" rtlCol="0">
+            <a:noAutofit/>
+          </a:bodyPr>
+          <a:lstStyle/>
+          <a:p>
+            <a:pPr marL="12700">
+              <a:lnSpc>
+                <a:spcPct val="100000"/>
+              </a:lnSpc>
+              <a:spcBef>
+                <a:spcPts val="100"/>
+              </a:spcBef>
+            </a:pPr>
+            <a:r>
+              <a:rPr lang="en-US" sz="6000" b="0" dirty="0">
+                <a:solidFill>
+                  <a:srgbClr val="0C234B"/>
+                </a:solidFill>
+                <a:latin typeface="Aptos Display" panose="020B0004020202020204" pitchFamily="34" charset="0"/>
+                <a:cs typeface="Times New Roman" panose="02020603050405020304" pitchFamily="18" charset="0"/>
+              </a:rPr>
+              <a:t>What is DAPC?</a:t>
+            </a:r>
+            <a:endParaRPr sz="6000" b="0" dirty="0">
+              <a:solidFill>
+                <a:srgbClr val="0C234B"/>
+              </a:solidFill>
+              <a:latin typeface="Aptos Display" panose="020B0004020202020204" pitchFamily="34" charset="0"/>
+              <a:cs typeface="Times New Roman" panose="02020603050405020304" pitchFamily="18" charset="0"/>
+            </a:endParaRPr>
+          </a:p>
+        </p:txBody>
+      </p:sp>
+      <p:sp>
+        <p:nvSpPr>
+          <p:cNvPr id="7" name="Rectangle 3">
+            <a:extLst>
+              <a:ext uri="{FF2B5EF4-FFF2-40B4-BE49-F238E27FC236}">
+                <a16:creationId xmlns:a16="http://schemas.microsoft.com/office/drawing/2014/main" id="{27538980-ADC8-D00D-B0FC-F05F5543CCDE}"/>
+              </a:ext>
+            </a:extLst>
+          </p:cNvPr>
+          <p:cNvSpPr>
+            <a:spLocks noChangeArrowheads="1"/>
+          </p:cNvSpPr>
+          <p:nvPr/>
+        </p:nvSpPr>
+        <p:spPr bwMode="auto">
+          <a:xfrm>
+            <a:off x="2590799" y="2705099"/>
+            <a:ext cx="13344525" cy="4031873"/>
+          </a:xfrm>
+          <a:prstGeom prst="rect">
+            <a:avLst/>
+          </a:prstGeom>
+          <a:noFill/>
+          <a:ln>
+            <a:noFill/>
+          </a:ln>
+          <a:effectLst/>
+          <a:extLst>
+            <a:ext uri="{909E8E84-426E-40DD-AFC4-6F175D3DCCD1}">
+              <a14:hiddenFill xmlns:a14="http://schemas.microsoft.com/office/drawing/2010/main">
+                <a:solidFill>
+                  <a:schemeClr val="accent1"/>
+                </a:solidFill>
+              </a14:hiddenFill>
+            </a:ext>
+            <a:ext uri="{91240B29-F687-4F45-9708-019B960494DF}">
+              <a14:hiddenLine xmlns:a14="http://schemas.microsoft.com/office/drawing/2010/main" w="9525">
+                <a:solidFill>
+                  <a:schemeClr val="tx1"/>
+                </a:solidFill>
+                <a:miter lim="800000"/>
+                <a:headEnd/>
+                <a:tailEnd/>
+              </a14:hiddenLine>
+            </a:ext>
+            <a:ext uri="{AF507438-7753-43E0-B8FC-AC1667EBCBE1}">
+              <a14:hiddenEffects xmlns:a14="http://schemas.microsoft.com/office/drawing/2010/main">
+                <a:effectLst>
+                  <a:outerShdw dist="35921" dir="2700000" algn="ctr" rotWithShape="0">
+                    <a:schemeClr val="bg2"/>
+                  </a:outerShdw>
+                </a:effectLst>
+              </a14:hiddenEffects>
+            </a:ext>
+          </a:extLst>
+        </p:spPr>
+        <p:txBody>
+          <a:bodyPr vert="horz" wrap="square" lIns="91440" tIns="45720" rIns="91440" bIns="45720" numCol="1" anchor="t" anchorCtr="0" compatLnSpc="1">
+            <a:prstTxWarp prst="textNoShape">
+              <a:avLst/>
+            </a:prstTxWarp>
+            <a:spAutoFit/>
+          </a:bodyPr>
+          <a:lstStyle/>
+          <a:p>
+            <a:pPr marL="342900" marR="0" lvl="0" indent="-342900" algn="l" defTabSz="914400" rtl="0" eaLnBrk="0" fontAlgn="base" latinLnBrk="0" hangingPunct="0">
+              <a:lnSpc>
+                <a:spcPct val="100000"/>
+              </a:lnSpc>
+              <a:spcBef>
+                <a:spcPct val="0"/>
+              </a:spcBef>
+              <a:spcAft>
+                <a:spcPct val="0"/>
+              </a:spcAft>
+              <a:buClrTx/>
+              <a:buSzTx/>
+              <a:buFont typeface="Arial" panose="020B0604020202020204" pitchFamily="34" charset="0"/>
+              <a:buChar char="•"/>
+              <a:tabLst/>
+            </a:pPr>
+            <a:r>
+              <a:rPr kumimoji="0" lang="en-US" altLang="en-US" sz="3200" b="0" i="0" u="none" strike="noStrike" cap="none" normalizeH="0" baseline="0" dirty="0">
+                <a:ln>
+                  <a:noFill/>
+                </a:ln>
+                <a:solidFill>
+                  <a:schemeClr val="tx1"/>
+                </a:solidFill>
+                <a:effectLst/>
+                <a:latin typeface="Aptos Display" panose="020B0004020202020204" pitchFamily="34" charset="0"/>
+              </a:rPr>
+              <a:t>Discriminant Analysis of Principal Components (DAPC)</a:t>
+            </a:r>
+          </a:p>
+          <a:p>
+            <a:pPr marL="342900" marR="0" lvl="0" indent="-342900" algn="l" defTabSz="914400" rtl="0" eaLnBrk="0" fontAlgn="base" latinLnBrk="0" hangingPunct="0">
+              <a:lnSpc>
+                <a:spcPct val="100000"/>
+              </a:lnSpc>
+              <a:spcBef>
+                <a:spcPct val="0"/>
+              </a:spcBef>
+              <a:spcAft>
+                <a:spcPct val="0"/>
+              </a:spcAft>
+              <a:buClrTx/>
+              <a:buSzTx/>
+              <a:buFont typeface="Arial" panose="020B0604020202020204" pitchFamily="34" charset="0"/>
+              <a:buChar char="•"/>
+              <a:tabLst/>
+            </a:pPr>
+            <a:r>
+              <a:rPr lang="en-US" altLang="en-US" sz="3200" dirty="0">
+                <a:latin typeface="Aptos Display" panose="020B0004020202020204" pitchFamily="34" charset="0"/>
+              </a:rPr>
+              <a:t>Multivariate method of classifying large datasets</a:t>
+            </a:r>
+          </a:p>
+          <a:p>
+            <a:pPr marL="800100" lvl="1" indent="-342900" eaLnBrk="0" fontAlgn="base" hangingPunct="0">
+              <a:spcBef>
+                <a:spcPct val="0"/>
+              </a:spcBef>
+              <a:spcAft>
+                <a:spcPct val="0"/>
+              </a:spcAft>
+              <a:buFont typeface="Arial" panose="020B0604020202020204" pitchFamily="34" charset="0"/>
+              <a:buChar char="•"/>
+            </a:pPr>
+            <a:r>
+              <a:rPr lang="en-US" altLang="en-US" sz="3200" dirty="0">
+                <a:latin typeface="Aptos Display" panose="020B0004020202020204" pitchFamily="34" charset="0"/>
+              </a:rPr>
+              <a:t>Other multivariate methods of classification are too computer intensive (e.g. Bayesian </a:t>
+            </a:r>
+            <a:r>
+              <a:rPr lang="en-US" altLang="en-US" sz="3200">
+                <a:latin typeface="Aptos Display" panose="020B0004020202020204" pitchFamily="34" charset="0"/>
+              </a:rPr>
+              <a:t>clustering algorithms)</a:t>
+            </a:r>
+            <a:endParaRPr lang="en-US" altLang="en-US" sz="3200" dirty="0">
+              <a:latin typeface="Aptos Display" panose="020B0004020202020204" pitchFamily="34" charset="0"/>
+            </a:endParaRPr>
+          </a:p>
+          <a:p>
+            <a:pPr marL="342900" marR="0" lvl="0" indent="-342900" algn="l" defTabSz="914400" rtl="0" eaLnBrk="0" fontAlgn="base" latinLnBrk="0" hangingPunct="0">
+              <a:lnSpc>
+                <a:spcPct val="100000"/>
+              </a:lnSpc>
+              <a:spcBef>
+                <a:spcPct val="0"/>
+              </a:spcBef>
+              <a:spcAft>
+                <a:spcPct val="0"/>
+              </a:spcAft>
+              <a:buClrTx/>
+              <a:buSzTx/>
+              <a:buFont typeface="Arial" panose="020B0604020202020204" pitchFamily="34" charset="0"/>
+              <a:buChar char="•"/>
+              <a:tabLst/>
+            </a:pPr>
+            <a:r>
+              <a:rPr kumimoji="0" lang="en-US" altLang="en-US" sz="3200" b="0" i="0" u="none" strike="noStrike" cap="none" normalizeH="0" baseline="0" dirty="0">
+                <a:ln>
+                  <a:noFill/>
+                </a:ln>
+                <a:solidFill>
+                  <a:schemeClr val="tx1"/>
+                </a:solidFill>
+                <a:effectLst/>
+                <a:latin typeface="Aptos Display" panose="020B0004020202020204" pitchFamily="34" charset="0"/>
+              </a:rPr>
+              <a:t>Focuses on describing clusters of genetically related individuals</a:t>
+            </a:r>
+          </a:p>
+          <a:p>
+            <a:pPr marL="342900" marR="0" lvl="0" indent="-342900" algn="l" defTabSz="914400" rtl="0" eaLnBrk="0" fontAlgn="base" latinLnBrk="0" hangingPunct="0">
+              <a:lnSpc>
+                <a:spcPct val="100000"/>
+              </a:lnSpc>
+              <a:spcBef>
+                <a:spcPct val="0"/>
+              </a:spcBef>
+              <a:spcAft>
+                <a:spcPct val="0"/>
+              </a:spcAft>
+              <a:buClrTx/>
+              <a:buSzTx/>
+              <a:buFont typeface="Arial" panose="020B0604020202020204" pitchFamily="34" charset="0"/>
+              <a:buChar char="•"/>
+              <a:tabLst/>
+            </a:pPr>
+            <a:r>
+              <a:rPr lang="en-US" altLang="en-US" sz="3200" dirty="0">
+                <a:latin typeface="Aptos Display" panose="020B0004020202020204" pitchFamily="34" charset="0"/>
+              </a:rPr>
+              <a:t>Takes advantage of the benefits of:</a:t>
+            </a:r>
+          </a:p>
+          <a:p>
+            <a:pPr marL="800100" lvl="1" indent="-342900" eaLnBrk="0" fontAlgn="base" hangingPunct="0">
+              <a:spcBef>
+                <a:spcPct val="0"/>
+              </a:spcBef>
+              <a:spcAft>
+                <a:spcPct val="0"/>
+              </a:spcAft>
+              <a:buFont typeface="Arial" panose="020B0604020202020204" pitchFamily="34" charset="0"/>
+              <a:buChar char="•"/>
+            </a:pPr>
+            <a:r>
+              <a:rPr kumimoji="0" lang="en-US" altLang="en-US" sz="3200" b="0" i="0" u="none" strike="noStrike" cap="none" normalizeH="0" baseline="0" dirty="0">
+                <a:ln>
+                  <a:noFill/>
+                </a:ln>
+                <a:solidFill>
+                  <a:schemeClr val="tx1"/>
+                </a:solidFill>
+                <a:effectLst/>
+                <a:latin typeface="Aptos Display" panose="020B0004020202020204" pitchFamily="34" charset="0"/>
+              </a:rPr>
+              <a:t>Principal Component Analysis (PCA)</a:t>
+            </a:r>
+          </a:p>
+          <a:p>
+            <a:pPr marL="800100" lvl="1" indent="-342900" eaLnBrk="0" fontAlgn="base" hangingPunct="0">
+              <a:spcBef>
+                <a:spcPct val="0"/>
+              </a:spcBef>
+              <a:spcAft>
+                <a:spcPct val="0"/>
+              </a:spcAft>
+              <a:buFont typeface="Arial" panose="020B0604020202020204" pitchFamily="34" charset="0"/>
+              <a:buChar char="•"/>
+            </a:pPr>
+            <a:r>
+              <a:rPr lang="en-US" altLang="en-US" sz="3200" dirty="0">
+                <a:latin typeface="Aptos Display" panose="020B0004020202020204" pitchFamily="34" charset="0"/>
+              </a:rPr>
+              <a:t>Discriminant Analysis (DA)</a:t>
+            </a:r>
+            <a:endParaRPr kumimoji="0" lang="en-US" altLang="en-US" sz="3200" b="0" i="0" u="none" strike="noStrike" cap="none" normalizeH="0" baseline="0" dirty="0">
+              <a:ln>
+                <a:noFill/>
+              </a:ln>
+              <a:solidFill>
+                <a:schemeClr val="tx1"/>
+              </a:solidFill>
+              <a:effectLst/>
+              <a:latin typeface="Aptos Display" panose="020B0004020202020204" pitchFamily="34" charset="0"/>
+            </a:endParaRPr>
+          </a:p>
+        </p:txBody>
+      </p:sp>
+    </p:spTree>
+    <p:extLst>
+      <p:ext uri="{BB962C8B-B14F-4D97-AF65-F5344CB8AC3E}">
+        <p14:creationId xmlns:p14="http://schemas.microsoft.com/office/powerpoint/2010/main" val="935943461"/>
+      </p:ext>
+    </p:extLst>
+  </p:cSld>
+  <p:clrMapOvr>
+    <a:masterClrMapping/>
+  </p:clrMapOvr>
+</p:sld>
+</file>
+
+<file path=ppt/slides/slide4.xml><?xml version="1.0" encoding="utf-8"?>
+<p:sld xmlns:a="http://schemas.openxmlformats.org/drawingml/2006/main" xmlns:r="http://schemas.openxmlformats.org/officeDocument/2006/relationships" xmlns:p="http://schemas.openxmlformats.org/presentationml/2006/main">
+  <p:cSld>
+    <p:spTree>
+      <p:nvGrpSpPr>
+        <p:cNvPr id="1" name=""/>
+        <p:cNvGrpSpPr/>
+        <p:nvPr/>
+      </p:nvGrpSpPr>
+      <p:grpSpPr>
+        <a:xfrm>
+          <a:off x="0" y="0"/>
+          <a:ext cx="0" cy="0"/>
+          <a:chOff x="0" y="0"/>
+          <a:chExt cx="0" cy="0"/>
+        </a:xfrm>
+      </p:grpSpPr>
+      <p:sp>
+        <p:nvSpPr>
+          <p:cNvPr id="2" name="object 2"/>
+          <p:cNvSpPr txBox="1">
+            <a:spLocks noGrp="1"/>
+          </p:cNvSpPr>
+          <p:nvPr>
+            <p:ph type="title" idx="4294967295"/>
+          </p:nvPr>
+        </p:nvSpPr>
+        <p:spPr>
+          <a:xfrm>
+            <a:off x="2590798" y="876300"/>
+            <a:ext cx="13344525" cy="936625"/>
+          </a:xfrm>
+          <a:prstGeom prst="rect">
+            <a:avLst/>
+          </a:prstGeom>
+        </p:spPr>
+        <p:txBody>
+          <a:bodyPr vert="horz" wrap="square" lIns="0" tIns="12700" rIns="0" bIns="0" rtlCol="0">
+            <a:noAutofit/>
+          </a:bodyPr>
+          <a:lstStyle/>
+          <a:p>
+            <a:pPr marL="12700">
+              <a:lnSpc>
+                <a:spcPct val="100000"/>
+              </a:lnSpc>
+              <a:spcBef>
+                <a:spcPts val="100"/>
+              </a:spcBef>
+            </a:pPr>
+            <a:r>
+              <a:rPr lang="en-US" sz="6000" b="0" dirty="0">
+                <a:solidFill>
+                  <a:srgbClr val="0C234B"/>
+                </a:solidFill>
+                <a:latin typeface="Aptos Display" panose="020B0004020202020204" pitchFamily="34" charset="0"/>
+                <a:cs typeface="Times New Roman" panose="02020603050405020304" pitchFamily="18" charset="0"/>
+              </a:rPr>
+              <a:t>Principal Component Analysis</a:t>
+            </a:r>
+            <a:r>
+              <a:rPr lang="en-US" sz="6000" dirty="0">
+                <a:solidFill>
+                  <a:srgbClr val="0C234B"/>
+                </a:solidFill>
+                <a:latin typeface="Aptos Display" panose="020B0004020202020204" pitchFamily="34" charset="0"/>
+                <a:cs typeface="Times New Roman" panose="02020603050405020304" pitchFamily="18" charset="0"/>
+              </a:rPr>
+              <a:t> (PCA)</a:t>
+            </a:r>
+            <a:endParaRPr sz="6000" b="0" dirty="0">
+              <a:solidFill>
+                <a:srgbClr val="0C234B"/>
+              </a:solidFill>
+              <a:latin typeface="Aptos Display" panose="020B0004020202020204" pitchFamily="34" charset="0"/>
+              <a:cs typeface="Times New Roman" panose="02020603050405020304" pitchFamily="18" charset="0"/>
+            </a:endParaRPr>
+          </a:p>
+        </p:txBody>
+      </p:sp>
+      <p:sp>
+        <p:nvSpPr>
+          <p:cNvPr id="7" name="Rectangle 3">
+            <a:extLst>
+              <a:ext uri="{FF2B5EF4-FFF2-40B4-BE49-F238E27FC236}">
+                <a16:creationId xmlns:a16="http://schemas.microsoft.com/office/drawing/2014/main" id="{27538980-ADC8-D00D-B0FC-F05F5543CCDE}"/>
+              </a:ext>
+            </a:extLst>
+          </p:cNvPr>
+          <p:cNvSpPr>
+            <a:spLocks noChangeArrowheads="1"/>
+          </p:cNvSpPr>
+          <p:nvPr/>
+        </p:nvSpPr>
+        <p:spPr bwMode="auto">
+          <a:xfrm>
+            <a:off x="2590799" y="2705099"/>
+            <a:ext cx="13344525" cy="2062103"/>
+          </a:xfrm>
+          <a:prstGeom prst="rect">
+            <a:avLst/>
+          </a:prstGeom>
+          <a:noFill/>
+          <a:ln>
+            <a:noFill/>
+          </a:ln>
+          <a:effectLst/>
+          <a:extLst>
+            <a:ext uri="{909E8E84-426E-40DD-AFC4-6F175D3DCCD1}">
+              <a14:hiddenFill xmlns:a14="http://schemas.microsoft.com/office/drawing/2010/main">
+                <a:solidFill>
+                  <a:schemeClr val="accent1"/>
+                </a:solidFill>
+              </a14:hiddenFill>
+            </a:ext>
+            <a:ext uri="{91240B29-F687-4F45-9708-019B960494DF}">
+              <a14:hiddenLine xmlns:a14="http://schemas.microsoft.com/office/drawing/2010/main" w="9525">
+                <a:solidFill>
+                  <a:schemeClr val="tx1"/>
+                </a:solidFill>
+                <a:miter lim="800000"/>
+                <a:headEnd/>
+                <a:tailEnd/>
+              </a14:hiddenLine>
+            </a:ext>
+            <a:ext uri="{AF507438-7753-43E0-B8FC-AC1667EBCBE1}">
+              <a14:hiddenEffects xmlns:a14="http://schemas.microsoft.com/office/drawing/2010/main">
+                <a:effectLst>
+                  <a:outerShdw dist="35921" dir="2700000" algn="ctr" rotWithShape="0">
+                    <a:schemeClr val="bg2"/>
+                  </a:outerShdw>
+                </a:effectLst>
+              </a14:hiddenEffects>
+            </a:ext>
+          </a:extLst>
+        </p:spPr>
+        <p:txBody>
+          <a:bodyPr vert="horz" wrap="square" lIns="91440" tIns="45720" rIns="91440" bIns="45720" numCol="1" anchor="t" anchorCtr="0" compatLnSpc="1">
+            <a:prstTxWarp prst="textNoShape">
+              <a:avLst/>
+            </a:prstTxWarp>
+            <a:spAutoFit/>
+          </a:bodyPr>
+          <a:lstStyle/>
+          <a:p>
+            <a:pPr marL="342900" marR="0" lvl="0" indent="-342900" algn="l" defTabSz="914400" rtl="0" eaLnBrk="0" fontAlgn="base" latinLnBrk="0" hangingPunct="0">
+              <a:lnSpc>
+                <a:spcPct val="100000"/>
+              </a:lnSpc>
+              <a:spcBef>
+                <a:spcPct val="0"/>
+              </a:spcBef>
+              <a:spcAft>
+                <a:spcPct val="0"/>
+              </a:spcAft>
+              <a:buClrTx/>
+              <a:buSzTx/>
+              <a:buFont typeface="Arial" panose="020B0604020202020204" pitchFamily="34" charset="0"/>
+              <a:buChar char="•"/>
+              <a:tabLst/>
+            </a:pPr>
+            <a:r>
+              <a:rPr kumimoji="0" lang="en-US" altLang="en-US" sz="3200" b="0" i="0" u="none" strike="noStrike" cap="none" normalizeH="0" baseline="0" dirty="0">
+                <a:ln>
+                  <a:noFill/>
+                </a:ln>
+                <a:solidFill>
+                  <a:schemeClr val="tx1"/>
+                </a:solidFill>
+                <a:effectLst/>
+                <a:latin typeface="Aptos Display" panose="020B0004020202020204" pitchFamily="34" charset="0"/>
+              </a:rPr>
+              <a:t>Method to reduce dimensionality in datasets while maintaining variability</a:t>
+            </a:r>
+          </a:p>
+          <a:p>
+            <a:pPr marL="342900" indent="-342900" eaLnBrk="0" fontAlgn="base" hangingPunct="0">
+              <a:spcBef>
+                <a:spcPct val="0"/>
+              </a:spcBef>
+              <a:spcAft>
+                <a:spcPct val="0"/>
+              </a:spcAft>
+              <a:buFont typeface="Arial" panose="020B0604020202020204" pitchFamily="34" charset="0"/>
+              <a:buChar char="•"/>
+            </a:pPr>
+            <a:r>
+              <a:rPr kumimoji="0" lang="en-US" altLang="en-US" sz="3200" b="0" i="0" u="none" strike="noStrike" cap="none" normalizeH="0" baseline="0" dirty="0">
+                <a:ln>
+                  <a:noFill/>
+                </a:ln>
+                <a:solidFill>
+                  <a:schemeClr val="tx1"/>
+                </a:solidFill>
+                <a:effectLst/>
+                <a:latin typeface="Aptos Display" panose="020B0004020202020204" pitchFamily="34" charset="0"/>
+              </a:rPr>
+              <a:t>Isolates uncorrelated features</a:t>
+            </a:r>
+          </a:p>
+          <a:p>
+            <a:pPr marL="342900" indent="-342900" eaLnBrk="0" fontAlgn="base" hangingPunct="0">
+              <a:spcBef>
+                <a:spcPct val="0"/>
+              </a:spcBef>
+              <a:spcAft>
+                <a:spcPct val="0"/>
+              </a:spcAft>
+              <a:buFont typeface="Arial" panose="020B0604020202020204" pitchFamily="34" charset="0"/>
+              <a:buChar char="•"/>
+            </a:pPr>
+            <a:r>
+              <a:rPr lang="en-US" altLang="en-US" sz="3200" dirty="0">
+                <a:latin typeface="Aptos Display" panose="020B0004020202020204" pitchFamily="34" charset="0"/>
+              </a:rPr>
+              <a:t>Reducing feature size lowers computational intensity</a:t>
+            </a:r>
+          </a:p>
+          <a:p>
+            <a:pPr marL="342900" indent="-342900" eaLnBrk="0" fontAlgn="base" hangingPunct="0">
+              <a:spcBef>
+                <a:spcPct val="0"/>
+              </a:spcBef>
+              <a:spcAft>
+                <a:spcPct val="0"/>
+              </a:spcAft>
+              <a:buFont typeface="Arial" panose="020B0604020202020204" pitchFamily="34" charset="0"/>
+              <a:buChar char="•"/>
+            </a:pPr>
+            <a:endParaRPr kumimoji="0" lang="en-US" altLang="en-US" sz="3200" b="0" i="0" u="none" strike="noStrike" cap="none" normalizeH="0" baseline="0" dirty="0">
+              <a:ln>
+                <a:noFill/>
+              </a:ln>
+              <a:solidFill>
+                <a:schemeClr val="tx1"/>
+              </a:solidFill>
+              <a:effectLst/>
+              <a:latin typeface="Aptos Display" panose="020B0004020202020204" pitchFamily="34" charset="0"/>
+            </a:endParaRPr>
+          </a:p>
+        </p:txBody>
+      </p:sp>
+      <p:pic>
+        <p:nvPicPr>
+          <p:cNvPr id="4" name="Picture 3">
+            <a:extLst>
+              <a:ext uri="{FF2B5EF4-FFF2-40B4-BE49-F238E27FC236}">
+                <a16:creationId xmlns:a16="http://schemas.microsoft.com/office/drawing/2014/main" id="{4619EC6D-D719-F79A-98D3-DD53660DBD13}"/>
+              </a:ext>
+            </a:extLst>
+          </p:cNvPr>
+          <p:cNvPicPr>
+            <a:picLocks noChangeAspect="1"/>
+          </p:cNvPicPr>
+          <p:nvPr/>
+        </p:nvPicPr>
+        <p:blipFill>
+          <a:blip r:embed="rId2"/>
+          <a:stretch>
+            <a:fillRect/>
+          </a:stretch>
+        </p:blipFill>
+        <p:spPr>
+          <a:xfrm>
+            <a:off x="11277600" y="6372225"/>
+            <a:ext cx="2676899" cy="1638529"/>
+          </a:xfrm>
+          <a:prstGeom prst="rect">
+            <a:avLst/>
+          </a:prstGeom>
+        </p:spPr>
+      </p:pic>
+      <p:pic>
+        <p:nvPicPr>
+          <p:cNvPr id="6" name="Picture 5">
+            <a:extLst>
+              <a:ext uri="{FF2B5EF4-FFF2-40B4-BE49-F238E27FC236}">
+                <a16:creationId xmlns:a16="http://schemas.microsoft.com/office/drawing/2014/main" id="{EB946653-362B-46A0-2FE5-8E6B15873A08}"/>
+              </a:ext>
+            </a:extLst>
+          </p:cNvPr>
+          <p:cNvPicPr>
+            <a:picLocks noChangeAspect="1"/>
+          </p:cNvPicPr>
+          <p:nvPr/>
+        </p:nvPicPr>
+        <p:blipFill>
+          <a:blip r:embed="rId3"/>
+          <a:stretch>
+            <a:fillRect/>
+          </a:stretch>
+        </p:blipFill>
+        <p:spPr>
+          <a:xfrm>
+            <a:off x="3886200" y="6362700"/>
+            <a:ext cx="4848902" cy="1657581"/>
+          </a:xfrm>
+          <a:prstGeom prst="rect">
+            <a:avLst/>
+          </a:prstGeom>
+        </p:spPr>
+      </p:pic>
+      <p:cxnSp>
+        <p:nvCxnSpPr>
+          <p:cNvPr id="9" name="Straight Arrow Connector 8">
+            <a:extLst>
+              <a:ext uri="{FF2B5EF4-FFF2-40B4-BE49-F238E27FC236}">
+                <a16:creationId xmlns:a16="http://schemas.microsoft.com/office/drawing/2014/main" id="{F2BB908C-5A48-D746-1C0D-2E561D9D0532}"/>
+              </a:ext>
+            </a:extLst>
+          </p:cNvPr>
+          <p:cNvCxnSpPr>
+            <a:stCxn id="6" idx="3"/>
+            <a:endCxn id="4" idx="1"/>
+          </p:cNvCxnSpPr>
+          <p:nvPr/>
+        </p:nvCxnSpPr>
+        <p:spPr>
+          <a:xfrm flipV="1">
+            <a:off x="8735102" y="7191490"/>
+            <a:ext cx="2542498" cy="1"/>
+          </a:xfrm>
+          <a:prstGeom prst="straightConnector1">
+            <a:avLst/>
+          </a:prstGeom>
+          <a:ln w="76200">
+            <a:tailEnd type="triangle"/>
+          </a:ln>
+        </p:spPr>
+        <p:style>
+          <a:lnRef idx="1">
+            <a:schemeClr val="accent1"/>
+          </a:lnRef>
+          <a:fillRef idx="0">
+            <a:schemeClr val="accent1"/>
+          </a:fillRef>
+          <a:effectRef idx="0">
+            <a:schemeClr val="accent1"/>
+          </a:effectRef>
+          <a:fontRef idx="minor">
+            <a:schemeClr val="tx1"/>
+          </a:fontRef>
+        </p:style>
+      </p:cxnSp>
+    </p:spTree>
+    <p:extLst>
+      <p:ext uri="{BB962C8B-B14F-4D97-AF65-F5344CB8AC3E}">
+        <p14:creationId xmlns:p14="http://schemas.microsoft.com/office/powerpoint/2010/main" val="4014282021"/>
+      </p:ext>
+    </p:extLst>
+  </p:cSld>
+  <p:clrMapOvr>
+    <a:masterClrMapping/>
+  </p:clrMapOvr>
+</p:sld>
+</file>
+
+<file path=ppt/slides/slide5.xml><?xml version="1.0" encoding="utf-8"?>
+<p:sld xmlns:a="http://schemas.openxmlformats.org/drawingml/2006/main" xmlns:r="http://schemas.openxmlformats.org/officeDocument/2006/relationships" xmlns:p="http://schemas.openxmlformats.org/presentationml/2006/main">
+  <p:cSld>
+    <p:spTree>
+      <p:nvGrpSpPr>
+        <p:cNvPr id="1" name=""/>
+        <p:cNvGrpSpPr/>
+        <p:nvPr/>
+      </p:nvGrpSpPr>
+      <p:grpSpPr>
+        <a:xfrm>
+          <a:off x="0" y="0"/>
+          <a:ext cx="0" cy="0"/>
+          <a:chOff x="0" y="0"/>
+          <a:chExt cx="0" cy="0"/>
+        </a:xfrm>
+      </p:grpSpPr>
+      <p:sp>
+        <p:nvSpPr>
+          <p:cNvPr id="2" name="object 2"/>
+          <p:cNvSpPr txBox="1">
+            <a:spLocks noGrp="1"/>
+          </p:cNvSpPr>
+          <p:nvPr>
+            <p:ph type="title" idx="4294967295"/>
+          </p:nvPr>
+        </p:nvSpPr>
+        <p:spPr>
+          <a:xfrm>
+            <a:off x="2590798" y="876300"/>
+            <a:ext cx="13344525" cy="936625"/>
+          </a:xfrm>
+          <a:prstGeom prst="rect">
+            <a:avLst/>
+          </a:prstGeom>
+        </p:spPr>
+        <p:txBody>
+          <a:bodyPr vert="horz" wrap="square" lIns="0" tIns="12700" rIns="0" bIns="0" rtlCol="0">
+            <a:noAutofit/>
+          </a:bodyPr>
+          <a:lstStyle/>
+          <a:p>
+            <a:pPr marL="12700">
+              <a:lnSpc>
+                <a:spcPct val="100000"/>
+              </a:lnSpc>
+              <a:spcBef>
+                <a:spcPts val="100"/>
+              </a:spcBef>
+            </a:pPr>
+            <a:r>
+              <a:rPr lang="en-US" sz="6000" b="0" dirty="0">
+                <a:solidFill>
+                  <a:srgbClr val="0C234B"/>
+                </a:solidFill>
+                <a:latin typeface="Aptos Display" panose="020B0004020202020204" pitchFamily="34" charset="0"/>
+                <a:cs typeface="Times New Roman" panose="02020603050405020304" pitchFamily="18" charset="0"/>
+              </a:rPr>
+              <a:t>Principal Component Analysis</a:t>
+            </a:r>
+            <a:r>
+              <a:rPr lang="en-US" sz="6000" dirty="0">
+                <a:solidFill>
+                  <a:srgbClr val="0C234B"/>
+                </a:solidFill>
+                <a:latin typeface="Aptos Display" panose="020B0004020202020204" pitchFamily="34" charset="0"/>
+                <a:cs typeface="Times New Roman" panose="02020603050405020304" pitchFamily="18" charset="0"/>
+              </a:rPr>
+              <a:t> (PCA)</a:t>
+            </a:r>
+            <a:endParaRPr sz="6000" b="0" dirty="0">
+              <a:solidFill>
+                <a:srgbClr val="0C234B"/>
+              </a:solidFill>
+              <a:latin typeface="Aptos Display" panose="020B0004020202020204" pitchFamily="34" charset="0"/>
+              <a:cs typeface="Times New Roman" panose="02020603050405020304" pitchFamily="18" charset="0"/>
+            </a:endParaRPr>
+          </a:p>
+        </p:txBody>
+      </p:sp>
+      <p:sp>
+        <p:nvSpPr>
+          <p:cNvPr id="7" name="Rectangle 3">
+            <a:extLst>
+              <a:ext uri="{FF2B5EF4-FFF2-40B4-BE49-F238E27FC236}">
+                <a16:creationId xmlns:a16="http://schemas.microsoft.com/office/drawing/2014/main" id="{27538980-ADC8-D00D-B0FC-F05F5543CCDE}"/>
+              </a:ext>
+            </a:extLst>
+          </p:cNvPr>
+          <p:cNvSpPr>
+            <a:spLocks noChangeArrowheads="1"/>
+          </p:cNvSpPr>
+          <p:nvPr/>
+        </p:nvSpPr>
+        <p:spPr bwMode="auto">
+          <a:xfrm>
+            <a:off x="2590799" y="2705099"/>
+            <a:ext cx="13344525" cy="584775"/>
+          </a:xfrm>
+          <a:prstGeom prst="rect">
+            <a:avLst/>
+          </a:prstGeom>
+          <a:noFill/>
+          <a:ln>
+            <a:noFill/>
+          </a:ln>
+          <a:effectLst/>
+          <a:extLst>
+            <a:ext uri="{909E8E84-426E-40DD-AFC4-6F175D3DCCD1}">
+              <a14:hiddenFill xmlns:a14="http://schemas.microsoft.com/office/drawing/2010/main">
+                <a:solidFill>
+                  <a:schemeClr val="accent1"/>
+                </a:solidFill>
+              </a14:hiddenFill>
+            </a:ext>
+            <a:ext uri="{91240B29-F687-4F45-9708-019B960494DF}">
+              <a14:hiddenLine xmlns:a14="http://schemas.microsoft.com/office/drawing/2010/main" w="9525">
+                <a:solidFill>
+                  <a:schemeClr val="tx1"/>
+                </a:solidFill>
+                <a:miter lim="800000"/>
+                <a:headEnd/>
+                <a:tailEnd/>
+              </a14:hiddenLine>
+            </a:ext>
+            <a:ext uri="{AF507438-7753-43E0-B8FC-AC1667EBCBE1}">
+              <a14:hiddenEffects xmlns:a14="http://schemas.microsoft.com/office/drawing/2010/main">
+                <a:effectLst>
+                  <a:outerShdw dist="35921" dir="2700000" algn="ctr" rotWithShape="0">
+                    <a:schemeClr val="bg2"/>
+                  </a:outerShdw>
+                </a:effectLst>
+              </a14:hiddenEffects>
+            </a:ext>
+          </a:extLst>
+        </p:spPr>
+        <p:txBody>
+          <a:bodyPr vert="horz" wrap="square" lIns="91440" tIns="45720" rIns="91440" bIns="45720" numCol="1" anchor="t" anchorCtr="0" compatLnSpc="1">
+            <a:prstTxWarp prst="textNoShape">
+              <a:avLst/>
+            </a:prstTxWarp>
+            <a:spAutoFit/>
+          </a:bodyPr>
+          <a:lstStyle/>
+          <a:p>
+            <a:pPr marL="342900" marR="0" lvl="0" indent="-342900" algn="l" defTabSz="914400" rtl="0" eaLnBrk="0" fontAlgn="base" latinLnBrk="0" hangingPunct="0">
+              <a:lnSpc>
+                <a:spcPct val="100000"/>
+              </a:lnSpc>
+              <a:spcBef>
+                <a:spcPct val="0"/>
+              </a:spcBef>
+              <a:spcAft>
+                <a:spcPct val="0"/>
+              </a:spcAft>
+              <a:buClrTx/>
+              <a:buSzTx/>
+              <a:buFont typeface="Arial" panose="020B0604020202020204" pitchFamily="34" charset="0"/>
+              <a:buChar char="•"/>
+              <a:tabLst/>
+            </a:pPr>
+            <a:r>
+              <a:rPr lang="en-US" altLang="en-US" sz="3200" dirty="0">
+                <a:latin typeface="Aptos Display" panose="020B0004020202020204" pitchFamily="34" charset="0"/>
+              </a:rPr>
+              <a:t>Graphical representation of data 3D -&gt; 2D</a:t>
+            </a:r>
+            <a:endParaRPr kumimoji="0" lang="en-US" altLang="en-US" sz="3200" b="0" i="0" u="none" strike="noStrike" cap="none" normalizeH="0" baseline="0" dirty="0">
+              <a:ln>
+                <a:noFill/>
+              </a:ln>
+              <a:solidFill>
+                <a:schemeClr val="tx1"/>
+              </a:solidFill>
+              <a:effectLst/>
+              <a:latin typeface="Aptos Display" panose="020B0004020202020204" pitchFamily="34" charset="0"/>
+            </a:endParaRPr>
+          </a:p>
+        </p:txBody>
+      </p:sp>
+      <p:pic>
+        <p:nvPicPr>
+          <p:cNvPr id="5" name="Picture 4">
+            <a:extLst>
+              <a:ext uri="{FF2B5EF4-FFF2-40B4-BE49-F238E27FC236}">
+                <a16:creationId xmlns:a16="http://schemas.microsoft.com/office/drawing/2014/main" id="{A35131BA-BDAD-24A5-4A49-89B463B8D3CE}"/>
+              </a:ext>
+            </a:extLst>
+          </p:cNvPr>
+          <p:cNvPicPr>
+            <a:picLocks noChangeAspect="1"/>
+          </p:cNvPicPr>
+          <p:nvPr/>
+        </p:nvPicPr>
+        <p:blipFill>
+          <a:blip r:embed="rId2"/>
+          <a:stretch>
+            <a:fillRect/>
+          </a:stretch>
+        </p:blipFill>
+        <p:spPr>
+          <a:xfrm>
+            <a:off x="9236166" y="3695699"/>
+            <a:ext cx="6667499" cy="4114799"/>
+          </a:xfrm>
+          <a:prstGeom prst="rect">
+            <a:avLst/>
+          </a:prstGeom>
+        </p:spPr>
+      </p:pic>
+      <p:pic>
+        <p:nvPicPr>
+          <p:cNvPr id="14" name="Picture 13">
+            <a:extLst>
+              <a:ext uri="{FF2B5EF4-FFF2-40B4-BE49-F238E27FC236}">
+                <a16:creationId xmlns:a16="http://schemas.microsoft.com/office/drawing/2014/main" id="{D1F1BFD5-5F98-31FE-485B-73296F22FF58}"/>
+              </a:ext>
+            </a:extLst>
+          </p:cNvPr>
+          <p:cNvPicPr>
+            <a:picLocks noChangeAspect="1"/>
+          </p:cNvPicPr>
+          <p:nvPr/>
+        </p:nvPicPr>
+        <p:blipFill>
+          <a:blip r:embed="rId3"/>
+          <a:stretch>
+            <a:fillRect/>
+          </a:stretch>
+        </p:blipFill>
+        <p:spPr>
+          <a:xfrm>
+            <a:off x="3200400" y="3543300"/>
+            <a:ext cx="5410200" cy="5674112"/>
+          </a:xfrm>
+          <a:prstGeom prst="rect">
+            <a:avLst/>
+          </a:prstGeom>
+        </p:spPr>
+      </p:pic>
+    </p:spTree>
+    <p:extLst>
+      <p:ext uri="{BB962C8B-B14F-4D97-AF65-F5344CB8AC3E}">
+        <p14:creationId xmlns:p14="http://schemas.microsoft.com/office/powerpoint/2010/main" val="792555331"/>
+      </p:ext>
+    </p:extLst>
+  </p:cSld>
+  <p:clrMapOvr>
+    <a:masterClrMapping/>
+  </p:clrMapOvr>
+</p:sld>
+</file>
+
 <file path=ppt/slides/slide6.xml><?xml version="1.0" encoding="utf-8"?>
+<p:sld xmlns:a="http://schemas.openxmlformats.org/drawingml/2006/main" xmlns:r="http://schemas.openxmlformats.org/officeDocument/2006/relationships" xmlns:p="http://schemas.openxmlformats.org/presentationml/2006/main">
+  <p:cSld>
+    <p:spTree>
+      <p:nvGrpSpPr>
+        <p:cNvPr id="1" name=""/>
+        <p:cNvGrpSpPr/>
+        <p:nvPr/>
+      </p:nvGrpSpPr>
+      <p:grpSpPr>
+        <a:xfrm>
+          <a:off x="0" y="0"/>
+          <a:ext cx="0" cy="0"/>
+          <a:chOff x="0" y="0"/>
+          <a:chExt cx="0" cy="0"/>
+        </a:xfrm>
+      </p:grpSpPr>
+      <p:sp>
+        <p:nvSpPr>
+          <p:cNvPr id="2" name="object 2"/>
+          <p:cNvSpPr txBox="1">
+            <a:spLocks noGrp="1"/>
+          </p:cNvSpPr>
+          <p:nvPr>
+            <p:ph type="title" idx="4294967295"/>
+          </p:nvPr>
+        </p:nvSpPr>
+        <p:spPr>
+          <a:xfrm>
+            <a:off x="2590798" y="876300"/>
+            <a:ext cx="13344525" cy="936625"/>
+          </a:xfrm>
+          <a:prstGeom prst="rect">
+            <a:avLst/>
+          </a:prstGeom>
+        </p:spPr>
+        <p:txBody>
+          <a:bodyPr vert="horz" wrap="square" lIns="0" tIns="12700" rIns="0" bIns="0" rtlCol="0">
+            <a:noAutofit/>
+          </a:bodyPr>
+          <a:lstStyle/>
+          <a:p>
+            <a:pPr marL="12700">
+              <a:lnSpc>
+                <a:spcPct val="100000"/>
+              </a:lnSpc>
+              <a:spcBef>
+                <a:spcPts val="100"/>
+              </a:spcBef>
+            </a:pPr>
+            <a:r>
+              <a:rPr lang="en-US" sz="6000" b="0" dirty="0">
+                <a:solidFill>
+                  <a:srgbClr val="0C234B"/>
+                </a:solidFill>
+                <a:latin typeface="Aptos Display" panose="020B0004020202020204" pitchFamily="34" charset="0"/>
+                <a:cs typeface="Times New Roman" panose="02020603050405020304" pitchFamily="18" charset="0"/>
+              </a:rPr>
+              <a:t>Discriminant Analysis</a:t>
+            </a:r>
+            <a:r>
+              <a:rPr lang="en-US" sz="6000" dirty="0">
+                <a:solidFill>
+                  <a:srgbClr val="0C234B"/>
+                </a:solidFill>
+                <a:latin typeface="Aptos Display" panose="020B0004020202020204" pitchFamily="34" charset="0"/>
+                <a:cs typeface="Times New Roman" panose="02020603050405020304" pitchFamily="18" charset="0"/>
+              </a:rPr>
+              <a:t> (DA)</a:t>
+            </a:r>
+            <a:endParaRPr sz="6000" b="0" dirty="0">
+              <a:solidFill>
+                <a:srgbClr val="0C234B"/>
+              </a:solidFill>
+              <a:latin typeface="Aptos Display" panose="020B0004020202020204" pitchFamily="34" charset="0"/>
+              <a:cs typeface="Times New Roman" panose="02020603050405020304" pitchFamily="18" charset="0"/>
+            </a:endParaRPr>
+          </a:p>
+        </p:txBody>
+      </p:sp>
+      <p:sp>
+        <p:nvSpPr>
+          <p:cNvPr id="7" name="Rectangle 3">
+            <a:extLst>
+              <a:ext uri="{FF2B5EF4-FFF2-40B4-BE49-F238E27FC236}">
+                <a16:creationId xmlns:a16="http://schemas.microsoft.com/office/drawing/2014/main" id="{27538980-ADC8-D00D-B0FC-F05F5543CCDE}"/>
+              </a:ext>
+            </a:extLst>
+          </p:cNvPr>
+          <p:cNvSpPr>
+            <a:spLocks noChangeArrowheads="1"/>
+          </p:cNvSpPr>
+          <p:nvPr/>
+        </p:nvSpPr>
+        <p:spPr bwMode="auto">
+          <a:xfrm>
+            <a:off x="2590799" y="2705099"/>
+            <a:ext cx="13344525" cy="2554545"/>
+          </a:xfrm>
+          <a:prstGeom prst="rect">
+            <a:avLst/>
+          </a:prstGeom>
+          <a:noFill/>
+          <a:ln>
+            <a:noFill/>
+          </a:ln>
+          <a:effectLst/>
+          <a:extLst>
+            <a:ext uri="{909E8E84-426E-40DD-AFC4-6F175D3DCCD1}">
+              <a14:hiddenFill xmlns:a14="http://schemas.microsoft.com/office/drawing/2010/main">
+                <a:solidFill>
+                  <a:schemeClr val="accent1"/>
+                </a:solidFill>
+              </a14:hiddenFill>
+            </a:ext>
+            <a:ext uri="{91240B29-F687-4F45-9708-019B960494DF}">
+              <a14:hiddenLine xmlns:a14="http://schemas.microsoft.com/office/drawing/2010/main" w="9525">
+                <a:solidFill>
+                  <a:schemeClr val="tx1"/>
+                </a:solidFill>
+                <a:miter lim="800000"/>
+                <a:headEnd/>
+                <a:tailEnd/>
+              </a14:hiddenLine>
+            </a:ext>
+            <a:ext uri="{AF507438-7753-43E0-B8FC-AC1667EBCBE1}">
+              <a14:hiddenEffects xmlns:a14="http://schemas.microsoft.com/office/drawing/2010/main">
+                <a:effectLst>
+                  <a:outerShdw dist="35921" dir="2700000" algn="ctr" rotWithShape="0">
+                    <a:schemeClr val="bg2"/>
+                  </a:outerShdw>
+                </a:effectLst>
+              </a14:hiddenEffects>
+            </a:ext>
+          </a:extLst>
+        </p:spPr>
+        <p:txBody>
+          <a:bodyPr vert="horz" wrap="square" lIns="91440" tIns="45720" rIns="91440" bIns="45720" numCol="1" anchor="t" anchorCtr="0" compatLnSpc="1">
+            <a:prstTxWarp prst="textNoShape">
+              <a:avLst/>
+            </a:prstTxWarp>
+            <a:spAutoFit/>
+          </a:bodyPr>
+          <a:lstStyle/>
+          <a:p>
+            <a:pPr marL="342900" marR="0" lvl="0" indent="-342900" algn="l" defTabSz="914400" rtl="0" eaLnBrk="0" fontAlgn="base" latinLnBrk="0" hangingPunct="0">
+              <a:lnSpc>
+                <a:spcPct val="100000"/>
+              </a:lnSpc>
+              <a:spcBef>
+                <a:spcPct val="0"/>
+              </a:spcBef>
+              <a:spcAft>
+                <a:spcPct val="0"/>
+              </a:spcAft>
+              <a:buClrTx/>
+              <a:buSzTx/>
+              <a:buFont typeface="Arial" panose="020B0604020202020204" pitchFamily="34" charset="0"/>
+              <a:buChar char="•"/>
+              <a:tabLst/>
+            </a:pPr>
+            <a:r>
+              <a:rPr kumimoji="0" lang="en-US" altLang="en-US" sz="3200" b="0" i="0" u="none" strike="noStrike" cap="none" normalizeH="0" baseline="0" dirty="0">
+                <a:ln>
+                  <a:noFill/>
+                </a:ln>
+                <a:solidFill>
+                  <a:schemeClr val="tx1"/>
+                </a:solidFill>
+                <a:effectLst/>
+                <a:latin typeface="Aptos Display" panose="020B0004020202020204" pitchFamily="34" charset="0"/>
+              </a:rPr>
+              <a:t>A method for classifying observations by finding linear combinations of features that best separate classes</a:t>
+            </a:r>
+          </a:p>
+          <a:p>
+            <a:pPr marL="342900" marR="0" lvl="0" indent="-342900" algn="l" defTabSz="914400" rtl="0" eaLnBrk="0" fontAlgn="base" latinLnBrk="0" hangingPunct="0">
+              <a:lnSpc>
+                <a:spcPct val="100000"/>
+              </a:lnSpc>
+              <a:spcBef>
+                <a:spcPct val="0"/>
+              </a:spcBef>
+              <a:spcAft>
+                <a:spcPct val="0"/>
+              </a:spcAft>
+              <a:buClrTx/>
+              <a:buSzTx/>
+              <a:buFont typeface="Arial" panose="020B0604020202020204" pitchFamily="34" charset="0"/>
+              <a:buChar char="•"/>
+              <a:tabLst/>
+            </a:pPr>
+            <a:r>
+              <a:rPr lang="en-US" altLang="en-US" sz="3200" dirty="0">
+                <a:latin typeface="Aptos Display" panose="020B0004020202020204" pitchFamily="34" charset="0"/>
+              </a:rPr>
+              <a:t>Types:</a:t>
+            </a:r>
+          </a:p>
+          <a:p>
+            <a:pPr marL="800100" lvl="1" indent="-342900" eaLnBrk="0" fontAlgn="base" hangingPunct="0">
+              <a:spcBef>
+                <a:spcPct val="0"/>
+              </a:spcBef>
+              <a:spcAft>
+                <a:spcPct val="0"/>
+              </a:spcAft>
+              <a:buFont typeface="Arial" panose="020B0604020202020204" pitchFamily="34" charset="0"/>
+              <a:buChar char="•"/>
+            </a:pPr>
+            <a:r>
+              <a:rPr kumimoji="0" lang="en-US" altLang="en-US" sz="3200" b="0" i="0" u="none" strike="noStrike" cap="none" normalizeH="0" baseline="0" dirty="0">
+                <a:ln>
+                  <a:noFill/>
+                </a:ln>
+                <a:solidFill>
+                  <a:schemeClr val="tx1"/>
+                </a:solidFill>
+                <a:effectLst/>
+                <a:latin typeface="Aptos Display" panose="020B0004020202020204" pitchFamily="34" charset="0"/>
+              </a:rPr>
+              <a:t>Linear Discriminant Analysis (LDA)</a:t>
+            </a:r>
+          </a:p>
+          <a:p>
+            <a:pPr marL="800100" lvl="1" indent="-342900" eaLnBrk="0" fontAlgn="base" hangingPunct="0">
+              <a:spcBef>
+                <a:spcPct val="0"/>
+              </a:spcBef>
+              <a:spcAft>
+                <a:spcPct val="0"/>
+              </a:spcAft>
+              <a:buFont typeface="Arial" panose="020B0604020202020204" pitchFamily="34" charset="0"/>
+              <a:buChar char="•"/>
+            </a:pPr>
+            <a:r>
+              <a:rPr kumimoji="0" lang="en-US" altLang="en-US" sz="3200" b="0" i="0" u="none" strike="noStrike" cap="none" normalizeH="0" baseline="0" dirty="0">
+                <a:ln>
+                  <a:noFill/>
+                </a:ln>
+                <a:solidFill>
+                  <a:schemeClr val="tx1"/>
+                </a:solidFill>
+                <a:effectLst/>
+                <a:latin typeface="Aptos Display" panose="020B0004020202020204" pitchFamily="34" charset="0"/>
+              </a:rPr>
+              <a:t>Quadratic Discriminant Analysis (QDA)</a:t>
+            </a:r>
+          </a:p>
+        </p:txBody>
+      </p:sp>
+    </p:spTree>
+    <p:extLst>
+      <p:ext uri="{BB962C8B-B14F-4D97-AF65-F5344CB8AC3E}">
+        <p14:creationId xmlns:p14="http://schemas.microsoft.com/office/powerpoint/2010/main" val="1425375683"/>
+      </p:ext>
+    </p:extLst>
+  </p:cSld>
+  <p:clrMapOvr>
+    <a:masterClrMapping/>
+  </p:clrMapOvr>
+</p:sld>
+</file>
+
+<file path=ppt/slides/slide7.xml><?xml version="1.0" encoding="utf-8"?>
+<p:sld xmlns:a="http://schemas.openxmlformats.org/drawingml/2006/main" xmlns:r="http://schemas.openxmlformats.org/officeDocument/2006/relationships" xmlns:p="http://schemas.openxmlformats.org/presentationml/2006/main">
+  <p:cSld>
+    <p:spTree>
+      <p:nvGrpSpPr>
+        <p:cNvPr id="1" name=""/>
+        <p:cNvGrpSpPr/>
+        <p:nvPr/>
+      </p:nvGrpSpPr>
+      <p:grpSpPr>
+        <a:xfrm>
+          <a:off x="0" y="0"/>
+          <a:ext cx="0" cy="0"/>
+          <a:chOff x="0" y="0"/>
+          <a:chExt cx="0" cy="0"/>
+        </a:xfrm>
+      </p:grpSpPr>
+      <p:sp>
+        <p:nvSpPr>
+          <p:cNvPr id="2" name="object 2"/>
+          <p:cNvSpPr txBox="1">
+            <a:spLocks noGrp="1"/>
+          </p:cNvSpPr>
+          <p:nvPr>
+            <p:ph type="title" idx="4294967295"/>
+          </p:nvPr>
+        </p:nvSpPr>
+        <p:spPr>
+          <a:xfrm>
+            <a:off x="2590798" y="876300"/>
+            <a:ext cx="13344525" cy="936625"/>
+          </a:xfrm>
+          <a:prstGeom prst="rect">
+            <a:avLst/>
+          </a:prstGeom>
+        </p:spPr>
+        <p:txBody>
+          <a:bodyPr vert="horz" wrap="square" lIns="0" tIns="12700" rIns="0" bIns="0" rtlCol="0">
+            <a:noAutofit/>
+          </a:bodyPr>
+          <a:lstStyle/>
+          <a:p>
+            <a:pPr marL="12700">
+              <a:lnSpc>
+                <a:spcPct val="100000"/>
+              </a:lnSpc>
+              <a:spcBef>
+                <a:spcPts val="100"/>
+              </a:spcBef>
+            </a:pPr>
+            <a:r>
+              <a:rPr lang="en-US" sz="6000" b="0" dirty="0">
+                <a:solidFill>
+                  <a:srgbClr val="0C234B"/>
+                </a:solidFill>
+                <a:latin typeface="Aptos Display" panose="020B0004020202020204" pitchFamily="34" charset="0"/>
+                <a:cs typeface="Times New Roman" panose="02020603050405020304" pitchFamily="18" charset="0"/>
+              </a:rPr>
+              <a:t>Discriminant Analysis </a:t>
+            </a:r>
+            <a:r>
+              <a:rPr lang="en-US" sz="6000" dirty="0">
+                <a:solidFill>
+                  <a:srgbClr val="0C234B"/>
+                </a:solidFill>
+                <a:latin typeface="Aptos Display" panose="020B0004020202020204" pitchFamily="34" charset="0"/>
+                <a:cs typeface="Times New Roman" panose="02020603050405020304" pitchFamily="18" charset="0"/>
+              </a:rPr>
+              <a:t>(DA)</a:t>
+            </a:r>
+            <a:endParaRPr sz="6000" b="0" dirty="0">
+              <a:solidFill>
+                <a:srgbClr val="0C234B"/>
+              </a:solidFill>
+              <a:latin typeface="Aptos Display" panose="020B0004020202020204" pitchFamily="34" charset="0"/>
+              <a:cs typeface="Times New Roman" panose="02020603050405020304" pitchFamily="18" charset="0"/>
+            </a:endParaRPr>
+          </a:p>
+        </p:txBody>
+      </p:sp>
+      <p:sp>
+        <p:nvSpPr>
+          <p:cNvPr id="7" name="Rectangle 3">
+            <a:extLst>
+              <a:ext uri="{FF2B5EF4-FFF2-40B4-BE49-F238E27FC236}">
+                <a16:creationId xmlns:a16="http://schemas.microsoft.com/office/drawing/2014/main" id="{27538980-ADC8-D00D-B0FC-F05F5543CCDE}"/>
+              </a:ext>
+            </a:extLst>
+          </p:cNvPr>
+          <p:cNvSpPr>
+            <a:spLocks noChangeArrowheads="1"/>
+          </p:cNvSpPr>
+          <p:nvPr/>
+        </p:nvSpPr>
+        <p:spPr bwMode="auto">
+          <a:xfrm>
+            <a:off x="2590799" y="2705099"/>
+            <a:ext cx="13344525" cy="584775"/>
+          </a:xfrm>
+          <a:prstGeom prst="rect">
+            <a:avLst/>
+          </a:prstGeom>
+          <a:noFill/>
+          <a:ln>
+            <a:noFill/>
+          </a:ln>
+          <a:effectLst/>
+          <a:extLst>
+            <a:ext uri="{909E8E84-426E-40DD-AFC4-6F175D3DCCD1}">
+              <a14:hiddenFill xmlns:a14="http://schemas.microsoft.com/office/drawing/2010/main">
+                <a:solidFill>
+                  <a:schemeClr val="accent1"/>
+                </a:solidFill>
+              </a14:hiddenFill>
+            </a:ext>
+            <a:ext uri="{91240B29-F687-4F45-9708-019B960494DF}">
+              <a14:hiddenLine xmlns:a14="http://schemas.microsoft.com/office/drawing/2010/main" w="9525">
+                <a:solidFill>
+                  <a:schemeClr val="tx1"/>
+                </a:solidFill>
+                <a:miter lim="800000"/>
+                <a:headEnd/>
+                <a:tailEnd/>
+              </a14:hiddenLine>
+            </a:ext>
+            <a:ext uri="{AF507438-7753-43E0-B8FC-AC1667EBCBE1}">
+              <a14:hiddenEffects xmlns:a14="http://schemas.microsoft.com/office/drawing/2010/main">
+                <a:effectLst>
+                  <a:outerShdw dist="35921" dir="2700000" algn="ctr" rotWithShape="0">
+                    <a:schemeClr val="bg2"/>
+                  </a:outerShdw>
+                </a:effectLst>
+              </a14:hiddenEffects>
+            </a:ext>
+          </a:extLst>
+        </p:spPr>
+        <p:txBody>
+          <a:bodyPr vert="horz" wrap="square" lIns="91440" tIns="45720" rIns="91440" bIns="45720" numCol="1" anchor="t" anchorCtr="0" compatLnSpc="1">
+            <a:prstTxWarp prst="textNoShape">
+              <a:avLst/>
+            </a:prstTxWarp>
+            <a:spAutoFit/>
+          </a:bodyPr>
+          <a:lstStyle/>
+          <a:p>
+            <a:pPr marL="342900" marR="0" lvl="0" indent="-342900" algn="l" defTabSz="914400" rtl="0" eaLnBrk="0" fontAlgn="base" latinLnBrk="0" hangingPunct="0">
+              <a:lnSpc>
+                <a:spcPct val="100000"/>
+              </a:lnSpc>
+              <a:spcBef>
+                <a:spcPct val="0"/>
+              </a:spcBef>
+              <a:spcAft>
+                <a:spcPct val="0"/>
+              </a:spcAft>
+              <a:buClrTx/>
+              <a:buSzTx/>
+              <a:buFont typeface="Arial" panose="020B0604020202020204" pitchFamily="34" charset="0"/>
+              <a:buChar char="•"/>
+              <a:tabLst/>
+            </a:pPr>
+            <a:r>
+              <a:rPr lang="en-US" altLang="en-US" sz="3200" dirty="0">
+                <a:latin typeface="Aptos Display" panose="020B0004020202020204" pitchFamily="34" charset="0"/>
+              </a:rPr>
+              <a:t>Graphical representation of data 3D -&gt; 2D</a:t>
+            </a:r>
+            <a:endParaRPr kumimoji="0" lang="en-US" altLang="en-US" sz="3200" b="0" i="0" u="none" strike="noStrike" cap="none" normalizeH="0" baseline="0" dirty="0">
+              <a:ln>
+                <a:noFill/>
+              </a:ln>
+              <a:solidFill>
+                <a:schemeClr val="tx1"/>
+              </a:solidFill>
+              <a:effectLst/>
+              <a:latin typeface="Aptos Display" panose="020B0004020202020204" pitchFamily="34" charset="0"/>
+            </a:endParaRPr>
+          </a:p>
+        </p:txBody>
+      </p:sp>
+      <p:pic>
+        <p:nvPicPr>
+          <p:cNvPr id="14" name="Picture 13">
+            <a:extLst>
+              <a:ext uri="{FF2B5EF4-FFF2-40B4-BE49-F238E27FC236}">
+                <a16:creationId xmlns:a16="http://schemas.microsoft.com/office/drawing/2014/main" id="{D1F1BFD5-5F98-31FE-485B-73296F22FF58}"/>
+              </a:ext>
+            </a:extLst>
+          </p:cNvPr>
+          <p:cNvPicPr>
+            <a:picLocks noChangeAspect="1"/>
+          </p:cNvPicPr>
+          <p:nvPr/>
+        </p:nvPicPr>
+        <p:blipFill>
+          <a:blip r:embed="rId2"/>
+          <a:stretch>
+            <a:fillRect/>
+          </a:stretch>
+        </p:blipFill>
+        <p:spPr>
+          <a:xfrm>
+            <a:off x="3200400" y="3543300"/>
+            <a:ext cx="5410200" cy="5674112"/>
+          </a:xfrm>
+          <a:prstGeom prst="rect">
+            <a:avLst/>
+          </a:prstGeom>
+        </p:spPr>
+      </p:pic>
+      <p:pic>
+        <p:nvPicPr>
+          <p:cNvPr id="3" name="Picture 2">
+            <a:extLst>
+              <a:ext uri="{FF2B5EF4-FFF2-40B4-BE49-F238E27FC236}">
+                <a16:creationId xmlns:a16="http://schemas.microsoft.com/office/drawing/2014/main" id="{8125E515-9310-CAC8-ED49-9C30D92EE1B9}"/>
+              </a:ext>
+            </a:extLst>
+          </p:cNvPr>
+          <p:cNvPicPr>
+            <a:picLocks noChangeAspect="1"/>
+          </p:cNvPicPr>
+          <p:nvPr/>
+        </p:nvPicPr>
+        <p:blipFill>
+          <a:blip r:embed="rId3"/>
+          <a:stretch>
+            <a:fillRect/>
+          </a:stretch>
+        </p:blipFill>
+        <p:spPr>
+          <a:xfrm>
+            <a:off x="9681884" y="4076700"/>
+            <a:ext cx="6667500" cy="4114800"/>
+          </a:xfrm>
+          <a:prstGeom prst="rect">
+            <a:avLst/>
+          </a:prstGeom>
+        </p:spPr>
+      </p:pic>
+    </p:spTree>
+    <p:extLst>
+      <p:ext uri="{BB962C8B-B14F-4D97-AF65-F5344CB8AC3E}">
+        <p14:creationId xmlns:p14="http://schemas.microsoft.com/office/powerpoint/2010/main" val="1936406451"/>
+      </p:ext>
+    </p:extLst>
+  </p:cSld>
+  <p:clrMapOvr>
+    <a:masterClrMapping/>
+  </p:clrMapOvr>
+</p:sld>
+</file>
+
+<file path=ppt/slides/slide8.xml><?xml version="1.0" encoding="utf-8"?>
 <p:sld xmlns:a="http://schemas.openxmlformats.org/drawingml/2006/main" xmlns:r="http://schemas.openxmlformats.org/officeDocument/2006/relationships" xmlns:p="http://schemas.openxmlformats.org/presentationml/2006/main">
   <p:cSld>
     <p:spTree>
@@ -16700,14 +20282,16 @@
               </a:spcBef>
             </a:pPr>
             <a:r>
-              <a:rPr lang="en-US" sz="6000" dirty="0"/>
+              <a:rPr lang="en-US" sz="6000" dirty="0">
+                <a:latin typeface="Aptos Display" panose="020B0004020202020204" pitchFamily="34" charset="0"/>
+              </a:rPr>
               <a:t>Steps in DAPC</a:t>
             </a:r>
             <a:endParaRPr sz="6000" b="0" dirty="0">
               <a:solidFill>
                 <a:srgbClr val="0C234B"/>
               </a:solidFill>
-              <a:latin typeface="Times New Roman" panose="02020603050405020304" pitchFamily="18" charset="0"/>
+              <a:latin typeface="Aptos Display" panose="020B0004020202020204" pitchFamily="34" charset="0"/>
               <a:cs typeface="Times New Roman" panose="02020603050405020304" pitchFamily="18" charset="0"/>
             </a:endParaRPr>
           </a:p>
@@ -16729,8 +20313,8 @@
         </p:nvSpPr>
         <p:spPr bwMode="auto">
           <a:xfrm>
-            <a:off x="2362200" y="2414201"/>
-            <a:ext cx="11353800" cy="1754326"/>
+            <a:off x="2362200" y="2476500"/>
+            <a:ext cx="13563600" cy="3970318"/>
           </a:xfrm>
           <a:prstGeom prst="rect">
             <a:avLst/>
@@ -16778,7 +20362,7 @@
           </a:bodyPr>
           <a:lstStyle/>
           <a:p>
-            <a:pPr marL="0" marR="0" lvl="0" indent="0" algn="l" defTabSz="914400" rtl="0" eaLnBrk="0" fontAlgn="base" latinLnBrk="0" hangingPunct="0">
+            <a:pPr marL="742950" marR="0" lvl="0" indent="-742950" algn="l" defTabSz="914400" rtl="0" eaLnBrk="0" fontAlgn="base" latinLnBrk="0" hangingPunct="0">
               <a:lnSpc>
                 <a:spcPct val="100000"/>
               </a:lnSpc>
@@ -16790,12 +20374,12 @@
               </a:spcAft>
               <a:buClrTx/>
               <a:buSzTx/>
-              <a:buFontTx/>
-              <a:buChar char="•"/>
+              <a:buFont typeface="+mj-lt"/>
+              <a:buAutoNum type="arabicPeriod"/>
               <a:tabLst/>
             </a:pPr>
             <a:r>
-              <a:rPr kumimoji="0" lang="en-US" altLang="en-US" sz="1800" b="1" i="0" u="none" strike="noStrike" cap="none" normalizeH="0" baseline="0" dirty="0">
+              <a:rPr kumimoji="0" lang="en-US" altLang="en-US" sz="3600" b="0" i="0" u="none" strike="noStrike" cap="none" normalizeH="0" baseline="0" dirty="0">
                 <a:ln>
                   <a:noFill/>
                 </a:ln>
@@ -16803,12 +20387,24 @@
                   <a:schemeClr val="tx1"/>
                 </a:solidFill>
                 <a:effectLst/>
-                <a:latin typeface="Arial" panose="020B0604020202020204" pitchFamily="34" charset="0"/>
+                <a:latin typeface="Aptos" panose="020B0004020202020204" pitchFamily="34" charset="0"/>
               </a:rPr>
-              <a:t>Step 1</a:t>
-            </a:r>
-            <a:r>
-              <a:rPr kumimoji="0" lang="en-US" altLang="en-US" sz="1800" b="0" i="0" u="none" strike="noStrike" cap="none" normalizeH="0" baseline="0" dirty="0">
+              <a:t>Apply PCA to the dataset</a:t>
+            </a:r>
+          </a:p>
+          <a:p>
+            <a:pPr marL="1200150" lvl="1" indent="-742950" eaLnBrk="0" fontAlgn="base" hangingPunct="0">
+              <a:spcBef>
+                <a:spcPct val="0"/>
+              </a:spcBef>
+              <a:spcAft>
+                <a:spcPct val="0"/>
+              </a:spcAft>
+              <a:buFont typeface="+mj-lt"/>
+              <a:buAutoNum type="alphaLcPeriod"/>
+            </a:pPr>
+            <a:r>
+              <a:rPr kumimoji="0" lang="en-US" altLang="en-US" sz="3600" b="0" i="0" u="none" strike="noStrike" cap="none" normalizeH="0" baseline="0" dirty="0">
                 <a:ln>
                   <a:noFill/>
                 </a:ln>
@@ -16816,13 +20412,13 @@
                   <a:schemeClr val="tx1"/>
                 </a:solidFill>
                 <a:effectLst/>
-                <a:latin typeface="Arial" panose="020B0604020202020204" pitchFamily="34" charset="0"/>
+                <a:latin typeface="Aptos" panose="020B0004020202020204" pitchFamily="34" charset="0"/>
               </a:rPr>
-              <a:t>: Apply PCA to the dataset.</a:t>
-            </a:r>
-          </a:p>
-          <a:p>
-            <a:pPr marL="0" marR="0" lvl="0" indent="0" algn="l" defTabSz="914400" rtl="0" eaLnBrk="0" fontAlgn="base" latinLnBrk="0" hangingPunct="0">
+              <a:t>Reduce dimensionality of dataset</a:t>
+            </a:r>
+          </a:p>
+          <a:p>
+            <a:pPr marL="742950" marR="0" lvl="0" indent="-742950" algn="l" defTabSz="914400" rtl="0" eaLnBrk="0" fontAlgn="base" latinLnBrk="0" hangingPunct="0">
               <a:lnSpc>
                 <a:spcPct val="100000"/>
               </a:lnSpc>
@@ -16834,12 +20430,12 @@
               </a:spcAft>
               <a:buClrTx/>
               <a:buSzTx/>
-              <a:buFontTx/>
-              <a:buChar char="•"/>
+              <a:buFont typeface="+mj-lt"/>
+              <a:buAutoNum type="arabicPeriod"/>
               <a:tabLst/>
             </a:pPr>
             <a:r>
-              <a:rPr kumimoji="0" lang="en-US" altLang="en-US" sz="1800" b="1" i="0" u="none" strike="noStrike" cap="none" normalizeH="0" baseline="0" dirty="0">
+              <a:rPr kumimoji="0" lang="en-US" altLang="en-US" sz="3600" b="0" i="0" u="none" strike="noStrike" cap="none" normalizeH="0" baseline="0" dirty="0">
                 <a:ln>
                   <a:noFill/>
                 </a:ln>
@@ -16847,26 +20443,13 @@
                   <a:schemeClr val="tx1"/>
                 </a:solidFill>
                 <a:effectLst/>
-                <a:latin typeface="Arial" panose="020B0604020202020204" pitchFamily="34" charset="0"/>
+                <a:latin typeface="Aptos" panose="020B0004020202020204" pitchFamily="34" charset="0"/>
               </a:rPr>
-              <a:t>Step 2</a:t>
-            </a:r>
-            <a:r>
-              <a:rPr kumimoji="0" lang="en-US" altLang="en-US" sz="1800" b="0" i="0" u="none" strike="noStrike" cap="none" normalizeH="0" baseline="0" dirty="0">
-                <a:ln>
-                  <a:noFill/>
-                </a:ln>
-                <a:solidFill>
-                  <a:schemeClr val="tx1"/>
-                </a:solidFill>
-                <a:effectLst/>
-                <a:latin typeface="Arial" panose="020B0604020202020204" pitchFamily="34" charset="0"/>
-              </a:rPr>
-              <a:t>: Select principal components for analysis.</a:t>
-            </a:r>
-          </a:p>
-          <a:p>
-            <a:pPr marL="0" marR="0" lvl="0" indent="0" algn="l" defTabSz="914400" rtl="0" eaLnBrk="0" fontAlgn="base" latinLnBrk="0" hangingPunct="0">
+              <a:t>Select principal components for analysis</a:t>
+            </a:r>
+          </a:p>
+          <a:p>
+            <a:pPr marL="742950" marR="0" lvl="0" indent="-742950" algn="l" defTabSz="914400" rtl="0" eaLnBrk="0" fontAlgn="base" latinLnBrk="0" hangingPunct="0">
               <a:lnSpc>
                 <a:spcPct val="100000"/>
               </a:lnSpc>
@@ -16878,12 +20461,12 @@
               </a:spcAft>
               <a:buClrTx/>
               <a:buSzTx/>
-              <a:buFontTx/>
-              <a:buChar char="•"/>
+              <a:buFont typeface="+mj-lt"/>
+              <a:buAutoNum type="arabicPeriod"/>
               <a:tabLst/>
             </a:pPr>
             <a:r>
-              <a:rPr kumimoji="0" lang="en-US" altLang="en-US" sz="1800" b="1" i="0" u="none" strike="noStrike" cap="none" normalizeH="0" baseline="0" dirty="0">
+              <a:rPr kumimoji="0" lang="en-US" altLang="en-US" sz="3600" b="0" i="0" u="none" strike="noStrike" cap="none" normalizeH="0" baseline="0" dirty="0">
                 <a:ln>
                   <a:noFill/>
                 </a:ln>
@@ -16891,12 +20474,24 @@
                   <a:schemeClr val="tx1"/>
                 </a:solidFill>
                 <a:effectLst/>
-                <a:latin typeface="Arial" panose="020B0604020202020204" pitchFamily="34" charset="0"/>
+                <a:latin typeface="Aptos" panose="020B0004020202020204" pitchFamily="34" charset="0"/>
               </a:rPr>
-              <a:t>Step 3</a:t>
-            </a:r>
-            <a:r>
-              <a:rPr kumimoji="0" lang="en-US" altLang="en-US" sz="1800" b="0" i="0" u="none" strike="noStrike" cap="none" normalizeH="0" baseline="0" dirty="0">
+              <a:t>Apply DA to the reduced dataset for classification</a:t>
+            </a:r>
+          </a:p>
+          <a:p>
+            <a:pPr marL="1200150" lvl="1" indent="-742950" eaLnBrk="0" fontAlgn="base" hangingPunct="0">
+              <a:spcBef>
+                <a:spcPct val="0"/>
+              </a:spcBef>
+              <a:spcAft>
+                <a:spcPct val="0"/>
+              </a:spcAft>
+              <a:buFont typeface="+mj-lt"/>
+              <a:buAutoNum type="alphaLcPeriod"/>
+            </a:pPr>
+            <a:r>
+              <a:rPr kumimoji="0" lang="en-US" altLang="en-US" sz="3600" b="0" i="0" u="none" strike="noStrike" cap="none" normalizeH="0" baseline="0" dirty="0">
                 <a:ln>
                   <a:noFill/>
                 </a:ln>
@@ -16904,13 +20499,13 @@
                   <a:schemeClr val="tx1"/>
                 </a:solidFill>
                 <a:effectLst/>
-                <a:latin typeface="Arial" panose="020B0604020202020204" pitchFamily="34" charset="0"/>
+                <a:latin typeface="Aptos" panose="020B0004020202020204" pitchFamily="34" charset="0"/>
               </a:rPr>
-              <a:t>: Apply DA to the reduced dataset for classification.</a:t>
-            </a:r>
-          </a:p>
-          <a:p>
-            <a:pPr marL="0" marR="0" lvl="0" indent="0" algn="l" defTabSz="914400" rtl="0" eaLnBrk="0" fontAlgn="base" latinLnBrk="0" hangingPunct="0">
+              <a:t>Identify linear combinations in PCA components to separate groups</a:t>
+            </a:r>
+          </a:p>
+          <a:p>
+            <a:pPr marL="742950" marR="0" lvl="0" indent="-742950" algn="l" defTabSz="914400" rtl="0" eaLnBrk="0" fontAlgn="base" latinLnBrk="0" hangingPunct="0">
               <a:lnSpc>
                 <a:spcPct val="100000"/>
               </a:lnSpc>
@@ -16922,12 +20517,12 @@
               </a:spcAft>
               <a:buClrTx/>
               <a:buSzTx/>
-              <a:buFontTx/>
-              <a:buChar char="•"/>
+              <a:buFont typeface="+mj-lt"/>
+              <a:buAutoNum type="arabicPeriod"/>
               <a:tabLst/>
             </a:pPr>
             <a:r>
-              <a:rPr kumimoji="0" lang="en-US" altLang="en-US" sz="1800" b="1" i="0" u="none" strike="noStrike" cap="none" normalizeH="0" baseline="0" dirty="0">
+              <a:rPr kumimoji="0" lang="en-US" altLang="en-US" sz="3600" b="0" i="0" u="none" strike="noStrike" cap="none" normalizeH="0" baseline="0" dirty="0">
                 <a:ln>
                   <a:noFill/>
                 </a:ln>
@@ -16935,76 +20530,10 @@
                   <a:schemeClr val="tx1"/>
                 </a:solidFill>
                 <a:effectLst/>
-                <a:latin typeface="Arial" panose="020B0604020202020204" pitchFamily="34" charset="0"/>
+                <a:latin typeface="Aptos" panose="020B0004020202020204" pitchFamily="34" charset="0"/>
               </a:rPr>
-              <a:t>Step 4</a:t>
-            </a:r>
-            <a:r>
-              <a:rPr kumimoji="0" lang="en-US" altLang="en-US" sz="1800" b="0" i="0" u="none" strike="noStrike" cap="none" normalizeH="0" baseline="0" dirty="0">
-                <a:ln>
-                  <a:noFill/>
-                </a:ln>
-                <a:solidFill>
-                  <a:schemeClr val="tx1"/>
-                </a:solidFill>
-                <a:effectLst/>
-                <a:latin typeface="Arial" panose="020B0604020202020204" pitchFamily="34" charset="0"/>
-              </a:rPr>
-              <a:t>: Interpret and validate results.</a:t>
-            </a:r>
-          </a:p>
-          <a:p>
-            <a:pPr marL="0" marR="0" lvl="0" indent="0" algn="l" defTabSz="914400" rtl="0" eaLnBrk="0" fontAlgn="base" latinLnBrk="0" hangingPunct="0">
-              <a:lnSpc>
-                <a:spcPct val="100000"/>
-              </a:lnSpc>
-              <a:spcBef>
-                <a:spcPct val="0"/>
-              </a:spcBef>
-              <a:spcAft>
-                <a:spcPct val="0"/>
-              </a:spcAft>
-              <a:buClrTx/>
-              <a:buSzTx/>
-              <a:buFontTx/>
-              <a:buChar char="•"/>
-              <a:tabLst/>
-            </a:pPr>
-            <a:r>
-              <a:rPr kumimoji="0" lang="en-US" altLang="en-US" sz="1800" b="0" i="0" u="none" strike="noStrike" cap="none" normalizeH="0" baseline="0" dirty="0">
-                <a:ln>
-                  <a:noFill/>
-                </a:ln>
-                <a:solidFill>
-                  <a:schemeClr val="tx1"/>
-                </a:solidFill>
-                <a:effectLst/>
-                <a:latin typeface="Arial" panose="020B0604020202020204" pitchFamily="34" charset="0"/>
-              </a:rPr>
-              <a:t>Visual: Step-by-step diagram.  See previous slide?</a:t>
-            </a:r>
-            <a:br>
-              <a:rPr kumimoji="0" lang="en-US" altLang="en-US" sz="1800" b="0" i="0" u="none" strike="noStrike" cap="none" normalizeH="0" baseline="0" dirty="0">
-                <a:ln>
-                  <a:noFill/>
-                </a:ln>
-                <a:solidFill>
-                  <a:schemeClr val="tx1"/>
-                </a:solidFill>
-                <a:effectLst/>
-                <a:latin typeface="Arial" panose="020B0604020202020204" pitchFamily="34" charset="0"/>
-              </a:rPr>
-            </a:br>
-            <a:endParaRPr kumimoji="0" lang="en-US" altLang="en-US" sz="1800" b="0" i="0" u="none" strike="noStrike" cap="none" normalizeH="0" baseline="0" dirty="0">
-              <a:ln>
-                <a:noFill/>
-              </a:ln>
-              <a:solidFill>
-                <a:schemeClr val="tx1"/>
-              </a:solidFill>
-              <a:effectLst/>
-              <a:latin typeface="Arial" panose="020B0604020202020204" pitchFamily="34" charset="0"/>
-            </a:endParaRPr>
+              <a:t>Interpret and validate results</a:t>
+            </a:r>
           </a:p>
         </p:txBody>
       </p:sp>
@@ -17021,7 +20550,7 @@
 </p:sld>
 </file>
 
-<file path=ppt/slides/slide7.xml><?xml version="1.0" encoding="utf-8"?>
+<file path=ppt/slides/slide9.xml><?xml version="1.0" encoding="utf-8"?>
 <p:sld xmlns:a="http://schemas.openxmlformats.org/drawingml/2006/main" xmlns:r="http://schemas.openxmlformats.org/officeDocument/2006/relationships" xmlns:p="http://schemas.openxmlformats.org/presentationml/2006/main">
   <p:cSld>
     <p:spTree>
@@ -17050,8 +20579,8 @@
         </p:nvSpPr>
         <p:spPr>
           <a:xfrm>
-            <a:off x="2362200" y="1028700"/>
-            <a:ext cx="10352088" cy="936625"/>
+            <a:off x="2590799" y="876300"/>
+            <a:ext cx="10098088" cy="936625"/>
           </a:xfrm>
           <a:prstGeom prst="rect">
             <a:avLst/>
@@ -17072,14 +20601,20 @@
               </a:spcBef>
             </a:pPr>
             <a:r>
-              <a:rPr lang="en-US" sz="6000" dirty="0"/>
-              <a:t>Real-World Applications</a:t>
-            </a:r>
-            <a:endParaRPr sz="6000" b="0" dirty="0">
+              <a:rPr lang="en-US" sz="6600" b="0" dirty="0">
+                <a:solidFill>
+                  <a:srgbClr val="0C234B"/>
+                </a:solidFill>
+                <a:latin typeface="Aptos Display" panose="020B0004020202020204" pitchFamily="34" charset="0"/>
+                <a:cs typeface="Times New Roman" panose="02020603050405020304" pitchFamily="18" charset="0"/>
+              </a:rPr>
+              <a:t>DAPC</a:t>
+            </a:r>
+            <a:endParaRPr sz="6600" b="0" dirty="0">
               <a:solidFill>
                 <a:srgbClr val="0C234B"/>
               </a:solidFill>
-              <a:latin typeface="Times New Roman" panose="02020603050405020304" pitchFamily="18" charset="0"/>
+              <a:latin typeface="Aptos Display" panose="020B0004020202020204" pitchFamily="34" charset="0"/>
               <a:cs typeface="Times New Roman" panose="02020603050405020304" pitchFamily="18" charset="0"/>
             </a:endParaRPr>
           </a:p>
@@ -17087,10 +20622,10 @@
       </p:sp>
       <p:sp>
         <p:nvSpPr>
-          <p:cNvPr id="3" name="Rectangle 1">
+          <p:cNvPr id="7" name="Rectangle 3">
             <a:extLst>
               <a:ext uri="{FF2B5EF4-FFF2-40B4-BE49-F238E27FC236}">
-                <a16:creationId xmlns:a16="http://schemas.microsoft.com/office/drawing/2014/main" id="{C6FBA578-1E4C-30F6-851B-7EEB1978AD02}"/>
+                <a16:creationId xmlns:a16="http://schemas.microsoft.com/office/drawing/2014/main" id="{27538980-ADC8-D00D-B0FC-F05F5543CCDE}"/>
               </a:ext>
             </a:extLst>
           </p:cNvPr>
@@ -17101,8 +20636,8 @@
         </p:nvSpPr>
         <p:spPr bwMode="auto">
           <a:xfrm>
-            <a:off x="2362200" y="2476500"/>
-            <a:ext cx="8610600" cy="1200329"/>
+            <a:off x="2590799" y="2705099"/>
+            <a:ext cx="7772401" cy="3539430"/>
           </a:xfrm>
           <a:prstGeom prst="rect">
             <a:avLst/>
@@ -17142,7 +20677,7 @@
           </a:extLst>
         </p:spPr>
         <p:txBody>
-          <a:bodyPr vert="horz" wrap="square" lIns="91440" tIns="45720" rIns="91440" bIns="45720" numCol="1" anchor="ctr" anchorCtr="0" compatLnSpc="1">
+          <a:bodyPr vert="horz" wrap="square" lIns="91440" tIns="45720" rIns="91440" bIns="45720" numCol="1" anchor="t" anchorCtr="0" compatLnSpc="1">
             <a:prstTxWarp prst="textNoShape">
               <a:avLst/>
             </a:prstTxWarp>
@@ -17150,7 +20685,7 @@
           </a:bodyPr>
           <a:lstStyle/>
           <a:p>
-            <a:pPr marL="0" marR="0" lvl="0" indent="0" algn="l" defTabSz="914400" rtl="0" eaLnBrk="0" fontAlgn="base" latinLnBrk="0" hangingPunct="0">
+            <a:pPr marR="0" lvl="0" algn="l" defTabSz="914400" rtl="0" eaLnBrk="0" fontAlgn="base" latinLnBrk="0" hangingPunct="0">
               <a:lnSpc>
                 <a:spcPct val="100000"/>
               </a:lnSpc>
@@ -17162,23 +20697,17 @@
               </a:spcAft>
               <a:buClrTx/>
               <a:buSzTx/>
-              <a:buFontTx/>
-              <a:buNone/>
               <a:tabLst/>
             </a:pPr>
-            <a:endParaRPr kumimoji="0" lang="en-US" altLang="en-US" sz="1800" b="0" i="0" u="none" strike="noStrike" cap="none" normalizeH="0" baseline="0">
-              <a:ln>
-                <a:noFill/>
-              </a:ln>
-              <a:solidFill>
-                <a:schemeClr val="tx1"/>
-              </a:solidFill>
-              <a:effectLst/>
-              <a:latin typeface="Arial" panose="020B0604020202020204" pitchFamily="34" charset="0"/>
-            </a:endParaRPr>
-          </a:p>
-          <a:p>
-            <a:pPr marL="0" marR="0" lvl="0" indent="0" algn="l" defTabSz="914400" rtl="0" eaLnBrk="0" fontAlgn="base" latinLnBrk="0" hangingPunct="0">
+            <a:r>
+              <a:rPr lang="en-US" altLang="en-US" sz="3200" dirty="0">
+                <a:latin typeface="Aptos Display" panose="020B0004020202020204" pitchFamily="34" charset="0"/>
+              </a:rPr>
+              <a:t>Benefits</a:t>
+            </a:r>
+          </a:p>
+          <a:p>
+            <a:pPr marL="342900" marR="0" lvl="0" indent="-342900" algn="l" defTabSz="914400" rtl="0" eaLnBrk="0" fontAlgn="base" latinLnBrk="0" hangingPunct="0">
               <a:lnSpc>
                 <a:spcPct val="100000"/>
               </a:lnSpc>
@@ -17190,12 +20719,30 @@
               </a:spcAft>
               <a:buClrTx/>
               <a:buSzTx/>
-              <a:buFontTx/>
+              <a:buFont typeface="Arial" panose="020B0604020202020204" pitchFamily="34" charset="0"/>
               <a:buChar char="•"/>
               <a:tabLst/>
             </a:pPr>
             <a:r>
-              <a:rPr kumimoji="0" lang="en-US" altLang="en-US" sz="1800" b="0" i="0" u="none" strike="noStrike" cap="none" normalizeH="0" baseline="0">
+              <a:rPr lang="en-US" altLang="en-US" sz="3200" dirty="0">
+                <a:latin typeface="Aptos Display" panose="020B0004020202020204" pitchFamily="34" charset="0"/>
+              </a:rPr>
+              <a:t>Current multivariate methods of classification are too computer intensive</a:t>
+            </a:r>
+          </a:p>
+          <a:p>
+            <a:pPr marL="800100" lvl="1" indent="-342900" eaLnBrk="0" fontAlgn="base" hangingPunct="0">
+              <a:spcBef>
+                <a:spcPct val="0"/>
+              </a:spcBef>
+              <a:spcAft>
+                <a:spcPct val="0"/>
+              </a:spcAft>
+              <a:buFont typeface="Arial" panose="020B0604020202020204" pitchFamily="34" charset="0"/>
+              <a:buChar char="•"/>
+            </a:pPr>
+            <a:r>
+              <a:rPr kumimoji="0" lang="en-US" altLang="en-US" sz="3200" b="0" i="0" u="none" strike="noStrike" cap="none" normalizeH="0" baseline="0" dirty="0">
                 <a:ln>
                   <a:noFill/>
                 </a:ln>
@@ -17203,234 +20750,29 @@
                   <a:schemeClr val="tx1"/>
                 </a:solidFill>
                 <a:effectLst/>
-                <a:latin typeface="Arial" panose="020B0604020202020204" pitchFamily="34" charset="0"/>
+                <a:latin typeface="Aptos Display" panose="020B0004020202020204" pitchFamily="34" charset="0"/>
               </a:rPr>
-              <a:t>Examples: Genomics, Ecology, Medical Diagnostics, Marketing, Finance.</a:t>
-            </a:r>
-          </a:p>
-          <a:p>
-            <a:pPr marL="0" marR="0" lvl="0" indent="0" algn="l" defTabSz="914400" rtl="0" eaLnBrk="0" fontAlgn="base" latinLnBrk="0" hangingPunct="0">
-              <a:lnSpc>
-                <a:spcPct val="100000"/>
-              </a:lnSpc>
+              <a:t>Datasets growing at a faster rate than processing power</a:t>
+            </a:r>
+          </a:p>
+          <a:p>
+            <a:pPr marL="342900" indent="-342900" eaLnBrk="0" fontAlgn="base" hangingPunct="0">
               <a:spcBef>
                 <a:spcPct val="0"/>
               </a:spcBef>
               <a:spcAft>
                 <a:spcPct val="0"/>
               </a:spcAft>
-              <a:buClrTx/>
-              <a:buSzTx/>
-              <a:buFontTx/>
+              <a:buFont typeface="Arial" panose="020B0604020202020204" pitchFamily="34" charset="0"/>
               <a:buChar char="•"/>
-              <a:tabLst/>
-            </a:pPr>
-            <a:r>
-              <a:rPr kumimoji="0" lang="en-US" altLang="en-US" sz="1800" b="0" i="0" u="none" strike="noStrike" cap="none" normalizeH="0" baseline="0">
-                <a:ln>
-                  <a:noFill/>
-                </a:ln>
-                <a:solidFill>
-                  <a:schemeClr val="tx1"/>
-                </a:solidFill>
-                <a:effectLst/>
-                <a:latin typeface="Arial" panose="020B0604020202020204" pitchFamily="34" charset="0"/>
+            </a:pPr>
+            <a:r>
+              <a:rPr lang="en-US" altLang="en-US" sz="3200" dirty="0">
+                <a:latin typeface="Aptos Display" panose="020B0004020202020204" pitchFamily="34" charset="0"/>
               </a:rPr>
-              <a:t>Brief descriptions of how DAPC is used in these fields.</a:t>
-            </a:r>
-          </a:p>
-          <a:p>
-            <a:pPr marL="0" marR="0" lvl="0" indent="0" algn="l" defTabSz="914400" rtl="0" eaLnBrk="0" fontAlgn="base" latinLnBrk="0" hangingPunct="0">
-              <a:lnSpc>
-                <a:spcPct val="100000"/>
-              </a:lnSpc>
-              <a:spcBef>
-                <a:spcPct val="0"/>
-              </a:spcBef>
-              <a:spcAft>
-                <a:spcPct val="0"/>
-              </a:spcAft>
-              <a:buClrTx/>
-              <a:buSzTx/>
-              <a:buFontTx/>
-              <a:buChar char="•"/>
-              <a:tabLst/>
-            </a:pPr>
-            <a:r>
-              <a:rPr kumimoji="0" lang="en-US" altLang="en-US" sz="1800" b="0" i="0" u="none" strike="noStrike" cap="none" normalizeH="0" baseline="0">
-                <a:ln>
-                  <a:noFill/>
-                </a:ln>
-                <a:solidFill>
-                  <a:schemeClr val="tx1"/>
-                </a:solidFill>
-                <a:effectLst/>
-                <a:latin typeface="Arial" panose="020B0604020202020204" pitchFamily="34" charset="0"/>
-              </a:rPr>
-              <a:t>Visual: Icons or images representing different applications. </a:t>
-            </a:r>
-          </a:p>
-        </p:txBody>
-      </p:sp>
-    </p:spTree>
-    <p:extLst>
-      <p:ext uri="{BB962C8B-B14F-4D97-AF65-F5344CB8AC3E}">
-        <p14:creationId xmlns:p14="http://schemas.microsoft.com/office/powerpoint/2010/main" val="2957130855"/>
-      </p:ext>
-    </p:extLst>
-  </p:cSld>
-  <p:clrMapOvr>
-    <a:masterClrMapping/>
-  </p:clrMapOvr>
-</p:sld>
-</file>
-
-<file path=ppt/slides/slide8.xml><?xml version="1.0" encoding="utf-8"?>
-<p:sld xmlns:a="http://schemas.openxmlformats.org/drawingml/2006/main" xmlns:r="http://schemas.openxmlformats.org/officeDocument/2006/relationships" xmlns:p="http://schemas.openxmlformats.org/presentationml/2006/main">
-  <p:cSld>
-    <p:spTree>
-      <p:nvGrpSpPr>
-        <p:cNvPr id="1" name=""/>
-        <p:cNvGrpSpPr/>
-        <p:nvPr/>
-      </p:nvGrpSpPr>
-      <p:grpSpPr>
-        <a:xfrm>
-          <a:off x="0" y="0"/>
-          <a:ext cx="0" cy="0"/>
-          <a:chOff x="0" y="0"/>
-          <a:chExt cx="0" cy="0"/>
-        </a:xfrm>
-      </p:grpSpPr>
-      <p:sp>
-        <p:nvSpPr>
-          <p:cNvPr id="2" name="object 2"/>
-          <p:cNvSpPr txBox="1">
-            <a:spLocks noGrp="1"/>
-          </p:cNvSpPr>
-          <p:nvPr>
-            <p:ph type="title" idx="4294967295"/>
-          </p:nvPr>
-        </p:nvSpPr>
-        <p:spPr>
-          <a:xfrm>
-            <a:off x="2362200" y="1028700"/>
-            <a:ext cx="10896600" cy="1066800"/>
-          </a:xfrm>
-          <a:prstGeom prst="rect">
-            <a:avLst/>
-          </a:prstGeom>
-        </p:spPr>
-        <p:txBody>
-          <a:bodyPr vert="horz" wrap="square" lIns="0" tIns="12700" rIns="0" bIns="0" rtlCol="0">
-            <a:noAutofit/>
-          </a:bodyPr>
-          <a:lstStyle/>
-          <a:p>
-            <a:pPr marL="12700">
-              <a:spcBef>
-                <a:spcPts val="100"/>
-              </a:spcBef>
-            </a:pPr>
-            <a:r>
-              <a:rPr lang="en-US" sz="6000" b="1" dirty="0"/>
-              <a:t>Case Study Example</a:t>
-            </a:r>
-            <a:br>
-              <a:rPr lang="en-US" sz="6000" b="1" dirty="0"/>
-            </a:br>
-            <a:endParaRPr sz="6000" b="0" dirty="0">
-              <a:solidFill>
-                <a:srgbClr val="0C234B"/>
-              </a:solidFill>
-              <a:latin typeface="Times New Roman" panose="02020603050405020304" pitchFamily="18" charset="0"/>
-              <a:cs typeface="Times New Roman" panose="02020603050405020304" pitchFamily="18" charset="0"/>
-            </a:endParaRPr>
-          </a:p>
-        </p:txBody>
-      </p:sp>
-      <p:sp>
-        <p:nvSpPr>
-          <p:cNvPr id="3" name="Rectangle 1">
-            <a:extLst>
-              <a:ext uri="{FF2B5EF4-FFF2-40B4-BE49-F238E27FC236}">
-                <a16:creationId xmlns:a16="http://schemas.microsoft.com/office/drawing/2014/main" id="{C9E71B6D-F93E-4D2B-76E0-B2E5ECBE46B5}"/>
-              </a:ext>
-            </a:extLst>
-          </p:cNvPr>
-          <p:cNvSpPr>
-            <a:spLocks noChangeArrowheads="1"/>
-          </p:cNvSpPr>
-          <p:nvPr/>
-        </p:nvSpPr>
-        <p:spPr bwMode="auto">
-          <a:xfrm rot="10800000" flipV="1">
-            <a:off x="2362200" y="2324101"/>
-            <a:ext cx="11049000" cy="1200329"/>
-          </a:xfrm>
-          <a:prstGeom prst="rect">
-            <a:avLst/>
-          </a:prstGeom>
-          <a:noFill/>
-          <a:ln>
-            <a:noFill/>
-          </a:ln>
-          <a:effectLst/>
-          <a:extLst>
-            <a:ext uri="{909E8E84-426E-40DD-AFC4-6F175D3DCCD1}">
-              <a14:hiddenFill xmlns:a14="http://schemas.microsoft.com/office/drawing/2010/main">
-                <a:solidFill>
-                  <a:schemeClr val="accent1"/>
-                </a:solidFill>
-              </a14:hiddenFill>
-            </a:ext>
-            <a:ext uri="{91240B29-F687-4F45-9708-019B960494DF}">
-              <a14:hiddenLine xmlns:a14="http://schemas.microsoft.com/office/drawing/2010/main" w="9525">
-                <a:solidFill>
-                  <a:schemeClr val="tx1"/>
-                </a:solidFill>
-                <a:miter lim="800000"/>
-                <a:headEnd/>
-                <a:tailEnd/>
-              </a14:hiddenLine>
-            </a:ext>
-            <a:ext uri="{AF507438-7753-43E0-B8FC-AC1667EBCBE1}">
-              <a14:hiddenEffects xmlns:a14="http://schemas.microsoft.com/office/drawing/2010/main">
-                <a:effectLst>
-                  <a:outerShdw dist="35921" dir="2700000" algn="ctr" rotWithShape="0">
-                    <a:schemeClr val="bg2"/>
-                  </a:outerShdw>
-                </a:effectLst>
-              </a14:hiddenEffects>
-            </a:ext>
-          </a:extLst>
-        </p:spPr>
-        <p:txBody>
-          <a:bodyPr vert="horz" wrap="square" lIns="91440" tIns="45720" rIns="91440" bIns="45720" numCol="1" anchor="ctr" anchorCtr="0" compatLnSpc="1">
-            <a:prstTxWarp prst="textNoShape">
-              <a:avLst/>
-            </a:prstTxWarp>
-            <a:spAutoFit/>
-          </a:bodyPr>
-          <a:lstStyle/>
-          <a:p>
-            <a:pPr marL="0" marR="0" lvl="0" indent="0" algn="l" defTabSz="914400" rtl="0" eaLnBrk="0" fontAlgn="base" latinLnBrk="0" hangingPunct="0">
-              <a:lnSpc>
-                <a:spcPct val="100000"/>
-              </a:lnSpc>
-              <a:spcBef>
-                <a:spcPct val="0"/>
-              </a:spcBef>
-              <a:spcAft>
-                <a:spcPct val="0"/>
-              </a:spcAft>
-              <a:buClrTx/>
-              <a:buSzTx/>
-              <a:buFontTx/>
-              <a:buNone/>
-              <a:tabLst/>
-            </a:pPr>
-            <a:endParaRPr kumimoji="0" lang="en-US" altLang="en-US" sz="1800" b="0" i="0" u="none" strike="noStrike" cap="none" normalizeH="0" baseline="0" dirty="0">
+              <a:t>Discriminant Analysis (DA) has limitations that impede it from </a:t>
+            </a:r>
+            <a:endParaRPr kumimoji="0" lang="en-US" altLang="en-US" sz="3200" b="0" i="0" u="none" strike="noStrike" cap="none" normalizeH="0" baseline="0" dirty="0">
               <a:ln>
                 <a:noFill/>
               </a:ln>
@@ -17438,1301 +20780,82 @@
                 <a:schemeClr val="tx1"/>
               </a:solidFill>
               <a:effectLst/>
-              <a:latin typeface="Arial" panose="020B0604020202020204" pitchFamily="34" charset="0"/>
+              <a:latin typeface="Aptos Display" panose="020B0004020202020204" pitchFamily="34" charset="0"/>
             </a:endParaRPr>
           </a:p>
-          <a:p>
-            <a:pPr marL="0" marR="0" lvl="0" indent="0" algn="l" defTabSz="914400" rtl="0" eaLnBrk="0" fontAlgn="base" latinLnBrk="0" hangingPunct="0">
-              <a:lnSpc>
-                <a:spcPct val="100000"/>
-              </a:lnSpc>
-              <a:spcBef>
-                <a:spcPct val="0"/>
-              </a:spcBef>
-              <a:spcAft>
-                <a:spcPct val="0"/>
-              </a:spcAft>
-              <a:buClrTx/>
-              <a:buSzTx/>
-              <a:buFontTx/>
-              <a:buChar char="•"/>
-              <a:tabLst/>
-            </a:pPr>
-            <a:r>
-              <a:rPr kumimoji="0" lang="en-US" altLang="en-US" sz="1800" b="0" i="0" u="none" strike="noStrike" cap="none" normalizeH="0" baseline="0" dirty="0">
-                <a:ln>
-                  <a:noFill/>
-                </a:ln>
-                <a:solidFill>
-                  <a:schemeClr val="tx1"/>
-                </a:solidFill>
-                <a:effectLst/>
-                <a:latin typeface="Arial" panose="020B0604020202020204" pitchFamily="34" charset="0"/>
+        </p:txBody>
+      </p:sp>
+      <p:pic>
+        <p:nvPicPr>
+          <p:cNvPr id="4" name="Picture 3">
+            <a:extLst>
+              <a:ext uri="{FF2B5EF4-FFF2-40B4-BE49-F238E27FC236}">
+                <a16:creationId xmlns:a16="http://schemas.microsoft.com/office/drawing/2014/main" id="{DDCE3873-AECC-1BF4-CE8E-DBB8B8E3FC4A}"/>
+              </a:ext>
+            </a:extLst>
+          </p:cNvPr>
+          <p:cNvPicPr>
+            <a:picLocks noChangeAspect="1"/>
+          </p:cNvPicPr>
+          <p:nvPr/>
+        </p:nvPicPr>
+        <p:blipFill>
+          <a:blip r:embed="rId2"/>
+          <a:stretch>
+            <a:fillRect/>
+          </a:stretch>
+        </p:blipFill>
+        <p:spPr>
+          <a:xfrm>
+            <a:off x="10744200" y="3590548"/>
+            <a:ext cx="6667500" cy="4114800"/>
+          </a:xfrm>
+          <a:prstGeom prst="rect">
+            <a:avLst/>
+          </a:prstGeom>
+        </p:spPr>
+      </p:pic>
+      <p:sp>
+        <p:nvSpPr>
+          <p:cNvPr id="5" name="TextBox 4">
+            <a:extLst>
+              <a:ext uri="{FF2B5EF4-FFF2-40B4-BE49-F238E27FC236}">
+                <a16:creationId xmlns:a16="http://schemas.microsoft.com/office/drawing/2014/main" id="{65941641-0EB2-9CD1-04A0-79319F3AE0DB}"/>
+              </a:ext>
+            </a:extLst>
+          </p:cNvPr>
+          <p:cNvSpPr txBox="1"/>
+          <p:nvPr/>
+        </p:nvSpPr>
+        <p:spPr>
+          <a:xfrm>
+            <a:off x="10744200" y="2705099"/>
+            <a:ext cx="4114800" cy="584775"/>
+          </a:xfrm>
+          <a:prstGeom prst="rect">
+            <a:avLst/>
+          </a:prstGeom>
+          <a:noFill/>
+        </p:spPr>
+        <p:txBody>
+          <a:bodyPr wrap="square" rtlCol="0">
+            <a:spAutoFit/>
+          </a:bodyPr>
+          <a:lstStyle/>
+          <a:p>
+            <a:r>
+              <a:rPr lang="en-US" sz="3200" dirty="0">
+                <a:latin typeface="Aptos" panose="020B0004020202020204" pitchFamily="34" charset="0"/>
               </a:rPr>
-              <a:t>Brief overview of a specific case study or dataset (e.g., wine or yeast dataset).</a:t>
-            </a:r>
-          </a:p>
-          <a:p>
-            <a:pPr marL="0" marR="0" lvl="0" indent="0" algn="l" defTabSz="914400" rtl="0" eaLnBrk="0" fontAlgn="base" latinLnBrk="0" hangingPunct="0">
-              <a:lnSpc>
-                <a:spcPct val="100000"/>
-              </a:lnSpc>
-              <a:spcBef>
-                <a:spcPct val="0"/>
-              </a:spcBef>
-              <a:spcAft>
-                <a:spcPct val="0"/>
-              </a:spcAft>
-              <a:buClrTx/>
-              <a:buSzTx/>
-              <a:buFontTx/>
-              <a:buChar char="•"/>
-              <a:tabLst/>
-            </a:pPr>
-            <a:r>
-              <a:rPr kumimoji="0" lang="en-US" altLang="en-US" sz="1800" b="0" i="0" u="none" strike="noStrike" cap="none" normalizeH="0" baseline="0" dirty="0">
-                <a:ln>
-                  <a:noFill/>
-                </a:ln>
-                <a:solidFill>
-                  <a:schemeClr val="tx1"/>
-                </a:solidFill>
-                <a:effectLst/>
-                <a:latin typeface="Arial" panose="020B0604020202020204" pitchFamily="34" charset="0"/>
-              </a:rPr>
-              <a:t>Summary of how DAPC was applied and the results.</a:t>
-            </a:r>
-          </a:p>
-          <a:p>
-            <a:pPr marL="0" marR="0" lvl="0" indent="0" algn="l" defTabSz="914400" rtl="0" eaLnBrk="0" fontAlgn="base" latinLnBrk="0" hangingPunct="0">
-              <a:lnSpc>
-                <a:spcPct val="100000"/>
-              </a:lnSpc>
-              <a:spcBef>
-                <a:spcPct val="0"/>
-              </a:spcBef>
-              <a:spcAft>
-                <a:spcPct val="0"/>
-              </a:spcAft>
-              <a:buClrTx/>
-              <a:buSzTx/>
-              <a:buFontTx/>
-              <a:buChar char="•"/>
-              <a:tabLst/>
-            </a:pPr>
-            <a:r>
-              <a:rPr kumimoji="0" lang="en-US" altLang="en-US" sz="1800" b="0" i="0" u="none" strike="noStrike" cap="none" normalizeH="0" baseline="0" dirty="0">
-                <a:ln>
-                  <a:noFill/>
-                </a:ln>
-                <a:solidFill>
-                  <a:schemeClr val="tx1"/>
-                </a:solidFill>
-                <a:effectLst/>
-                <a:latin typeface="Arial" panose="020B0604020202020204" pitchFamily="34" charset="0"/>
-              </a:rPr>
-              <a:t>Visual: Charts or graphs from the case study. </a:t>
-            </a:r>
-            <a:r>
-              <a:rPr kumimoji="0" lang="en-US" altLang="en-US" sz="1800" b="0" i="0" u="none" strike="noStrike" cap="none" normalizeH="0" baseline="0">
-                <a:ln>
-                  <a:noFill/>
-                </a:ln>
-                <a:solidFill>
-                  <a:schemeClr val="tx1"/>
-                </a:solidFill>
-                <a:effectLst/>
-                <a:latin typeface="Arial" panose="020B0604020202020204" pitchFamily="34" charset="0"/>
-              </a:rPr>
-              <a:t>Penguins?</a:t>
-            </a:r>
-            <a:endParaRPr kumimoji="0" lang="en-US" altLang="en-US" sz="1800" b="0" i="0" u="none" strike="noStrike" cap="none" normalizeH="0" baseline="0" dirty="0">
-              <a:ln>
-                <a:noFill/>
-              </a:ln>
-              <a:solidFill>
-                <a:schemeClr val="tx1"/>
-              </a:solidFill>
-              <a:effectLst/>
-              <a:latin typeface="Arial" panose="020B0604020202020204" pitchFamily="34" charset="0"/>
-            </a:endParaRPr>
+              <a:t>Apply PCA then LDA</a:t>
+            </a:r>
           </a:p>
         </p:txBody>
       </p:sp>
     </p:spTree>
     <p:extLst>
       <p:ext uri="{BB962C8B-B14F-4D97-AF65-F5344CB8AC3E}">
-        <p14:creationId xmlns:p14="http://schemas.microsoft.com/office/powerpoint/2010/main" val="771827445"/>
-      </p:ext>
-    </p:extLst>
-  </p:cSld>
-  <p:clrMapOvr>
-    <a:masterClrMapping/>
-  </p:clrMapOvr>
-</p:sld>
-</file>
-
-<file path=ppt/slides/slide9.xml><?xml version="1.0" encoding="utf-8"?>
-<p:sld xmlns:a="http://schemas.openxmlformats.org/drawingml/2006/main" xmlns:r="http://schemas.openxmlformats.org/officeDocument/2006/relationships" xmlns:p="http://schemas.openxmlformats.org/presentationml/2006/main">
-  <p:cSld>
-    <p:spTree>
-      <p:nvGrpSpPr>
-        <p:cNvPr id="1" name=""/>
-        <p:cNvGrpSpPr/>
-        <p:nvPr/>
-      </p:nvGrpSpPr>
-      <p:grpSpPr>
-        <a:xfrm>
-          <a:off x="0" y="0"/>
-          <a:ext cx="0" cy="0"/>
-          <a:chOff x="0" y="0"/>
-          <a:chExt cx="0" cy="0"/>
-        </a:xfrm>
-      </p:grpSpPr>
-      <p:sp>
-        <p:nvSpPr>
-          <p:cNvPr id="2" name="object 2"/>
-          <p:cNvSpPr txBox="1">
-            <a:spLocks noGrp="1"/>
-          </p:cNvSpPr>
-          <p:nvPr>
-            <p:ph type="title" idx="4294967295"/>
-          </p:nvPr>
-        </p:nvSpPr>
-        <p:spPr>
-          <a:xfrm>
-            <a:off x="2362200" y="1028700"/>
-            <a:ext cx="10352088" cy="936625"/>
-          </a:xfrm>
-          <a:prstGeom prst="rect">
-            <a:avLst/>
-          </a:prstGeom>
-        </p:spPr>
-        <p:txBody>
-          <a:bodyPr vert="horz" wrap="square" lIns="0" tIns="12700" rIns="0" bIns="0" rtlCol="0">
-            <a:noAutofit/>
-          </a:bodyPr>
-          <a:lstStyle/>
-          <a:p>
-            <a:pPr marL="12700">
-              <a:lnSpc>
-                <a:spcPct val="100000"/>
-              </a:lnSpc>
-              <a:spcBef>
-                <a:spcPts val="100"/>
-              </a:spcBef>
-            </a:pPr>
-            <a:r>
-              <a:rPr lang="en-US" sz="6000" dirty="0"/>
-              <a:t>Advantages of DAPC</a:t>
-            </a:r>
-            <a:endParaRPr sz="6000" b="0" dirty="0">
-              <a:solidFill>
-                <a:srgbClr val="0C234B"/>
-              </a:solidFill>
-              <a:latin typeface="Times New Roman" panose="02020603050405020304" pitchFamily="18" charset="0"/>
-              <a:cs typeface="Times New Roman" panose="02020603050405020304" pitchFamily="18" charset="0"/>
-            </a:endParaRPr>
-          </a:p>
-        </p:txBody>
-      </p:sp>
-      <p:sp>
-        <p:nvSpPr>
-          <p:cNvPr id="3" name="Rectangle 1">
-            <a:extLst>
-              <a:ext uri="{FF2B5EF4-FFF2-40B4-BE49-F238E27FC236}">
-                <a16:creationId xmlns:a16="http://schemas.microsoft.com/office/drawing/2014/main" id="{29133AF8-330C-0AA1-AF87-FD8CE34F8ED1}"/>
-              </a:ext>
-            </a:extLst>
-          </p:cNvPr>
-          <p:cNvSpPr>
-            <a:spLocks noChangeArrowheads="1"/>
-          </p:cNvSpPr>
-          <p:nvPr/>
-        </p:nvSpPr>
-        <p:spPr bwMode="auto">
-          <a:xfrm>
-            <a:off x="2242344" y="2109401"/>
-            <a:ext cx="10591800" cy="1754326"/>
-          </a:xfrm>
-          <a:prstGeom prst="rect">
-            <a:avLst/>
-          </a:prstGeom>
-          <a:noFill/>
-          <a:ln>
-            <a:noFill/>
-          </a:ln>
-          <a:effectLst/>
-          <a:extLst>
-            <a:ext uri="{909E8E84-426E-40DD-AFC4-6F175D3DCCD1}">
-              <a14:hiddenFill xmlns:a14="http://schemas.microsoft.com/office/drawing/2010/main">
-                <a:solidFill>
-                  <a:schemeClr val="accent1"/>
-                </a:solidFill>
-              </a14:hiddenFill>
-            </a:ext>
-            <a:ext uri="{91240B29-F687-4F45-9708-019B960494DF}">
-              <a14:hiddenLine xmlns:a14="http://schemas.microsoft.com/office/drawing/2010/main" w="9525">
-                <a:solidFill>
-                  <a:schemeClr val="tx1"/>
-                </a:solidFill>
-                <a:miter lim="800000"/>
-                <a:headEnd/>
-                <a:tailEnd/>
-              </a14:hiddenLine>
-            </a:ext>
-            <a:ext uri="{AF507438-7753-43E0-B8FC-AC1667EBCBE1}">
-              <a14:hiddenEffects xmlns:a14="http://schemas.microsoft.com/office/drawing/2010/main">
-                <a:effectLst>
-                  <a:outerShdw dist="35921" dir="2700000" algn="ctr" rotWithShape="0">
-                    <a:schemeClr val="bg2"/>
-                  </a:outerShdw>
-                </a:effectLst>
-              </a14:hiddenEffects>
-            </a:ext>
-          </a:extLst>
-        </p:spPr>
-        <p:txBody>
-          <a:bodyPr vert="horz" wrap="square" lIns="91440" tIns="45720" rIns="91440" bIns="45720" numCol="1" anchor="ctr" anchorCtr="0" compatLnSpc="1">
-            <a:prstTxWarp prst="textNoShape">
-              <a:avLst/>
-            </a:prstTxWarp>
-            <a:spAutoFit/>
-          </a:bodyPr>
-          <a:lstStyle/>
-          <a:p>
-            <a:pPr marL="0" marR="0" lvl="0" indent="0" algn="l" defTabSz="914400" rtl="0" eaLnBrk="0" fontAlgn="base" latinLnBrk="0" hangingPunct="0">
-              <a:lnSpc>
-                <a:spcPct val="100000"/>
-              </a:lnSpc>
-              <a:spcBef>
-                <a:spcPct val="0"/>
-              </a:spcBef>
-              <a:spcAft>
-                <a:spcPct val="0"/>
-              </a:spcAft>
-              <a:buClrTx/>
-              <a:buSzTx/>
-              <a:buFontTx/>
-              <a:buNone/>
-              <a:tabLst/>
-            </a:pPr>
-            <a:endParaRPr kumimoji="0" lang="en-US" altLang="en-US" sz="1800" b="0" i="0" u="none" strike="noStrike" cap="none" normalizeH="0" baseline="0" dirty="0">
-              <a:ln>
-                <a:noFill/>
-              </a:ln>
-              <a:solidFill>
-                <a:schemeClr val="tx1"/>
-              </a:solidFill>
-              <a:effectLst/>
-              <a:latin typeface="Arial" panose="020B0604020202020204" pitchFamily="34" charset="0"/>
-            </a:endParaRPr>
-          </a:p>
-          <a:p>
-            <a:pPr marL="0" marR="0" lvl="0" indent="0" algn="l" defTabSz="914400" rtl="0" eaLnBrk="0" fontAlgn="base" latinLnBrk="0" hangingPunct="0">
-              <a:lnSpc>
-                <a:spcPct val="100000"/>
-              </a:lnSpc>
-              <a:spcBef>
-                <a:spcPct val="0"/>
-              </a:spcBef>
-              <a:spcAft>
-                <a:spcPct val="0"/>
-              </a:spcAft>
-              <a:buClrTx/>
-              <a:buSzTx/>
-              <a:buFontTx/>
-              <a:buChar char="•"/>
-              <a:tabLst/>
-            </a:pPr>
-            <a:r>
-              <a:rPr kumimoji="0" lang="en-US" altLang="en-US" sz="1800" b="0" i="0" u="none" strike="noStrike" cap="none" normalizeH="0" baseline="0" dirty="0">
-                <a:ln>
-                  <a:noFill/>
-                </a:ln>
-                <a:solidFill>
-                  <a:schemeClr val="tx1"/>
-                </a:solidFill>
-                <a:effectLst/>
-                <a:latin typeface="Arial" panose="020B0604020202020204" pitchFamily="34" charset="0"/>
-              </a:rPr>
-              <a:t>Improved classification accuracy.</a:t>
-            </a:r>
-          </a:p>
-          <a:p>
-            <a:pPr marL="0" marR="0" lvl="0" indent="0" algn="l" defTabSz="914400" rtl="0" eaLnBrk="0" fontAlgn="base" latinLnBrk="0" hangingPunct="0">
-              <a:lnSpc>
-                <a:spcPct val="100000"/>
-              </a:lnSpc>
-              <a:spcBef>
-                <a:spcPct val="0"/>
-              </a:spcBef>
-              <a:spcAft>
-                <a:spcPct val="0"/>
-              </a:spcAft>
-              <a:buClrTx/>
-              <a:buSzTx/>
-              <a:buFontTx/>
-              <a:buChar char="•"/>
-              <a:tabLst/>
-            </a:pPr>
-            <a:r>
-              <a:rPr kumimoji="0" lang="en-US" altLang="en-US" sz="1800" b="0" i="0" u="none" strike="noStrike" cap="none" normalizeH="0" baseline="0" dirty="0">
-                <a:ln>
-                  <a:noFill/>
-                </a:ln>
-                <a:solidFill>
-                  <a:schemeClr val="tx1"/>
-                </a:solidFill>
-                <a:effectLst/>
-                <a:latin typeface="Arial" panose="020B0604020202020204" pitchFamily="34" charset="0"/>
-              </a:rPr>
-              <a:t>Effective handling of high-dimensional data.</a:t>
-            </a:r>
-          </a:p>
-          <a:p>
-            <a:pPr marL="0" marR="0" lvl="0" indent="0" algn="l" defTabSz="914400" rtl="0" eaLnBrk="0" fontAlgn="base" latinLnBrk="0" hangingPunct="0">
-              <a:lnSpc>
-                <a:spcPct val="100000"/>
-              </a:lnSpc>
-              <a:spcBef>
-                <a:spcPct val="0"/>
-              </a:spcBef>
-              <a:spcAft>
-                <a:spcPct val="0"/>
-              </a:spcAft>
-              <a:buClrTx/>
-              <a:buSzTx/>
-              <a:buFontTx/>
-              <a:buChar char="•"/>
-              <a:tabLst/>
-            </a:pPr>
-            <a:r>
-              <a:rPr kumimoji="0" lang="en-US" altLang="en-US" sz="1800" b="0" i="0" u="none" strike="noStrike" cap="none" normalizeH="0" baseline="0" dirty="0">
-                <a:ln>
-                  <a:noFill/>
-                </a:ln>
-                <a:solidFill>
-                  <a:schemeClr val="tx1"/>
-                </a:solidFill>
-                <a:effectLst/>
-                <a:latin typeface="Arial" panose="020B0604020202020204" pitchFamily="34" charset="0"/>
-              </a:rPr>
-              <a:t>Enhanced interpretability of results.</a:t>
-            </a:r>
-          </a:p>
-          <a:p>
-            <a:pPr marL="0" marR="0" lvl="0" indent="0" algn="l" defTabSz="914400" rtl="0" eaLnBrk="0" fontAlgn="base" latinLnBrk="0" hangingPunct="0">
-              <a:lnSpc>
-                <a:spcPct val="100000"/>
-              </a:lnSpc>
-              <a:spcBef>
-                <a:spcPct val="0"/>
-              </a:spcBef>
-              <a:spcAft>
-                <a:spcPct val="0"/>
-              </a:spcAft>
-              <a:buClrTx/>
-              <a:buSzTx/>
-              <a:buFontTx/>
-              <a:buChar char="•"/>
-              <a:tabLst/>
-            </a:pPr>
-            <a:r>
-              <a:rPr kumimoji="0" lang="en-US" altLang="en-US" sz="1800" b="0" i="0" u="none" strike="noStrike" cap="none" normalizeH="0" baseline="0" dirty="0">
-                <a:ln>
-                  <a:noFill/>
-                </a:ln>
-                <a:solidFill>
-                  <a:schemeClr val="tx1"/>
-                </a:solidFill>
-                <a:effectLst/>
-                <a:latin typeface="Arial" panose="020B0604020202020204" pitchFamily="34" charset="0"/>
-              </a:rPr>
-              <a:t>Visual: Bullet points or a table summarizing advantages.</a:t>
-            </a:r>
-          </a:p>
-          <a:p>
-            <a:pPr marL="0" marR="0" lvl="0" indent="0" algn="l" defTabSz="914400" rtl="0" eaLnBrk="0" fontAlgn="base" latinLnBrk="0" hangingPunct="0">
-              <a:lnSpc>
-                <a:spcPct val="100000"/>
-              </a:lnSpc>
-              <a:spcBef>
-                <a:spcPct val="0"/>
-              </a:spcBef>
-              <a:spcAft>
-                <a:spcPct val="0"/>
-              </a:spcAft>
-              <a:buClrTx/>
-              <a:buSzTx/>
-              <a:buFontTx/>
-              <a:buChar char="•"/>
-              <a:tabLst/>
-            </a:pPr>
-            <a:r>
-              <a:rPr kumimoji="0" lang="en-US" altLang="en-US" sz="1800" b="0" i="0" u="none" strike="noStrike" cap="none" normalizeH="0" baseline="0" dirty="0">
-                <a:ln>
-                  <a:noFill/>
-                </a:ln>
-                <a:solidFill>
-                  <a:schemeClr val="tx1"/>
-                </a:solidFill>
-                <a:effectLst/>
-                <a:latin typeface="Arial" panose="020B0604020202020204" pitchFamily="34" charset="0"/>
-              </a:rPr>
-              <a:t> </a:t>
-            </a:r>
-          </a:p>
-        </p:txBody>
-      </p:sp>
-      <p:sp>
-        <p:nvSpPr>
-          <p:cNvPr id="4" name="Rectangle 2">
-            <a:extLst>
-              <a:ext uri="{FF2B5EF4-FFF2-40B4-BE49-F238E27FC236}">
-                <a16:creationId xmlns:a16="http://schemas.microsoft.com/office/drawing/2014/main" id="{509AF5BE-DA18-072B-ECE6-DF52B284E2FF}"/>
-              </a:ext>
-            </a:extLst>
-          </p:cNvPr>
-          <p:cNvSpPr>
-            <a:spLocks noChangeArrowheads="1"/>
-          </p:cNvSpPr>
-          <p:nvPr/>
-        </p:nvSpPr>
-        <p:spPr bwMode="auto">
-          <a:xfrm>
-            <a:off x="2819400" y="3843556"/>
-            <a:ext cx="10210800" cy="3647152"/>
-          </a:xfrm>
-          <a:prstGeom prst="rect">
-            <a:avLst/>
-          </a:prstGeom>
-          <a:noFill/>
-          <a:ln>
-            <a:noFill/>
-          </a:ln>
-          <a:effectLst/>
-          <a:extLst>
-            <a:ext uri="{909E8E84-426E-40DD-AFC4-6F175D3DCCD1}">
-              <a14:hiddenFill xmlns:a14="http://schemas.microsoft.com/office/drawing/2010/main">
-                <a:solidFill>
-                  <a:schemeClr val="accent1"/>
-                </a:solidFill>
-              </a14:hiddenFill>
-            </a:ext>
-            <a:ext uri="{91240B29-F687-4F45-9708-019B960494DF}">
-              <a14:hiddenLine xmlns:a14="http://schemas.microsoft.com/office/drawing/2010/main" w="9525">
-                <a:solidFill>
-                  <a:schemeClr val="tx1"/>
-                </a:solidFill>
-                <a:miter lim="800000"/>
-                <a:headEnd/>
-                <a:tailEnd/>
-              </a14:hiddenLine>
-            </a:ext>
-            <a:ext uri="{AF507438-7753-43E0-B8FC-AC1667EBCBE1}">
-              <a14:hiddenEffects xmlns:a14="http://schemas.microsoft.com/office/drawing/2010/main">
-                <a:effectLst>
-                  <a:outerShdw dist="35921" dir="2700000" algn="ctr" rotWithShape="0">
-                    <a:schemeClr val="bg2"/>
-                  </a:outerShdw>
-                </a:effectLst>
-              </a14:hiddenEffects>
-            </a:ext>
-          </a:extLst>
-        </p:spPr>
-        <p:txBody>
-          <a:bodyPr vert="horz" wrap="square" lIns="91440" tIns="45720" rIns="91440" bIns="45720" numCol="1" anchor="ctr" anchorCtr="0" compatLnSpc="1">
-            <a:prstTxWarp prst="textNoShape">
-              <a:avLst/>
-            </a:prstTxWarp>
-            <a:spAutoFit/>
-          </a:bodyPr>
-          <a:lstStyle/>
-          <a:p>
-            <a:pPr marL="0" marR="0" lvl="0" indent="0" algn="l" defTabSz="914400" rtl="0" eaLnBrk="0" fontAlgn="base" latinLnBrk="0" hangingPunct="0">
-              <a:lnSpc>
-                <a:spcPct val="100000"/>
-              </a:lnSpc>
-              <a:spcBef>
-                <a:spcPct val="0"/>
-              </a:spcBef>
-              <a:spcAft>
-                <a:spcPct val="0"/>
-              </a:spcAft>
-              <a:buClrTx/>
-              <a:buSzTx/>
-              <a:buFontTx/>
-              <a:buChar char="•"/>
-              <a:tabLst/>
-            </a:pPr>
-            <a:r>
-              <a:rPr kumimoji="0" lang="en-US" altLang="en-US" sz="1100" b="1" i="0" u="none" strike="noStrike" cap="none" normalizeH="0" baseline="0" dirty="0">
-                <a:ln>
-                  <a:noFill/>
-                </a:ln>
-                <a:solidFill>
-                  <a:schemeClr val="tx1"/>
-                </a:solidFill>
-                <a:effectLst/>
-                <a:latin typeface="Arial" panose="020B0604020202020204" pitchFamily="34" charset="0"/>
-              </a:rPr>
-              <a:t>Enhanced Classification Accuracy</a:t>
-            </a:r>
-            <a:r>
-              <a:rPr kumimoji="0" lang="en-US" altLang="en-US" sz="1100" b="0" i="0" u="none" strike="noStrike" cap="none" normalizeH="0" baseline="0" dirty="0">
-                <a:ln>
-                  <a:noFill/>
-                </a:ln>
-                <a:solidFill>
-                  <a:schemeClr val="tx1"/>
-                </a:solidFill>
-                <a:effectLst/>
-                <a:latin typeface="Arial" panose="020B0604020202020204" pitchFamily="34" charset="0"/>
-              </a:rPr>
-              <a:t>:</a:t>
-            </a:r>
-          </a:p>
-          <a:p>
-            <a:pPr marL="0" marR="0" lvl="0" indent="0" algn="l" defTabSz="914400" rtl="0" eaLnBrk="0" fontAlgn="base" latinLnBrk="0" hangingPunct="0">
-              <a:lnSpc>
-                <a:spcPct val="100000"/>
-              </a:lnSpc>
-              <a:spcBef>
-                <a:spcPct val="0"/>
-              </a:spcBef>
-              <a:spcAft>
-                <a:spcPct val="0"/>
-              </a:spcAft>
-              <a:buClrTx/>
-              <a:buSzTx/>
-              <a:buFontTx/>
-              <a:buChar char="•"/>
-              <a:tabLst/>
-            </a:pPr>
-            <a:r>
-              <a:rPr kumimoji="0" lang="en-US" altLang="en-US" sz="1100" b="0" i="0" u="none" strike="noStrike" cap="none" normalizeH="0" baseline="0" dirty="0">
-                <a:ln>
-                  <a:noFill/>
-                </a:ln>
-                <a:solidFill>
-                  <a:schemeClr val="tx1"/>
-                </a:solidFill>
-                <a:effectLst/>
-                <a:latin typeface="Arial" panose="020B0604020202020204" pitchFamily="34" charset="0"/>
-              </a:rPr>
-              <a:t>DAPC combines PCA and DA, often resulting in more accurate classification by leveraging reduced-dimensionality data that emphasizes key features.</a:t>
-            </a:r>
-          </a:p>
-          <a:p>
-            <a:pPr marL="0" marR="0" lvl="0" indent="0" algn="l" defTabSz="914400" rtl="0" eaLnBrk="0" fontAlgn="base" latinLnBrk="0" hangingPunct="0">
-              <a:lnSpc>
-                <a:spcPct val="100000"/>
-              </a:lnSpc>
-              <a:spcBef>
-                <a:spcPct val="0"/>
-              </a:spcBef>
-              <a:spcAft>
-                <a:spcPct val="0"/>
-              </a:spcAft>
-              <a:buClrTx/>
-              <a:buSzTx/>
-              <a:buFontTx/>
-              <a:buChar char="•"/>
-              <a:tabLst/>
-            </a:pPr>
-            <a:r>
-              <a:rPr kumimoji="0" lang="en-US" altLang="en-US" sz="1100" b="1" i="0" u="none" strike="noStrike" cap="none" normalizeH="0" baseline="0" dirty="0">
-                <a:ln>
-                  <a:noFill/>
-                </a:ln>
-                <a:solidFill>
-                  <a:schemeClr val="tx1"/>
-                </a:solidFill>
-                <a:effectLst/>
-                <a:latin typeface="Arial" panose="020B0604020202020204" pitchFamily="34" charset="0"/>
-              </a:rPr>
-              <a:t>Dimensionality Reduction</a:t>
-            </a:r>
-            <a:r>
-              <a:rPr kumimoji="0" lang="en-US" altLang="en-US" sz="1100" b="0" i="0" u="none" strike="noStrike" cap="none" normalizeH="0" baseline="0" dirty="0">
-                <a:ln>
-                  <a:noFill/>
-                </a:ln>
-                <a:solidFill>
-                  <a:schemeClr val="tx1"/>
-                </a:solidFill>
-                <a:effectLst/>
-                <a:latin typeface="Arial" panose="020B0604020202020204" pitchFamily="34" charset="0"/>
-              </a:rPr>
-              <a:t>:</a:t>
-            </a:r>
-          </a:p>
-          <a:p>
-            <a:pPr marL="0" marR="0" lvl="0" indent="0" algn="l" defTabSz="914400" rtl="0" eaLnBrk="0" fontAlgn="base" latinLnBrk="0" hangingPunct="0">
-              <a:lnSpc>
-                <a:spcPct val="100000"/>
-              </a:lnSpc>
-              <a:spcBef>
-                <a:spcPct val="0"/>
-              </a:spcBef>
-              <a:spcAft>
-                <a:spcPct val="0"/>
-              </a:spcAft>
-              <a:buClrTx/>
-              <a:buSzTx/>
-              <a:buFontTx/>
-              <a:buChar char="•"/>
-              <a:tabLst/>
-            </a:pPr>
-            <a:r>
-              <a:rPr kumimoji="0" lang="en-US" altLang="en-US" sz="1100" b="0" i="0" u="none" strike="noStrike" cap="none" normalizeH="0" baseline="0" dirty="0">
-                <a:ln>
-                  <a:noFill/>
-                </a:ln>
-                <a:solidFill>
-                  <a:schemeClr val="tx1"/>
-                </a:solidFill>
-                <a:effectLst/>
-                <a:latin typeface="Arial" panose="020B0604020202020204" pitchFamily="34" charset="0"/>
-              </a:rPr>
-              <a:t>PCA reduces the number of features, simplifying the data while retaining most of the variability, which helps in dealing with high-dimensional datasets.</a:t>
-            </a:r>
-          </a:p>
-          <a:p>
-            <a:pPr marL="0" marR="0" lvl="0" indent="0" algn="l" defTabSz="914400" rtl="0" eaLnBrk="0" fontAlgn="base" latinLnBrk="0" hangingPunct="0">
-              <a:lnSpc>
-                <a:spcPct val="100000"/>
-              </a:lnSpc>
-              <a:spcBef>
-                <a:spcPct val="0"/>
-              </a:spcBef>
-              <a:spcAft>
-                <a:spcPct val="0"/>
-              </a:spcAft>
-              <a:buClrTx/>
-              <a:buSzTx/>
-              <a:buFontTx/>
-              <a:buChar char="•"/>
-              <a:tabLst/>
-            </a:pPr>
-            <a:r>
-              <a:rPr kumimoji="0" lang="en-US" altLang="en-US" sz="1100" b="1" i="0" u="none" strike="noStrike" cap="none" normalizeH="0" baseline="0" dirty="0">
-                <a:ln>
-                  <a:noFill/>
-                </a:ln>
-                <a:solidFill>
-                  <a:schemeClr val="tx1"/>
-                </a:solidFill>
-                <a:effectLst/>
-                <a:latin typeface="Arial" panose="020B0604020202020204" pitchFamily="34" charset="0"/>
-              </a:rPr>
-              <a:t>Improved Computational Efficiency</a:t>
-            </a:r>
-            <a:r>
-              <a:rPr kumimoji="0" lang="en-US" altLang="en-US" sz="1100" b="0" i="0" u="none" strike="noStrike" cap="none" normalizeH="0" baseline="0" dirty="0">
-                <a:ln>
-                  <a:noFill/>
-                </a:ln>
-                <a:solidFill>
-                  <a:schemeClr val="tx1"/>
-                </a:solidFill>
-                <a:effectLst/>
-                <a:latin typeface="Arial" panose="020B0604020202020204" pitchFamily="34" charset="0"/>
-              </a:rPr>
-              <a:t>:</a:t>
-            </a:r>
-          </a:p>
-          <a:p>
-            <a:pPr marL="0" marR="0" lvl="0" indent="0" algn="l" defTabSz="914400" rtl="0" eaLnBrk="0" fontAlgn="base" latinLnBrk="0" hangingPunct="0">
-              <a:lnSpc>
-                <a:spcPct val="100000"/>
-              </a:lnSpc>
-              <a:spcBef>
-                <a:spcPct val="0"/>
-              </a:spcBef>
-              <a:spcAft>
-                <a:spcPct val="0"/>
-              </a:spcAft>
-              <a:buClrTx/>
-              <a:buSzTx/>
-              <a:buFontTx/>
-              <a:buChar char="•"/>
-              <a:tabLst/>
-            </a:pPr>
-            <a:r>
-              <a:rPr kumimoji="0" lang="en-US" altLang="en-US" sz="1100" b="0" i="0" u="none" strike="noStrike" cap="none" normalizeH="0" baseline="0" dirty="0">
-                <a:ln>
-                  <a:noFill/>
-                </a:ln>
-                <a:solidFill>
-                  <a:schemeClr val="tx1"/>
-                </a:solidFill>
-                <a:effectLst/>
-                <a:latin typeface="Arial" panose="020B0604020202020204" pitchFamily="34" charset="0"/>
-              </a:rPr>
-              <a:t>By reducing dimensionality before applying DA, DAPC reduces computational complexity and processing time, making it more efficient for large datasets.</a:t>
-            </a:r>
-          </a:p>
-          <a:p>
-            <a:pPr marL="0" marR="0" lvl="0" indent="0" algn="l" defTabSz="914400" rtl="0" eaLnBrk="0" fontAlgn="base" latinLnBrk="0" hangingPunct="0">
-              <a:lnSpc>
-                <a:spcPct val="100000"/>
-              </a:lnSpc>
-              <a:spcBef>
-                <a:spcPct val="0"/>
-              </a:spcBef>
-              <a:spcAft>
-                <a:spcPct val="0"/>
-              </a:spcAft>
-              <a:buClrTx/>
-              <a:buSzTx/>
-              <a:buFontTx/>
-              <a:buChar char="•"/>
-              <a:tabLst/>
-            </a:pPr>
-            <a:r>
-              <a:rPr kumimoji="0" lang="en-US" altLang="en-US" sz="1100" b="1" i="0" u="none" strike="noStrike" cap="none" normalizeH="0" baseline="0" dirty="0">
-                <a:ln>
-                  <a:noFill/>
-                </a:ln>
-                <a:solidFill>
-                  <a:schemeClr val="tx1"/>
-                </a:solidFill>
-                <a:effectLst/>
-                <a:latin typeface="Arial" panose="020B0604020202020204" pitchFamily="34" charset="0"/>
-              </a:rPr>
-              <a:t>Better Visualization</a:t>
-            </a:r>
-            <a:r>
-              <a:rPr kumimoji="0" lang="en-US" altLang="en-US" sz="1100" b="0" i="0" u="none" strike="noStrike" cap="none" normalizeH="0" baseline="0" dirty="0">
-                <a:ln>
-                  <a:noFill/>
-                </a:ln>
-                <a:solidFill>
-                  <a:schemeClr val="tx1"/>
-                </a:solidFill>
-                <a:effectLst/>
-                <a:latin typeface="Arial" panose="020B0604020202020204" pitchFamily="34" charset="0"/>
-              </a:rPr>
-              <a:t>:</a:t>
-            </a:r>
-          </a:p>
-          <a:p>
-            <a:pPr marL="0" marR="0" lvl="0" indent="0" algn="l" defTabSz="914400" rtl="0" eaLnBrk="0" fontAlgn="base" latinLnBrk="0" hangingPunct="0">
-              <a:lnSpc>
-                <a:spcPct val="100000"/>
-              </a:lnSpc>
-              <a:spcBef>
-                <a:spcPct val="0"/>
-              </a:spcBef>
-              <a:spcAft>
-                <a:spcPct val="0"/>
-              </a:spcAft>
-              <a:buClrTx/>
-              <a:buSzTx/>
-              <a:buFontTx/>
-              <a:buChar char="•"/>
-              <a:tabLst/>
-            </a:pPr>
-            <a:r>
-              <a:rPr kumimoji="0" lang="en-US" altLang="en-US" sz="1100" b="0" i="0" u="none" strike="noStrike" cap="none" normalizeH="0" baseline="0" dirty="0">
-                <a:ln>
-                  <a:noFill/>
-                </a:ln>
-                <a:solidFill>
-                  <a:schemeClr val="tx1"/>
-                </a:solidFill>
-                <a:effectLst/>
-                <a:latin typeface="Arial" panose="020B0604020202020204" pitchFamily="34" charset="0"/>
-              </a:rPr>
-              <a:t>PCA transforms data into a lower-dimensional space that can be visualized more easily, helping in understanding and interpreting complex data structures.</a:t>
-            </a:r>
-          </a:p>
-          <a:p>
-            <a:pPr marL="0" marR="0" lvl="0" indent="0" algn="l" defTabSz="914400" rtl="0" eaLnBrk="0" fontAlgn="base" latinLnBrk="0" hangingPunct="0">
-              <a:lnSpc>
-                <a:spcPct val="100000"/>
-              </a:lnSpc>
-              <a:spcBef>
-                <a:spcPct val="0"/>
-              </a:spcBef>
-              <a:spcAft>
-                <a:spcPct val="0"/>
-              </a:spcAft>
-              <a:buClrTx/>
-              <a:buSzTx/>
-              <a:buFontTx/>
-              <a:buChar char="•"/>
-              <a:tabLst/>
-            </a:pPr>
-            <a:r>
-              <a:rPr kumimoji="0" lang="en-US" altLang="en-US" sz="1100" b="1" i="0" u="none" strike="noStrike" cap="none" normalizeH="0" baseline="0" dirty="0">
-                <a:ln>
-                  <a:noFill/>
-                </a:ln>
-                <a:solidFill>
-                  <a:schemeClr val="tx1"/>
-                </a:solidFill>
-                <a:effectLst/>
-                <a:latin typeface="Arial" panose="020B0604020202020204" pitchFamily="34" charset="0"/>
-              </a:rPr>
-              <a:t>Noise Reduction</a:t>
-            </a:r>
-            <a:r>
-              <a:rPr kumimoji="0" lang="en-US" altLang="en-US" sz="1100" b="0" i="0" u="none" strike="noStrike" cap="none" normalizeH="0" baseline="0" dirty="0">
-                <a:ln>
-                  <a:noFill/>
-                </a:ln>
-                <a:solidFill>
-                  <a:schemeClr val="tx1"/>
-                </a:solidFill>
-                <a:effectLst/>
-                <a:latin typeface="Arial" panose="020B0604020202020204" pitchFamily="34" charset="0"/>
-              </a:rPr>
-              <a:t>:</a:t>
-            </a:r>
-          </a:p>
-          <a:p>
-            <a:pPr marL="0" marR="0" lvl="0" indent="0" algn="l" defTabSz="914400" rtl="0" eaLnBrk="0" fontAlgn="base" latinLnBrk="0" hangingPunct="0">
-              <a:lnSpc>
-                <a:spcPct val="100000"/>
-              </a:lnSpc>
-              <a:spcBef>
-                <a:spcPct val="0"/>
-              </a:spcBef>
-              <a:spcAft>
-                <a:spcPct val="0"/>
-              </a:spcAft>
-              <a:buClrTx/>
-              <a:buSzTx/>
-              <a:buFontTx/>
-              <a:buChar char="•"/>
-              <a:tabLst/>
-            </a:pPr>
-            <a:r>
-              <a:rPr kumimoji="0" lang="en-US" altLang="en-US" sz="1100" b="0" i="0" u="none" strike="noStrike" cap="none" normalizeH="0" baseline="0" dirty="0">
-                <a:ln>
-                  <a:noFill/>
-                </a:ln>
-                <a:solidFill>
-                  <a:schemeClr val="tx1"/>
-                </a:solidFill>
-                <a:effectLst/>
-                <a:latin typeface="Arial" panose="020B0604020202020204" pitchFamily="34" charset="0"/>
-              </a:rPr>
-              <a:t>PCA helps in filtering out noise and irrelevant features, leading to cleaner and more robust input for the discriminant analysis.</a:t>
-            </a:r>
-          </a:p>
-          <a:p>
-            <a:pPr marL="0" marR="0" lvl="0" indent="0" algn="l" defTabSz="914400" rtl="0" eaLnBrk="0" fontAlgn="base" latinLnBrk="0" hangingPunct="0">
-              <a:lnSpc>
-                <a:spcPct val="100000"/>
-              </a:lnSpc>
-              <a:spcBef>
-                <a:spcPct val="0"/>
-              </a:spcBef>
-              <a:spcAft>
-                <a:spcPct val="0"/>
-              </a:spcAft>
-              <a:buClrTx/>
-              <a:buSzTx/>
-              <a:buFontTx/>
-              <a:buChar char="•"/>
-              <a:tabLst/>
-            </a:pPr>
-            <a:r>
-              <a:rPr kumimoji="0" lang="en-US" altLang="en-US" sz="1100" b="1" i="0" u="none" strike="noStrike" cap="none" normalizeH="0" baseline="0" dirty="0">
-                <a:ln>
-                  <a:noFill/>
-                </a:ln>
-                <a:solidFill>
-                  <a:schemeClr val="tx1"/>
-                </a:solidFill>
-                <a:effectLst/>
-                <a:latin typeface="Arial" panose="020B0604020202020204" pitchFamily="34" charset="0"/>
-              </a:rPr>
-              <a:t>Handling Multicollinearity</a:t>
-            </a:r>
-            <a:r>
-              <a:rPr kumimoji="0" lang="en-US" altLang="en-US" sz="1100" b="0" i="0" u="none" strike="noStrike" cap="none" normalizeH="0" baseline="0" dirty="0">
-                <a:ln>
-                  <a:noFill/>
-                </a:ln>
-                <a:solidFill>
-                  <a:schemeClr val="tx1"/>
-                </a:solidFill>
-                <a:effectLst/>
-                <a:latin typeface="Arial" panose="020B0604020202020204" pitchFamily="34" charset="0"/>
-              </a:rPr>
-              <a:t>:</a:t>
-            </a:r>
-          </a:p>
-          <a:p>
-            <a:pPr marL="0" marR="0" lvl="0" indent="0" algn="l" defTabSz="914400" rtl="0" eaLnBrk="0" fontAlgn="base" latinLnBrk="0" hangingPunct="0">
-              <a:lnSpc>
-                <a:spcPct val="100000"/>
-              </a:lnSpc>
-              <a:spcBef>
-                <a:spcPct val="0"/>
-              </a:spcBef>
-              <a:spcAft>
-                <a:spcPct val="0"/>
-              </a:spcAft>
-              <a:buClrTx/>
-              <a:buSzTx/>
-              <a:buFontTx/>
-              <a:buChar char="•"/>
-              <a:tabLst/>
-            </a:pPr>
-            <a:r>
-              <a:rPr kumimoji="0" lang="en-US" altLang="en-US" sz="1100" b="0" i="0" u="none" strike="noStrike" cap="none" normalizeH="0" baseline="0" dirty="0">
-                <a:ln>
-                  <a:noFill/>
-                </a:ln>
-                <a:solidFill>
-                  <a:schemeClr val="tx1"/>
-                </a:solidFill>
-                <a:effectLst/>
-                <a:latin typeface="Arial" panose="020B0604020202020204" pitchFamily="34" charset="0"/>
-              </a:rPr>
-              <a:t>PCA addresses multicollinearity by transforming correlated features into uncorrelated principal components, improving the performance of the subsequent DA.</a:t>
-            </a:r>
-          </a:p>
-          <a:p>
-            <a:pPr marL="0" marR="0" lvl="0" indent="0" algn="l" defTabSz="914400" rtl="0" eaLnBrk="0" fontAlgn="base" latinLnBrk="0" hangingPunct="0">
-              <a:lnSpc>
-                <a:spcPct val="100000"/>
-              </a:lnSpc>
-              <a:spcBef>
-                <a:spcPct val="0"/>
-              </a:spcBef>
-              <a:spcAft>
-                <a:spcPct val="0"/>
-              </a:spcAft>
-              <a:buClrTx/>
-              <a:buSzTx/>
-              <a:buFontTx/>
-              <a:buChar char="•"/>
-              <a:tabLst/>
-            </a:pPr>
-            <a:r>
-              <a:rPr kumimoji="0" lang="en-US" altLang="en-US" sz="1100" b="1" i="0" u="none" strike="noStrike" cap="none" normalizeH="0" baseline="0" dirty="0">
-                <a:ln>
-                  <a:noFill/>
-                </a:ln>
-                <a:solidFill>
-                  <a:schemeClr val="tx1"/>
-                </a:solidFill>
-                <a:effectLst/>
-                <a:latin typeface="Arial" panose="020B0604020202020204" pitchFamily="34" charset="0"/>
-              </a:rPr>
-              <a:t>Flexibility in Classification</a:t>
-            </a:r>
-            <a:r>
-              <a:rPr kumimoji="0" lang="en-US" altLang="en-US" sz="1100" b="0" i="0" u="none" strike="noStrike" cap="none" normalizeH="0" baseline="0" dirty="0">
-                <a:ln>
-                  <a:noFill/>
-                </a:ln>
-                <a:solidFill>
-                  <a:schemeClr val="tx1"/>
-                </a:solidFill>
-                <a:effectLst/>
-                <a:latin typeface="Arial" panose="020B0604020202020204" pitchFamily="34" charset="0"/>
-              </a:rPr>
-              <a:t>:</a:t>
-            </a:r>
-          </a:p>
-          <a:p>
-            <a:pPr marL="0" marR="0" lvl="0" indent="0" algn="l" defTabSz="914400" rtl="0" eaLnBrk="0" fontAlgn="base" latinLnBrk="0" hangingPunct="0">
-              <a:lnSpc>
-                <a:spcPct val="100000"/>
-              </a:lnSpc>
-              <a:spcBef>
-                <a:spcPct val="0"/>
-              </a:spcBef>
-              <a:spcAft>
-                <a:spcPct val="0"/>
-              </a:spcAft>
-              <a:buClrTx/>
-              <a:buSzTx/>
-              <a:buFontTx/>
-              <a:buChar char="•"/>
-              <a:tabLst/>
-            </a:pPr>
-            <a:r>
-              <a:rPr kumimoji="0" lang="en-US" altLang="en-US" sz="1100" b="0" i="0" u="none" strike="noStrike" cap="none" normalizeH="0" baseline="0" dirty="0">
-                <a:ln>
-                  <a:noFill/>
-                </a:ln>
-                <a:solidFill>
-                  <a:schemeClr val="tx1"/>
-                </a:solidFill>
-                <a:effectLst/>
-                <a:latin typeface="Arial" panose="020B0604020202020204" pitchFamily="34" charset="0"/>
-              </a:rPr>
-              <a:t>DAPC can handle different types of discriminant analysis techniques (e.g., linear or quadratic) depending on the dataset and classification needs.</a:t>
-            </a:r>
-          </a:p>
-          <a:p>
-            <a:pPr marL="0" marR="0" lvl="0" indent="0" algn="l" defTabSz="914400" rtl="0" eaLnBrk="0" fontAlgn="base" latinLnBrk="0" hangingPunct="0">
-              <a:lnSpc>
-                <a:spcPct val="100000"/>
-              </a:lnSpc>
-              <a:spcBef>
-                <a:spcPct val="0"/>
-              </a:spcBef>
-              <a:spcAft>
-                <a:spcPct val="0"/>
-              </a:spcAft>
-              <a:buClrTx/>
-              <a:buSzTx/>
-              <a:buFontTx/>
-              <a:buChar char="•"/>
-              <a:tabLst/>
-            </a:pPr>
-            <a:r>
-              <a:rPr kumimoji="0" lang="en-US" altLang="en-US" sz="1100" b="1" i="0" u="none" strike="noStrike" cap="none" normalizeH="0" baseline="0" dirty="0">
-                <a:ln>
-                  <a:noFill/>
-                </a:ln>
-                <a:solidFill>
-                  <a:schemeClr val="tx1"/>
-                </a:solidFill>
-                <a:effectLst/>
-                <a:latin typeface="Arial" panose="020B0604020202020204" pitchFamily="34" charset="0"/>
-              </a:rPr>
-              <a:t>Scalability</a:t>
-            </a:r>
-            <a:r>
-              <a:rPr kumimoji="0" lang="en-US" altLang="en-US" sz="1100" b="0" i="0" u="none" strike="noStrike" cap="none" normalizeH="0" baseline="0" dirty="0">
-                <a:ln>
-                  <a:noFill/>
-                </a:ln>
-                <a:solidFill>
-                  <a:schemeClr val="tx1"/>
-                </a:solidFill>
-                <a:effectLst/>
-                <a:latin typeface="Arial" panose="020B0604020202020204" pitchFamily="34" charset="0"/>
-              </a:rPr>
-              <a:t>:</a:t>
-            </a:r>
-          </a:p>
-          <a:p>
-            <a:pPr marL="0" marR="0" lvl="0" indent="0" algn="l" defTabSz="914400" rtl="0" eaLnBrk="0" fontAlgn="base" latinLnBrk="0" hangingPunct="0">
-              <a:lnSpc>
-                <a:spcPct val="100000"/>
-              </a:lnSpc>
-              <a:spcBef>
-                <a:spcPct val="0"/>
-              </a:spcBef>
-              <a:spcAft>
-                <a:spcPct val="0"/>
-              </a:spcAft>
-              <a:buClrTx/>
-              <a:buSzTx/>
-              <a:buFontTx/>
-              <a:buChar char="•"/>
-              <a:tabLst/>
-            </a:pPr>
-            <a:r>
-              <a:rPr kumimoji="0" lang="en-US" altLang="en-US" sz="1100" b="0" i="0" u="none" strike="noStrike" cap="none" normalizeH="0" baseline="0" dirty="0">
-                <a:ln>
-                  <a:noFill/>
-                </a:ln>
-                <a:solidFill>
-                  <a:schemeClr val="tx1"/>
-                </a:solidFill>
-                <a:effectLst/>
-                <a:latin typeface="Arial" panose="020B0604020202020204" pitchFamily="34" charset="0"/>
-              </a:rPr>
-              <a:t>The method scales well with large datasets due to its combination of dimensionality reduction and classification, making it suitable for various domains.</a:t>
-            </a:r>
-          </a:p>
-          <a:p>
-            <a:pPr marL="0" marR="0" lvl="0" indent="0" algn="l" defTabSz="914400" rtl="0" eaLnBrk="0" fontAlgn="base" latinLnBrk="0" hangingPunct="0">
-              <a:lnSpc>
-                <a:spcPct val="100000"/>
-              </a:lnSpc>
-              <a:spcBef>
-                <a:spcPct val="0"/>
-              </a:spcBef>
-              <a:spcAft>
-                <a:spcPct val="0"/>
-              </a:spcAft>
-              <a:buClrTx/>
-              <a:buSzTx/>
-              <a:buFontTx/>
-              <a:buChar char="•"/>
-              <a:tabLst/>
-            </a:pPr>
-            <a:r>
-              <a:rPr kumimoji="0" lang="en-US" altLang="en-US" sz="1100" b="1" i="0" u="none" strike="noStrike" cap="none" normalizeH="0" baseline="0" dirty="0">
-                <a:ln>
-                  <a:noFill/>
-                </a:ln>
-                <a:solidFill>
-                  <a:schemeClr val="tx1"/>
-                </a:solidFill>
-                <a:effectLst/>
-                <a:latin typeface="Arial" panose="020B0604020202020204" pitchFamily="34" charset="0"/>
-              </a:rPr>
-              <a:t>Feature Extraction</a:t>
-            </a:r>
-            <a:r>
-              <a:rPr kumimoji="0" lang="en-US" altLang="en-US" sz="1100" b="0" i="0" u="none" strike="noStrike" cap="none" normalizeH="0" baseline="0" dirty="0">
-                <a:ln>
-                  <a:noFill/>
-                </a:ln>
-                <a:solidFill>
-                  <a:schemeClr val="tx1"/>
-                </a:solidFill>
-                <a:effectLst/>
-                <a:latin typeface="Arial" panose="020B0604020202020204" pitchFamily="34" charset="0"/>
-              </a:rPr>
-              <a:t>:</a:t>
-            </a:r>
-          </a:p>
-          <a:p>
-            <a:pPr marL="0" marR="0" lvl="0" indent="0" algn="l" defTabSz="914400" rtl="0" eaLnBrk="0" fontAlgn="base" latinLnBrk="0" hangingPunct="0">
-              <a:lnSpc>
-                <a:spcPct val="100000"/>
-              </a:lnSpc>
-              <a:spcBef>
-                <a:spcPct val="0"/>
-              </a:spcBef>
-              <a:spcAft>
-                <a:spcPct val="0"/>
-              </a:spcAft>
-              <a:buClrTx/>
-              <a:buSzTx/>
-              <a:buFontTx/>
-              <a:buChar char="•"/>
-              <a:tabLst/>
-            </a:pPr>
-            <a:r>
-              <a:rPr kumimoji="0" lang="en-US" altLang="en-US" sz="1100" b="0" i="0" u="none" strike="noStrike" cap="none" normalizeH="0" baseline="0" dirty="0">
-                <a:ln>
-                  <a:noFill/>
-                </a:ln>
-                <a:solidFill>
-                  <a:schemeClr val="tx1"/>
-                </a:solidFill>
-                <a:effectLst/>
-                <a:latin typeface="Arial" panose="020B0604020202020204" pitchFamily="34" charset="0"/>
-              </a:rPr>
-              <a:t>PCA identifies the most important features (principal components), which can be valuable for feature selection and understanding underlying data patterns.</a:t>
-            </a:r>
-          </a:p>
-          <a:p>
-            <a:pPr marL="0" marR="0" lvl="0" indent="0" algn="l" defTabSz="914400" rtl="0" eaLnBrk="0" fontAlgn="base" latinLnBrk="0" hangingPunct="0">
-              <a:lnSpc>
-                <a:spcPct val="100000"/>
-              </a:lnSpc>
-              <a:spcBef>
-                <a:spcPct val="0"/>
-              </a:spcBef>
-              <a:spcAft>
-                <a:spcPct val="0"/>
-              </a:spcAft>
-              <a:buClrTx/>
-              <a:buSzTx/>
-              <a:buFontTx/>
-              <a:buChar char="•"/>
-              <a:tabLst/>
-            </a:pPr>
-            <a:r>
-              <a:rPr kumimoji="0" lang="en-US" altLang="en-US" sz="1100" b="1" i="0" u="none" strike="noStrike" cap="none" normalizeH="0" baseline="0" dirty="0">
-                <a:ln>
-                  <a:noFill/>
-                </a:ln>
-                <a:solidFill>
-                  <a:schemeClr val="tx1"/>
-                </a:solidFill>
-                <a:effectLst/>
-                <a:latin typeface="Arial" panose="020B0604020202020204" pitchFamily="34" charset="0"/>
-              </a:rPr>
-              <a:t>Enhanced Interpretability</a:t>
-            </a:r>
-            <a:r>
-              <a:rPr kumimoji="0" lang="en-US" altLang="en-US" sz="1100" b="0" i="0" u="none" strike="noStrike" cap="none" normalizeH="0" baseline="0" dirty="0">
-                <a:ln>
-                  <a:noFill/>
-                </a:ln>
-                <a:solidFill>
-                  <a:schemeClr val="tx1"/>
-                </a:solidFill>
-                <a:effectLst/>
-                <a:latin typeface="Arial" panose="020B0604020202020204" pitchFamily="34" charset="0"/>
-              </a:rPr>
-              <a:t>:</a:t>
-            </a:r>
-          </a:p>
-          <a:p>
-            <a:pPr marL="0" marR="0" lvl="0" indent="0" algn="l" defTabSz="914400" rtl="0" eaLnBrk="0" fontAlgn="base" latinLnBrk="0" hangingPunct="0">
-              <a:lnSpc>
-                <a:spcPct val="100000"/>
-              </a:lnSpc>
-              <a:spcBef>
-                <a:spcPct val="0"/>
-              </a:spcBef>
-              <a:spcAft>
-                <a:spcPct val="0"/>
-              </a:spcAft>
-              <a:buClrTx/>
-              <a:buSzTx/>
-              <a:buFontTx/>
-              <a:buChar char="•"/>
-              <a:tabLst/>
-            </a:pPr>
-            <a:r>
-              <a:rPr kumimoji="0" lang="en-US" altLang="en-US" sz="1100" b="0" i="0" u="none" strike="noStrike" cap="none" normalizeH="0" baseline="0" dirty="0">
-                <a:ln>
-                  <a:noFill/>
-                </a:ln>
-                <a:solidFill>
-                  <a:schemeClr val="tx1"/>
-                </a:solidFill>
-                <a:effectLst/>
-                <a:latin typeface="Arial" panose="020B0604020202020204" pitchFamily="34" charset="0"/>
-              </a:rPr>
-              <a:t>By focusing on principal components, DAPC simplifies the data structure, making the results of the discriminant analysis easier to interpret and analyze.</a:t>
-            </a:r>
-          </a:p>
-          <a:p>
-            <a:pPr marL="0" marR="0" lvl="0" indent="0" algn="l" defTabSz="914400" rtl="0" eaLnBrk="0" fontAlgn="base" latinLnBrk="0" hangingPunct="0">
-              <a:lnSpc>
-                <a:spcPct val="100000"/>
-              </a:lnSpc>
-              <a:spcBef>
-                <a:spcPct val="0"/>
-              </a:spcBef>
-              <a:spcAft>
-                <a:spcPct val="0"/>
-              </a:spcAft>
-              <a:buClrTx/>
-              <a:buSzTx/>
-              <a:buFontTx/>
-              <a:buNone/>
-              <a:tabLst/>
-            </a:pPr>
-            <a:endParaRPr kumimoji="0" lang="en-US" altLang="en-US" sz="1100" b="0" i="0" u="none" strike="noStrike" cap="none" normalizeH="0" baseline="0" dirty="0">
-              <a:ln>
-                <a:noFill/>
-              </a:ln>
-              <a:solidFill>
-                <a:schemeClr val="tx1"/>
-              </a:solidFill>
-              <a:effectLst/>
-              <a:latin typeface="Arial" panose="020B0604020202020204" pitchFamily="34" charset="0"/>
-            </a:endParaRPr>
-          </a:p>
-        </p:txBody>
-      </p:sp>
-    </p:spTree>
-    <p:extLst>
-      <p:ext uri="{BB962C8B-B14F-4D97-AF65-F5344CB8AC3E}">
-        <p14:creationId xmlns:p14="http://schemas.microsoft.com/office/powerpoint/2010/main" val="3023116690"/>
+        <p14:creationId xmlns:p14="http://schemas.microsoft.com/office/powerpoint/2010/main" val="1798578932"/>
       </p:ext>
     </p:extLst>
   </p:cSld>

--- a/DAPC_Info_523_RPM_BJMM.pptx
+++ b/DAPC_Info_523_RPM_BJMM.pptx
@@ -5,7 +5,7 @@
     <p:sldMasterId id="2147483670" r:id="rId1"/>
   </p:sldMasterIdLst>
   <p:notesMasterIdLst>
-    <p:notesMasterId r:id="rId25"/>
+    <p:notesMasterId r:id="rId27"/>
   </p:notesMasterIdLst>
   <p:sldIdLst>
     <p:sldId id="269" r:id="rId2"/>
@@ -18,19 +18,21 @@
     <p:sldId id="277" r:id="rId9"/>
     <p:sldId id="289" r:id="rId10"/>
     <p:sldId id="285" r:id="rId11"/>
-    <p:sldId id="284" r:id="rId12"/>
-    <p:sldId id="278" r:id="rId13"/>
-    <p:sldId id="286" r:id="rId14"/>
-    <p:sldId id="279" r:id="rId15"/>
-    <p:sldId id="280" r:id="rId16"/>
-    <p:sldId id="281" r:id="rId17"/>
-    <p:sldId id="287" r:id="rId18"/>
-    <p:sldId id="282" r:id="rId19"/>
-    <p:sldId id="268" r:id="rId20"/>
-    <p:sldId id="272" r:id="rId21"/>
-    <p:sldId id="274" r:id="rId22"/>
-    <p:sldId id="275" r:id="rId23"/>
-    <p:sldId id="276" r:id="rId24"/>
+    <p:sldId id="294" r:id="rId12"/>
+    <p:sldId id="284" r:id="rId13"/>
+    <p:sldId id="278" r:id="rId14"/>
+    <p:sldId id="286" r:id="rId15"/>
+    <p:sldId id="279" r:id="rId16"/>
+    <p:sldId id="280" r:id="rId17"/>
+    <p:sldId id="281" r:id="rId18"/>
+    <p:sldId id="287" r:id="rId19"/>
+    <p:sldId id="282" r:id="rId20"/>
+    <p:sldId id="268" r:id="rId21"/>
+    <p:sldId id="295" r:id="rId22"/>
+    <p:sldId id="272" r:id="rId23"/>
+    <p:sldId id="274" r:id="rId24"/>
+    <p:sldId id="275" r:id="rId25"/>
+    <p:sldId id="276" r:id="rId26"/>
   </p:sldIdLst>
   <p:sldSz cx="18288000" cy="10287000"/>
   <p:notesSz cx="18288000" cy="10287000"/>
@@ -144,6 +146,7 @@
             <p14:sldId id="277"/>
             <p14:sldId id="289"/>
             <p14:sldId id="285"/>
+            <p14:sldId id="294"/>
             <p14:sldId id="284"/>
             <p14:sldId id="278"/>
             <p14:sldId id="286"/>
@@ -153,6 +156,7 @@
             <p14:sldId id="287"/>
             <p14:sldId id="282"/>
             <p14:sldId id="268"/>
+            <p14:sldId id="295"/>
           </p14:sldIdLst>
         </p14:section>
         <p14:section name="Backup" id="{4639FF53-061F-4BE1-8E85-8F07C64F0914}">
@@ -11706,6 +11710,261 @@
       </p:grpSpPr>
       <p:sp>
         <p:nvSpPr>
+          <p:cNvPr id="2" name="object 2"/>
+          <p:cNvSpPr txBox="1">
+            <a:spLocks noGrp="1"/>
+          </p:cNvSpPr>
+          <p:nvPr>
+            <p:ph type="title" idx="4294967295"/>
+          </p:nvPr>
+        </p:nvSpPr>
+        <p:spPr>
+          <a:xfrm>
+            <a:off x="2362200" y="1028700"/>
+            <a:ext cx="10352088" cy="936625"/>
+          </a:xfrm>
+          <a:prstGeom prst="rect">
+            <a:avLst/>
+          </a:prstGeom>
+        </p:spPr>
+        <p:txBody>
+          <a:bodyPr vert="horz" wrap="square" lIns="0" tIns="12700" rIns="0" bIns="0" rtlCol="0">
+            <a:noAutofit/>
+          </a:bodyPr>
+          <a:lstStyle/>
+          <a:p>
+            <a:pPr marL="12700">
+              <a:lnSpc>
+                <a:spcPct val="100000"/>
+              </a:lnSpc>
+              <a:spcBef>
+                <a:spcPts val="100"/>
+              </a:spcBef>
+            </a:pPr>
+            <a:r>
+              <a:rPr lang="en-US" sz="6000" b="0" dirty="0">
+                <a:solidFill>
+                  <a:srgbClr val="0C234B"/>
+                </a:solidFill>
+                <a:latin typeface="Aptos Display" panose="020B0004020202020204" pitchFamily="34" charset="0"/>
+                <a:cs typeface="Times New Roman" panose="02020603050405020304" pitchFamily="18" charset="0"/>
+              </a:rPr>
+              <a:t>Clustering Methods</a:t>
+            </a:r>
+            <a:endParaRPr sz="6000" b="0" dirty="0">
+              <a:solidFill>
+                <a:srgbClr val="0C234B"/>
+              </a:solidFill>
+              <a:latin typeface="Aptos Display" panose="020B0004020202020204" pitchFamily="34" charset="0"/>
+              <a:cs typeface="Times New Roman" panose="02020603050405020304" pitchFamily="18" charset="0"/>
+            </a:endParaRPr>
+          </a:p>
+        </p:txBody>
+      </p:sp>
+      <p:sp>
+        <p:nvSpPr>
+          <p:cNvPr id="3" name="Rectangle 1">
+            <a:extLst>
+              <a:ext uri="{FF2B5EF4-FFF2-40B4-BE49-F238E27FC236}">
+                <a16:creationId xmlns:a16="http://schemas.microsoft.com/office/drawing/2014/main" id="{66D94230-EB5B-A114-B286-805849AC9DD8}"/>
+              </a:ext>
+            </a:extLst>
+          </p:cNvPr>
+          <p:cNvSpPr>
+            <a:spLocks noChangeArrowheads="1"/>
+          </p:cNvSpPr>
+          <p:nvPr/>
+        </p:nvSpPr>
+        <p:spPr bwMode="auto">
+          <a:xfrm>
+            <a:off x="2362200" y="2476500"/>
+            <a:ext cx="13563600" cy="2862322"/>
+          </a:xfrm>
+          <a:prstGeom prst="rect">
+            <a:avLst/>
+          </a:prstGeom>
+          <a:noFill/>
+          <a:ln>
+            <a:noFill/>
+          </a:ln>
+          <a:effectLst/>
+          <a:extLst>
+            <a:ext uri="{909E8E84-426E-40DD-AFC4-6F175D3DCCD1}">
+              <a14:hiddenFill xmlns:a14="http://schemas.microsoft.com/office/drawing/2010/main">
+                <a:solidFill>
+                  <a:schemeClr val="accent1"/>
+                </a:solidFill>
+              </a14:hiddenFill>
+            </a:ext>
+            <a:ext uri="{91240B29-F687-4F45-9708-019B960494DF}">
+              <a14:hiddenLine xmlns:a14="http://schemas.microsoft.com/office/drawing/2010/main" w="9525">
+                <a:solidFill>
+                  <a:schemeClr val="tx1"/>
+                </a:solidFill>
+                <a:miter lim="800000"/>
+                <a:headEnd/>
+                <a:tailEnd/>
+              </a14:hiddenLine>
+            </a:ext>
+            <a:ext uri="{AF507438-7753-43E0-B8FC-AC1667EBCBE1}">
+              <a14:hiddenEffects xmlns:a14="http://schemas.microsoft.com/office/drawing/2010/main">
+                <a:effectLst>
+                  <a:outerShdw dist="35921" dir="2700000" algn="ctr" rotWithShape="0">
+                    <a:schemeClr val="bg2"/>
+                  </a:outerShdw>
+                </a:effectLst>
+              </a14:hiddenEffects>
+            </a:ext>
+          </a:extLst>
+        </p:spPr>
+        <p:txBody>
+          <a:bodyPr vert="horz" wrap="square" lIns="91440" tIns="45720" rIns="91440" bIns="45720" numCol="1" anchor="t" anchorCtr="0" compatLnSpc="1">
+            <a:prstTxWarp prst="textNoShape">
+              <a:avLst/>
+            </a:prstTxWarp>
+            <a:spAutoFit/>
+          </a:bodyPr>
+          <a:lstStyle/>
+          <a:p>
+            <a:pPr marR="0" lvl="0" algn="l" defTabSz="914400" rtl="0" eaLnBrk="0" fontAlgn="base" latinLnBrk="0" hangingPunct="0">
+              <a:lnSpc>
+                <a:spcPct val="100000"/>
+              </a:lnSpc>
+              <a:spcBef>
+                <a:spcPct val="0"/>
+              </a:spcBef>
+              <a:spcAft>
+                <a:spcPct val="0"/>
+              </a:spcAft>
+              <a:buClrTx/>
+              <a:buSzTx/>
+              <a:tabLst/>
+            </a:pPr>
+            <a:r>
+              <a:rPr kumimoji="0" lang="en-US" altLang="en-US" sz="3600" b="0" i="0" u="none" strike="noStrike" cap="none" normalizeH="0" baseline="0" dirty="0">
+                <a:ln>
+                  <a:noFill/>
+                </a:ln>
+                <a:solidFill>
+                  <a:schemeClr val="tx1"/>
+                </a:solidFill>
+                <a:effectLst/>
+                <a:latin typeface="Aptos" panose="020B0004020202020204" pitchFamily="34" charset="0"/>
+              </a:rPr>
+              <a:t>Builds on clustering methods studied in class</a:t>
+            </a:r>
+          </a:p>
+          <a:p>
+            <a:pPr marL="571500" marR="0" lvl="0" indent="-571500" algn="l" defTabSz="914400" rtl="0" eaLnBrk="0" fontAlgn="base" latinLnBrk="0" hangingPunct="0">
+              <a:lnSpc>
+                <a:spcPct val="100000"/>
+              </a:lnSpc>
+              <a:spcBef>
+                <a:spcPct val="0"/>
+              </a:spcBef>
+              <a:spcAft>
+                <a:spcPct val="0"/>
+              </a:spcAft>
+              <a:buClrTx/>
+              <a:buSzTx/>
+              <a:buFont typeface="Arial" panose="020B0604020202020204" pitchFamily="34" charset="0"/>
+              <a:buChar char="•"/>
+              <a:tabLst/>
+            </a:pPr>
+            <a:r>
+              <a:rPr lang="en-US" altLang="en-US" sz="3600" dirty="0">
+                <a:latin typeface="Aptos" panose="020B0004020202020204" pitchFamily="34" charset="0"/>
+              </a:rPr>
+              <a:t>Uses K-means to establish ideal number of clusters prior to running DACP</a:t>
+            </a:r>
+          </a:p>
+          <a:p>
+            <a:pPr marL="1028700" lvl="1" indent="-571500" eaLnBrk="0" fontAlgn="base" hangingPunct="0">
+              <a:spcBef>
+                <a:spcPct val="0"/>
+              </a:spcBef>
+              <a:spcAft>
+                <a:spcPct val="0"/>
+              </a:spcAft>
+              <a:buFont typeface="Arial" panose="020B0604020202020204" pitchFamily="34" charset="0"/>
+              <a:buChar char="•"/>
+            </a:pPr>
+            <a:r>
+              <a:rPr kumimoji="0" lang="en-US" altLang="en-US" sz="3600" b="0" i="0" u="none" strike="noStrike" cap="none" normalizeH="0" baseline="0" dirty="0">
+                <a:ln>
+                  <a:noFill/>
+                </a:ln>
+                <a:solidFill>
+                  <a:schemeClr val="tx1"/>
+                </a:solidFill>
+                <a:effectLst/>
+                <a:latin typeface="Aptos" panose="020B0004020202020204" pitchFamily="34" charset="0"/>
+              </a:rPr>
+              <a:t>Run successive K-means with </a:t>
+            </a:r>
+            <a:r>
+              <a:rPr lang="en-US" altLang="en-US" sz="3600" dirty="0">
+                <a:latin typeface="Aptos" panose="020B0004020202020204" pitchFamily="34" charset="0"/>
+              </a:rPr>
+              <a:t>increasing number of clusters to determine </a:t>
+            </a:r>
+            <a:r>
+              <a:rPr lang="en-US" altLang="en-US" sz="3600" i="1" dirty="0">
+                <a:latin typeface="Aptos" panose="020B0004020202020204" pitchFamily="34" charset="0"/>
+              </a:rPr>
+              <a:t>K</a:t>
+            </a:r>
+            <a:r>
+              <a:rPr lang="en-US" altLang="en-US" sz="3600" dirty="0">
+                <a:latin typeface="Aptos" panose="020B0004020202020204" pitchFamily="34" charset="0"/>
+              </a:rPr>
+              <a:t>.</a:t>
+            </a:r>
+            <a:endParaRPr kumimoji="0" lang="en-US" altLang="en-US" sz="3600" b="0" i="0" u="none" strike="noStrike" cap="none" normalizeH="0" baseline="0" dirty="0">
+              <a:ln>
+                <a:noFill/>
+              </a:ln>
+              <a:solidFill>
+                <a:schemeClr val="tx1"/>
+              </a:solidFill>
+              <a:effectLst/>
+              <a:latin typeface="Aptos" panose="020B0004020202020204" pitchFamily="34" charset="0"/>
+            </a:endParaRPr>
+          </a:p>
+        </p:txBody>
+      </p:sp>
+    </p:spTree>
+    <p:extLst>
+      <p:ext uri="{BB962C8B-B14F-4D97-AF65-F5344CB8AC3E}">
+        <p14:creationId xmlns:p14="http://schemas.microsoft.com/office/powerpoint/2010/main" val="3350421465"/>
+      </p:ext>
+    </p:extLst>
+  </p:cSld>
+  <p:clrMapOvr>
+    <a:masterClrMapping/>
+  </p:clrMapOvr>
+</p:sld>
+</file>
+
+<file path=ppt/slides/slide12.xml><?xml version="1.0" encoding="utf-8"?>
+<p:sld xmlns:a="http://schemas.openxmlformats.org/drawingml/2006/main" xmlns:r="http://schemas.openxmlformats.org/officeDocument/2006/relationships" xmlns:p="http://schemas.openxmlformats.org/presentationml/2006/main">
+  <p:cSld>
+    <p:spTree>
+      <p:nvGrpSpPr>
+        <p:cNvPr id="1" name=""/>
+        <p:cNvGrpSpPr/>
+        <p:nvPr/>
+      </p:nvGrpSpPr>
+      <p:grpSpPr>
+        <a:xfrm>
+          <a:off x="0" y="0"/>
+          <a:ext cx="0" cy="0"/>
+          <a:chOff x="0" y="0"/>
+          <a:chExt cx="0" cy="0"/>
+        </a:xfrm>
+      </p:grpSpPr>
+      <p:sp>
+        <p:nvSpPr>
           <p:cNvPr id="2" name="TextBox 1">
             <a:extLst>
               <a:ext uri="{FF2B5EF4-FFF2-40B4-BE49-F238E27FC236}">
@@ -11764,7 +12023,7 @@
 </p:sld>
 </file>
 
-<file path=ppt/slides/slide12.xml><?xml version="1.0" encoding="utf-8"?>
+<file path=ppt/slides/slide13.xml><?xml version="1.0" encoding="utf-8"?>
 <p:sld xmlns:a="http://schemas.openxmlformats.org/drawingml/2006/main" xmlns:r="http://schemas.openxmlformats.org/officeDocument/2006/relationships" xmlns:p="http://schemas.openxmlformats.org/presentationml/2006/main">
   <p:cSld>
     <p:spTree>
@@ -11816,7 +12075,7 @@
             </a:pPr>
             <a:r>
               <a:rPr lang="en-US" sz="6000" dirty="0"/>
-              <a:t>Real-World Applications</a:t>
+              <a:t>Detecting virus strains</a:t>
             </a:r>
             <a:endParaRPr sz="6000" b="0" dirty="0">
               <a:solidFill>
@@ -11844,8 +12103,8 @@
         </p:nvSpPr>
         <p:spPr bwMode="auto">
           <a:xfrm>
-            <a:off x="2362200" y="2476500"/>
-            <a:ext cx="8610600" cy="1200329"/>
+            <a:off x="2362200" y="2724150"/>
+            <a:ext cx="6781800" cy="4524315"/>
           </a:xfrm>
           <a:prstGeom prst="rect">
             <a:avLst/>
@@ -11885,7 +12144,7 @@
           </a:extLst>
         </p:spPr>
         <p:txBody>
-          <a:bodyPr vert="horz" wrap="square" lIns="91440" tIns="45720" rIns="91440" bIns="45720" numCol="1" anchor="ctr" anchorCtr="0" compatLnSpc="1">
+          <a:bodyPr vert="horz" wrap="square" lIns="91440" tIns="45720" rIns="91440" bIns="45720" numCol="1" anchor="t" anchorCtr="0" compatLnSpc="1">
             <a:prstTxWarp prst="textNoShape">
               <a:avLst/>
             </a:prstTxWarp>
@@ -11893,7 +12152,7 @@
           </a:bodyPr>
           <a:lstStyle/>
           <a:p>
-            <a:pPr marL="0" marR="0" lvl="0" indent="0" algn="l" defTabSz="914400" rtl="0" eaLnBrk="0" fontAlgn="base" latinLnBrk="0" hangingPunct="0">
+            <a:pPr marR="0" lvl="0" algn="l" defTabSz="914400" rtl="0" eaLnBrk="0" fontAlgn="base" latinLnBrk="0" hangingPunct="0">
               <a:lnSpc>
                 <a:spcPct val="100000"/>
               </a:lnSpc>
@@ -11905,11 +12164,108 @@
               </a:spcAft>
               <a:buClrTx/>
               <a:buSzTx/>
-              <a:buFontTx/>
-              <a:buNone/>
               <a:tabLst/>
             </a:pPr>
-            <a:endParaRPr kumimoji="0" lang="en-US" altLang="en-US" sz="1800" b="0" i="0" u="none" strike="noStrike" cap="none" normalizeH="0" baseline="0">
+            <a:r>
+              <a:rPr kumimoji="0" lang="en-US" altLang="en-US" sz="2400" b="0" i="0" u="none" strike="noStrike" cap="none" normalizeH="0" baseline="0" dirty="0">
+                <a:ln>
+                  <a:noFill/>
+                </a:ln>
+                <a:solidFill>
+                  <a:schemeClr val="tx1"/>
+                </a:solidFill>
+                <a:effectLst/>
+                <a:latin typeface="Arial" panose="020B0604020202020204" pitchFamily="34" charset="0"/>
+              </a:rPr>
+              <a:t>In an analysis performed by </a:t>
+            </a:r>
+            <a:r>
+              <a:rPr kumimoji="0" lang="de-DE" altLang="en-US" sz="2400" b="0" i="0" u="none" strike="noStrike" cap="none" normalizeH="0" baseline="0" dirty="0">
+                <a:ln>
+                  <a:noFill/>
+                </a:ln>
+                <a:solidFill>
+                  <a:schemeClr val="tx1"/>
+                </a:solidFill>
+                <a:effectLst/>
+                <a:latin typeface="Arial" panose="020B0604020202020204" pitchFamily="34" charset="0"/>
+              </a:rPr>
+              <a:t>Grünwald, Kamvar, and Everhart, they used the H3N2 dataset and DACP to study genetic variations in the virus. They found that from the years 2001-2005 the virus varied slightly but not to a significant degree. </a:t>
+            </a:r>
+            <a:r>
+              <a:rPr lang="de-DE" altLang="en-US" sz="2400" dirty="0">
+                <a:latin typeface="Arial" panose="020B0604020202020204" pitchFamily="34" charset="0"/>
+              </a:rPr>
+              <a:t>I</a:t>
+            </a:r>
+            <a:r>
+              <a:rPr kumimoji="0" lang="de-DE" altLang="en-US" sz="2400" b="0" i="0" u="none" strike="noStrike" cap="none" normalizeH="0" baseline="0" dirty="0">
+                <a:ln>
+                  <a:noFill/>
+                </a:ln>
+                <a:solidFill>
+                  <a:schemeClr val="tx1"/>
+                </a:solidFill>
+                <a:effectLst/>
+                <a:latin typeface="Arial" panose="020B0604020202020204" pitchFamily="34" charset="0"/>
+              </a:rPr>
+              <a:t>n 2006, however, the virus appeared to undergo a large mutation to the point where it became genetically distinct (see graph).</a:t>
+            </a:r>
+          </a:p>
+          <a:p>
+            <a:pPr marR="0" lvl="0" algn="l" defTabSz="914400" rtl="0" eaLnBrk="0" fontAlgn="base" latinLnBrk="0" hangingPunct="0">
+              <a:lnSpc>
+                <a:spcPct val="100000"/>
+              </a:lnSpc>
+              <a:spcBef>
+                <a:spcPct val="0"/>
+              </a:spcBef>
+              <a:spcAft>
+                <a:spcPct val="0"/>
+              </a:spcAft>
+              <a:buClrTx/>
+              <a:buSzTx/>
+              <a:tabLst/>
+            </a:pPr>
+            <a:endParaRPr lang="de-DE" altLang="en-US" sz="2400" dirty="0">
+              <a:latin typeface="Arial" panose="020B0604020202020204" pitchFamily="34" charset="0"/>
+            </a:endParaRPr>
+          </a:p>
+          <a:p>
+            <a:pPr marR="0" lvl="0" algn="l" defTabSz="914400" rtl="0" eaLnBrk="0" fontAlgn="base" latinLnBrk="0" hangingPunct="0">
+              <a:lnSpc>
+                <a:spcPct val="100000"/>
+              </a:lnSpc>
+              <a:spcBef>
+                <a:spcPct val="0"/>
+              </a:spcBef>
+              <a:spcAft>
+                <a:spcPct val="0"/>
+              </a:spcAft>
+              <a:buClrTx/>
+              <a:buSzTx/>
+              <a:tabLst/>
+            </a:pPr>
+            <a:r>
+              <a:rPr kumimoji="0" lang="de-DE" altLang="en-US" sz="2400" b="0" i="0" u="none" strike="noStrike" cap="none" normalizeH="0" baseline="0" dirty="0">
+                <a:ln>
+                  <a:noFill/>
+                </a:ln>
+                <a:solidFill>
+                  <a:schemeClr val="tx1"/>
+                </a:solidFill>
+                <a:effectLst/>
+                <a:latin typeface="Arial" panose="020B0604020202020204" pitchFamily="34" charset="0"/>
+              </a:rPr>
+              <a:t>Using DACP they were able to </a:t>
+            </a:r>
+            <a:r>
+              <a:rPr lang="de-DE" altLang="en-US" sz="2400" dirty="0">
+                <a:latin typeface="Arial" panose="020B0604020202020204" pitchFamily="34" charset="0"/>
+              </a:rPr>
+              <a:t>isolate two new alleles that appeared in 2004 and 2005 that were the cause of the observed mutation.</a:t>
+            </a:r>
+            <a:endParaRPr kumimoji="0" lang="en-US" altLang="en-US" sz="2400" b="0" i="0" u="none" strike="noStrike" cap="none" normalizeH="0" baseline="0" dirty="0">
               <a:ln>
                 <a:noFill/>
               </a:ln>
@@ -11920,101 +12276,55 @@
               <a:latin typeface="Arial" panose="020B0604020202020204" pitchFamily="34" charset="0"/>
             </a:endParaRPr>
           </a:p>
-          <a:p>
-            <a:pPr marL="0" marR="0" lvl="0" indent="0" algn="l" defTabSz="914400" rtl="0" eaLnBrk="0" fontAlgn="base" latinLnBrk="0" hangingPunct="0">
-              <a:lnSpc>
-                <a:spcPct val="100000"/>
-              </a:lnSpc>
-              <a:spcBef>
-                <a:spcPct val="0"/>
-              </a:spcBef>
-              <a:spcAft>
-                <a:spcPct val="0"/>
-              </a:spcAft>
-              <a:buClrTx/>
-              <a:buSzTx/>
-              <a:buFontTx/>
-              <a:buChar char="•"/>
-              <a:tabLst/>
-            </a:pPr>
-            <a:r>
-              <a:rPr kumimoji="0" lang="en-US" altLang="en-US" sz="1800" b="0" i="0" u="none" strike="noStrike" cap="none" normalizeH="0" baseline="0">
-                <a:ln>
-                  <a:noFill/>
-                </a:ln>
-                <a:solidFill>
-                  <a:schemeClr val="tx1"/>
-                </a:solidFill>
-                <a:effectLst/>
-                <a:latin typeface="Arial" panose="020B0604020202020204" pitchFamily="34" charset="0"/>
-              </a:rPr>
-              <a:t>Examples: Genomics, Ecology, Medical Diagnostics, Marketing, Finance.</a:t>
-            </a:r>
-          </a:p>
-          <a:p>
-            <a:pPr marL="0" marR="0" lvl="0" indent="0" algn="l" defTabSz="914400" rtl="0" eaLnBrk="0" fontAlgn="base" latinLnBrk="0" hangingPunct="0">
-              <a:lnSpc>
-                <a:spcPct val="100000"/>
-              </a:lnSpc>
-              <a:spcBef>
-                <a:spcPct val="0"/>
-              </a:spcBef>
-              <a:spcAft>
-                <a:spcPct val="0"/>
-              </a:spcAft>
-              <a:buClrTx/>
-              <a:buSzTx/>
-              <a:buFontTx/>
-              <a:buChar char="•"/>
-              <a:tabLst/>
-            </a:pPr>
-            <a:r>
-              <a:rPr kumimoji="0" lang="en-US" altLang="en-US" sz="1800" b="0" i="0" u="none" strike="noStrike" cap="none" normalizeH="0" baseline="0">
-                <a:ln>
-                  <a:noFill/>
-                </a:ln>
-                <a:solidFill>
-                  <a:schemeClr val="tx1"/>
-                </a:solidFill>
-                <a:effectLst/>
-                <a:latin typeface="Arial" panose="020B0604020202020204" pitchFamily="34" charset="0"/>
-              </a:rPr>
-              <a:t>Brief descriptions of how DAPC is used in these fields.</a:t>
-            </a:r>
-          </a:p>
-          <a:p>
-            <a:pPr marL="0" marR="0" lvl="0" indent="0" algn="l" defTabSz="914400" rtl="0" eaLnBrk="0" fontAlgn="base" latinLnBrk="0" hangingPunct="0">
-              <a:lnSpc>
-                <a:spcPct val="100000"/>
-              </a:lnSpc>
-              <a:spcBef>
-                <a:spcPct val="0"/>
-              </a:spcBef>
-              <a:spcAft>
-                <a:spcPct val="0"/>
-              </a:spcAft>
-              <a:buClrTx/>
-              <a:buSzTx/>
-              <a:buFontTx/>
-              <a:buChar char="•"/>
-              <a:tabLst/>
-            </a:pPr>
-            <a:r>
-              <a:rPr kumimoji="0" lang="en-US" altLang="en-US" sz="1800" b="0" i="0" u="none" strike="noStrike" cap="none" normalizeH="0" baseline="0">
-                <a:ln>
-                  <a:noFill/>
-                </a:ln>
-                <a:solidFill>
-                  <a:schemeClr val="tx1"/>
-                </a:solidFill>
-                <a:effectLst/>
-                <a:latin typeface="Arial" panose="020B0604020202020204" pitchFamily="34" charset="0"/>
-              </a:rPr>
-              <a:t>Visual: Icons or images representing different applications. </a:t>
-            </a:r>
-          </a:p>
         </p:txBody>
       </p:sp>
+      <p:pic>
+        <p:nvPicPr>
+          <p:cNvPr id="5124" name="Picture 4">
+            <a:extLst>
+              <a:ext uri="{FF2B5EF4-FFF2-40B4-BE49-F238E27FC236}">
+                <a16:creationId xmlns:a16="http://schemas.microsoft.com/office/drawing/2014/main" id="{270699FE-953F-D659-E61E-C74B626128DC}"/>
+              </a:ext>
+            </a:extLst>
+          </p:cNvPr>
+          <p:cNvPicPr>
+            <a:picLocks noChangeAspect="1" noChangeArrowheads="1"/>
+          </p:cNvPicPr>
+          <p:nvPr/>
+        </p:nvPicPr>
+        <p:blipFill>
+          <a:blip r:embed="rId2">
+            <a:extLst>
+              <a:ext uri="{28A0092B-C50C-407E-A947-70E740481C1C}">
+                <a14:useLocalDpi xmlns:a14="http://schemas.microsoft.com/office/drawing/2010/main" val="0"/>
+              </a:ext>
+            </a:extLst>
+          </a:blip>
+          <a:srcRect/>
+          <a:stretch>
+            <a:fillRect/>
+          </a:stretch>
+        </p:blipFill>
+        <p:spPr bwMode="auto">
+          <a:xfrm>
+            <a:off x="9448800" y="2724150"/>
+            <a:ext cx="8064500" cy="4838700"/>
+          </a:xfrm>
+          <a:prstGeom prst="rect">
+            <a:avLst/>
+          </a:prstGeom>
+          <a:noFill/>
+          <a:extLst>
+            <a:ext uri="{909E8E84-426E-40DD-AFC4-6F175D3DCCD1}">
+              <a14:hiddenFill xmlns:a14="http://schemas.microsoft.com/office/drawing/2010/main">
+                <a:solidFill>
+                  <a:srgbClr val="FFFFFF"/>
+                </a:solidFill>
+              </a14:hiddenFill>
+            </a:ext>
+          </a:extLst>
+        </p:spPr>
+      </p:pic>
     </p:spTree>
     <p:extLst>
       <p:ext uri="{BB962C8B-B14F-4D97-AF65-F5344CB8AC3E}">
@@ -12028,7 +12338,7 @@
 </p:sld>
 </file>
 
-<file path=ppt/slides/slide13.xml><?xml version="1.0" encoding="utf-8"?>
+<file path=ppt/slides/slide14.xml><?xml version="1.0" encoding="utf-8"?>
 <p:sld xmlns:a="http://schemas.openxmlformats.org/drawingml/2006/main" xmlns:r="http://schemas.openxmlformats.org/officeDocument/2006/relationships" xmlns:p="http://schemas.openxmlformats.org/presentationml/2006/main">
   <p:cSld>
     <p:spTree>
@@ -12096,7 +12406,7 @@
 </p:sld>
 </file>
 
-<file path=ppt/slides/slide14.xml><?xml version="1.0" encoding="utf-8"?>
+<file path=ppt/slides/slide15.xml><?xml version="1.0" encoding="utf-8"?>
 <p:sld xmlns:a="http://schemas.openxmlformats.org/drawingml/2006/main" xmlns:r="http://schemas.openxmlformats.org/officeDocument/2006/relationships" xmlns:p="http://schemas.openxmlformats.org/presentationml/2006/main">
   <p:cSld>
     <p:spTree>
@@ -12383,7 +12693,7 @@
 </p:sld>
 </file>
 
-<file path=ppt/slides/slide15.xml><?xml version="1.0" encoding="utf-8"?>
+<file path=ppt/slides/slide16.xml><?xml version="1.0" encoding="utf-8"?>
 <p:sld xmlns:a="http://schemas.openxmlformats.org/drawingml/2006/main" xmlns:r="http://schemas.openxmlformats.org/officeDocument/2006/relationships" xmlns:p="http://schemas.openxmlformats.org/presentationml/2006/main">
   <p:cSld>
     <p:spTree>
@@ -13553,7 +13863,7 @@
 </p:sld>
 </file>
 
-<file path=ppt/slides/slide16.xml><?xml version="1.0" encoding="utf-8"?>
+<file path=ppt/slides/slide17.xml><?xml version="1.0" encoding="utf-8"?>
 <p:sld xmlns:a="http://schemas.openxmlformats.org/drawingml/2006/main" xmlns:r="http://schemas.openxmlformats.org/officeDocument/2006/relationships" xmlns:p="http://schemas.openxmlformats.org/presentationml/2006/main">
   <p:cSld>
     <p:spTree>
@@ -14661,7 +14971,7 @@
 </p:sld>
 </file>
 
-<file path=ppt/slides/slide17.xml><?xml version="1.0" encoding="utf-8"?>
+<file path=ppt/slides/slide18.xml><?xml version="1.0" encoding="utf-8"?>
 <p:sld xmlns:a="http://schemas.openxmlformats.org/drawingml/2006/main" xmlns:r="http://schemas.openxmlformats.org/officeDocument/2006/relationships" xmlns:p="http://schemas.openxmlformats.org/presentationml/2006/main">
   <p:cSld>
     <p:spTree>
@@ -14729,7 +15039,7 @@
 </p:sld>
 </file>
 
-<file path=ppt/slides/slide18.xml><?xml version="1.0" encoding="utf-8"?>
+<file path=ppt/slides/slide19.xml><?xml version="1.0" encoding="utf-8"?>
 <p:sld xmlns:a="http://schemas.openxmlformats.org/drawingml/2006/main" xmlns:r="http://schemas.openxmlformats.org/officeDocument/2006/relationships" xmlns:p="http://schemas.openxmlformats.org/presentationml/2006/main">
   <p:cSld>
     <p:spTree>
@@ -14780,14 +15090,16 @@
               </a:spcBef>
             </a:pPr>
             <a:r>
-              <a:rPr lang="en-US" sz="6000" dirty="0"/>
-              <a:t>Conclusion and Q&amp;A</a:t>
+              <a:rPr lang="en-US" sz="6000" dirty="0">
+                <a:latin typeface="Aptos Display" panose="020B0004020202020204" pitchFamily="34" charset="0"/>
+              </a:rPr>
+              <a:t>Conclusion</a:t>
             </a:r>
             <a:endParaRPr sz="6000" b="0" dirty="0">
               <a:solidFill>
                 <a:srgbClr val="0C234B"/>
               </a:solidFill>
-              <a:latin typeface="Times New Roman" panose="02020603050405020304" pitchFamily="18" charset="0"/>
+              <a:latin typeface="Aptos Display" panose="020B0004020202020204" pitchFamily="34" charset="0"/>
               <a:cs typeface="Times New Roman" panose="02020603050405020304" pitchFamily="18" charset="0"/>
             </a:endParaRPr>
           </a:p>
@@ -14809,8 +15121,8 @@
         </p:nvSpPr>
         <p:spPr bwMode="auto">
           <a:xfrm>
-            <a:off x="2362200" y="1981013"/>
-            <a:ext cx="5410200" cy="1477328"/>
+            <a:off x="2375646" y="2628900"/>
+            <a:ext cx="13550153" cy="1569660"/>
           </a:xfrm>
           <a:prstGeom prst="rect">
             <a:avLst/>
@@ -14850,7 +15162,7 @@
           </a:extLst>
         </p:spPr>
         <p:txBody>
-          <a:bodyPr vert="horz" wrap="square" lIns="91440" tIns="45720" rIns="91440" bIns="45720" numCol="1" anchor="ctr" anchorCtr="0" compatLnSpc="1">
+          <a:bodyPr vert="horz" wrap="square" lIns="91440" tIns="45720" rIns="91440" bIns="45720" numCol="1" anchor="t" anchorCtr="0" compatLnSpc="1">
             <a:prstTxWarp prst="textNoShape">
               <a:avLst/>
             </a:prstTxWarp>
@@ -14858,7 +15170,7 @@
           </a:bodyPr>
           <a:lstStyle/>
           <a:p>
-            <a:pPr marL="0" marR="0" lvl="0" indent="0" algn="l" defTabSz="914400" rtl="0" eaLnBrk="0" fontAlgn="base" latinLnBrk="0" hangingPunct="0">
+            <a:pPr marL="285750" marR="0" lvl="0" indent="-285750" algn="l" defTabSz="914400" rtl="0" eaLnBrk="0" fontAlgn="base" latinLnBrk="0" hangingPunct="0">
               <a:lnSpc>
                 <a:spcPct val="100000"/>
               </a:lnSpc>
@@ -14870,40 +15182,12 @@
               </a:spcAft>
               <a:buClrTx/>
               <a:buSzTx/>
-              <a:buFontTx/>
-              <a:buNone/>
-              <a:tabLst/>
-            </a:pPr>
-            <a:endParaRPr kumimoji="0" lang="en-US" altLang="en-US" sz="1800" b="0" i="0" u="none" strike="noStrike" cap="none" normalizeH="0" baseline="0">
-              <a:ln>
-                <a:noFill/>
-              </a:ln>
-              <a:solidFill>
-                <a:schemeClr val="tx1"/>
-              </a:solidFill>
-              <a:effectLst/>
-              <a:latin typeface="Arial" panose="020B0604020202020204" pitchFamily="34" charset="0"/>
-            </a:endParaRPr>
-          </a:p>
-          <a:p>
-            <a:pPr marL="0" marR="0" lvl="0" indent="0" algn="l" defTabSz="914400" rtl="0" eaLnBrk="0" fontAlgn="base" latinLnBrk="0" hangingPunct="0">
-              <a:lnSpc>
-                <a:spcPct val="100000"/>
-              </a:lnSpc>
-              <a:spcBef>
-                <a:spcPct val="0"/>
-              </a:spcBef>
-              <a:spcAft>
-                <a:spcPct val="0"/>
-              </a:spcAft>
-              <a:buClrTx/>
-              <a:buSzTx/>
-              <a:buFontTx/>
+              <a:buFont typeface="Arial" panose="020B0604020202020204" pitchFamily="34" charset="0"/>
               <a:buChar char="•"/>
               <a:tabLst/>
             </a:pPr>
             <a:r>
-              <a:rPr kumimoji="0" lang="en-US" altLang="en-US" sz="1800" b="0" i="0" u="none" strike="noStrike" cap="none" normalizeH="0" baseline="0">
+              <a:rPr kumimoji="0" lang="en-US" altLang="en-US" sz="3200" b="0" i="0" u="none" strike="noStrike" cap="none" normalizeH="0" baseline="0" dirty="0">
                 <a:ln>
                   <a:noFill/>
                 </a:ln>
@@ -14911,13 +15195,13 @@
                   <a:schemeClr val="tx1"/>
                 </a:solidFill>
                 <a:effectLst/>
-                <a:latin typeface="Arial" panose="020B0604020202020204" pitchFamily="34" charset="0"/>
+                <a:latin typeface="Aptos" panose="020B0004020202020204" pitchFamily="34" charset="0"/>
               </a:rPr>
-              <a:t>Summary of key points.</a:t>
-            </a:r>
-          </a:p>
-          <a:p>
-            <a:pPr marL="0" marR="0" lvl="0" indent="0" algn="l" defTabSz="914400" rtl="0" eaLnBrk="0" fontAlgn="base" latinLnBrk="0" hangingPunct="0">
+              <a:t>DACP is built on running PCA followed by DA</a:t>
+            </a:r>
+          </a:p>
+          <a:p>
+            <a:pPr marL="285750" marR="0" lvl="0" indent="-285750" algn="l" defTabSz="914400" rtl="0" eaLnBrk="0" fontAlgn="base" latinLnBrk="0" hangingPunct="0">
               <a:lnSpc>
                 <a:spcPct val="100000"/>
               </a:lnSpc>
@@ -14929,12 +15213,36 @@
               </a:spcAft>
               <a:buClrTx/>
               <a:buSzTx/>
-              <a:buFontTx/>
+              <a:buFont typeface="Arial" panose="020B0604020202020204" pitchFamily="34" charset="0"/>
               <a:buChar char="•"/>
               <a:tabLst/>
             </a:pPr>
             <a:r>
-              <a:rPr kumimoji="0" lang="en-US" altLang="en-US" sz="1800" b="0" i="0" u="none" strike="noStrike" cap="none" normalizeH="0" baseline="0">
+              <a:rPr lang="en-US" altLang="en-US" sz="3200" dirty="0">
+                <a:latin typeface="Aptos" panose="020B0004020202020204" pitchFamily="34" charset="0"/>
+              </a:rPr>
+              <a:t>Handles larger datasets while increasing performance</a:t>
+            </a:r>
+          </a:p>
+          <a:p>
+            <a:pPr marL="285750" marR="0" lvl="0" indent="-285750" algn="l" defTabSz="914400" rtl="0" eaLnBrk="0" fontAlgn="base" latinLnBrk="0" hangingPunct="0">
+              <a:lnSpc>
+                <a:spcPct val="100000"/>
+              </a:lnSpc>
+              <a:spcBef>
+                <a:spcPct val="0"/>
+              </a:spcBef>
+              <a:spcAft>
+                <a:spcPct val="0"/>
+              </a:spcAft>
+              <a:buClrTx/>
+              <a:buSzTx/>
+              <a:buFont typeface="Arial" panose="020B0604020202020204" pitchFamily="34" charset="0"/>
+              <a:buChar char="•"/>
+              <a:tabLst/>
+            </a:pPr>
+            <a:r>
+              <a:rPr kumimoji="0" lang="en-US" altLang="en-US" sz="3200" b="0" i="0" u="none" strike="noStrike" cap="none" normalizeH="0" baseline="0" dirty="0">
                 <a:ln>
                   <a:noFill/>
                 </a:ln>
@@ -14942,71 +15250,9 @@
                   <a:schemeClr val="tx1"/>
                 </a:solidFill>
                 <a:effectLst/>
-                <a:latin typeface="Arial" panose="020B0604020202020204" pitchFamily="34" charset="0"/>
+                <a:latin typeface="Aptos" panose="020B0004020202020204" pitchFamily="34" charset="0"/>
               </a:rPr>
-              <a:t>Importance of DAPC in data analysis.</a:t>
-            </a:r>
-          </a:p>
-          <a:p>
-            <a:pPr marL="0" marR="0" lvl="0" indent="0" algn="l" defTabSz="914400" rtl="0" eaLnBrk="0" fontAlgn="base" latinLnBrk="0" hangingPunct="0">
-              <a:lnSpc>
-                <a:spcPct val="100000"/>
-              </a:lnSpc>
-              <a:spcBef>
-                <a:spcPct val="0"/>
-              </a:spcBef>
-              <a:spcAft>
-                <a:spcPct val="0"/>
-              </a:spcAft>
-              <a:buClrTx/>
-              <a:buSzTx/>
-              <a:buFontTx/>
-              <a:buChar char="•"/>
-              <a:tabLst/>
-            </a:pPr>
-            <a:r>
-              <a:rPr kumimoji="0" lang="en-US" altLang="en-US" sz="1800" b="0" i="0" u="none" strike="noStrike" cap="none" normalizeH="0" baseline="0">
-                <a:ln>
-                  <a:noFill/>
-                </a:ln>
-                <a:solidFill>
-                  <a:schemeClr val="tx1"/>
-                </a:solidFill>
-                <a:effectLst/>
-                <a:latin typeface="Arial" panose="020B0604020202020204" pitchFamily="34" charset="0"/>
-              </a:rPr>
-              <a:t>Invitation for questions.</a:t>
-            </a:r>
-          </a:p>
-          <a:p>
-            <a:pPr marL="0" marR="0" lvl="0" indent="0" algn="l" defTabSz="914400" rtl="0" eaLnBrk="0" fontAlgn="base" latinLnBrk="0" hangingPunct="0">
-              <a:lnSpc>
-                <a:spcPct val="100000"/>
-              </a:lnSpc>
-              <a:spcBef>
-                <a:spcPct val="0"/>
-              </a:spcBef>
-              <a:spcAft>
-                <a:spcPct val="0"/>
-              </a:spcAft>
-              <a:buClrTx/>
-              <a:buSzTx/>
-              <a:buFontTx/>
-              <a:buChar char="•"/>
-              <a:tabLst/>
-            </a:pPr>
-            <a:r>
-              <a:rPr kumimoji="0" lang="en-US" altLang="en-US" sz="1800" b="0" i="0" u="none" strike="noStrike" cap="none" normalizeH="0" baseline="0">
-                <a:ln>
-                  <a:noFill/>
-                </a:ln>
-                <a:solidFill>
-                  <a:schemeClr val="tx1"/>
-                </a:solidFill>
-                <a:effectLst/>
-                <a:latin typeface="Arial" panose="020B0604020202020204" pitchFamily="34" charset="0"/>
-              </a:rPr>
-              <a:t>Visual: Summary bullet points. </a:t>
+              <a:t>Excellent resource for studying genetic data</a:t>
             </a:r>
           </a:p>
         </p:txBody>
@@ -15024,7 +15270,75 @@
 </p:sld>
 </file>
 
-<file path=ppt/slides/slide19.xml><?xml version="1.0" encoding="utf-8"?>
+<file path=ppt/slides/slide2.xml><?xml version="1.0" encoding="utf-8"?>
+<p:sld xmlns:a="http://schemas.openxmlformats.org/drawingml/2006/main" xmlns:r="http://schemas.openxmlformats.org/officeDocument/2006/relationships" xmlns:p="http://schemas.openxmlformats.org/presentationml/2006/main">
+  <p:cSld>
+    <p:spTree>
+      <p:nvGrpSpPr>
+        <p:cNvPr id="1" name=""/>
+        <p:cNvGrpSpPr/>
+        <p:nvPr/>
+      </p:nvGrpSpPr>
+      <p:grpSpPr>
+        <a:xfrm>
+          <a:off x="0" y="0"/>
+          <a:ext cx="0" cy="0"/>
+          <a:chOff x="0" y="0"/>
+          <a:chExt cx="0" cy="0"/>
+        </a:xfrm>
+      </p:grpSpPr>
+      <p:sp>
+        <p:nvSpPr>
+          <p:cNvPr id="2" name="TextBox 1">
+            <a:extLst>
+              <a:ext uri="{FF2B5EF4-FFF2-40B4-BE49-F238E27FC236}">
+                <a16:creationId xmlns:a16="http://schemas.microsoft.com/office/drawing/2014/main" id="{7A3917FB-9318-B75A-2B17-4E1FDD2B3267}"/>
+              </a:ext>
+            </a:extLst>
+          </p:cNvPr>
+          <p:cNvSpPr txBox="1"/>
+          <p:nvPr/>
+        </p:nvSpPr>
+        <p:spPr>
+          <a:xfrm>
+            <a:off x="3017520" y="3620006"/>
+            <a:ext cx="12252960" cy="1569660"/>
+          </a:xfrm>
+          <a:prstGeom prst="rect">
+            <a:avLst/>
+          </a:prstGeom>
+          <a:noFill/>
+        </p:spPr>
+        <p:txBody>
+          <a:bodyPr wrap="square" rtlCol="0">
+            <a:spAutoFit/>
+          </a:bodyPr>
+          <a:lstStyle/>
+          <a:p>
+            <a:pPr algn="ctr"/>
+            <a:r>
+              <a:rPr lang="en-US" sz="9600" dirty="0">
+                <a:latin typeface="Aptos Display" panose="020B0004020202020204" pitchFamily="34" charset="0"/>
+              </a:rPr>
+              <a:t>Background Information</a:t>
+            </a:r>
+          </a:p>
+        </p:txBody>
+      </p:sp>
+    </p:spTree>
+    <p:extLst>
+      <p:ext uri="{BB962C8B-B14F-4D97-AF65-F5344CB8AC3E}">
+        <p14:creationId xmlns:p14="http://schemas.microsoft.com/office/powerpoint/2010/main" val="1253725192"/>
+      </p:ext>
+    </p:extLst>
+  </p:cSld>
+  <p:clrMapOvr>
+    <a:masterClrMapping/>
+  </p:clrMapOvr>
+</p:sld>
+</file>
+
+<file path=ppt/slides/slide20.xml><?xml version="1.0" encoding="utf-8"?>
 <p:sld xmlns:a="http://schemas.openxmlformats.org/drawingml/2006/main" xmlns:r="http://schemas.openxmlformats.org/officeDocument/2006/relationships" xmlns:p="http://schemas.openxmlformats.org/presentationml/2006/main">
   <p:cSld>
     <p:spTree>
@@ -15287,7 +15601,7 @@
 </p:sld>
 </file>
 
-<file path=ppt/slides/slide2.xml><?xml version="1.0" encoding="utf-8"?>
+<file path=ppt/slides/slide21.xml><?xml version="1.0" encoding="utf-8"?>
 <p:sld xmlns:a="http://schemas.openxmlformats.org/drawingml/2006/main" xmlns:r="http://schemas.openxmlformats.org/officeDocument/2006/relationships" xmlns:p="http://schemas.openxmlformats.org/presentationml/2006/main">
   <p:cSld>
     <p:spTree>
@@ -15306,38 +15620,286 @@
       </p:grpSpPr>
       <p:sp>
         <p:nvSpPr>
-          <p:cNvPr id="2" name="TextBox 1">
+          <p:cNvPr id="2" name="object 2"/>
+          <p:cNvSpPr txBox="1">
+            <a:spLocks noGrp="1"/>
+          </p:cNvSpPr>
+          <p:nvPr>
+            <p:ph type="title" idx="4294967295"/>
+          </p:nvPr>
+        </p:nvSpPr>
+        <p:spPr>
+          <a:xfrm>
+            <a:off x="2362200" y="1028700"/>
+            <a:ext cx="10352088" cy="936625"/>
+          </a:xfrm>
+          <a:prstGeom prst="rect">
+            <a:avLst/>
+          </a:prstGeom>
+        </p:spPr>
+        <p:txBody>
+          <a:bodyPr vert="horz" wrap="square" lIns="0" tIns="12700" rIns="0" bIns="0" rtlCol="0">
+            <a:noAutofit/>
+          </a:bodyPr>
+          <a:lstStyle/>
+          <a:p>
+            <a:pPr marL="12700">
+              <a:lnSpc>
+                <a:spcPct val="100000"/>
+              </a:lnSpc>
+              <a:spcBef>
+                <a:spcPts val="100"/>
+              </a:spcBef>
+            </a:pPr>
+            <a:r>
+              <a:rPr lang="en-US" sz="6000" dirty="0">
+                <a:latin typeface="Aptos Display" panose="020B0004020202020204" pitchFamily="34" charset="0"/>
+              </a:rPr>
+              <a:t>References</a:t>
+            </a:r>
+            <a:endParaRPr sz="6000" b="0" dirty="0">
+              <a:solidFill>
+                <a:srgbClr val="0C234B"/>
+              </a:solidFill>
+              <a:latin typeface="Aptos Display" panose="020B0004020202020204" pitchFamily="34" charset="0"/>
+              <a:cs typeface="Times New Roman" panose="02020603050405020304" pitchFamily="18" charset="0"/>
+            </a:endParaRPr>
+          </a:p>
+        </p:txBody>
+      </p:sp>
+      <p:sp>
+        <p:nvSpPr>
+          <p:cNvPr id="3" name="Rectangle 1">
             <a:extLst>
               <a:ext uri="{FF2B5EF4-FFF2-40B4-BE49-F238E27FC236}">
-                <a16:creationId xmlns:a16="http://schemas.microsoft.com/office/drawing/2014/main" id="{7A3917FB-9318-B75A-2B17-4E1FDD2B3267}"/>
+                <a16:creationId xmlns:a16="http://schemas.microsoft.com/office/drawing/2014/main" id="{2A21E542-CD9B-B9FB-F7D1-96340EF68D40}"/>
               </a:ext>
             </a:extLst>
           </p:cNvPr>
-          <p:cNvSpPr txBox="1"/>
+          <p:cNvSpPr>
+            <a:spLocks noChangeArrowheads="1"/>
+          </p:cNvSpPr>
           <p:nvPr/>
         </p:nvSpPr>
-        <p:spPr>
+        <p:spPr bwMode="auto">
           <a:xfrm>
-            <a:off x="3017520" y="3620006"/>
-            <a:ext cx="12252960" cy="1569660"/>
+            <a:off x="2362200" y="2535011"/>
+            <a:ext cx="12496800" cy="1938992"/>
           </a:xfrm>
           <a:prstGeom prst="rect">
             <a:avLst/>
           </a:prstGeom>
           <a:noFill/>
+          <a:ln>
+            <a:noFill/>
+          </a:ln>
+          <a:effectLst/>
+          <a:extLst>
+            <a:ext uri="{909E8E84-426E-40DD-AFC4-6F175D3DCCD1}">
+              <a14:hiddenFill xmlns:a14="http://schemas.microsoft.com/office/drawing/2010/main">
+                <a:solidFill>
+                  <a:schemeClr val="accent1"/>
+                </a:solidFill>
+              </a14:hiddenFill>
+            </a:ext>
+            <a:ext uri="{91240B29-F687-4F45-9708-019B960494DF}">
+              <a14:hiddenLine xmlns:a14="http://schemas.microsoft.com/office/drawing/2010/main" w="9525">
+                <a:solidFill>
+                  <a:schemeClr val="tx1"/>
+                </a:solidFill>
+                <a:miter lim="800000"/>
+                <a:headEnd/>
+                <a:tailEnd/>
+              </a14:hiddenLine>
+            </a:ext>
+            <a:ext uri="{AF507438-7753-43E0-B8FC-AC1667EBCBE1}">
+              <a14:hiddenEffects xmlns:a14="http://schemas.microsoft.com/office/drawing/2010/main">
+                <a:effectLst>
+                  <a:outerShdw dist="35921" dir="2700000" algn="ctr" rotWithShape="0">
+                    <a:schemeClr val="bg2"/>
+                  </a:outerShdw>
+                </a:effectLst>
+              </a14:hiddenEffects>
+            </a:ext>
+          </a:extLst>
         </p:spPr>
         <p:txBody>
-          <a:bodyPr wrap="square" rtlCol="0">
+          <a:bodyPr vert="horz" wrap="square" lIns="91440" tIns="45720" rIns="91440" bIns="45720" numCol="1" anchor="t" anchorCtr="0" compatLnSpc="1">
+            <a:prstTxWarp prst="textNoShape">
+              <a:avLst/>
+            </a:prstTxWarp>
             <a:spAutoFit/>
           </a:bodyPr>
           <a:lstStyle/>
           <a:p>
-            <a:pPr algn="ctr"/>
-            <a:r>
-              <a:rPr lang="en-US" sz="9600" dirty="0">
-                <a:latin typeface="Aptos Display" panose="020B0004020202020204" pitchFamily="34" charset="0"/>
+            <a:pPr marL="0" marR="0" lvl="0" indent="0" algn="l" defTabSz="914400" rtl="0" eaLnBrk="0" fontAlgn="base" latinLnBrk="0" hangingPunct="0">
+              <a:lnSpc>
+                <a:spcPct val="100000"/>
+              </a:lnSpc>
+              <a:spcBef>
+                <a:spcPct val="0"/>
+              </a:spcBef>
+              <a:spcAft>
+                <a:spcPct val="0"/>
+              </a:spcAft>
+              <a:buClrTx/>
+              <a:buSzTx/>
+              <a:buFontTx/>
+              <a:buNone/>
+              <a:tabLst/>
+            </a:pPr>
+            <a:r>
+              <a:rPr kumimoji="0" lang="en-US" altLang="en-US" sz="2000" b="0" i="0" u="none" strike="noStrike" cap="none" normalizeH="0" baseline="0" dirty="0" err="1">
+                <a:ln>
+                  <a:noFill/>
+                </a:ln>
+                <a:solidFill>
+                  <a:schemeClr val="tx1"/>
+                </a:solidFill>
+                <a:effectLst/>
+                <a:latin typeface="Aptos" panose="020B0004020202020204" pitchFamily="34" charset="0"/>
               </a:rPr>
-              <a:t>Background Information</a:t>
+              <a:t>Jombart</a:t>
+            </a:r>
+            <a:r>
+              <a:rPr kumimoji="0" lang="en-US" altLang="en-US" sz="2000" b="0" i="0" u="none" strike="noStrike" cap="none" normalizeH="0" baseline="0" dirty="0">
+                <a:ln>
+                  <a:noFill/>
+                </a:ln>
+                <a:solidFill>
+                  <a:schemeClr val="tx1"/>
+                </a:solidFill>
+                <a:effectLst/>
+                <a:latin typeface="Aptos" panose="020B0004020202020204" pitchFamily="34" charset="0"/>
+              </a:rPr>
+              <a:t>, T., </a:t>
+            </a:r>
+            <a:r>
+              <a:rPr kumimoji="0" lang="en-US" altLang="en-US" sz="2000" b="0" i="0" u="none" strike="noStrike" cap="none" normalizeH="0" baseline="0" dirty="0" err="1">
+                <a:ln>
+                  <a:noFill/>
+                </a:ln>
+                <a:solidFill>
+                  <a:schemeClr val="tx1"/>
+                </a:solidFill>
+                <a:effectLst/>
+                <a:latin typeface="Aptos" panose="020B0004020202020204" pitchFamily="34" charset="0"/>
+              </a:rPr>
+              <a:t>Devillard</a:t>
+            </a:r>
+            <a:r>
+              <a:rPr kumimoji="0" lang="en-US" altLang="en-US" sz="2000" b="0" i="0" u="none" strike="noStrike" cap="none" normalizeH="0" baseline="0" dirty="0">
+                <a:ln>
+                  <a:noFill/>
+                </a:ln>
+                <a:solidFill>
+                  <a:schemeClr val="tx1"/>
+                </a:solidFill>
+                <a:effectLst/>
+                <a:latin typeface="Aptos" panose="020B0004020202020204" pitchFamily="34" charset="0"/>
+              </a:rPr>
+              <a:t>, S. &amp; </a:t>
+            </a:r>
+            <a:r>
+              <a:rPr kumimoji="0" lang="en-US" altLang="en-US" sz="2000" b="0" i="0" u="none" strike="noStrike" cap="none" normalizeH="0" baseline="0" dirty="0" err="1">
+                <a:ln>
+                  <a:noFill/>
+                </a:ln>
+                <a:solidFill>
+                  <a:schemeClr val="tx1"/>
+                </a:solidFill>
+                <a:effectLst/>
+                <a:latin typeface="Aptos" panose="020B0004020202020204" pitchFamily="34" charset="0"/>
+              </a:rPr>
+              <a:t>Balloux</a:t>
+            </a:r>
+            <a:r>
+              <a:rPr kumimoji="0" lang="en-US" altLang="en-US" sz="2000" b="0" i="0" u="none" strike="noStrike" cap="none" normalizeH="0" baseline="0" dirty="0">
+                <a:ln>
+                  <a:noFill/>
+                </a:ln>
+                <a:solidFill>
+                  <a:schemeClr val="tx1"/>
+                </a:solidFill>
+                <a:effectLst/>
+                <a:latin typeface="Aptos" panose="020B0004020202020204" pitchFamily="34" charset="0"/>
+              </a:rPr>
+              <a:t>, F. Discriminant analysis of principal components: a new method for the analysis of genetically structured populations. BMC Genet 11, 94 (2010). https://doi.org/10.1186/1471-2156-11-94</a:t>
+            </a:r>
+            <a:endParaRPr kumimoji="0" lang="de-DE" altLang="en-US" sz="2000" b="0" i="0" u="none" strike="noStrike" cap="none" normalizeH="0" baseline="0" dirty="0">
+              <a:ln>
+                <a:noFill/>
+              </a:ln>
+              <a:solidFill>
+                <a:schemeClr val="tx1"/>
+              </a:solidFill>
+              <a:effectLst/>
+              <a:latin typeface="Aptos" panose="020B0004020202020204" pitchFamily="34" charset="0"/>
+            </a:endParaRPr>
+          </a:p>
+          <a:p>
+            <a:pPr marL="0" marR="0" lvl="0" indent="0" algn="l" defTabSz="914400" rtl="0" eaLnBrk="0" fontAlgn="base" latinLnBrk="0" hangingPunct="0">
+              <a:lnSpc>
+                <a:spcPct val="100000"/>
+              </a:lnSpc>
+              <a:spcBef>
+                <a:spcPct val="0"/>
+              </a:spcBef>
+              <a:spcAft>
+                <a:spcPct val="0"/>
+              </a:spcAft>
+              <a:buClrTx/>
+              <a:buSzTx/>
+              <a:buFontTx/>
+              <a:buNone/>
+              <a:tabLst/>
+            </a:pPr>
+            <a:endParaRPr lang="de-DE" altLang="en-US" sz="2000" dirty="0">
+              <a:latin typeface="Aptos" panose="020B0004020202020204" pitchFamily="34" charset="0"/>
+            </a:endParaRPr>
+          </a:p>
+          <a:p>
+            <a:pPr marL="0" marR="0" lvl="0" indent="0" algn="l" defTabSz="914400" rtl="0" eaLnBrk="0" fontAlgn="base" latinLnBrk="0" hangingPunct="0">
+              <a:lnSpc>
+                <a:spcPct val="100000"/>
+              </a:lnSpc>
+              <a:spcBef>
+                <a:spcPct val="0"/>
+              </a:spcBef>
+              <a:spcAft>
+                <a:spcPct val="0"/>
+              </a:spcAft>
+              <a:buClrTx/>
+              <a:buSzTx/>
+              <a:buFontTx/>
+              <a:buNone/>
+              <a:tabLst/>
+            </a:pPr>
+            <a:r>
+              <a:rPr kumimoji="0" lang="de-DE" altLang="en-US" sz="2000" b="0" i="0" u="none" strike="noStrike" cap="none" normalizeH="0" baseline="0" dirty="0">
+                <a:ln>
+                  <a:noFill/>
+                </a:ln>
+                <a:solidFill>
+                  <a:schemeClr val="tx1"/>
+                </a:solidFill>
+                <a:effectLst/>
+                <a:latin typeface="Aptos" panose="020B0004020202020204" pitchFamily="34" charset="0"/>
+              </a:rPr>
+              <a:t>NJ Grünwald, ZN Kamvar, and SE Everhart, </a:t>
+            </a:r>
+            <a:r>
+              <a:rPr kumimoji="0" lang="en-US" altLang="en-US" sz="2000" b="0" i="0" u="none" strike="noStrike" cap="none" normalizeH="0" baseline="0" dirty="0">
+                <a:ln>
+                  <a:noFill/>
+                </a:ln>
+                <a:solidFill>
+                  <a:schemeClr val="tx1"/>
+                </a:solidFill>
+                <a:effectLst/>
+                <a:latin typeface="Aptos" panose="020B0004020202020204" pitchFamily="34" charset="0"/>
+              </a:rPr>
+              <a:t>Discriminant analysis of principal components (DAPC), Available at: https://grunwaldlab.github.io/Population_Genetics_in_R/DAPC.html</a:t>
             </a:r>
           </a:p>
         </p:txBody>
@@ -15345,7 +15907,7 @@
     </p:spTree>
     <p:extLst>
       <p:ext uri="{BB962C8B-B14F-4D97-AF65-F5344CB8AC3E}">
-        <p14:creationId xmlns:p14="http://schemas.microsoft.com/office/powerpoint/2010/main" val="1253725192"/>
+        <p14:creationId xmlns:p14="http://schemas.microsoft.com/office/powerpoint/2010/main" val="2905247713"/>
       </p:ext>
     </p:extLst>
   </p:cSld>
@@ -15355,7 +15917,7 @@
 </p:sld>
 </file>
 
-<file path=ppt/slides/slide20.xml><?xml version="1.0" encoding="utf-8"?>
+<file path=ppt/slides/slide22.xml><?xml version="1.0" encoding="utf-8"?>
 <p:sld xmlns:a="http://schemas.openxmlformats.org/drawingml/2006/main" xmlns:r="http://schemas.openxmlformats.org/officeDocument/2006/relationships" xmlns:p="http://schemas.openxmlformats.org/presentationml/2006/main">
   <p:cSld>
     <p:spTree>
@@ -16224,7 +16786,7 @@
 </p:sld>
 </file>
 
-<file path=ppt/slides/slide21.xml><?xml version="1.0" encoding="utf-8"?>
+<file path=ppt/slides/slide23.xml><?xml version="1.0" encoding="utf-8"?>
 <p:sld xmlns:a="http://schemas.openxmlformats.org/drawingml/2006/main" xmlns:r="http://schemas.openxmlformats.org/officeDocument/2006/relationships" xmlns:p="http://schemas.openxmlformats.org/presentationml/2006/main">
   <p:cSld>
     <p:spTree>
@@ -17358,7 +17920,7 @@
 </p:sld>
 </file>
 
-<file path=ppt/slides/slide22.xml><?xml version="1.0" encoding="utf-8"?>
+<file path=ppt/slides/slide24.xml><?xml version="1.0" encoding="utf-8"?>
 <p:sld xmlns:a="http://schemas.openxmlformats.org/drawingml/2006/main" xmlns:r="http://schemas.openxmlformats.org/officeDocument/2006/relationships" xmlns:p="http://schemas.openxmlformats.org/presentationml/2006/main">
   <p:cSld>
     <p:spTree>
@@ -18471,7 +19033,7 @@
 </p:sld>
 </file>
 
-<file path=ppt/slides/slide23.xml><?xml version="1.0" encoding="utf-8"?>
+<file path=ppt/slides/slide25.xml><?xml version="1.0" encoding="utf-8"?>
 <p:sld xmlns:a="http://schemas.openxmlformats.org/drawingml/2006/main" xmlns:r="http://schemas.openxmlformats.org/officeDocument/2006/relationships" xmlns:p="http://schemas.openxmlformats.org/presentationml/2006/main">
   <p:cSld>
     <p:spTree>
@@ -18969,17 +19531,8 @@
               <a:rPr lang="en-US" altLang="en-US" sz="3200" dirty="0">
                 <a:latin typeface="Aptos Display" panose="020B0004020202020204" pitchFamily="34" charset="0"/>
               </a:rPr>
-              <a:t>Other multivariate methods of classification are too computer intensive (e.g. Bayesian </a:t>
-            </a:r>
-            <a:r>
-              <a:rPr lang="en-US" altLang="en-US" sz="3200">
-                <a:latin typeface="Aptos Display" panose="020B0004020202020204" pitchFamily="34" charset="0"/>
-              </a:rPr>
-              <a:t>clustering algorithms)</a:t>
-            </a:r>
-            <a:endParaRPr lang="en-US" altLang="en-US" sz="3200" dirty="0">
-              <a:latin typeface="Aptos Display" panose="020B0004020202020204" pitchFamily="34" charset="0"/>
-            </a:endParaRPr>
+              <a:t>Other multivariate methods of classification are too computer intensive (e.g. Bayesian clustering algorithms)</a:t>
+            </a:r>
           </a:p>
           <a:p>
             <a:pPr marL="342900" marR="0" lvl="0" indent="-342900" algn="l" defTabSz="914400" rtl="0" eaLnBrk="0" fontAlgn="base" latinLnBrk="0" hangingPunct="0">
@@ -19201,7 +19754,7 @@
         <p:spPr bwMode="auto">
           <a:xfrm>
             <a:off x="2590799" y="2705099"/>
-            <a:ext cx="13344525" cy="2062103"/>
+            <a:ext cx="13344525" cy="2554545"/>
           </a:xfrm>
           <a:prstGeom prst="rect">
             <a:avLst/>
@@ -19278,6 +19831,40 @@
               </a:rPr>
               <a:t>Method to reduce dimensionality in datasets while maintaining variability</a:t>
             </a:r>
+          </a:p>
+          <a:p>
+            <a:pPr marL="342900" marR="0" lvl="0" indent="-342900" algn="l" defTabSz="914400" rtl="0" eaLnBrk="0" fontAlgn="base" latinLnBrk="0" hangingPunct="0">
+              <a:lnSpc>
+                <a:spcPct val="100000"/>
+              </a:lnSpc>
+              <a:spcBef>
+                <a:spcPct val="0"/>
+              </a:spcBef>
+              <a:spcAft>
+                <a:spcPct val="0"/>
+              </a:spcAft>
+              <a:buClrTx/>
+              <a:buSzTx/>
+              <a:buFont typeface="Arial" panose="020B0604020202020204" pitchFamily="34" charset="0"/>
+              <a:buChar char="•"/>
+              <a:tabLst/>
+            </a:pPr>
+            <a:r>
+              <a:rPr lang="en-US" altLang="en-US" sz="3200" dirty="0">
+                <a:latin typeface="Aptos Display" panose="020B0004020202020204" pitchFamily="34" charset="0"/>
+              </a:rPr>
+              <a:t>Does not consider different in class</a:t>
+            </a:r>
+            <a:endParaRPr kumimoji="0" lang="en-US" altLang="en-US" sz="3200" b="0" i="0" u="none" strike="noStrike" cap="none" normalizeH="0" baseline="0" dirty="0">
+              <a:ln>
+                <a:noFill/>
+              </a:ln>
+              <a:solidFill>
+                <a:schemeClr val="tx1"/>
+              </a:solidFill>
+              <a:effectLst/>
+              <a:latin typeface="Aptos Display" panose="020B0004020202020204" pitchFamily="34" charset="0"/>
+            </a:endParaRPr>
           </a:p>
           <a:p>
             <a:pPr marL="342900" indent="-342900" eaLnBrk="0" fontAlgn="base" hangingPunct="0">
@@ -19811,7 +20398,7 @@
         <p:spPr bwMode="auto">
           <a:xfrm>
             <a:off x="2590799" y="2705099"/>
-            <a:ext cx="13344525" cy="2554545"/>
+            <a:ext cx="13344525" cy="3046988"/>
           </a:xfrm>
           <a:prstGeom prst="rect">
             <a:avLst/>
@@ -19888,6 +20475,40 @@
               </a:rPr>
               <a:t>A method for classifying observations by finding linear combinations of features that best separate classes</a:t>
             </a:r>
+          </a:p>
+          <a:p>
+            <a:pPr marL="342900" marR="0" lvl="0" indent="-342900" algn="l" defTabSz="914400" rtl="0" eaLnBrk="0" fontAlgn="base" latinLnBrk="0" hangingPunct="0">
+              <a:lnSpc>
+                <a:spcPct val="100000"/>
+              </a:lnSpc>
+              <a:spcBef>
+                <a:spcPct val="0"/>
+              </a:spcBef>
+              <a:spcAft>
+                <a:spcPct val="0"/>
+              </a:spcAft>
+              <a:buClrTx/>
+              <a:buSzTx/>
+              <a:buFont typeface="Arial" panose="020B0604020202020204" pitchFamily="34" charset="0"/>
+              <a:buChar char="•"/>
+              <a:tabLst/>
+            </a:pPr>
+            <a:r>
+              <a:rPr lang="en-US" altLang="en-US" sz="3200" dirty="0">
+                <a:latin typeface="Aptos Display" panose="020B0004020202020204" pitchFamily="34" charset="0"/>
+              </a:rPr>
+              <a:t>Can also be used for dimensionality reduction</a:t>
+            </a:r>
+            <a:endParaRPr kumimoji="0" lang="en-US" altLang="en-US" sz="3200" b="0" i="0" u="none" strike="noStrike" cap="none" normalizeH="0" baseline="0" dirty="0">
+              <a:ln>
+                <a:noFill/>
+              </a:ln>
+              <a:solidFill>
+                <a:schemeClr val="tx1"/>
+              </a:solidFill>
+              <a:effectLst/>
+              <a:latin typeface="Aptos Display" panose="020B0004020202020204" pitchFamily="34" charset="0"/>
+            </a:endParaRPr>
           </a:p>
           <a:p>
             <a:pPr marL="342900" marR="0" lvl="0" indent="-342900" algn="l" defTabSz="914400" rtl="0" eaLnBrk="0" fontAlgn="base" latinLnBrk="0" hangingPunct="0">
@@ -20143,7 +20764,7 @@
               <a:rPr lang="en-US" altLang="en-US" sz="3200" dirty="0">
                 <a:latin typeface="Aptos Display" panose="020B0004020202020204" pitchFamily="34" charset="0"/>
               </a:rPr>
-              <a:t>Graphical representation of data 3D -&gt; 2D</a:t>
+              <a:t>Graphical representation of data</a:t>
             </a:r>
             <a:endParaRPr kumimoji="0" lang="en-US" altLang="en-US" sz="3200" b="0" i="0" u="none" strike="noStrike" cap="none" normalizeH="0" baseline="0" dirty="0">
               <a:ln>
@@ -20160,10 +20781,10 @@
       </p:sp>
       <p:pic>
         <p:nvPicPr>
-          <p:cNvPr id="14" name="Picture 13">
+          <p:cNvPr id="3" name="Picture 2">
             <a:extLst>
               <a:ext uri="{FF2B5EF4-FFF2-40B4-BE49-F238E27FC236}">
-                <a16:creationId xmlns:a16="http://schemas.microsoft.com/office/drawing/2014/main" id="{D1F1BFD5-5F98-31FE-485B-73296F22FF58}"/>
+                <a16:creationId xmlns:a16="http://schemas.microsoft.com/office/drawing/2014/main" id="{8125E515-9310-CAC8-ED49-9C30D92EE1B9}"/>
               </a:ext>
             </a:extLst>
           </p:cNvPr>
@@ -20180,8 +20801,8 @@
         </p:blipFill>
         <p:spPr>
           <a:xfrm>
-            <a:off x="3200400" y="3543300"/>
-            <a:ext cx="5410200" cy="5674112"/>
+            <a:off x="9681884" y="4076700"/>
+            <a:ext cx="6667500" cy="4114800"/>
           </a:xfrm>
           <a:prstGeom prst="rect">
             <a:avLst/>
@@ -20190,10 +20811,10 @@
       </p:pic>
       <p:pic>
         <p:nvPicPr>
-          <p:cNvPr id="3" name="Picture 2">
+          <p:cNvPr id="4" name="Picture 3">
             <a:extLst>
               <a:ext uri="{FF2B5EF4-FFF2-40B4-BE49-F238E27FC236}">
-                <a16:creationId xmlns:a16="http://schemas.microsoft.com/office/drawing/2014/main" id="{8125E515-9310-CAC8-ED49-9C30D92EE1B9}"/>
+                <a16:creationId xmlns:a16="http://schemas.microsoft.com/office/drawing/2014/main" id="{EB9A8CF9-2B2F-8112-BF27-FF2A89EA0FEE}"/>
               </a:ext>
             </a:extLst>
           </p:cNvPr>
@@ -20210,7 +20831,7 @@
         </p:blipFill>
         <p:spPr>
           <a:xfrm>
-            <a:off x="9681884" y="4076700"/>
+            <a:off x="2595560" y="4076700"/>
             <a:ext cx="6667500" cy="4114800"/>
           </a:xfrm>
           <a:prstGeom prst="rect">
@@ -20637,7 +21258,7 @@
         <p:spPr bwMode="auto">
           <a:xfrm>
             <a:off x="2590799" y="2705099"/>
-            <a:ext cx="7772401" cy="3539430"/>
+            <a:ext cx="7772401" cy="4031873"/>
           </a:xfrm>
           <a:prstGeom prst="rect">
             <a:avLst/>
@@ -20770,7 +21391,25 @@
               <a:rPr lang="en-US" altLang="en-US" sz="3200" dirty="0">
                 <a:latin typeface="Aptos Display" panose="020B0004020202020204" pitchFamily="34" charset="0"/>
               </a:rPr>
-              <a:t>Discriminant Analysis (DA) has limitations that impede it from </a:t>
+              <a:t>Can handle more features than samples</a:t>
+            </a:r>
+          </a:p>
+          <a:p>
+            <a:pPr marL="800100" lvl="1" indent="-342900" eaLnBrk="0" fontAlgn="base" hangingPunct="0">
+              <a:spcBef>
+                <a:spcPct val="0"/>
+              </a:spcBef>
+              <a:spcAft>
+                <a:spcPct val="0"/>
+              </a:spcAft>
+              <a:buFont typeface="Arial" panose="020B0604020202020204" pitchFamily="34" charset="0"/>
+              <a:buChar char="•"/>
+            </a:pPr>
+            <a:r>
+              <a:rPr lang="en-US" altLang="en-US" sz="3200" dirty="0">
+                <a:latin typeface="Aptos Display" panose="020B0004020202020204" pitchFamily="34" charset="0"/>
+              </a:rPr>
+              <a:t>PCA step reduces feature size to be less than number of samples</a:t>
             </a:r>
             <a:endParaRPr kumimoji="0" lang="en-US" altLang="en-US" sz="3200" b="0" i="0" u="none" strike="noStrike" cap="none" normalizeH="0" baseline="0" dirty="0">
               <a:ln>

--- a/DAPC_Info_523_RPM_BJMM.pptx
+++ b/DAPC_Info_523_RPM_BJMM.pptx
@@ -5,7 +5,7 @@
     <p:sldMasterId id="2147483670" r:id="rId1"/>
   </p:sldMasterIdLst>
   <p:notesMasterIdLst>
-    <p:notesMasterId r:id="rId27"/>
+    <p:notesMasterId r:id="rId23"/>
   </p:notesMasterIdLst>
   <p:sldIdLst>
     <p:sldId id="269" r:id="rId2"/>
@@ -23,16 +23,12 @@
     <p:sldId id="278" r:id="rId14"/>
     <p:sldId id="286" r:id="rId15"/>
     <p:sldId id="279" r:id="rId16"/>
-    <p:sldId id="280" r:id="rId17"/>
-    <p:sldId id="281" r:id="rId18"/>
-    <p:sldId id="287" r:id="rId19"/>
-    <p:sldId id="282" r:id="rId20"/>
-    <p:sldId id="268" r:id="rId21"/>
-    <p:sldId id="295" r:id="rId22"/>
-    <p:sldId id="272" r:id="rId23"/>
-    <p:sldId id="274" r:id="rId24"/>
-    <p:sldId id="275" r:id="rId25"/>
-    <p:sldId id="276" r:id="rId26"/>
+    <p:sldId id="287" r:id="rId17"/>
+    <p:sldId id="282" r:id="rId18"/>
+    <p:sldId id="268" r:id="rId19"/>
+    <p:sldId id="295" r:id="rId20"/>
+    <p:sldId id="280" r:id="rId21"/>
+    <p:sldId id="281" r:id="rId22"/>
   </p:sldIdLst>
   <p:sldSz cx="18288000" cy="10287000"/>
   <p:notesSz cx="18288000" cy="10287000"/>
@@ -151,8 +147,6 @@
             <p14:sldId id="278"/>
             <p14:sldId id="286"/>
             <p14:sldId id="279"/>
-            <p14:sldId id="280"/>
-            <p14:sldId id="281"/>
             <p14:sldId id="287"/>
             <p14:sldId id="282"/>
             <p14:sldId id="268"/>
@@ -161,10 +155,8 @@
         </p14:section>
         <p14:section name="Backup" id="{4639FF53-061F-4BE1-8E85-8F07C64F0914}">
           <p14:sldIdLst>
-            <p14:sldId id="272"/>
-            <p14:sldId id="274"/>
-            <p14:sldId id="275"/>
-            <p14:sldId id="276"/>
+            <p14:sldId id="280"/>
+            <p14:sldId id="281"/>
           </p14:sldIdLst>
         </p14:section>
       </p14:sectionLst>
@@ -269,7 +261,7 @@
           <a:p>
             <a:fld id="{13DA6E8E-4582-E048-9D5F-B5AA4B8014DE}" type="datetimeFigureOut">
               <a:rPr lang="en-US" smtClean="0"/>
-              <a:t>8/11/2024</a:t>
+              <a:t>8/12/2024</a:t>
             </a:fld>
             <a:endParaRPr lang="en-US"/>
           </a:p>
@@ -12486,8 +12478,8 @@
         </p:nvSpPr>
         <p:spPr bwMode="auto">
           <a:xfrm rot="10800000" flipV="1">
-            <a:off x="2362200" y="2324101"/>
-            <a:ext cx="11049000" cy="1200329"/>
+            <a:off x="2362200" y="2171700"/>
+            <a:ext cx="7391400" cy="6093976"/>
           </a:xfrm>
           <a:prstGeom prst="rect">
             <a:avLst/>
@@ -12580,7 +12572,7 @@
               <a:tabLst/>
             </a:pPr>
             <a:r>
-              <a:rPr kumimoji="0" lang="en-US" altLang="en-US" sz="1800" b="0" i="0" u="none" strike="noStrike" cap="none" normalizeH="0" baseline="0" dirty="0">
+              <a:rPr kumimoji="0" lang="en-US" altLang="en-US" sz="2400" b="0" i="0" u="none" strike="noStrike" cap="none" normalizeH="0" baseline="0" dirty="0">
                 <a:ln>
                   <a:noFill/>
                 </a:ln>
@@ -12588,9 +12580,35 @@
                   <a:schemeClr val="tx1"/>
                 </a:solidFill>
                 <a:effectLst/>
-                <a:latin typeface="Arial" panose="020B0604020202020204" pitchFamily="34" charset="0"/>
+                <a:latin typeface="Aptos" panose="020B0004020202020204" pitchFamily="34" charset="0"/>
               </a:rPr>
-              <a:t>Brief overview of a specific case study or dataset (e.g., wine or yeast dataset).</a:t>
+              <a:t>Implemented DAPC on “Penguins” dataset from “</a:t>
+            </a:r>
+            <a:r>
+              <a:rPr kumimoji="0" lang="en-US" altLang="en-US" sz="2400" b="0" i="0" u="none" strike="noStrike" cap="none" normalizeH="0" baseline="0" dirty="0" err="1">
+                <a:ln>
+                  <a:noFill/>
+                </a:ln>
+                <a:solidFill>
+                  <a:schemeClr val="tx1"/>
+                </a:solidFill>
+                <a:effectLst/>
+                <a:latin typeface="Aptos" panose="020B0004020202020204" pitchFamily="34" charset="0"/>
+              </a:rPr>
+              <a:t>palmerpenguins</a:t>
+            </a:r>
+            <a:r>
+              <a:rPr kumimoji="0" lang="en-US" altLang="en-US" sz="2400" b="0" i="0" u="none" strike="noStrike" cap="none" normalizeH="0" baseline="0" dirty="0">
+                <a:ln>
+                  <a:noFill/>
+                </a:ln>
+                <a:solidFill>
+                  <a:schemeClr val="tx1"/>
+                </a:solidFill>
+                <a:effectLst/>
+                <a:latin typeface="Aptos" panose="020B0004020202020204" pitchFamily="34" charset="0"/>
+              </a:rPr>
+              <a:t>”</a:t>
             </a:r>
           </a:p>
           <a:p>
@@ -12611,7 +12629,7 @@
               <a:tabLst/>
             </a:pPr>
             <a:r>
-              <a:rPr kumimoji="0" lang="en-US" altLang="en-US" sz="1800" b="0" i="0" u="none" strike="noStrike" cap="none" normalizeH="0" baseline="0" dirty="0">
+              <a:rPr kumimoji="0" lang="en-US" altLang="en-US" sz="2400" b="0" i="0" u="none" strike="noStrike" cap="none" normalizeH="0" baseline="0" dirty="0">
                 <a:ln>
                   <a:noFill/>
                 </a:ln>
@@ -12619,9 +12637,9 @@
                   <a:schemeClr val="tx1"/>
                 </a:solidFill>
                 <a:effectLst/>
-                <a:latin typeface="Arial" panose="020B0604020202020204" pitchFamily="34" charset="0"/>
+                <a:latin typeface="Aptos" panose="020B0004020202020204" pitchFamily="34" charset="0"/>
               </a:rPr>
-              <a:t>Summary of how DAPC was applied and the results.</a:t>
+              <a:t>DA Function 1-axis is discriminant function with the largest variance, which means it is the most useful for categorizing the data</a:t>
             </a:r>
           </a:p>
           <a:p>
@@ -12642,31 +12660,115 @@
               <a:tabLst/>
             </a:pPr>
             <a:r>
-              <a:rPr kumimoji="0" lang="en-US" altLang="en-US" sz="1800" b="0" i="0" u="none" strike="noStrike" cap="none" normalizeH="0" baseline="0" dirty="0">
-                <a:ln>
-                  <a:noFill/>
-                </a:ln>
-                <a:solidFill>
-                  <a:schemeClr val="tx1"/>
-                </a:solidFill>
-                <a:effectLst/>
-                <a:latin typeface="Arial" panose="020B0604020202020204" pitchFamily="34" charset="0"/>
+              <a:rPr lang="en-US" altLang="en-US" sz="2400" dirty="0">
+                <a:latin typeface="Aptos" panose="020B0004020202020204" pitchFamily="34" charset="0"/>
               </a:rPr>
-              <a:t>Visual: Charts or graphs from the case study. </a:t>
+              <a:t>DA Function 2-axis is the second-most useful DA function for categorizing</a:t>
             </a:r>
+          </a:p>
+          <a:p>
+            <a:pPr marL="0" marR="0" lvl="0" indent="0" algn="l" defTabSz="914400" rtl="0" eaLnBrk="0" fontAlgn="base" latinLnBrk="0" hangingPunct="0">
+              <a:lnSpc>
+                <a:spcPct val="100000"/>
+              </a:lnSpc>
+              <a:spcBef>
+                <a:spcPct val="0"/>
+              </a:spcBef>
+              <a:spcAft>
+                <a:spcPct val="0"/>
+              </a:spcAft>
+              <a:buClrTx/>
+              <a:buSzTx/>
+              <a:buFontTx/>
+              <a:buChar char="•"/>
+              <a:tabLst/>
+            </a:pPr>
+            <a:endParaRPr kumimoji="0" lang="en-US" altLang="en-US" sz="2400" b="0" i="0" u="none" strike="noStrike" cap="none" normalizeH="0" baseline="0" dirty="0">
+              <a:ln>
+                <a:noFill/>
+              </a:ln>
+              <a:solidFill>
+                <a:schemeClr val="tx1"/>
+              </a:solidFill>
+              <a:effectLst/>
+              <a:latin typeface="Aptos" panose="020B0004020202020204" pitchFamily="34" charset="0"/>
+            </a:endParaRPr>
+          </a:p>
+          <a:p>
+            <a:pPr marL="0" marR="0" lvl="0" indent="0" algn="l" defTabSz="914400" rtl="0" eaLnBrk="0" fontAlgn="base" latinLnBrk="0" hangingPunct="0">
+              <a:lnSpc>
+                <a:spcPct val="100000"/>
+              </a:lnSpc>
+              <a:spcBef>
+                <a:spcPct val="0"/>
+              </a:spcBef>
+              <a:spcAft>
+                <a:spcPct val="0"/>
+              </a:spcAft>
+              <a:buClrTx/>
+              <a:buSzTx/>
+              <a:buFontTx/>
+              <a:buChar char="•"/>
+              <a:tabLst/>
+            </a:pPr>
             <a:r>
-              <a:rPr kumimoji="0" lang="en-US" altLang="en-US" sz="1800" b="0" i="0" u="none" strike="noStrike" cap="none" normalizeH="0" baseline="0">
-                <a:ln>
-                  <a:noFill/>
-                </a:ln>
-                <a:solidFill>
-                  <a:schemeClr val="tx1"/>
-                </a:solidFill>
-                <a:effectLst/>
-                <a:latin typeface="Arial" panose="020B0604020202020204" pitchFamily="34" charset="0"/>
+              <a:rPr lang="en-US" altLang="en-US" sz="2400" dirty="0">
+                <a:latin typeface="Aptos" panose="020B0004020202020204" pitchFamily="34" charset="0"/>
               </a:rPr>
-              <a:t>Penguins?</a:t>
+              <a:t>When analyzing the results, it is desirable to see clusters distinctly separated from each other with little or no overlap. This demonstrates that the analysis is effective for categorizing the data. </a:t>
             </a:r>
+          </a:p>
+          <a:p>
+            <a:pPr marL="0" marR="0" lvl="0" indent="0" algn="l" defTabSz="914400" rtl="0" eaLnBrk="0" fontAlgn="base" latinLnBrk="0" hangingPunct="0">
+              <a:lnSpc>
+                <a:spcPct val="100000"/>
+              </a:lnSpc>
+              <a:spcBef>
+                <a:spcPct val="0"/>
+              </a:spcBef>
+              <a:spcAft>
+                <a:spcPct val="0"/>
+              </a:spcAft>
+              <a:buClrTx/>
+              <a:buSzTx/>
+              <a:buFontTx/>
+              <a:buChar char="•"/>
+              <a:tabLst/>
+            </a:pPr>
+            <a:r>
+              <a:rPr lang="en-US" altLang="en-US" sz="2400" dirty="0">
+                <a:latin typeface="Aptos" panose="020B0004020202020204" pitchFamily="34" charset="0"/>
+              </a:rPr>
+              <a:t>In this case, it successfully groups the three penguin species with almost no overlap. </a:t>
+            </a:r>
+            <a:endParaRPr kumimoji="0" lang="en-US" altLang="en-US" sz="2400" b="0" i="0" u="none" strike="noStrike" cap="none" normalizeH="0" baseline="0" dirty="0">
+              <a:ln>
+                <a:noFill/>
+              </a:ln>
+              <a:solidFill>
+                <a:schemeClr val="tx1"/>
+              </a:solidFill>
+              <a:effectLst/>
+              <a:latin typeface="Aptos" panose="020B0004020202020204" pitchFamily="34" charset="0"/>
+            </a:endParaRPr>
+          </a:p>
+          <a:p>
+            <a:pPr marL="0" marR="0" lvl="0" indent="0" algn="l" defTabSz="914400" rtl="0" eaLnBrk="0" fontAlgn="base" latinLnBrk="0" hangingPunct="0">
+              <a:lnSpc>
+                <a:spcPct val="100000"/>
+              </a:lnSpc>
+              <a:spcBef>
+                <a:spcPct val="0"/>
+              </a:spcBef>
+              <a:spcAft>
+                <a:spcPct val="0"/>
+              </a:spcAft>
+              <a:buClrTx/>
+              <a:buSzTx/>
+              <a:buFontTx/>
+              <a:buChar char="•"/>
+              <a:tabLst/>
+            </a:pPr>
             <a:endParaRPr kumimoji="0" lang="en-US" altLang="en-US" sz="1800" b="0" i="0" u="none" strike="noStrike" cap="none" normalizeH="0" baseline="0" dirty="0">
               <a:ln>
                 <a:noFill/>
@@ -12678,8 +12780,72 @@
               <a:latin typeface="Arial" panose="020B0604020202020204" pitchFamily="34" charset="0"/>
             </a:endParaRPr>
           </a:p>
+          <a:p>
+            <a:pPr marL="0" marR="0" lvl="0" indent="0" algn="l" defTabSz="914400" rtl="0" eaLnBrk="0" fontAlgn="base" latinLnBrk="0" hangingPunct="0">
+              <a:lnSpc>
+                <a:spcPct val="100000"/>
+              </a:lnSpc>
+              <a:spcBef>
+                <a:spcPct val="0"/>
+              </a:spcBef>
+              <a:spcAft>
+                <a:spcPct val="0"/>
+              </a:spcAft>
+              <a:buClrTx/>
+              <a:buSzTx/>
+              <a:buFontTx/>
+              <a:buChar char="•"/>
+              <a:tabLst/>
+            </a:pPr>
+            <a:endParaRPr kumimoji="0" lang="en-US" altLang="en-US" sz="1800" b="0" i="0" u="none" strike="noStrike" cap="none" normalizeH="0" baseline="0" dirty="0">
+              <a:ln>
+                <a:noFill/>
+              </a:ln>
+              <a:solidFill>
+                <a:schemeClr val="tx1"/>
+              </a:solidFill>
+              <a:effectLst/>
+              <a:latin typeface="Arial" panose="020B0604020202020204" pitchFamily="34" charset="0"/>
+            </a:endParaRPr>
+          </a:p>
         </p:txBody>
       </p:sp>
+      <p:pic>
+        <p:nvPicPr>
+          <p:cNvPr id="5" name="Picture 4">
+            <a:extLst>
+              <a:ext uri="{FF2B5EF4-FFF2-40B4-BE49-F238E27FC236}">
+                <a16:creationId xmlns:a16="http://schemas.microsoft.com/office/drawing/2014/main" id="{42B74548-4C5F-C8AB-2870-E38EF457819E}"/>
+              </a:ext>
+            </a:extLst>
+          </p:cNvPr>
+          <p:cNvPicPr>
+            <a:picLocks noChangeAspect="1"/>
+          </p:cNvPicPr>
+          <p:nvPr/>
+        </p:nvPicPr>
+        <p:blipFill>
+          <a:blip r:embed="rId2">
+            <a:extLst>
+              <a:ext uri="{28A0092B-C50C-407E-A947-70E740481C1C}">
+                <a14:useLocalDpi xmlns:a14="http://schemas.microsoft.com/office/drawing/2010/main" val="0"/>
+              </a:ext>
+            </a:extLst>
+          </a:blip>
+          <a:stretch>
+            <a:fillRect/>
+          </a:stretch>
+        </p:blipFill>
+        <p:spPr>
+          <a:xfrm>
+            <a:off x="9753600" y="1275395"/>
+            <a:ext cx="8135485" cy="6839905"/>
+          </a:xfrm>
+          <a:prstGeom prst="rect">
+            <a:avLst/>
+          </a:prstGeom>
+        </p:spPr>
+      </p:pic>
     </p:spTree>
     <p:extLst>
       <p:ext uri="{BB962C8B-B14F-4D97-AF65-F5344CB8AC3E}">
@@ -12694,2284 +12860,6 @@
 </file>
 
 <file path=ppt/slides/slide16.xml><?xml version="1.0" encoding="utf-8"?>
-<p:sld xmlns:a="http://schemas.openxmlformats.org/drawingml/2006/main" xmlns:r="http://schemas.openxmlformats.org/officeDocument/2006/relationships" xmlns:p="http://schemas.openxmlformats.org/presentationml/2006/main">
-  <p:cSld>
-    <p:spTree>
-      <p:nvGrpSpPr>
-        <p:cNvPr id="1" name=""/>
-        <p:cNvGrpSpPr/>
-        <p:nvPr/>
-      </p:nvGrpSpPr>
-      <p:grpSpPr>
-        <a:xfrm>
-          <a:off x="0" y="0"/>
-          <a:ext cx="0" cy="0"/>
-          <a:chOff x="0" y="0"/>
-          <a:chExt cx="0" cy="0"/>
-        </a:xfrm>
-      </p:grpSpPr>
-      <p:sp>
-        <p:nvSpPr>
-          <p:cNvPr id="2" name="object 2"/>
-          <p:cNvSpPr txBox="1">
-            <a:spLocks noGrp="1"/>
-          </p:cNvSpPr>
-          <p:nvPr>
-            <p:ph type="title" idx="4294967295"/>
-          </p:nvPr>
-        </p:nvSpPr>
-        <p:spPr>
-          <a:xfrm>
-            <a:off x="2362200" y="1028700"/>
-            <a:ext cx="10352088" cy="936625"/>
-          </a:xfrm>
-          <a:prstGeom prst="rect">
-            <a:avLst/>
-          </a:prstGeom>
-        </p:spPr>
-        <p:txBody>
-          <a:bodyPr vert="horz" wrap="square" lIns="0" tIns="12700" rIns="0" bIns="0" rtlCol="0">
-            <a:noAutofit/>
-          </a:bodyPr>
-          <a:lstStyle/>
-          <a:p>
-            <a:pPr marL="12700">
-              <a:lnSpc>
-                <a:spcPct val="100000"/>
-              </a:lnSpc>
-              <a:spcBef>
-                <a:spcPts val="100"/>
-              </a:spcBef>
-            </a:pPr>
-            <a:r>
-              <a:rPr lang="en-US" sz="6000" dirty="0"/>
-              <a:t>Advantages of DAPC</a:t>
-            </a:r>
-            <a:endParaRPr sz="6000" b="0" dirty="0">
-              <a:solidFill>
-                <a:srgbClr val="0C234B"/>
-              </a:solidFill>
-              <a:latin typeface="Times New Roman" panose="02020603050405020304" pitchFamily="18" charset="0"/>
-              <a:cs typeface="Times New Roman" panose="02020603050405020304" pitchFamily="18" charset="0"/>
-            </a:endParaRPr>
-          </a:p>
-        </p:txBody>
-      </p:sp>
-      <p:sp>
-        <p:nvSpPr>
-          <p:cNvPr id="3" name="Rectangle 1">
-            <a:extLst>
-              <a:ext uri="{FF2B5EF4-FFF2-40B4-BE49-F238E27FC236}">
-                <a16:creationId xmlns:a16="http://schemas.microsoft.com/office/drawing/2014/main" id="{29133AF8-330C-0AA1-AF87-FD8CE34F8ED1}"/>
-              </a:ext>
-            </a:extLst>
-          </p:cNvPr>
-          <p:cNvSpPr>
-            <a:spLocks noChangeArrowheads="1"/>
-          </p:cNvSpPr>
-          <p:nvPr/>
-        </p:nvSpPr>
-        <p:spPr bwMode="auto">
-          <a:xfrm>
-            <a:off x="2242344" y="2109401"/>
-            <a:ext cx="10591800" cy="1754326"/>
-          </a:xfrm>
-          <a:prstGeom prst="rect">
-            <a:avLst/>
-          </a:prstGeom>
-          <a:noFill/>
-          <a:ln>
-            <a:noFill/>
-          </a:ln>
-          <a:effectLst/>
-          <a:extLst>
-            <a:ext uri="{909E8E84-426E-40DD-AFC4-6F175D3DCCD1}">
-              <a14:hiddenFill xmlns:a14="http://schemas.microsoft.com/office/drawing/2010/main">
-                <a:solidFill>
-                  <a:schemeClr val="accent1"/>
-                </a:solidFill>
-              </a14:hiddenFill>
-            </a:ext>
-            <a:ext uri="{91240B29-F687-4F45-9708-019B960494DF}">
-              <a14:hiddenLine xmlns:a14="http://schemas.microsoft.com/office/drawing/2010/main" w="9525">
-                <a:solidFill>
-                  <a:schemeClr val="tx1"/>
-                </a:solidFill>
-                <a:miter lim="800000"/>
-                <a:headEnd/>
-                <a:tailEnd/>
-              </a14:hiddenLine>
-            </a:ext>
-            <a:ext uri="{AF507438-7753-43E0-B8FC-AC1667EBCBE1}">
-              <a14:hiddenEffects xmlns:a14="http://schemas.microsoft.com/office/drawing/2010/main">
-                <a:effectLst>
-                  <a:outerShdw dist="35921" dir="2700000" algn="ctr" rotWithShape="0">
-                    <a:schemeClr val="bg2"/>
-                  </a:outerShdw>
-                </a:effectLst>
-              </a14:hiddenEffects>
-            </a:ext>
-          </a:extLst>
-        </p:spPr>
-        <p:txBody>
-          <a:bodyPr vert="horz" wrap="square" lIns="91440" tIns="45720" rIns="91440" bIns="45720" numCol="1" anchor="ctr" anchorCtr="0" compatLnSpc="1">
-            <a:prstTxWarp prst="textNoShape">
-              <a:avLst/>
-            </a:prstTxWarp>
-            <a:spAutoFit/>
-          </a:bodyPr>
-          <a:lstStyle/>
-          <a:p>
-            <a:pPr marL="0" marR="0" lvl="0" indent="0" algn="l" defTabSz="914400" rtl="0" eaLnBrk="0" fontAlgn="base" latinLnBrk="0" hangingPunct="0">
-              <a:lnSpc>
-                <a:spcPct val="100000"/>
-              </a:lnSpc>
-              <a:spcBef>
-                <a:spcPct val="0"/>
-              </a:spcBef>
-              <a:spcAft>
-                <a:spcPct val="0"/>
-              </a:spcAft>
-              <a:buClrTx/>
-              <a:buSzTx/>
-              <a:buFontTx/>
-              <a:buNone/>
-              <a:tabLst/>
-            </a:pPr>
-            <a:endParaRPr kumimoji="0" lang="en-US" altLang="en-US" sz="1800" b="0" i="0" u="none" strike="noStrike" cap="none" normalizeH="0" baseline="0" dirty="0">
-              <a:ln>
-                <a:noFill/>
-              </a:ln>
-              <a:solidFill>
-                <a:schemeClr val="tx1"/>
-              </a:solidFill>
-              <a:effectLst/>
-              <a:latin typeface="Arial" panose="020B0604020202020204" pitchFamily="34" charset="0"/>
-            </a:endParaRPr>
-          </a:p>
-          <a:p>
-            <a:pPr marL="0" marR="0" lvl="0" indent="0" algn="l" defTabSz="914400" rtl="0" eaLnBrk="0" fontAlgn="base" latinLnBrk="0" hangingPunct="0">
-              <a:lnSpc>
-                <a:spcPct val="100000"/>
-              </a:lnSpc>
-              <a:spcBef>
-                <a:spcPct val="0"/>
-              </a:spcBef>
-              <a:spcAft>
-                <a:spcPct val="0"/>
-              </a:spcAft>
-              <a:buClrTx/>
-              <a:buSzTx/>
-              <a:buFontTx/>
-              <a:buChar char="•"/>
-              <a:tabLst/>
-            </a:pPr>
-            <a:r>
-              <a:rPr kumimoji="0" lang="en-US" altLang="en-US" sz="1800" b="0" i="0" u="none" strike="noStrike" cap="none" normalizeH="0" baseline="0" dirty="0">
-                <a:ln>
-                  <a:noFill/>
-                </a:ln>
-                <a:solidFill>
-                  <a:schemeClr val="tx1"/>
-                </a:solidFill>
-                <a:effectLst/>
-                <a:latin typeface="Arial" panose="020B0604020202020204" pitchFamily="34" charset="0"/>
-              </a:rPr>
-              <a:t>Improved classification accuracy.</a:t>
-            </a:r>
-          </a:p>
-          <a:p>
-            <a:pPr marL="0" marR="0" lvl="0" indent="0" algn="l" defTabSz="914400" rtl="0" eaLnBrk="0" fontAlgn="base" latinLnBrk="0" hangingPunct="0">
-              <a:lnSpc>
-                <a:spcPct val="100000"/>
-              </a:lnSpc>
-              <a:spcBef>
-                <a:spcPct val="0"/>
-              </a:spcBef>
-              <a:spcAft>
-                <a:spcPct val="0"/>
-              </a:spcAft>
-              <a:buClrTx/>
-              <a:buSzTx/>
-              <a:buFontTx/>
-              <a:buChar char="•"/>
-              <a:tabLst/>
-            </a:pPr>
-            <a:r>
-              <a:rPr kumimoji="0" lang="en-US" altLang="en-US" sz="1800" b="0" i="0" u="none" strike="noStrike" cap="none" normalizeH="0" baseline="0" dirty="0">
-                <a:ln>
-                  <a:noFill/>
-                </a:ln>
-                <a:solidFill>
-                  <a:schemeClr val="tx1"/>
-                </a:solidFill>
-                <a:effectLst/>
-                <a:latin typeface="Arial" panose="020B0604020202020204" pitchFamily="34" charset="0"/>
-              </a:rPr>
-              <a:t>Effective handling of high-dimensional data.</a:t>
-            </a:r>
-          </a:p>
-          <a:p>
-            <a:pPr marL="0" marR="0" lvl="0" indent="0" algn="l" defTabSz="914400" rtl="0" eaLnBrk="0" fontAlgn="base" latinLnBrk="0" hangingPunct="0">
-              <a:lnSpc>
-                <a:spcPct val="100000"/>
-              </a:lnSpc>
-              <a:spcBef>
-                <a:spcPct val="0"/>
-              </a:spcBef>
-              <a:spcAft>
-                <a:spcPct val="0"/>
-              </a:spcAft>
-              <a:buClrTx/>
-              <a:buSzTx/>
-              <a:buFontTx/>
-              <a:buChar char="•"/>
-              <a:tabLst/>
-            </a:pPr>
-            <a:r>
-              <a:rPr kumimoji="0" lang="en-US" altLang="en-US" sz="1800" b="0" i="0" u="none" strike="noStrike" cap="none" normalizeH="0" baseline="0" dirty="0">
-                <a:ln>
-                  <a:noFill/>
-                </a:ln>
-                <a:solidFill>
-                  <a:schemeClr val="tx1"/>
-                </a:solidFill>
-                <a:effectLst/>
-                <a:latin typeface="Arial" panose="020B0604020202020204" pitchFamily="34" charset="0"/>
-              </a:rPr>
-              <a:t>Enhanced interpretability of results.</a:t>
-            </a:r>
-          </a:p>
-          <a:p>
-            <a:pPr marL="0" marR="0" lvl="0" indent="0" algn="l" defTabSz="914400" rtl="0" eaLnBrk="0" fontAlgn="base" latinLnBrk="0" hangingPunct="0">
-              <a:lnSpc>
-                <a:spcPct val="100000"/>
-              </a:lnSpc>
-              <a:spcBef>
-                <a:spcPct val="0"/>
-              </a:spcBef>
-              <a:spcAft>
-                <a:spcPct val="0"/>
-              </a:spcAft>
-              <a:buClrTx/>
-              <a:buSzTx/>
-              <a:buFontTx/>
-              <a:buChar char="•"/>
-              <a:tabLst/>
-            </a:pPr>
-            <a:r>
-              <a:rPr kumimoji="0" lang="en-US" altLang="en-US" sz="1800" b="0" i="0" u="none" strike="noStrike" cap="none" normalizeH="0" baseline="0" dirty="0">
-                <a:ln>
-                  <a:noFill/>
-                </a:ln>
-                <a:solidFill>
-                  <a:schemeClr val="tx1"/>
-                </a:solidFill>
-                <a:effectLst/>
-                <a:latin typeface="Arial" panose="020B0604020202020204" pitchFamily="34" charset="0"/>
-              </a:rPr>
-              <a:t>Visual: Bullet points or a table summarizing advantages.</a:t>
-            </a:r>
-          </a:p>
-          <a:p>
-            <a:pPr marL="0" marR="0" lvl="0" indent="0" algn="l" defTabSz="914400" rtl="0" eaLnBrk="0" fontAlgn="base" latinLnBrk="0" hangingPunct="0">
-              <a:lnSpc>
-                <a:spcPct val="100000"/>
-              </a:lnSpc>
-              <a:spcBef>
-                <a:spcPct val="0"/>
-              </a:spcBef>
-              <a:spcAft>
-                <a:spcPct val="0"/>
-              </a:spcAft>
-              <a:buClrTx/>
-              <a:buSzTx/>
-              <a:buFontTx/>
-              <a:buChar char="•"/>
-              <a:tabLst/>
-            </a:pPr>
-            <a:r>
-              <a:rPr kumimoji="0" lang="en-US" altLang="en-US" sz="1800" b="0" i="0" u="none" strike="noStrike" cap="none" normalizeH="0" baseline="0" dirty="0">
-                <a:ln>
-                  <a:noFill/>
-                </a:ln>
-                <a:solidFill>
-                  <a:schemeClr val="tx1"/>
-                </a:solidFill>
-                <a:effectLst/>
-                <a:latin typeface="Arial" panose="020B0604020202020204" pitchFamily="34" charset="0"/>
-              </a:rPr>
-              <a:t> </a:t>
-            </a:r>
-          </a:p>
-        </p:txBody>
-      </p:sp>
-      <p:sp>
-        <p:nvSpPr>
-          <p:cNvPr id="4" name="Rectangle 2">
-            <a:extLst>
-              <a:ext uri="{FF2B5EF4-FFF2-40B4-BE49-F238E27FC236}">
-                <a16:creationId xmlns:a16="http://schemas.microsoft.com/office/drawing/2014/main" id="{509AF5BE-DA18-072B-ECE6-DF52B284E2FF}"/>
-              </a:ext>
-            </a:extLst>
-          </p:cNvPr>
-          <p:cNvSpPr>
-            <a:spLocks noChangeArrowheads="1"/>
-          </p:cNvSpPr>
-          <p:nvPr/>
-        </p:nvSpPr>
-        <p:spPr bwMode="auto">
-          <a:xfrm>
-            <a:off x="2819400" y="3843556"/>
-            <a:ext cx="10210800" cy="3647152"/>
-          </a:xfrm>
-          <a:prstGeom prst="rect">
-            <a:avLst/>
-          </a:prstGeom>
-          <a:noFill/>
-          <a:ln>
-            <a:noFill/>
-          </a:ln>
-          <a:effectLst/>
-          <a:extLst>
-            <a:ext uri="{909E8E84-426E-40DD-AFC4-6F175D3DCCD1}">
-              <a14:hiddenFill xmlns:a14="http://schemas.microsoft.com/office/drawing/2010/main">
-                <a:solidFill>
-                  <a:schemeClr val="accent1"/>
-                </a:solidFill>
-              </a14:hiddenFill>
-            </a:ext>
-            <a:ext uri="{91240B29-F687-4F45-9708-019B960494DF}">
-              <a14:hiddenLine xmlns:a14="http://schemas.microsoft.com/office/drawing/2010/main" w="9525">
-                <a:solidFill>
-                  <a:schemeClr val="tx1"/>
-                </a:solidFill>
-                <a:miter lim="800000"/>
-                <a:headEnd/>
-                <a:tailEnd/>
-              </a14:hiddenLine>
-            </a:ext>
-            <a:ext uri="{AF507438-7753-43E0-B8FC-AC1667EBCBE1}">
-              <a14:hiddenEffects xmlns:a14="http://schemas.microsoft.com/office/drawing/2010/main">
-                <a:effectLst>
-                  <a:outerShdw dist="35921" dir="2700000" algn="ctr" rotWithShape="0">
-                    <a:schemeClr val="bg2"/>
-                  </a:outerShdw>
-                </a:effectLst>
-              </a14:hiddenEffects>
-            </a:ext>
-          </a:extLst>
-        </p:spPr>
-        <p:txBody>
-          <a:bodyPr vert="horz" wrap="square" lIns="91440" tIns="45720" rIns="91440" bIns="45720" numCol="1" anchor="ctr" anchorCtr="0" compatLnSpc="1">
-            <a:prstTxWarp prst="textNoShape">
-              <a:avLst/>
-            </a:prstTxWarp>
-            <a:spAutoFit/>
-          </a:bodyPr>
-          <a:lstStyle/>
-          <a:p>
-            <a:pPr marL="0" marR="0" lvl="0" indent="0" algn="l" defTabSz="914400" rtl="0" eaLnBrk="0" fontAlgn="base" latinLnBrk="0" hangingPunct="0">
-              <a:lnSpc>
-                <a:spcPct val="100000"/>
-              </a:lnSpc>
-              <a:spcBef>
-                <a:spcPct val="0"/>
-              </a:spcBef>
-              <a:spcAft>
-                <a:spcPct val="0"/>
-              </a:spcAft>
-              <a:buClrTx/>
-              <a:buSzTx/>
-              <a:buFontTx/>
-              <a:buChar char="•"/>
-              <a:tabLst/>
-            </a:pPr>
-            <a:r>
-              <a:rPr kumimoji="0" lang="en-US" altLang="en-US" sz="1100" b="1" i="0" u="none" strike="noStrike" cap="none" normalizeH="0" baseline="0" dirty="0">
-                <a:ln>
-                  <a:noFill/>
-                </a:ln>
-                <a:solidFill>
-                  <a:schemeClr val="tx1"/>
-                </a:solidFill>
-                <a:effectLst/>
-                <a:latin typeface="Arial" panose="020B0604020202020204" pitchFamily="34" charset="0"/>
-              </a:rPr>
-              <a:t>Enhanced Classification Accuracy</a:t>
-            </a:r>
-            <a:r>
-              <a:rPr kumimoji="0" lang="en-US" altLang="en-US" sz="1100" b="0" i="0" u="none" strike="noStrike" cap="none" normalizeH="0" baseline="0" dirty="0">
-                <a:ln>
-                  <a:noFill/>
-                </a:ln>
-                <a:solidFill>
-                  <a:schemeClr val="tx1"/>
-                </a:solidFill>
-                <a:effectLst/>
-                <a:latin typeface="Arial" panose="020B0604020202020204" pitchFamily="34" charset="0"/>
-              </a:rPr>
-              <a:t>:</a:t>
-            </a:r>
-          </a:p>
-          <a:p>
-            <a:pPr marL="0" marR="0" lvl="0" indent="0" algn="l" defTabSz="914400" rtl="0" eaLnBrk="0" fontAlgn="base" latinLnBrk="0" hangingPunct="0">
-              <a:lnSpc>
-                <a:spcPct val="100000"/>
-              </a:lnSpc>
-              <a:spcBef>
-                <a:spcPct val="0"/>
-              </a:spcBef>
-              <a:spcAft>
-                <a:spcPct val="0"/>
-              </a:spcAft>
-              <a:buClrTx/>
-              <a:buSzTx/>
-              <a:buFontTx/>
-              <a:buChar char="•"/>
-              <a:tabLst/>
-            </a:pPr>
-            <a:r>
-              <a:rPr kumimoji="0" lang="en-US" altLang="en-US" sz="1100" b="0" i="0" u="none" strike="noStrike" cap="none" normalizeH="0" baseline="0" dirty="0">
-                <a:ln>
-                  <a:noFill/>
-                </a:ln>
-                <a:solidFill>
-                  <a:schemeClr val="tx1"/>
-                </a:solidFill>
-                <a:effectLst/>
-                <a:latin typeface="Arial" panose="020B0604020202020204" pitchFamily="34" charset="0"/>
-              </a:rPr>
-              <a:t>DAPC combines PCA and DA, often resulting in more accurate classification by leveraging reduced-dimensionality data that emphasizes key features.</a:t>
-            </a:r>
-          </a:p>
-          <a:p>
-            <a:pPr marL="0" marR="0" lvl="0" indent="0" algn="l" defTabSz="914400" rtl="0" eaLnBrk="0" fontAlgn="base" latinLnBrk="0" hangingPunct="0">
-              <a:lnSpc>
-                <a:spcPct val="100000"/>
-              </a:lnSpc>
-              <a:spcBef>
-                <a:spcPct val="0"/>
-              </a:spcBef>
-              <a:spcAft>
-                <a:spcPct val="0"/>
-              </a:spcAft>
-              <a:buClrTx/>
-              <a:buSzTx/>
-              <a:buFontTx/>
-              <a:buChar char="•"/>
-              <a:tabLst/>
-            </a:pPr>
-            <a:r>
-              <a:rPr kumimoji="0" lang="en-US" altLang="en-US" sz="1100" b="1" i="0" u="none" strike="noStrike" cap="none" normalizeH="0" baseline="0" dirty="0">
-                <a:ln>
-                  <a:noFill/>
-                </a:ln>
-                <a:solidFill>
-                  <a:schemeClr val="tx1"/>
-                </a:solidFill>
-                <a:effectLst/>
-                <a:latin typeface="Arial" panose="020B0604020202020204" pitchFamily="34" charset="0"/>
-              </a:rPr>
-              <a:t>Dimensionality Reduction</a:t>
-            </a:r>
-            <a:r>
-              <a:rPr kumimoji="0" lang="en-US" altLang="en-US" sz="1100" b="0" i="0" u="none" strike="noStrike" cap="none" normalizeH="0" baseline="0" dirty="0">
-                <a:ln>
-                  <a:noFill/>
-                </a:ln>
-                <a:solidFill>
-                  <a:schemeClr val="tx1"/>
-                </a:solidFill>
-                <a:effectLst/>
-                <a:latin typeface="Arial" panose="020B0604020202020204" pitchFamily="34" charset="0"/>
-              </a:rPr>
-              <a:t>:</a:t>
-            </a:r>
-          </a:p>
-          <a:p>
-            <a:pPr marL="0" marR="0" lvl="0" indent="0" algn="l" defTabSz="914400" rtl="0" eaLnBrk="0" fontAlgn="base" latinLnBrk="0" hangingPunct="0">
-              <a:lnSpc>
-                <a:spcPct val="100000"/>
-              </a:lnSpc>
-              <a:spcBef>
-                <a:spcPct val="0"/>
-              </a:spcBef>
-              <a:spcAft>
-                <a:spcPct val="0"/>
-              </a:spcAft>
-              <a:buClrTx/>
-              <a:buSzTx/>
-              <a:buFontTx/>
-              <a:buChar char="•"/>
-              <a:tabLst/>
-            </a:pPr>
-            <a:r>
-              <a:rPr kumimoji="0" lang="en-US" altLang="en-US" sz="1100" b="0" i="0" u="none" strike="noStrike" cap="none" normalizeH="0" baseline="0" dirty="0">
-                <a:ln>
-                  <a:noFill/>
-                </a:ln>
-                <a:solidFill>
-                  <a:schemeClr val="tx1"/>
-                </a:solidFill>
-                <a:effectLst/>
-                <a:latin typeface="Arial" panose="020B0604020202020204" pitchFamily="34" charset="0"/>
-              </a:rPr>
-              <a:t>PCA reduces the number of features, simplifying the data while retaining most of the variability, which helps in dealing with high-dimensional datasets.</a:t>
-            </a:r>
-          </a:p>
-          <a:p>
-            <a:pPr marL="0" marR="0" lvl="0" indent="0" algn="l" defTabSz="914400" rtl="0" eaLnBrk="0" fontAlgn="base" latinLnBrk="0" hangingPunct="0">
-              <a:lnSpc>
-                <a:spcPct val="100000"/>
-              </a:lnSpc>
-              <a:spcBef>
-                <a:spcPct val="0"/>
-              </a:spcBef>
-              <a:spcAft>
-                <a:spcPct val="0"/>
-              </a:spcAft>
-              <a:buClrTx/>
-              <a:buSzTx/>
-              <a:buFontTx/>
-              <a:buChar char="•"/>
-              <a:tabLst/>
-            </a:pPr>
-            <a:r>
-              <a:rPr kumimoji="0" lang="en-US" altLang="en-US" sz="1100" b="1" i="0" u="none" strike="noStrike" cap="none" normalizeH="0" baseline="0" dirty="0">
-                <a:ln>
-                  <a:noFill/>
-                </a:ln>
-                <a:solidFill>
-                  <a:schemeClr val="tx1"/>
-                </a:solidFill>
-                <a:effectLst/>
-                <a:latin typeface="Arial" panose="020B0604020202020204" pitchFamily="34" charset="0"/>
-              </a:rPr>
-              <a:t>Improved Computational Efficiency</a:t>
-            </a:r>
-            <a:r>
-              <a:rPr kumimoji="0" lang="en-US" altLang="en-US" sz="1100" b="0" i="0" u="none" strike="noStrike" cap="none" normalizeH="0" baseline="0" dirty="0">
-                <a:ln>
-                  <a:noFill/>
-                </a:ln>
-                <a:solidFill>
-                  <a:schemeClr val="tx1"/>
-                </a:solidFill>
-                <a:effectLst/>
-                <a:latin typeface="Arial" panose="020B0604020202020204" pitchFamily="34" charset="0"/>
-              </a:rPr>
-              <a:t>:</a:t>
-            </a:r>
-          </a:p>
-          <a:p>
-            <a:pPr marL="0" marR="0" lvl="0" indent="0" algn="l" defTabSz="914400" rtl="0" eaLnBrk="0" fontAlgn="base" latinLnBrk="0" hangingPunct="0">
-              <a:lnSpc>
-                <a:spcPct val="100000"/>
-              </a:lnSpc>
-              <a:spcBef>
-                <a:spcPct val="0"/>
-              </a:spcBef>
-              <a:spcAft>
-                <a:spcPct val="0"/>
-              </a:spcAft>
-              <a:buClrTx/>
-              <a:buSzTx/>
-              <a:buFontTx/>
-              <a:buChar char="•"/>
-              <a:tabLst/>
-            </a:pPr>
-            <a:r>
-              <a:rPr kumimoji="0" lang="en-US" altLang="en-US" sz="1100" b="0" i="0" u="none" strike="noStrike" cap="none" normalizeH="0" baseline="0" dirty="0">
-                <a:ln>
-                  <a:noFill/>
-                </a:ln>
-                <a:solidFill>
-                  <a:schemeClr val="tx1"/>
-                </a:solidFill>
-                <a:effectLst/>
-                <a:latin typeface="Arial" panose="020B0604020202020204" pitchFamily="34" charset="0"/>
-              </a:rPr>
-              <a:t>By reducing dimensionality before applying DA, DAPC reduces computational complexity and processing time, making it more efficient for large datasets.</a:t>
-            </a:r>
-          </a:p>
-          <a:p>
-            <a:pPr marL="0" marR="0" lvl="0" indent="0" algn="l" defTabSz="914400" rtl="0" eaLnBrk="0" fontAlgn="base" latinLnBrk="0" hangingPunct="0">
-              <a:lnSpc>
-                <a:spcPct val="100000"/>
-              </a:lnSpc>
-              <a:spcBef>
-                <a:spcPct val="0"/>
-              </a:spcBef>
-              <a:spcAft>
-                <a:spcPct val="0"/>
-              </a:spcAft>
-              <a:buClrTx/>
-              <a:buSzTx/>
-              <a:buFontTx/>
-              <a:buChar char="•"/>
-              <a:tabLst/>
-            </a:pPr>
-            <a:r>
-              <a:rPr kumimoji="0" lang="en-US" altLang="en-US" sz="1100" b="1" i="0" u="none" strike="noStrike" cap="none" normalizeH="0" baseline="0" dirty="0">
-                <a:ln>
-                  <a:noFill/>
-                </a:ln>
-                <a:solidFill>
-                  <a:schemeClr val="tx1"/>
-                </a:solidFill>
-                <a:effectLst/>
-                <a:latin typeface="Arial" panose="020B0604020202020204" pitchFamily="34" charset="0"/>
-              </a:rPr>
-              <a:t>Better Visualization</a:t>
-            </a:r>
-            <a:r>
-              <a:rPr kumimoji="0" lang="en-US" altLang="en-US" sz="1100" b="0" i="0" u="none" strike="noStrike" cap="none" normalizeH="0" baseline="0" dirty="0">
-                <a:ln>
-                  <a:noFill/>
-                </a:ln>
-                <a:solidFill>
-                  <a:schemeClr val="tx1"/>
-                </a:solidFill>
-                <a:effectLst/>
-                <a:latin typeface="Arial" panose="020B0604020202020204" pitchFamily="34" charset="0"/>
-              </a:rPr>
-              <a:t>:</a:t>
-            </a:r>
-          </a:p>
-          <a:p>
-            <a:pPr marL="0" marR="0" lvl="0" indent="0" algn="l" defTabSz="914400" rtl="0" eaLnBrk="0" fontAlgn="base" latinLnBrk="0" hangingPunct="0">
-              <a:lnSpc>
-                <a:spcPct val="100000"/>
-              </a:lnSpc>
-              <a:spcBef>
-                <a:spcPct val="0"/>
-              </a:spcBef>
-              <a:spcAft>
-                <a:spcPct val="0"/>
-              </a:spcAft>
-              <a:buClrTx/>
-              <a:buSzTx/>
-              <a:buFontTx/>
-              <a:buChar char="•"/>
-              <a:tabLst/>
-            </a:pPr>
-            <a:r>
-              <a:rPr kumimoji="0" lang="en-US" altLang="en-US" sz="1100" b="0" i="0" u="none" strike="noStrike" cap="none" normalizeH="0" baseline="0" dirty="0">
-                <a:ln>
-                  <a:noFill/>
-                </a:ln>
-                <a:solidFill>
-                  <a:schemeClr val="tx1"/>
-                </a:solidFill>
-                <a:effectLst/>
-                <a:latin typeface="Arial" panose="020B0604020202020204" pitchFamily="34" charset="0"/>
-              </a:rPr>
-              <a:t>PCA transforms data into a lower-dimensional space that can be visualized more easily, helping in understanding and interpreting complex data structures.</a:t>
-            </a:r>
-          </a:p>
-          <a:p>
-            <a:pPr marL="0" marR="0" lvl="0" indent="0" algn="l" defTabSz="914400" rtl="0" eaLnBrk="0" fontAlgn="base" latinLnBrk="0" hangingPunct="0">
-              <a:lnSpc>
-                <a:spcPct val="100000"/>
-              </a:lnSpc>
-              <a:spcBef>
-                <a:spcPct val="0"/>
-              </a:spcBef>
-              <a:spcAft>
-                <a:spcPct val="0"/>
-              </a:spcAft>
-              <a:buClrTx/>
-              <a:buSzTx/>
-              <a:buFontTx/>
-              <a:buChar char="•"/>
-              <a:tabLst/>
-            </a:pPr>
-            <a:r>
-              <a:rPr kumimoji="0" lang="en-US" altLang="en-US" sz="1100" b="1" i="0" u="none" strike="noStrike" cap="none" normalizeH="0" baseline="0" dirty="0">
-                <a:ln>
-                  <a:noFill/>
-                </a:ln>
-                <a:solidFill>
-                  <a:schemeClr val="tx1"/>
-                </a:solidFill>
-                <a:effectLst/>
-                <a:latin typeface="Arial" panose="020B0604020202020204" pitchFamily="34" charset="0"/>
-              </a:rPr>
-              <a:t>Noise Reduction</a:t>
-            </a:r>
-            <a:r>
-              <a:rPr kumimoji="0" lang="en-US" altLang="en-US" sz="1100" b="0" i="0" u="none" strike="noStrike" cap="none" normalizeH="0" baseline="0" dirty="0">
-                <a:ln>
-                  <a:noFill/>
-                </a:ln>
-                <a:solidFill>
-                  <a:schemeClr val="tx1"/>
-                </a:solidFill>
-                <a:effectLst/>
-                <a:latin typeface="Arial" panose="020B0604020202020204" pitchFamily="34" charset="0"/>
-              </a:rPr>
-              <a:t>:</a:t>
-            </a:r>
-          </a:p>
-          <a:p>
-            <a:pPr marL="0" marR="0" lvl="0" indent="0" algn="l" defTabSz="914400" rtl="0" eaLnBrk="0" fontAlgn="base" latinLnBrk="0" hangingPunct="0">
-              <a:lnSpc>
-                <a:spcPct val="100000"/>
-              </a:lnSpc>
-              <a:spcBef>
-                <a:spcPct val="0"/>
-              </a:spcBef>
-              <a:spcAft>
-                <a:spcPct val="0"/>
-              </a:spcAft>
-              <a:buClrTx/>
-              <a:buSzTx/>
-              <a:buFontTx/>
-              <a:buChar char="•"/>
-              <a:tabLst/>
-            </a:pPr>
-            <a:r>
-              <a:rPr kumimoji="0" lang="en-US" altLang="en-US" sz="1100" b="0" i="0" u="none" strike="noStrike" cap="none" normalizeH="0" baseline="0" dirty="0">
-                <a:ln>
-                  <a:noFill/>
-                </a:ln>
-                <a:solidFill>
-                  <a:schemeClr val="tx1"/>
-                </a:solidFill>
-                <a:effectLst/>
-                <a:latin typeface="Arial" panose="020B0604020202020204" pitchFamily="34" charset="0"/>
-              </a:rPr>
-              <a:t>PCA helps in filtering out noise and irrelevant features, leading to cleaner and more robust input for the discriminant analysis.</a:t>
-            </a:r>
-          </a:p>
-          <a:p>
-            <a:pPr marL="0" marR="0" lvl="0" indent="0" algn="l" defTabSz="914400" rtl="0" eaLnBrk="0" fontAlgn="base" latinLnBrk="0" hangingPunct="0">
-              <a:lnSpc>
-                <a:spcPct val="100000"/>
-              </a:lnSpc>
-              <a:spcBef>
-                <a:spcPct val="0"/>
-              </a:spcBef>
-              <a:spcAft>
-                <a:spcPct val="0"/>
-              </a:spcAft>
-              <a:buClrTx/>
-              <a:buSzTx/>
-              <a:buFontTx/>
-              <a:buChar char="•"/>
-              <a:tabLst/>
-            </a:pPr>
-            <a:r>
-              <a:rPr kumimoji="0" lang="en-US" altLang="en-US" sz="1100" b="1" i="0" u="none" strike="noStrike" cap="none" normalizeH="0" baseline="0" dirty="0">
-                <a:ln>
-                  <a:noFill/>
-                </a:ln>
-                <a:solidFill>
-                  <a:schemeClr val="tx1"/>
-                </a:solidFill>
-                <a:effectLst/>
-                <a:latin typeface="Arial" panose="020B0604020202020204" pitchFamily="34" charset="0"/>
-              </a:rPr>
-              <a:t>Handling Multicollinearity</a:t>
-            </a:r>
-            <a:r>
-              <a:rPr kumimoji="0" lang="en-US" altLang="en-US" sz="1100" b="0" i="0" u="none" strike="noStrike" cap="none" normalizeH="0" baseline="0" dirty="0">
-                <a:ln>
-                  <a:noFill/>
-                </a:ln>
-                <a:solidFill>
-                  <a:schemeClr val="tx1"/>
-                </a:solidFill>
-                <a:effectLst/>
-                <a:latin typeface="Arial" panose="020B0604020202020204" pitchFamily="34" charset="0"/>
-              </a:rPr>
-              <a:t>:</a:t>
-            </a:r>
-          </a:p>
-          <a:p>
-            <a:pPr marL="0" marR="0" lvl="0" indent="0" algn="l" defTabSz="914400" rtl="0" eaLnBrk="0" fontAlgn="base" latinLnBrk="0" hangingPunct="0">
-              <a:lnSpc>
-                <a:spcPct val="100000"/>
-              </a:lnSpc>
-              <a:spcBef>
-                <a:spcPct val="0"/>
-              </a:spcBef>
-              <a:spcAft>
-                <a:spcPct val="0"/>
-              </a:spcAft>
-              <a:buClrTx/>
-              <a:buSzTx/>
-              <a:buFontTx/>
-              <a:buChar char="•"/>
-              <a:tabLst/>
-            </a:pPr>
-            <a:r>
-              <a:rPr kumimoji="0" lang="en-US" altLang="en-US" sz="1100" b="0" i="0" u="none" strike="noStrike" cap="none" normalizeH="0" baseline="0" dirty="0">
-                <a:ln>
-                  <a:noFill/>
-                </a:ln>
-                <a:solidFill>
-                  <a:schemeClr val="tx1"/>
-                </a:solidFill>
-                <a:effectLst/>
-                <a:latin typeface="Arial" panose="020B0604020202020204" pitchFamily="34" charset="0"/>
-              </a:rPr>
-              <a:t>PCA addresses multicollinearity by transforming correlated features into uncorrelated principal components, improving the performance of the subsequent DA.</a:t>
-            </a:r>
-          </a:p>
-          <a:p>
-            <a:pPr marL="0" marR="0" lvl="0" indent="0" algn="l" defTabSz="914400" rtl="0" eaLnBrk="0" fontAlgn="base" latinLnBrk="0" hangingPunct="0">
-              <a:lnSpc>
-                <a:spcPct val="100000"/>
-              </a:lnSpc>
-              <a:spcBef>
-                <a:spcPct val="0"/>
-              </a:spcBef>
-              <a:spcAft>
-                <a:spcPct val="0"/>
-              </a:spcAft>
-              <a:buClrTx/>
-              <a:buSzTx/>
-              <a:buFontTx/>
-              <a:buChar char="•"/>
-              <a:tabLst/>
-            </a:pPr>
-            <a:r>
-              <a:rPr kumimoji="0" lang="en-US" altLang="en-US" sz="1100" b="1" i="0" u="none" strike="noStrike" cap="none" normalizeH="0" baseline="0" dirty="0">
-                <a:ln>
-                  <a:noFill/>
-                </a:ln>
-                <a:solidFill>
-                  <a:schemeClr val="tx1"/>
-                </a:solidFill>
-                <a:effectLst/>
-                <a:latin typeface="Arial" panose="020B0604020202020204" pitchFamily="34" charset="0"/>
-              </a:rPr>
-              <a:t>Flexibility in Classification</a:t>
-            </a:r>
-            <a:r>
-              <a:rPr kumimoji="0" lang="en-US" altLang="en-US" sz="1100" b="0" i="0" u="none" strike="noStrike" cap="none" normalizeH="0" baseline="0" dirty="0">
-                <a:ln>
-                  <a:noFill/>
-                </a:ln>
-                <a:solidFill>
-                  <a:schemeClr val="tx1"/>
-                </a:solidFill>
-                <a:effectLst/>
-                <a:latin typeface="Arial" panose="020B0604020202020204" pitchFamily="34" charset="0"/>
-              </a:rPr>
-              <a:t>:</a:t>
-            </a:r>
-          </a:p>
-          <a:p>
-            <a:pPr marL="0" marR="0" lvl="0" indent="0" algn="l" defTabSz="914400" rtl="0" eaLnBrk="0" fontAlgn="base" latinLnBrk="0" hangingPunct="0">
-              <a:lnSpc>
-                <a:spcPct val="100000"/>
-              </a:lnSpc>
-              <a:spcBef>
-                <a:spcPct val="0"/>
-              </a:spcBef>
-              <a:spcAft>
-                <a:spcPct val="0"/>
-              </a:spcAft>
-              <a:buClrTx/>
-              <a:buSzTx/>
-              <a:buFontTx/>
-              <a:buChar char="•"/>
-              <a:tabLst/>
-            </a:pPr>
-            <a:r>
-              <a:rPr kumimoji="0" lang="en-US" altLang="en-US" sz="1100" b="0" i="0" u="none" strike="noStrike" cap="none" normalizeH="0" baseline="0" dirty="0">
-                <a:ln>
-                  <a:noFill/>
-                </a:ln>
-                <a:solidFill>
-                  <a:schemeClr val="tx1"/>
-                </a:solidFill>
-                <a:effectLst/>
-                <a:latin typeface="Arial" panose="020B0604020202020204" pitchFamily="34" charset="0"/>
-              </a:rPr>
-              <a:t>DAPC can handle different types of discriminant analysis techniques (e.g., linear or quadratic) depending on the dataset and classification needs.</a:t>
-            </a:r>
-          </a:p>
-          <a:p>
-            <a:pPr marL="0" marR="0" lvl="0" indent="0" algn="l" defTabSz="914400" rtl="0" eaLnBrk="0" fontAlgn="base" latinLnBrk="0" hangingPunct="0">
-              <a:lnSpc>
-                <a:spcPct val="100000"/>
-              </a:lnSpc>
-              <a:spcBef>
-                <a:spcPct val="0"/>
-              </a:spcBef>
-              <a:spcAft>
-                <a:spcPct val="0"/>
-              </a:spcAft>
-              <a:buClrTx/>
-              <a:buSzTx/>
-              <a:buFontTx/>
-              <a:buChar char="•"/>
-              <a:tabLst/>
-            </a:pPr>
-            <a:r>
-              <a:rPr kumimoji="0" lang="en-US" altLang="en-US" sz="1100" b="1" i="0" u="none" strike="noStrike" cap="none" normalizeH="0" baseline="0" dirty="0">
-                <a:ln>
-                  <a:noFill/>
-                </a:ln>
-                <a:solidFill>
-                  <a:schemeClr val="tx1"/>
-                </a:solidFill>
-                <a:effectLst/>
-                <a:latin typeface="Arial" panose="020B0604020202020204" pitchFamily="34" charset="0"/>
-              </a:rPr>
-              <a:t>Scalability</a:t>
-            </a:r>
-            <a:r>
-              <a:rPr kumimoji="0" lang="en-US" altLang="en-US" sz="1100" b="0" i="0" u="none" strike="noStrike" cap="none" normalizeH="0" baseline="0" dirty="0">
-                <a:ln>
-                  <a:noFill/>
-                </a:ln>
-                <a:solidFill>
-                  <a:schemeClr val="tx1"/>
-                </a:solidFill>
-                <a:effectLst/>
-                <a:latin typeface="Arial" panose="020B0604020202020204" pitchFamily="34" charset="0"/>
-              </a:rPr>
-              <a:t>:</a:t>
-            </a:r>
-          </a:p>
-          <a:p>
-            <a:pPr marL="0" marR="0" lvl="0" indent="0" algn="l" defTabSz="914400" rtl="0" eaLnBrk="0" fontAlgn="base" latinLnBrk="0" hangingPunct="0">
-              <a:lnSpc>
-                <a:spcPct val="100000"/>
-              </a:lnSpc>
-              <a:spcBef>
-                <a:spcPct val="0"/>
-              </a:spcBef>
-              <a:spcAft>
-                <a:spcPct val="0"/>
-              </a:spcAft>
-              <a:buClrTx/>
-              <a:buSzTx/>
-              <a:buFontTx/>
-              <a:buChar char="•"/>
-              <a:tabLst/>
-            </a:pPr>
-            <a:r>
-              <a:rPr kumimoji="0" lang="en-US" altLang="en-US" sz="1100" b="0" i="0" u="none" strike="noStrike" cap="none" normalizeH="0" baseline="0" dirty="0">
-                <a:ln>
-                  <a:noFill/>
-                </a:ln>
-                <a:solidFill>
-                  <a:schemeClr val="tx1"/>
-                </a:solidFill>
-                <a:effectLst/>
-                <a:latin typeface="Arial" panose="020B0604020202020204" pitchFamily="34" charset="0"/>
-              </a:rPr>
-              <a:t>The method scales well with large datasets due to its combination of dimensionality reduction and classification, making it suitable for various domains.</a:t>
-            </a:r>
-          </a:p>
-          <a:p>
-            <a:pPr marL="0" marR="0" lvl="0" indent="0" algn="l" defTabSz="914400" rtl="0" eaLnBrk="0" fontAlgn="base" latinLnBrk="0" hangingPunct="0">
-              <a:lnSpc>
-                <a:spcPct val="100000"/>
-              </a:lnSpc>
-              <a:spcBef>
-                <a:spcPct val="0"/>
-              </a:spcBef>
-              <a:spcAft>
-                <a:spcPct val="0"/>
-              </a:spcAft>
-              <a:buClrTx/>
-              <a:buSzTx/>
-              <a:buFontTx/>
-              <a:buChar char="•"/>
-              <a:tabLst/>
-            </a:pPr>
-            <a:r>
-              <a:rPr kumimoji="0" lang="en-US" altLang="en-US" sz="1100" b="1" i="0" u="none" strike="noStrike" cap="none" normalizeH="0" baseline="0" dirty="0">
-                <a:ln>
-                  <a:noFill/>
-                </a:ln>
-                <a:solidFill>
-                  <a:schemeClr val="tx1"/>
-                </a:solidFill>
-                <a:effectLst/>
-                <a:latin typeface="Arial" panose="020B0604020202020204" pitchFamily="34" charset="0"/>
-              </a:rPr>
-              <a:t>Feature Extraction</a:t>
-            </a:r>
-            <a:r>
-              <a:rPr kumimoji="0" lang="en-US" altLang="en-US" sz="1100" b="0" i="0" u="none" strike="noStrike" cap="none" normalizeH="0" baseline="0" dirty="0">
-                <a:ln>
-                  <a:noFill/>
-                </a:ln>
-                <a:solidFill>
-                  <a:schemeClr val="tx1"/>
-                </a:solidFill>
-                <a:effectLst/>
-                <a:latin typeface="Arial" panose="020B0604020202020204" pitchFamily="34" charset="0"/>
-              </a:rPr>
-              <a:t>:</a:t>
-            </a:r>
-          </a:p>
-          <a:p>
-            <a:pPr marL="0" marR="0" lvl="0" indent="0" algn="l" defTabSz="914400" rtl="0" eaLnBrk="0" fontAlgn="base" latinLnBrk="0" hangingPunct="0">
-              <a:lnSpc>
-                <a:spcPct val="100000"/>
-              </a:lnSpc>
-              <a:spcBef>
-                <a:spcPct val="0"/>
-              </a:spcBef>
-              <a:spcAft>
-                <a:spcPct val="0"/>
-              </a:spcAft>
-              <a:buClrTx/>
-              <a:buSzTx/>
-              <a:buFontTx/>
-              <a:buChar char="•"/>
-              <a:tabLst/>
-            </a:pPr>
-            <a:r>
-              <a:rPr kumimoji="0" lang="en-US" altLang="en-US" sz="1100" b="0" i="0" u="none" strike="noStrike" cap="none" normalizeH="0" baseline="0" dirty="0">
-                <a:ln>
-                  <a:noFill/>
-                </a:ln>
-                <a:solidFill>
-                  <a:schemeClr val="tx1"/>
-                </a:solidFill>
-                <a:effectLst/>
-                <a:latin typeface="Arial" panose="020B0604020202020204" pitchFamily="34" charset="0"/>
-              </a:rPr>
-              <a:t>PCA identifies the most important features (principal components), which can be valuable for feature selection and understanding underlying data patterns.</a:t>
-            </a:r>
-          </a:p>
-          <a:p>
-            <a:pPr marL="0" marR="0" lvl="0" indent="0" algn="l" defTabSz="914400" rtl="0" eaLnBrk="0" fontAlgn="base" latinLnBrk="0" hangingPunct="0">
-              <a:lnSpc>
-                <a:spcPct val="100000"/>
-              </a:lnSpc>
-              <a:spcBef>
-                <a:spcPct val="0"/>
-              </a:spcBef>
-              <a:spcAft>
-                <a:spcPct val="0"/>
-              </a:spcAft>
-              <a:buClrTx/>
-              <a:buSzTx/>
-              <a:buFontTx/>
-              <a:buChar char="•"/>
-              <a:tabLst/>
-            </a:pPr>
-            <a:r>
-              <a:rPr kumimoji="0" lang="en-US" altLang="en-US" sz="1100" b="1" i="0" u="none" strike="noStrike" cap="none" normalizeH="0" baseline="0" dirty="0">
-                <a:ln>
-                  <a:noFill/>
-                </a:ln>
-                <a:solidFill>
-                  <a:schemeClr val="tx1"/>
-                </a:solidFill>
-                <a:effectLst/>
-                <a:latin typeface="Arial" panose="020B0604020202020204" pitchFamily="34" charset="0"/>
-              </a:rPr>
-              <a:t>Enhanced Interpretability</a:t>
-            </a:r>
-            <a:r>
-              <a:rPr kumimoji="0" lang="en-US" altLang="en-US" sz="1100" b="0" i="0" u="none" strike="noStrike" cap="none" normalizeH="0" baseline="0" dirty="0">
-                <a:ln>
-                  <a:noFill/>
-                </a:ln>
-                <a:solidFill>
-                  <a:schemeClr val="tx1"/>
-                </a:solidFill>
-                <a:effectLst/>
-                <a:latin typeface="Arial" panose="020B0604020202020204" pitchFamily="34" charset="0"/>
-              </a:rPr>
-              <a:t>:</a:t>
-            </a:r>
-          </a:p>
-          <a:p>
-            <a:pPr marL="0" marR="0" lvl="0" indent="0" algn="l" defTabSz="914400" rtl="0" eaLnBrk="0" fontAlgn="base" latinLnBrk="0" hangingPunct="0">
-              <a:lnSpc>
-                <a:spcPct val="100000"/>
-              </a:lnSpc>
-              <a:spcBef>
-                <a:spcPct val="0"/>
-              </a:spcBef>
-              <a:spcAft>
-                <a:spcPct val="0"/>
-              </a:spcAft>
-              <a:buClrTx/>
-              <a:buSzTx/>
-              <a:buFontTx/>
-              <a:buChar char="•"/>
-              <a:tabLst/>
-            </a:pPr>
-            <a:r>
-              <a:rPr kumimoji="0" lang="en-US" altLang="en-US" sz="1100" b="0" i="0" u="none" strike="noStrike" cap="none" normalizeH="0" baseline="0" dirty="0">
-                <a:ln>
-                  <a:noFill/>
-                </a:ln>
-                <a:solidFill>
-                  <a:schemeClr val="tx1"/>
-                </a:solidFill>
-                <a:effectLst/>
-                <a:latin typeface="Arial" panose="020B0604020202020204" pitchFamily="34" charset="0"/>
-              </a:rPr>
-              <a:t>By focusing on principal components, DAPC simplifies the data structure, making the results of the discriminant analysis easier to interpret and analyze.</a:t>
-            </a:r>
-          </a:p>
-          <a:p>
-            <a:pPr marL="0" marR="0" lvl="0" indent="0" algn="l" defTabSz="914400" rtl="0" eaLnBrk="0" fontAlgn="base" latinLnBrk="0" hangingPunct="0">
-              <a:lnSpc>
-                <a:spcPct val="100000"/>
-              </a:lnSpc>
-              <a:spcBef>
-                <a:spcPct val="0"/>
-              </a:spcBef>
-              <a:spcAft>
-                <a:spcPct val="0"/>
-              </a:spcAft>
-              <a:buClrTx/>
-              <a:buSzTx/>
-              <a:buFontTx/>
-              <a:buNone/>
-              <a:tabLst/>
-            </a:pPr>
-            <a:endParaRPr kumimoji="0" lang="en-US" altLang="en-US" sz="1100" b="0" i="0" u="none" strike="noStrike" cap="none" normalizeH="0" baseline="0" dirty="0">
-              <a:ln>
-                <a:noFill/>
-              </a:ln>
-              <a:solidFill>
-                <a:schemeClr val="tx1"/>
-              </a:solidFill>
-              <a:effectLst/>
-              <a:latin typeface="Arial" panose="020B0604020202020204" pitchFamily="34" charset="0"/>
-            </a:endParaRPr>
-          </a:p>
-        </p:txBody>
-      </p:sp>
-    </p:spTree>
-    <p:extLst>
-      <p:ext uri="{BB962C8B-B14F-4D97-AF65-F5344CB8AC3E}">
-        <p14:creationId xmlns:p14="http://schemas.microsoft.com/office/powerpoint/2010/main" val="3023116690"/>
-      </p:ext>
-    </p:extLst>
-  </p:cSld>
-  <p:clrMapOvr>
-    <a:masterClrMapping/>
-  </p:clrMapOvr>
-</p:sld>
-</file>
-
-<file path=ppt/slides/slide17.xml><?xml version="1.0" encoding="utf-8"?>
-<p:sld xmlns:a="http://schemas.openxmlformats.org/drawingml/2006/main" xmlns:r="http://schemas.openxmlformats.org/officeDocument/2006/relationships" xmlns:p="http://schemas.openxmlformats.org/presentationml/2006/main">
-  <p:cSld>
-    <p:spTree>
-      <p:nvGrpSpPr>
-        <p:cNvPr id="1" name=""/>
-        <p:cNvGrpSpPr/>
-        <p:nvPr/>
-      </p:nvGrpSpPr>
-      <p:grpSpPr>
-        <a:xfrm>
-          <a:off x="0" y="0"/>
-          <a:ext cx="0" cy="0"/>
-          <a:chOff x="0" y="0"/>
-          <a:chExt cx="0" cy="0"/>
-        </a:xfrm>
-      </p:grpSpPr>
-      <p:sp>
-        <p:nvSpPr>
-          <p:cNvPr id="2" name="object 2"/>
-          <p:cNvSpPr txBox="1">
-            <a:spLocks noGrp="1"/>
-          </p:cNvSpPr>
-          <p:nvPr>
-            <p:ph type="title" idx="4294967295"/>
-          </p:nvPr>
-        </p:nvSpPr>
-        <p:spPr>
-          <a:xfrm>
-            <a:off x="2362200" y="1028700"/>
-            <a:ext cx="10352088" cy="936625"/>
-          </a:xfrm>
-          <a:prstGeom prst="rect">
-            <a:avLst/>
-          </a:prstGeom>
-        </p:spPr>
-        <p:txBody>
-          <a:bodyPr vert="horz" wrap="square" lIns="0" tIns="12700" rIns="0" bIns="0" rtlCol="0">
-            <a:noAutofit/>
-          </a:bodyPr>
-          <a:lstStyle/>
-          <a:p>
-            <a:pPr marL="12700">
-              <a:lnSpc>
-                <a:spcPct val="100000"/>
-              </a:lnSpc>
-              <a:spcBef>
-                <a:spcPts val="100"/>
-              </a:spcBef>
-            </a:pPr>
-            <a:r>
-              <a:rPr lang="en-US" sz="6000" dirty="0"/>
-              <a:t>Challenges and Considerations</a:t>
-            </a:r>
-            <a:endParaRPr sz="6000" b="0" dirty="0">
-              <a:solidFill>
-                <a:srgbClr val="0C234B"/>
-              </a:solidFill>
-              <a:latin typeface="Times New Roman" panose="02020603050405020304" pitchFamily="18" charset="0"/>
-              <a:cs typeface="Times New Roman" panose="02020603050405020304" pitchFamily="18" charset="0"/>
-            </a:endParaRPr>
-          </a:p>
-        </p:txBody>
-      </p:sp>
-      <p:sp>
-        <p:nvSpPr>
-          <p:cNvPr id="3" name="Rectangle 1">
-            <a:extLst>
-              <a:ext uri="{FF2B5EF4-FFF2-40B4-BE49-F238E27FC236}">
-                <a16:creationId xmlns:a16="http://schemas.microsoft.com/office/drawing/2014/main" id="{D3558A4B-E801-74EA-8331-1C1526FB5AD2}"/>
-              </a:ext>
-            </a:extLst>
-          </p:cNvPr>
-          <p:cNvSpPr>
-            <a:spLocks noChangeArrowheads="1"/>
-          </p:cNvSpPr>
-          <p:nvPr/>
-        </p:nvSpPr>
-        <p:spPr bwMode="auto">
-          <a:xfrm>
-            <a:off x="2362200" y="2324100"/>
-            <a:ext cx="9677400" cy="1200329"/>
-          </a:xfrm>
-          <a:prstGeom prst="rect">
-            <a:avLst/>
-          </a:prstGeom>
-          <a:noFill/>
-          <a:ln>
-            <a:noFill/>
-          </a:ln>
-          <a:effectLst/>
-          <a:extLst>
-            <a:ext uri="{909E8E84-426E-40DD-AFC4-6F175D3DCCD1}">
-              <a14:hiddenFill xmlns:a14="http://schemas.microsoft.com/office/drawing/2010/main">
-                <a:solidFill>
-                  <a:schemeClr val="accent1"/>
-                </a:solidFill>
-              </a14:hiddenFill>
-            </a:ext>
-            <a:ext uri="{91240B29-F687-4F45-9708-019B960494DF}">
-              <a14:hiddenLine xmlns:a14="http://schemas.microsoft.com/office/drawing/2010/main" w="9525">
-                <a:solidFill>
-                  <a:schemeClr val="tx1"/>
-                </a:solidFill>
-                <a:miter lim="800000"/>
-                <a:headEnd/>
-                <a:tailEnd/>
-              </a14:hiddenLine>
-            </a:ext>
-            <a:ext uri="{AF507438-7753-43E0-B8FC-AC1667EBCBE1}">
-              <a14:hiddenEffects xmlns:a14="http://schemas.microsoft.com/office/drawing/2010/main">
-                <a:effectLst>
-                  <a:outerShdw dist="35921" dir="2700000" algn="ctr" rotWithShape="0">
-                    <a:schemeClr val="bg2"/>
-                  </a:outerShdw>
-                </a:effectLst>
-              </a14:hiddenEffects>
-            </a:ext>
-          </a:extLst>
-        </p:spPr>
-        <p:txBody>
-          <a:bodyPr vert="horz" wrap="square" lIns="91440" tIns="45720" rIns="91440" bIns="45720" numCol="1" anchor="ctr" anchorCtr="0" compatLnSpc="1">
-            <a:prstTxWarp prst="textNoShape">
-              <a:avLst/>
-            </a:prstTxWarp>
-            <a:spAutoFit/>
-          </a:bodyPr>
-          <a:lstStyle/>
-          <a:p>
-            <a:pPr marL="0" marR="0" lvl="0" indent="0" algn="l" defTabSz="914400" rtl="0" eaLnBrk="0" fontAlgn="base" latinLnBrk="0" hangingPunct="0">
-              <a:lnSpc>
-                <a:spcPct val="100000"/>
-              </a:lnSpc>
-              <a:spcBef>
-                <a:spcPct val="0"/>
-              </a:spcBef>
-              <a:spcAft>
-                <a:spcPct val="0"/>
-              </a:spcAft>
-              <a:buClrTx/>
-              <a:buSzTx/>
-              <a:buFontTx/>
-              <a:buNone/>
-              <a:tabLst/>
-            </a:pPr>
-            <a:endParaRPr kumimoji="0" lang="en-US" altLang="en-US" sz="1800" b="0" i="0" u="none" strike="noStrike" cap="none" normalizeH="0" baseline="0">
-              <a:ln>
-                <a:noFill/>
-              </a:ln>
-              <a:solidFill>
-                <a:schemeClr val="tx1"/>
-              </a:solidFill>
-              <a:effectLst/>
-              <a:latin typeface="Arial" panose="020B0604020202020204" pitchFamily="34" charset="0"/>
-            </a:endParaRPr>
-          </a:p>
-          <a:p>
-            <a:pPr marL="0" marR="0" lvl="0" indent="0" algn="l" defTabSz="914400" rtl="0" eaLnBrk="0" fontAlgn="base" latinLnBrk="0" hangingPunct="0">
-              <a:lnSpc>
-                <a:spcPct val="100000"/>
-              </a:lnSpc>
-              <a:spcBef>
-                <a:spcPct val="0"/>
-              </a:spcBef>
-              <a:spcAft>
-                <a:spcPct val="0"/>
-              </a:spcAft>
-              <a:buClrTx/>
-              <a:buSzTx/>
-              <a:buFontTx/>
-              <a:buChar char="•"/>
-              <a:tabLst/>
-            </a:pPr>
-            <a:r>
-              <a:rPr kumimoji="0" lang="en-US" altLang="en-US" sz="1800" b="0" i="0" u="none" strike="noStrike" cap="none" normalizeH="0" baseline="0">
-                <a:ln>
-                  <a:noFill/>
-                </a:ln>
-                <a:solidFill>
-                  <a:schemeClr val="tx1"/>
-                </a:solidFill>
-                <a:effectLst/>
-                <a:latin typeface="Arial" panose="020B0604020202020204" pitchFamily="34" charset="0"/>
-              </a:rPr>
-              <a:t>Potential limitations: Choice of principal components, computational complexity.</a:t>
-            </a:r>
-          </a:p>
-          <a:p>
-            <a:pPr marL="0" marR="0" lvl="0" indent="0" algn="l" defTabSz="914400" rtl="0" eaLnBrk="0" fontAlgn="base" latinLnBrk="0" hangingPunct="0">
-              <a:lnSpc>
-                <a:spcPct val="100000"/>
-              </a:lnSpc>
-              <a:spcBef>
-                <a:spcPct val="0"/>
-              </a:spcBef>
-              <a:spcAft>
-                <a:spcPct val="0"/>
-              </a:spcAft>
-              <a:buClrTx/>
-              <a:buSzTx/>
-              <a:buFontTx/>
-              <a:buChar char="•"/>
-              <a:tabLst/>
-            </a:pPr>
-            <a:r>
-              <a:rPr kumimoji="0" lang="en-US" altLang="en-US" sz="1800" b="0" i="0" u="none" strike="noStrike" cap="none" normalizeH="0" baseline="0">
-                <a:ln>
-                  <a:noFill/>
-                </a:ln>
-                <a:solidFill>
-                  <a:schemeClr val="tx1"/>
-                </a:solidFill>
-                <a:effectLst/>
-                <a:latin typeface="Arial" panose="020B0604020202020204" pitchFamily="34" charset="0"/>
-              </a:rPr>
-              <a:t>Considerations for effective use: Data quality, parameter selection.</a:t>
-            </a:r>
-          </a:p>
-          <a:p>
-            <a:pPr marL="0" marR="0" lvl="0" indent="0" algn="l" defTabSz="914400" rtl="0" eaLnBrk="0" fontAlgn="base" latinLnBrk="0" hangingPunct="0">
-              <a:lnSpc>
-                <a:spcPct val="100000"/>
-              </a:lnSpc>
-              <a:spcBef>
-                <a:spcPct val="0"/>
-              </a:spcBef>
-              <a:spcAft>
-                <a:spcPct val="0"/>
-              </a:spcAft>
-              <a:buClrTx/>
-              <a:buSzTx/>
-              <a:buFontTx/>
-              <a:buChar char="•"/>
-              <a:tabLst/>
-            </a:pPr>
-            <a:r>
-              <a:rPr kumimoji="0" lang="en-US" altLang="en-US" sz="1800" b="0" i="0" u="none" strike="noStrike" cap="none" normalizeH="0" baseline="0">
-                <a:ln>
-                  <a:noFill/>
-                </a:ln>
-                <a:solidFill>
-                  <a:schemeClr val="tx1"/>
-                </a:solidFill>
-                <a:effectLst/>
-                <a:latin typeface="Arial" panose="020B0604020202020204" pitchFamily="34" charset="0"/>
-              </a:rPr>
-              <a:t>Visual: List of challenges with icons or illustrations. </a:t>
-            </a:r>
-          </a:p>
-        </p:txBody>
-      </p:sp>
-      <p:sp>
-        <p:nvSpPr>
-          <p:cNvPr id="4" name="Rectangle 2">
-            <a:extLst>
-              <a:ext uri="{FF2B5EF4-FFF2-40B4-BE49-F238E27FC236}">
-                <a16:creationId xmlns:a16="http://schemas.microsoft.com/office/drawing/2014/main" id="{260D9E30-D468-B0FA-8D47-8677E3EBE4E3}"/>
-              </a:ext>
-            </a:extLst>
-          </p:cNvPr>
-          <p:cNvSpPr>
-            <a:spLocks noChangeArrowheads="1"/>
-          </p:cNvSpPr>
-          <p:nvPr/>
-        </p:nvSpPr>
-        <p:spPr bwMode="auto">
-          <a:xfrm>
-            <a:off x="3429000" y="4076700"/>
-            <a:ext cx="13182600" cy="3970318"/>
-          </a:xfrm>
-          <a:prstGeom prst="rect">
-            <a:avLst/>
-          </a:prstGeom>
-          <a:noFill/>
-          <a:ln>
-            <a:noFill/>
-          </a:ln>
-          <a:effectLst/>
-          <a:extLst>
-            <a:ext uri="{909E8E84-426E-40DD-AFC4-6F175D3DCCD1}">
-              <a14:hiddenFill xmlns:a14="http://schemas.microsoft.com/office/drawing/2010/main">
-                <a:solidFill>
-                  <a:schemeClr val="accent1"/>
-                </a:solidFill>
-              </a14:hiddenFill>
-            </a:ext>
-            <a:ext uri="{91240B29-F687-4F45-9708-019B960494DF}">
-              <a14:hiddenLine xmlns:a14="http://schemas.microsoft.com/office/drawing/2010/main" w="9525">
-                <a:solidFill>
-                  <a:schemeClr val="tx1"/>
-                </a:solidFill>
-                <a:miter lim="800000"/>
-                <a:headEnd/>
-                <a:tailEnd/>
-              </a14:hiddenLine>
-            </a:ext>
-            <a:ext uri="{AF507438-7753-43E0-B8FC-AC1667EBCBE1}">
-              <a14:hiddenEffects xmlns:a14="http://schemas.microsoft.com/office/drawing/2010/main">
-                <a:effectLst>
-                  <a:outerShdw dist="35921" dir="2700000" algn="ctr" rotWithShape="0">
-                    <a:schemeClr val="bg2"/>
-                  </a:outerShdw>
-                </a:effectLst>
-              </a14:hiddenEffects>
-            </a:ext>
-          </a:extLst>
-        </p:spPr>
-        <p:txBody>
-          <a:bodyPr vert="horz" wrap="square" lIns="91440" tIns="45720" rIns="91440" bIns="45720" numCol="1" anchor="ctr" anchorCtr="0" compatLnSpc="1">
-            <a:prstTxWarp prst="textNoShape">
-              <a:avLst/>
-            </a:prstTxWarp>
-            <a:spAutoFit/>
-          </a:bodyPr>
-          <a:lstStyle/>
-          <a:p>
-            <a:pPr marL="0" marR="0" lvl="0" indent="0" algn="l" defTabSz="914400" rtl="0" eaLnBrk="0" fontAlgn="base" latinLnBrk="0" hangingPunct="0">
-              <a:lnSpc>
-                <a:spcPct val="100000"/>
-              </a:lnSpc>
-              <a:spcBef>
-                <a:spcPct val="0"/>
-              </a:spcBef>
-              <a:spcAft>
-                <a:spcPct val="0"/>
-              </a:spcAft>
-              <a:buClrTx/>
-              <a:buSzTx/>
-              <a:buFontTx/>
-              <a:buChar char="•"/>
-              <a:tabLst/>
-            </a:pPr>
-            <a:r>
-              <a:rPr kumimoji="0" lang="en-US" altLang="en-US" sz="1200" b="1" i="0" u="none" strike="noStrike" cap="none" normalizeH="0" baseline="0">
-                <a:ln>
-                  <a:noFill/>
-                </a:ln>
-                <a:solidFill>
-                  <a:schemeClr val="tx1"/>
-                </a:solidFill>
-                <a:effectLst/>
-                <a:latin typeface="Arial" panose="020B0604020202020204" pitchFamily="34" charset="0"/>
-              </a:rPr>
-              <a:t>Choice of Principal Components</a:t>
-            </a:r>
-            <a:r>
-              <a:rPr kumimoji="0" lang="en-US" altLang="en-US" sz="1200" b="0" i="0" u="none" strike="noStrike" cap="none" normalizeH="0" baseline="0">
-                <a:ln>
-                  <a:noFill/>
-                </a:ln>
-                <a:solidFill>
-                  <a:schemeClr val="tx1"/>
-                </a:solidFill>
-                <a:effectLst/>
-                <a:latin typeface="Arial" panose="020B0604020202020204" pitchFamily="34" charset="0"/>
-              </a:rPr>
-              <a:t>:</a:t>
-            </a:r>
-          </a:p>
-          <a:p>
-            <a:pPr marL="0" marR="0" lvl="0" indent="0" algn="l" defTabSz="914400" rtl="0" eaLnBrk="0" fontAlgn="base" latinLnBrk="0" hangingPunct="0">
-              <a:lnSpc>
-                <a:spcPct val="100000"/>
-              </a:lnSpc>
-              <a:spcBef>
-                <a:spcPct val="0"/>
-              </a:spcBef>
-              <a:spcAft>
-                <a:spcPct val="0"/>
-              </a:spcAft>
-              <a:buClrTx/>
-              <a:buSzTx/>
-              <a:buFontTx/>
-              <a:buChar char="•"/>
-              <a:tabLst/>
-            </a:pPr>
-            <a:r>
-              <a:rPr kumimoji="0" lang="en-US" altLang="en-US" sz="1200" b="0" i="0" u="none" strike="noStrike" cap="none" normalizeH="0" baseline="0">
-                <a:ln>
-                  <a:noFill/>
-                </a:ln>
-                <a:solidFill>
-                  <a:schemeClr val="tx1"/>
-                </a:solidFill>
-                <a:effectLst/>
-                <a:latin typeface="Arial" panose="020B0604020202020204" pitchFamily="34" charset="0"/>
-              </a:rPr>
-              <a:t>Determining the number of principal components to retain can be subjective and impacts the performance of the discriminant analysis.</a:t>
-            </a:r>
-          </a:p>
-          <a:p>
-            <a:pPr marL="0" marR="0" lvl="0" indent="0" algn="l" defTabSz="914400" rtl="0" eaLnBrk="0" fontAlgn="base" latinLnBrk="0" hangingPunct="0">
-              <a:lnSpc>
-                <a:spcPct val="100000"/>
-              </a:lnSpc>
-              <a:spcBef>
-                <a:spcPct val="0"/>
-              </a:spcBef>
-              <a:spcAft>
-                <a:spcPct val="0"/>
-              </a:spcAft>
-              <a:buClrTx/>
-              <a:buSzTx/>
-              <a:buFontTx/>
-              <a:buChar char="•"/>
-              <a:tabLst/>
-            </a:pPr>
-            <a:r>
-              <a:rPr kumimoji="0" lang="en-US" altLang="en-US" sz="1200" b="1" i="0" u="none" strike="noStrike" cap="none" normalizeH="0" baseline="0">
-                <a:ln>
-                  <a:noFill/>
-                </a:ln>
-                <a:solidFill>
-                  <a:schemeClr val="tx1"/>
-                </a:solidFill>
-                <a:effectLst/>
-                <a:latin typeface="Arial" panose="020B0604020202020204" pitchFamily="34" charset="0"/>
-              </a:rPr>
-              <a:t>Computational Complexity</a:t>
-            </a:r>
-            <a:r>
-              <a:rPr kumimoji="0" lang="en-US" altLang="en-US" sz="1200" b="0" i="0" u="none" strike="noStrike" cap="none" normalizeH="0" baseline="0">
-                <a:ln>
-                  <a:noFill/>
-                </a:ln>
-                <a:solidFill>
-                  <a:schemeClr val="tx1"/>
-                </a:solidFill>
-                <a:effectLst/>
-                <a:latin typeface="Arial" panose="020B0604020202020204" pitchFamily="34" charset="0"/>
-              </a:rPr>
-              <a:t>:</a:t>
-            </a:r>
-          </a:p>
-          <a:p>
-            <a:pPr marL="0" marR="0" lvl="0" indent="0" algn="l" defTabSz="914400" rtl="0" eaLnBrk="0" fontAlgn="base" latinLnBrk="0" hangingPunct="0">
-              <a:lnSpc>
-                <a:spcPct val="100000"/>
-              </a:lnSpc>
-              <a:spcBef>
-                <a:spcPct val="0"/>
-              </a:spcBef>
-              <a:spcAft>
-                <a:spcPct val="0"/>
-              </a:spcAft>
-              <a:buClrTx/>
-              <a:buSzTx/>
-              <a:buFontTx/>
-              <a:buChar char="•"/>
-              <a:tabLst/>
-            </a:pPr>
-            <a:r>
-              <a:rPr kumimoji="0" lang="en-US" altLang="en-US" sz="1200" b="0" i="0" u="none" strike="noStrike" cap="none" normalizeH="0" baseline="0">
-                <a:ln>
-                  <a:noFill/>
-                </a:ln>
-                <a:solidFill>
-                  <a:schemeClr val="tx1"/>
-                </a:solidFill>
-                <a:effectLst/>
-                <a:latin typeface="Arial" panose="020B0604020202020204" pitchFamily="34" charset="0"/>
-              </a:rPr>
-              <a:t>Although DAPC improves efficiency over raw data, the PCA step can still be computationally intensive for very large datasets.</a:t>
-            </a:r>
-          </a:p>
-          <a:p>
-            <a:pPr marL="0" marR="0" lvl="0" indent="0" algn="l" defTabSz="914400" rtl="0" eaLnBrk="0" fontAlgn="base" latinLnBrk="0" hangingPunct="0">
-              <a:lnSpc>
-                <a:spcPct val="100000"/>
-              </a:lnSpc>
-              <a:spcBef>
-                <a:spcPct val="0"/>
-              </a:spcBef>
-              <a:spcAft>
-                <a:spcPct val="0"/>
-              </a:spcAft>
-              <a:buClrTx/>
-              <a:buSzTx/>
-              <a:buFontTx/>
-              <a:buChar char="•"/>
-              <a:tabLst/>
-            </a:pPr>
-            <a:r>
-              <a:rPr kumimoji="0" lang="en-US" altLang="en-US" sz="1200" b="1" i="0" u="none" strike="noStrike" cap="none" normalizeH="0" baseline="0">
-                <a:ln>
-                  <a:noFill/>
-                </a:ln>
-                <a:solidFill>
-                  <a:schemeClr val="tx1"/>
-                </a:solidFill>
-                <a:effectLst/>
-                <a:latin typeface="Arial" panose="020B0604020202020204" pitchFamily="34" charset="0"/>
-              </a:rPr>
-              <a:t>Assumptions of Linearity</a:t>
-            </a:r>
-            <a:r>
-              <a:rPr kumimoji="0" lang="en-US" altLang="en-US" sz="1200" b="0" i="0" u="none" strike="noStrike" cap="none" normalizeH="0" baseline="0">
-                <a:ln>
-                  <a:noFill/>
-                </a:ln>
-                <a:solidFill>
-                  <a:schemeClr val="tx1"/>
-                </a:solidFill>
-                <a:effectLst/>
-                <a:latin typeface="Arial" panose="020B0604020202020204" pitchFamily="34" charset="0"/>
-              </a:rPr>
-              <a:t>:</a:t>
-            </a:r>
-          </a:p>
-          <a:p>
-            <a:pPr marL="0" marR="0" lvl="0" indent="0" algn="l" defTabSz="914400" rtl="0" eaLnBrk="0" fontAlgn="base" latinLnBrk="0" hangingPunct="0">
-              <a:lnSpc>
-                <a:spcPct val="100000"/>
-              </a:lnSpc>
-              <a:spcBef>
-                <a:spcPct val="0"/>
-              </a:spcBef>
-              <a:spcAft>
-                <a:spcPct val="0"/>
-              </a:spcAft>
-              <a:buClrTx/>
-              <a:buSzTx/>
-              <a:buFontTx/>
-              <a:buChar char="•"/>
-              <a:tabLst/>
-            </a:pPr>
-            <a:r>
-              <a:rPr kumimoji="0" lang="en-US" altLang="en-US" sz="1200" b="0" i="0" u="none" strike="noStrike" cap="none" normalizeH="0" baseline="0">
-                <a:ln>
-                  <a:noFill/>
-                </a:ln>
-                <a:solidFill>
-                  <a:schemeClr val="tx1"/>
-                </a:solidFill>
-                <a:effectLst/>
-                <a:latin typeface="Arial" panose="020B0604020202020204" pitchFamily="34" charset="0"/>
-              </a:rPr>
-              <a:t>DAPC assumes linear relationships among features, which may not always hold true, potentially affecting classification performance.</a:t>
-            </a:r>
-          </a:p>
-          <a:p>
-            <a:pPr marL="0" marR="0" lvl="0" indent="0" algn="l" defTabSz="914400" rtl="0" eaLnBrk="0" fontAlgn="base" latinLnBrk="0" hangingPunct="0">
-              <a:lnSpc>
-                <a:spcPct val="100000"/>
-              </a:lnSpc>
-              <a:spcBef>
-                <a:spcPct val="0"/>
-              </a:spcBef>
-              <a:spcAft>
-                <a:spcPct val="0"/>
-              </a:spcAft>
-              <a:buClrTx/>
-              <a:buSzTx/>
-              <a:buFontTx/>
-              <a:buChar char="•"/>
-              <a:tabLst/>
-            </a:pPr>
-            <a:r>
-              <a:rPr kumimoji="0" lang="en-US" altLang="en-US" sz="1200" b="1" i="0" u="none" strike="noStrike" cap="none" normalizeH="0" baseline="0">
-                <a:ln>
-                  <a:noFill/>
-                </a:ln>
-                <a:solidFill>
-                  <a:schemeClr val="tx1"/>
-                </a:solidFill>
-                <a:effectLst/>
-                <a:latin typeface="Arial" panose="020B0604020202020204" pitchFamily="34" charset="0"/>
-              </a:rPr>
-              <a:t>Interpretability of Principal Components</a:t>
-            </a:r>
-            <a:r>
-              <a:rPr kumimoji="0" lang="en-US" altLang="en-US" sz="1200" b="0" i="0" u="none" strike="noStrike" cap="none" normalizeH="0" baseline="0">
-                <a:ln>
-                  <a:noFill/>
-                </a:ln>
-                <a:solidFill>
-                  <a:schemeClr val="tx1"/>
-                </a:solidFill>
-                <a:effectLst/>
-                <a:latin typeface="Arial" panose="020B0604020202020204" pitchFamily="34" charset="0"/>
-              </a:rPr>
-              <a:t>:</a:t>
-            </a:r>
-          </a:p>
-          <a:p>
-            <a:pPr marL="0" marR="0" lvl="0" indent="0" algn="l" defTabSz="914400" rtl="0" eaLnBrk="0" fontAlgn="base" latinLnBrk="0" hangingPunct="0">
-              <a:lnSpc>
-                <a:spcPct val="100000"/>
-              </a:lnSpc>
-              <a:spcBef>
-                <a:spcPct val="0"/>
-              </a:spcBef>
-              <a:spcAft>
-                <a:spcPct val="0"/>
-              </a:spcAft>
-              <a:buClrTx/>
-              <a:buSzTx/>
-              <a:buFontTx/>
-              <a:buChar char="•"/>
-              <a:tabLst/>
-            </a:pPr>
-            <a:r>
-              <a:rPr kumimoji="0" lang="en-US" altLang="en-US" sz="1200" b="0" i="0" u="none" strike="noStrike" cap="none" normalizeH="0" baseline="0">
-                <a:ln>
-                  <a:noFill/>
-                </a:ln>
-                <a:solidFill>
-                  <a:schemeClr val="tx1"/>
-                </a:solidFill>
-                <a:effectLst/>
-                <a:latin typeface="Arial" panose="020B0604020202020204" pitchFamily="34" charset="0"/>
-              </a:rPr>
-              <a:t>Principal components are linear combinations of original features and can be challenging to interpret, especially in terms of their meaning and relevance.</a:t>
-            </a:r>
-          </a:p>
-          <a:p>
-            <a:pPr marL="0" marR="0" lvl="0" indent="0" algn="l" defTabSz="914400" rtl="0" eaLnBrk="0" fontAlgn="base" latinLnBrk="0" hangingPunct="0">
-              <a:lnSpc>
-                <a:spcPct val="100000"/>
-              </a:lnSpc>
-              <a:spcBef>
-                <a:spcPct val="0"/>
-              </a:spcBef>
-              <a:spcAft>
-                <a:spcPct val="0"/>
-              </a:spcAft>
-              <a:buClrTx/>
-              <a:buSzTx/>
-              <a:buFontTx/>
-              <a:buChar char="•"/>
-              <a:tabLst/>
-            </a:pPr>
-            <a:r>
-              <a:rPr kumimoji="0" lang="en-US" altLang="en-US" sz="1200" b="1" i="0" u="none" strike="noStrike" cap="none" normalizeH="0" baseline="0">
-                <a:ln>
-                  <a:noFill/>
-                </a:ln>
-                <a:solidFill>
-                  <a:schemeClr val="tx1"/>
-                </a:solidFill>
-                <a:effectLst/>
-                <a:latin typeface="Arial" panose="020B0604020202020204" pitchFamily="34" charset="0"/>
-              </a:rPr>
-              <a:t>Overfitting Risk</a:t>
-            </a:r>
-            <a:r>
-              <a:rPr kumimoji="0" lang="en-US" altLang="en-US" sz="1200" b="0" i="0" u="none" strike="noStrike" cap="none" normalizeH="0" baseline="0">
-                <a:ln>
-                  <a:noFill/>
-                </a:ln>
-                <a:solidFill>
-                  <a:schemeClr val="tx1"/>
-                </a:solidFill>
-                <a:effectLst/>
-                <a:latin typeface="Arial" panose="020B0604020202020204" pitchFamily="34" charset="0"/>
-              </a:rPr>
-              <a:t>:</a:t>
-            </a:r>
-          </a:p>
-          <a:p>
-            <a:pPr marL="0" marR="0" lvl="0" indent="0" algn="l" defTabSz="914400" rtl="0" eaLnBrk="0" fontAlgn="base" latinLnBrk="0" hangingPunct="0">
-              <a:lnSpc>
-                <a:spcPct val="100000"/>
-              </a:lnSpc>
-              <a:spcBef>
-                <a:spcPct val="0"/>
-              </a:spcBef>
-              <a:spcAft>
-                <a:spcPct val="0"/>
-              </a:spcAft>
-              <a:buClrTx/>
-              <a:buSzTx/>
-              <a:buFontTx/>
-              <a:buChar char="•"/>
-              <a:tabLst/>
-            </a:pPr>
-            <a:r>
-              <a:rPr kumimoji="0" lang="en-US" altLang="en-US" sz="1200" b="0" i="0" u="none" strike="noStrike" cap="none" normalizeH="0" baseline="0">
-                <a:ln>
-                  <a:noFill/>
-                </a:ln>
-                <a:solidFill>
-                  <a:schemeClr val="tx1"/>
-                </a:solidFill>
-                <a:effectLst/>
-                <a:latin typeface="Arial" panose="020B0604020202020204" pitchFamily="34" charset="0"/>
-              </a:rPr>
-              <a:t>With a high number of principal components, there is a risk of overfitting the discriminant model to the training data, which can affect generalizability.</a:t>
-            </a:r>
-          </a:p>
-          <a:p>
-            <a:pPr marL="0" marR="0" lvl="0" indent="0" algn="l" defTabSz="914400" rtl="0" eaLnBrk="0" fontAlgn="base" latinLnBrk="0" hangingPunct="0">
-              <a:lnSpc>
-                <a:spcPct val="100000"/>
-              </a:lnSpc>
-              <a:spcBef>
-                <a:spcPct val="0"/>
-              </a:spcBef>
-              <a:spcAft>
-                <a:spcPct val="0"/>
-              </a:spcAft>
-              <a:buClrTx/>
-              <a:buSzTx/>
-              <a:buFontTx/>
-              <a:buChar char="•"/>
-              <a:tabLst/>
-            </a:pPr>
-            <a:r>
-              <a:rPr kumimoji="0" lang="en-US" altLang="en-US" sz="1200" b="1" i="0" u="none" strike="noStrike" cap="none" normalizeH="0" baseline="0">
-                <a:ln>
-                  <a:noFill/>
-                </a:ln>
-                <a:solidFill>
-                  <a:schemeClr val="tx1"/>
-                </a:solidFill>
-                <a:effectLst/>
-                <a:latin typeface="Arial" panose="020B0604020202020204" pitchFamily="34" charset="0"/>
-              </a:rPr>
-              <a:t>Sensitivity to Data Scaling</a:t>
-            </a:r>
-            <a:r>
-              <a:rPr kumimoji="0" lang="en-US" altLang="en-US" sz="1200" b="0" i="0" u="none" strike="noStrike" cap="none" normalizeH="0" baseline="0">
-                <a:ln>
-                  <a:noFill/>
-                </a:ln>
-                <a:solidFill>
-                  <a:schemeClr val="tx1"/>
-                </a:solidFill>
-                <a:effectLst/>
-                <a:latin typeface="Arial" panose="020B0604020202020204" pitchFamily="34" charset="0"/>
-              </a:rPr>
-              <a:t>:</a:t>
-            </a:r>
-          </a:p>
-          <a:p>
-            <a:pPr marL="0" marR="0" lvl="0" indent="0" algn="l" defTabSz="914400" rtl="0" eaLnBrk="0" fontAlgn="base" latinLnBrk="0" hangingPunct="0">
-              <a:lnSpc>
-                <a:spcPct val="100000"/>
-              </a:lnSpc>
-              <a:spcBef>
-                <a:spcPct val="0"/>
-              </a:spcBef>
-              <a:spcAft>
-                <a:spcPct val="0"/>
-              </a:spcAft>
-              <a:buClrTx/>
-              <a:buSzTx/>
-              <a:buFontTx/>
-              <a:buChar char="•"/>
-              <a:tabLst/>
-            </a:pPr>
-            <a:r>
-              <a:rPr kumimoji="0" lang="en-US" altLang="en-US" sz="1200" b="0" i="0" u="none" strike="noStrike" cap="none" normalizeH="0" baseline="0">
-                <a:ln>
-                  <a:noFill/>
-                </a:ln>
-                <a:solidFill>
-                  <a:schemeClr val="tx1"/>
-                </a:solidFill>
-                <a:effectLst/>
-                <a:latin typeface="Arial" panose="020B0604020202020204" pitchFamily="34" charset="0"/>
-              </a:rPr>
-              <a:t>PCA is sensitive to the scale of features, requiring careful normalization or standardization of data before applying PCA.</a:t>
-            </a:r>
-          </a:p>
-          <a:p>
-            <a:pPr marL="0" marR="0" lvl="0" indent="0" algn="l" defTabSz="914400" rtl="0" eaLnBrk="0" fontAlgn="base" latinLnBrk="0" hangingPunct="0">
-              <a:lnSpc>
-                <a:spcPct val="100000"/>
-              </a:lnSpc>
-              <a:spcBef>
-                <a:spcPct val="0"/>
-              </a:spcBef>
-              <a:spcAft>
-                <a:spcPct val="0"/>
-              </a:spcAft>
-              <a:buClrTx/>
-              <a:buSzTx/>
-              <a:buFontTx/>
-              <a:buChar char="•"/>
-              <a:tabLst/>
-            </a:pPr>
-            <a:r>
-              <a:rPr kumimoji="0" lang="en-US" altLang="en-US" sz="1200" b="1" i="0" u="none" strike="noStrike" cap="none" normalizeH="0" baseline="0">
-                <a:ln>
-                  <a:noFill/>
-                </a:ln>
-                <a:solidFill>
-                  <a:schemeClr val="tx1"/>
-                </a:solidFill>
-                <a:effectLst/>
-                <a:latin typeface="Arial" panose="020B0604020202020204" pitchFamily="34" charset="0"/>
-              </a:rPr>
-              <a:t>Choice of Discriminant Analysis Method</a:t>
-            </a:r>
-            <a:r>
-              <a:rPr kumimoji="0" lang="en-US" altLang="en-US" sz="1200" b="0" i="0" u="none" strike="noStrike" cap="none" normalizeH="0" baseline="0">
-                <a:ln>
-                  <a:noFill/>
-                </a:ln>
-                <a:solidFill>
-                  <a:schemeClr val="tx1"/>
-                </a:solidFill>
-                <a:effectLst/>
-                <a:latin typeface="Arial" panose="020B0604020202020204" pitchFamily="34" charset="0"/>
-              </a:rPr>
-              <a:t>:</a:t>
-            </a:r>
-          </a:p>
-          <a:p>
-            <a:pPr marL="0" marR="0" lvl="0" indent="0" algn="l" defTabSz="914400" rtl="0" eaLnBrk="0" fontAlgn="base" latinLnBrk="0" hangingPunct="0">
-              <a:lnSpc>
-                <a:spcPct val="100000"/>
-              </a:lnSpc>
-              <a:spcBef>
-                <a:spcPct val="0"/>
-              </a:spcBef>
-              <a:spcAft>
-                <a:spcPct val="0"/>
-              </a:spcAft>
-              <a:buClrTx/>
-              <a:buSzTx/>
-              <a:buFontTx/>
-              <a:buChar char="•"/>
-              <a:tabLst/>
-            </a:pPr>
-            <a:r>
-              <a:rPr kumimoji="0" lang="en-US" altLang="en-US" sz="1200" b="0" i="0" u="none" strike="noStrike" cap="none" normalizeH="0" baseline="0">
-                <a:ln>
-                  <a:noFill/>
-                </a:ln>
-                <a:solidFill>
-                  <a:schemeClr val="tx1"/>
-                </a:solidFill>
-                <a:effectLst/>
-                <a:latin typeface="Arial" panose="020B0604020202020204" pitchFamily="34" charset="0"/>
-              </a:rPr>
-              <a:t>Selecting the appropriate discriminant analysis technique (e.g., Linear Discriminant Analysis vs. Quadratic Discriminant Analysis) can impact the effectiveness of the classification.</a:t>
-            </a:r>
-          </a:p>
-          <a:p>
-            <a:pPr marL="0" marR="0" lvl="0" indent="0" algn="l" defTabSz="914400" rtl="0" eaLnBrk="0" fontAlgn="base" latinLnBrk="0" hangingPunct="0">
-              <a:lnSpc>
-                <a:spcPct val="100000"/>
-              </a:lnSpc>
-              <a:spcBef>
-                <a:spcPct val="0"/>
-              </a:spcBef>
-              <a:spcAft>
-                <a:spcPct val="0"/>
-              </a:spcAft>
-              <a:buClrTx/>
-              <a:buSzTx/>
-              <a:buFontTx/>
-              <a:buChar char="•"/>
-              <a:tabLst/>
-            </a:pPr>
-            <a:r>
-              <a:rPr kumimoji="0" lang="en-US" altLang="en-US" sz="1200" b="1" i="0" u="none" strike="noStrike" cap="none" normalizeH="0" baseline="0">
-                <a:ln>
-                  <a:noFill/>
-                </a:ln>
-                <a:solidFill>
-                  <a:schemeClr val="tx1"/>
-                </a:solidFill>
-                <a:effectLst/>
-                <a:latin typeface="Arial" panose="020B0604020202020204" pitchFamily="34" charset="0"/>
-              </a:rPr>
-              <a:t>Dimensionality Reduction Loss</a:t>
-            </a:r>
-            <a:r>
-              <a:rPr kumimoji="0" lang="en-US" altLang="en-US" sz="1200" b="0" i="0" u="none" strike="noStrike" cap="none" normalizeH="0" baseline="0">
-                <a:ln>
-                  <a:noFill/>
-                </a:ln>
-                <a:solidFill>
-                  <a:schemeClr val="tx1"/>
-                </a:solidFill>
-                <a:effectLst/>
-                <a:latin typeface="Arial" panose="020B0604020202020204" pitchFamily="34" charset="0"/>
-              </a:rPr>
-              <a:t>:</a:t>
-            </a:r>
-          </a:p>
-          <a:p>
-            <a:pPr marL="0" marR="0" lvl="0" indent="0" algn="l" defTabSz="914400" rtl="0" eaLnBrk="0" fontAlgn="base" latinLnBrk="0" hangingPunct="0">
-              <a:lnSpc>
-                <a:spcPct val="100000"/>
-              </a:lnSpc>
-              <a:spcBef>
-                <a:spcPct val="0"/>
-              </a:spcBef>
-              <a:spcAft>
-                <a:spcPct val="0"/>
-              </a:spcAft>
-              <a:buClrTx/>
-              <a:buSzTx/>
-              <a:buFontTx/>
-              <a:buChar char="•"/>
-              <a:tabLst/>
-            </a:pPr>
-            <a:r>
-              <a:rPr kumimoji="0" lang="en-US" altLang="en-US" sz="1200" b="0" i="0" u="none" strike="noStrike" cap="none" normalizeH="0" baseline="0">
-                <a:ln>
-                  <a:noFill/>
-                </a:ln>
-                <a:solidFill>
-                  <a:schemeClr val="tx1"/>
-                </a:solidFill>
-                <a:effectLst/>
-                <a:latin typeface="Arial" panose="020B0604020202020204" pitchFamily="34" charset="0"/>
-              </a:rPr>
-              <a:t>Reducing dimensions through PCA may result in loss of some information, which can affect the accuracy of the classification if not managed properly.</a:t>
-            </a:r>
-          </a:p>
-          <a:p>
-            <a:pPr marL="0" marR="0" lvl="0" indent="0" algn="l" defTabSz="914400" rtl="0" eaLnBrk="0" fontAlgn="base" latinLnBrk="0" hangingPunct="0">
-              <a:lnSpc>
-                <a:spcPct val="100000"/>
-              </a:lnSpc>
-              <a:spcBef>
-                <a:spcPct val="0"/>
-              </a:spcBef>
-              <a:spcAft>
-                <a:spcPct val="0"/>
-              </a:spcAft>
-              <a:buClrTx/>
-              <a:buSzTx/>
-              <a:buFontTx/>
-              <a:buChar char="•"/>
-              <a:tabLst/>
-            </a:pPr>
-            <a:r>
-              <a:rPr kumimoji="0" lang="en-US" altLang="en-US" sz="1200" b="1" i="0" u="none" strike="noStrike" cap="none" normalizeH="0" baseline="0">
-                <a:ln>
-                  <a:noFill/>
-                </a:ln>
-                <a:solidFill>
-                  <a:schemeClr val="tx1"/>
-                </a:solidFill>
-                <a:effectLst/>
-                <a:latin typeface="Arial" panose="020B0604020202020204" pitchFamily="34" charset="0"/>
-              </a:rPr>
-              <a:t>Handling Non-Gaussian Data</a:t>
-            </a:r>
-            <a:r>
-              <a:rPr kumimoji="0" lang="en-US" altLang="en-US" sz="1200" b="0" i="0" u="none" strike="noStrike" cap="none" normalizeH="0" baseline="0">
-                <a:ln>
-                  <a:noFill/>
-                </a:ln>
-                <a:solidFill>
-                  <a:schemeClr val="tx1"/>
-                </a:solidFill>
-                <a:effectLst/>
-                <a:latin typeface="Arial" panose="020B0604020202020204" pitchFamily="34" charset="0"/>
-              </a:rPr>
-              <a:t>:</a:t>
-            </a:r>
-          </a:p>
-          <a:p>
-            <a:pPr marL="0" marR="0" lvl="0" indent="0" algn="l" defTabSz="914400" rtl="0" eaLnBrk="0" fontAlgn="base" latinLnBrk="0" hangingPunct="0">
-              <a:lnSpc>
-                <a:spcPct val="100000"/>
-              </a:lnSpc>
-              <a:spcBef>
-                <a:spcPct val="0"/>
-              </a:spcBef>
-              <a:spcAft>
-                <a:spcPct val="0"/>
-              </a:spcAft>
-              <a:buClrTx/>
-              <a:buSzTx/>
-              <a:buFontTx/>
-              <a:buChar char="•"/>
-              <a:tabLst/>
-            </a:pPr>
-            <a:r>
-              <a:rPr kumimoji="0" lang="en-US" altLang="en-US" sz="1200" b="0" i="0" u="none" strike="noStrike" cap="none" normalizeH="0" baseline="0">
-                <a:ln>
-                  <a:noFill/>
-                </a:ln>
-                <a:solidFill>
-                  <a:schemeClr val="tx1"/>
-                </a:solidFill>
-                <a:effectLst/>
-                <a:latin typeface="Arial" panose="020B0604020202020204" pitchFamily="34" charset="0"/>
-              </a:rPr>
-              <a:t>DAPC may not perform well with non-Gaussian data distributions, as traditional discriminant analysis techniques often assume normality.</a:t>
-            </a:r>
-          </a:p>
-          <a:p>
-            <a:pPr marL="0" marR="0" lvl="0" indent="0" algn="l" defTabSz="914400" rtl="0" eaLnBrk="0" fontAlgn="base" latinLnBrk="0" hangingPunct="0">
-              <a:lnSpc>
-                <a:spcPct val="100000"/>
-              </a:lnSpc>
-              <a:spcBef>
-                <a:spcPct val="0"/>
-              </a:spcBef>
-              <a:spcAft>
-                <a:spcPct val="0"/>
-              </a:spcAft>
-              <a:buClrTx/>
-              <a:buSzTx/>
-              <a:buFontTx/>
-              <a:buChar char="•"/>
-              <a:tabLst/>
-            </a:pPr>
-            <a:r>
-              <a:rPr kumimoji="0" lang="en-US" altLang="en-US" sz="1200" b="1" i="0" u="none" strike="noStrike" cap="none" normalizeH="0" baseline="0">
-                <a:ln>
-                  <a:noFill/>
-                </a:ln>
-                <a:solidFill>
-                  <a:schemeClr val="tx1"/>
-                </a:solidFill>
-                <a:effectLst/>
-                <a:latin typeface="Arial" panose="020B0604020202020204" pitchFamily="34" charset="0"/>
-              </a:rPr>
-              <a:t>Complexity in Implementation</a:t>
-            </a:r>
-            <a:r>
-              <a:rPr kumimoji="0" lang="en-US" altLang="en-US" sz="1200" b="0" i="0" u="none" strike="noStrike" cap="none" normalizeH="0" baseline="0">
-                <a:ln>
-                  <a:noFill/>
-                </a:ln>
-                <a:solidFill>
-                  <a:schemeClr val="tx1"/>
-                </a:solidFill>
-                <a:effectLst/>
-                <a:latin typeface="Arial" panose="020B0604020202020204" pitchFamily="34" charset="0"/>
-              </a:rPr>
-              <a:t>:</a:t>
-            </a:r>
-          </a:p>
-          <a:p>
-            <a:pPr marL="0" marR="0" lvl="0" indent="0" algn="l" defTabSz="914400" rtl="0" eaLnBrk="0" fontAlgn="base" latinLnBrk="0" hangingPunct="0">
-              <a:lnSpc>
-                <a:spcPct val="100000"/>
-              </a:lnSpc>
-              <a:spcBef>
-                <a:spcPct val="0"/>
-              </a:spcBef>
-              <a:spcAft>
-                <a:spcPct val="0"/>
-              </a:spcAft>
-              <a:buClrTx/>
-              <a:buSzTx/>
-              <a:buFontTx/>
-              <a:buChar char="•"/>
-              <a:tabLst/>
-            </a:pPr>
-            <a:r>
-              <a:rPr kumimoji="0" lang="en-US" altLang="en-US" sz="1200" b="0" i="0" u="none" strike="noStrike" cap="none" normalizeH="0" baseline="0">
-                <a:ln>
-                  <a:noFill/>
-                </a:ln>
-                <a:solidFill>
-                  <a:schemeClr val="tx1"/>
-                </a:solidFill>
-                <a:effectLst/>
-                <a:latin typeface="Arial" panose="020B0604020202020204" pitchFamily="34" charset="0"/>
-              </a:rPr>
-              <a:t>Implementing DAPC requires careful execution of PCA followed by discriminant analysis, which can be complex and requires a good understanding of both techniques.</a:t>
-            </a:r>
-          </a:p>
-          <a:p>
-            <a:pPr marL="0" marR="0" lvl="0" indent="0" algn="l" defTabSz="914400" rtl="0" eaLnBrk="0" fontAlgn="base" latinLnBrk="0" hangingPunct="0">
-              <a:lnSpc>
-                <a:spcPct val="100000"/>
-              </a:lnSpc>
-              <a:spcBef>
-                <a:spcPct val="0"/>
-              </a:spcBef>
-              <a:spcAft>
-                <a:spcPct val="0"/>
-              </a:spcAft>
-              <a:buClrTx/>
-              <a:buSzTx/>
-              <a:buFontTx/>
-              <a:buNone/>
-              <a:tabLst/>
-            </a:pPr>
-            <a:endParaRPr kumimoji="0" lang="en-US" altLang="en-US" sz="1200" b="0" i="0" u="none" strike="noStrike" cap="none" normalizeH="0" baseline="0">
-              <a:ln>
-                <a:noFill/>
-              </a:ln>
-              <a:solidFill>
-                <a:schemeClr val="tx1"/>
-              </a:solidFill>
-              <a:effectLst/>
-              <a:latin typeface="Arial" panose="020B0604020202020204" pitchFamily="34" charset="0"/>
-            </a:endParaRPr>
-          </a:p>
-        </p:txBody>
-      </p:sp>
-    </p:spTree>
-    <p:extLst>
-      <p:ext uri="{BB962C8B-B14F-4D97-AF65-F5344CB8AC3E}">
-        <p14:creationId xmlns:p14="http://schemas.microsoft.com/office/powerpoint/2010/main" val="775134715"/>
-      </p:ext>
-    </p:extLst>
-  </p:cSld>
-  <p:clrMapOvr>
-    <a:masterClrMapping/>
-  </p:clrMapOvr>
-</p:sld>
-</file>
-
-<file path=ppt/slides/slide18.xml><?xml version="1.0" encoding="utf-8"?>
 <p:sld xmlns:a="http://schemas.openxmlformats.org/drawingml/2006/main" xmlns:r="http://schemas.openxmlformats.org/officeDocument/2006/relationships" xmlns:p="http://schemas.openxmlformats.org/presentationml/2006/main">
   <p:cSld>
     <p:spTree>
@@ -15039,7 +12927,7 @@
 </p:sld>
 </file>
 
-<file path=ppt/slides/slide19.xml><?xml version="1.0" encoding="utf-8"?>
+<file path=ppt/slides/slide17.xml><?xml version="1.0" encoding="utf-8"?>
 <p:sld xmlns:a="http://schemas.openxmlformats.org/drawingml/2006/main" xmlns:r="http://schemas.openxmlformats.org/officeDocument/2006/relationships" xmlns:p="http://schemas.openxmlformats.org/presentationml/2006/main">
   <p:cSld>
     <p:spTree>
@@ -15270,75 +13158,7 @@
 </p:sld>
 </file>
 
-<file path=ppt/slides/slide2.xml><?xml version="1.0" encoding="utf-8"?>
-<p:sld xmlns:a="http://schemas.openxmlformats.org/drawingml/2006/main" xmlns:r="http://schemas.openxmlformats.org/officeDocument/2006/relationships" xmlns:p="http://schemas.openxmlformats.org/presentationml/2006/main">
-  <p:cSld>
-    <p:spTree>
-      <p:nvGrpSpPr>
-        <p:cNvPr id="1" name=""/>
-        <p:cNvGrpSpPr/>
-        <p:nvPr/>
-      </p:nvGrpSpPr>
-      <p:grpSpPr>
-        <a:xfrm>
-          <a:off x="0" y="0"/>
-          <a:ext cx="0" cy="0"/>
-          <a:chOff x="0" y="0"/>
-          <a:chExt cx="0" cy="0"/>
-        </a:xfrm>
-      </p:grpSpPr>
-      <p:sp>
-        <p:nvSpPr>
-          <p:cNvPr id="2" name="TextBox 1">
-            <a:extLst>
-              <a:ext uri="{FF2B5EF4-FFF2-40B4-BE49-F238E27FC236}">
-                <a16:creationId xmlns:a16="http://schemas.microsoft.com/office/drawing/2014/main" id="{7A3917FB-9318-B75A-2B17-4E1FDD2B3267}"/>
-              </a:ext>
-            </a:extLst>
-          </p:cNvPr>
-          <p:cNvSpPr txBox="1"/>
-          <p:nvPr/>
-        </p:nvSpPr>
-        <p:spPr>
-          <a:xfrm>
-            <a:off x="3017520" y="3620006"/>
-            <a:ext cx="12252960" cy="1569660"/>
-          </a:xfrm>
-          <a:prstGeom prst="rect">
-            <a:avLst/>
-          </a:prstGeom>
-          <a:noFill/>
-        </p:spPr>
-        <p:txBody>
-          <a:bodyPr wrap="square" rtlCol="0">
-            <a:spAutoFit/>
-          </a:bodyPr>
-          <a:lstStyle/>
-          <a:p>
-            <a:pPr algn="ctr"/>
-            <a:r>
-              <a:rPr lang="en-US" sz="9600" dirty="0">
-                <a:latin typeface="Aptos Display" panose="020B0004020202020204" pitchFamily="34" charset="0"/>
-              </a:rPr>
-              <a:t>Background Information</a:t>
-            </a:r>
-          </a:p>
-        </p:txBody>
-      </p:sp>
-    </p:spTree>
-    <p:extLst>
-      <p:ext uri="{BB962C8B-B14F-4D97-AF65-F5344CB8AC3E}">
-        <p14:creationId xmlns:p14="http://schemas.microsoft.com/office/powerpoint/2010/main" val="1253725192"/>
-      </p:ext>
-    </p:extLst>
-  </p:cSld>
-  <p:clrMapOvr>
-    <a:masterClrMapping/>
-  </p:clrMapOvr>
-</p:sld>
-</file>
-
-<file path=ppt/slides/slide20.xml><?xml version="1.0" encoding="utf-8"?>
+<file path=ppt/slides/slide18.xml><?xml version="1.0" encoding="utf-8"?>
 <p:sld xmlns:a="http://schemas.openxmlformats.org/drawingml/2006/main" xmlns:r="http://schemas.openxmlformats.org/officeDocument/2006/relationships" xmlns:p="http://schemas.openxmlformats.org/presentationml/2006/main">
   <p:cSld>
     <p:spTree>
@@ -15601,7 +13421,7 @@
 </p:sld>
 </file>
 
-<file path=ppt/slides/slide21.xml><?xml version="1.0" encoding="utf-8"?>
+<file path=ppt/slides/slide19.xml><?xml version="1.0" encoding="utf-8"?>
 <p:sld xmlns:a="http://schemas.openxmlformats.org/drawingml/2006/main" xmlns:r="http://schemas.openxmlformats.org/officeDocument/2006/relationships" xmlns:p="http://schemas.openxmlformats.org/presentationml/2006/main">
   <p:cSld>
     <p:spTree>
@@ -15917,7 +13737,75 @@
 </p:sld>
 </file>
 
-<file path=ppt/slides/slide22.xml><?xml version="1.0" encoding="utf-8"?>
+<file path=ppt/slides/slide2.xml><?xml version="1.0" encoding="utf-8"?>
+<p:sld xmlns:a="http://schemas.openxmlformats.org/drawingml/2006/main" xmlns:r="http://schemas.openxmlformats.org/officeDocument/2006/relationships" xmlns:p="http://schemas.openxmlformats.org/presentationml/2006/main">
+  <p:cSld>
+    <p:spTree>
+      <p:nvGrpSpPr>
+        <p:cNvPr id="1" name=""/>
+        <p:cNvGrpSpPr/>
+        <p:nvPr/>
+      </p:nvGrpSpPr>
+      <p:grpSpPr>
+        <a:xfrm>
+          <a:off x="0" y="0"/>
+          <a:ext cx="0" cy="0"/>
+          <a:chOff x="0" y="0"/>
+          <a:chExt cx="0" cy="0"/>
+        </a:xfrm>
+      </p:grpSpPr>
+      <p:sp>
+        <p:nvSpPr>
+          <p:cNvPr id="2" name="TextBox 1">
+            <a:extLst>
+              <a:ext uri="{FF2B5EF4-FFF2-40B4-BE49-F238E27FC236}">
+                <a16:creationId xmlns:a16="http://schemas.microsoft.com/office/drawing/2014/main" id="{7A3917FB-9318-B75A-2B17-4E1FDD2B3267}"/>
+              </a:ext>
+            </a:extLst>
+          </p:cNvPr>
+          <p:cNvSpPr txBox="1"/>
+          <p:nvPr/>
+        </p:nvSpPr>
+        <p:spPr>
+          <a:xfrm>
+            <a:off x="3017520" y="3620006"/>
+            <a:ext cx="12252960" cy="1569660"/>
+          </a:xfrm>
+          <a:prstGeom prst="rect">
+            <a:avLst/>
+          </a:prstGeom>
+          <a:noFill/>
+        </p:spPr>
+        <p:txBody>
+          <a:bodyPr wrap="square" rtlCol="0">
+            <a:spAutoFit/>
+          </a:bodyPr>
+          <a:lstStyle/>
+          <a:p>
+            <a:pPr algn="ctr"/>
+            <a:r>
+              <a:rPr lang="en-US" sz="9600" dirty="0">
+                <a:latin typeface="Aptos Display" panose="020B0004020202020204" pitchFamily="34" charset="0"/>
+              </a:rPr>
+              <a:t>Background Information</a:t>
+            </a:r>
+          </a:p>
+        </p:txBody>
+      </p:sp>
+    </p:spTree>
+    <p:extLst>
+      <p:ext uri="{BB962C8B-B14F-4D97-AF65-F5344CB8AC3E}">
+        <p14:creationId xmlns:p14="http://schemas.microsoft.com/office/powerpoint/2010/main" val="1253725192"/>
+      </p:ext>
+    </p:extLst>
+  </p:cSld>
+  <p:clrMapOvr>
+    <a:masterClrMapping/>
+  </p:clrMapOvr>
+</p:sld>
+</file>
+
+<file path=ppt/slides/slide20.xml><?xml version="1.0" encoding="utf-8"?>
 <p:sld xmlns:a="http://schemas.openxmlformats.org/drawingml/2006/main" xmlns:r="http://schemas.openxmlformats.org/officeDocument/2006/relationships" xmlns:p="http://schemas.openxmlformats.org/presentationml/2006/main">
   <p:cSld>
     <p:spTree>
@@ -15968,14 +13856,8 @@
               </a:spcBef>
             </a:pPr>
             <a:r>
-              <a:rPr lang="en-US" sz="6000" b="0" dirty="0">
-                <a:solidFill>
-                  <a:srgbClr val="0C234B"/>
-                </a:solidFill>
-                <a:latin typeface="Times New Roman" panose="02020603050405020304" pitchFamily="18" charset="0"/>
-                <a:cs typeface="Times New Roman" panose="02020603050405020304" pitchFamily="18" charset="0"/>
-              </a:rPr>
-              <a:t>What  is DAPC?</a:t>
+              <a:rPr lang="en-US" sz="6000" dirty="0"/>
+              <a:t>Advantages of DAPC</a:t>
             </a:r>
             <a:endParaRPr sz="6000" b="0" dirty="0">
               <a:solidFill>
@@ -15989,10 +13871,10 @@
       </p:sp>
       <p:sp>
         <p:nvSpPr>
-          <p:cNvPr id="7" name="Rectangle 3">
+          <p:cNvPr id="3" name="Rectangle 1">
             <a:extLst>
               <a:ext uri="{FF2B5EF4-FFF2-40B4-BE49-F238E27FC236}">
-                <a16:creationId xmlns:a16="http://schemas.microsoft.com/office/drawing/2014/main" id="{27538980-ADC8-D00D-B0FC-F05F5543CCDE}"/>
+                <a16:creationId xmlns:a16="http://schemas.microsoft.com/office/drawing/2014/main" id="{29133AF8-330C-0AA1-AF87-FD8CE34F8ED1}"/>
               </a:ext>
             </a:extLst>
           </p:cNvPr>
@@ -16003,8 +13885,8 @@
         </p:nvSpPr>
         <p:spPr bwMode="auto">
           <a:xfrm>
-            <a:off x="2352675" y="2705100"/>
-            <a:ext cx="13582650" cy="1200329"/>
+            <a:off x="2242344" y="2109401"/>
+            <a:ext cx="10591800" cy="1754326"/>
           </a:xfrm>
           <a:prstGeom prst="rect">
             <a:avLst/>
@@ -16107,7 +13989,7 @@
                 <a:effectLst/>
                 <a:latin typeface="Arial" panose="020B0604020202020204" pitchFamily="34" charset="0"/>
               </a:rPr>
-              <a:t>Definition of DAPC: A method that integrates Principal Components Analysis (PCA) with Discriminant Analysis (DA) to improve classification.</a:t>
+              <a:t>Improved classification accuracy.</a:t>
             </a:r>
           </a:p>
           <a:p>
@@ -16138,724 +14020,110 @@
                 <a:effectLst/>
                 <a:latin typeface="Arial" panose="020B0604020202020204" pitchFamily="34" charset="0"/>
               </a:rPr>
-              <a:t>Key components: Dimensionality Reduction and Classification. </a:t>
+              <a:t>Effective handling of high-dimensional data.</a:t>
+            </a:r>
+          </a:p>
+          <a:p>
+            <a:pPr marL="0" marR="0" lvl="0" indent="0" algn="l" defTabSz="914400" rtl="0" eaLnBrk="0" fontAlgn="base" latinLnBrk="0" hangingPunct="0">
+              <a:lnSpc>
+                <a:spcPct val="100000"/>
+              </a:lnSpc>
+              <a:spcBef>
+                <a:spcPct val="0"/>
+              </a:spcBef>
+              <a:spcAft>
+                <a:spcPct val="0"/>
+              </a:spcAft>
+              <a:buClrTx/>
+              <a:buSzTx/>
+              <a:buFontTx/>
+              <a:buChar char="•"/>
+              <a:tabLst/>
+            </a:pPr>
+            <a:r>
+              <a:rPr kumimoji="0" lang="en-US" altLang="en-US" sz="1800" b="0" i="0" u="none" strike="noStrike" cap="none" normalizeH="0" baseline="0" dirty="0">
+                <a:ln>
+                  <a:noFill/>
+                </a:ln>
+                <a:solidFill>
+                  <a:schemeClr val="tx1"/>
+                </a:solidFill>
+                <a:effectLst/>
+                <a:latin typeface="Arial" panose="020B0604020202020204" pitchFamily="34" charset="0"/>
+              </a:rPr>
+              <a:t>Enhanced interpretability of results.</a:t>
+            </a:r>
+          </a:p>
+          <a:p>
+            <a:pPr marL="0" marR="0" lvl="0" indent="0" algn="l" defTabSz="914400" rtl="0" eaLnBrk="0" fontAlgn="base" latinLnBrk="0" hangingPunct="0">
+              <a:lnSpc>
+                <a:spcPct val="100000"/>
+              </a:lnSpc>
+              <a:spcBef>
+                <a:spcPct val="0"/>
+              </a:spcBef>
+              <a:spcAft>
+                <a:spcPct val="0"/>
+              </a:spcAft>
+              <a:buClrTx/>
+              <a:buSzTx/>
+              <a:buFontTx/>
+              <a:buChar char="•"/>
+              <a:tabLst/>
+            </a:pPr>
+            <a:r>
+              <a:rPr kumimoji="0" lang="en-US" altLang="en-US" sz="1800" b="0" i="0" u="none" strike="noStrike" cap="none" normalizeH="0" baseline="0" dirty="0">
+                <a:ln>
+                  <a:noFill/>
+                </a:ln>
+                <a:solidFill>
+                  <a:schemeClr val="tx1"/>
+                </a:solidFill>
+                <a:effectLst/>
+                <a:latin typeface="Arial" panose="020B0604020202020204" pitchFamily="34" charset="0"/>
+              </a:rPr>
+              <a:t>Visual: Bullet points or a table summarizing advantages.</a:t>
+            </a:r>
+          </a:p>
+          <a:p>
+            <a:pPr marL="0" marR="0" lvl="0" indent="0" algn="l" defTabSz="914400" rtl="0" eaLnBrk="0" fontAlgn="base" latinLnBrk="0" hangingPunct="0">
+              <a:lnSpc>
+                <a:spcPct val="100000"/>
+              </a:lnSpc>
+              <a:spcBef>
+                <a:spcPct val="0"/>
+              </a:spcBef>
+              <a:spcAft>
+                <a:spcPct val="0"/>
+              </a:spcAft>
+              <a:buClrTx/>
+              <a:buSzTx/>
+              <a:buFontTx/>
+              <a:buChar char="•"/>
+              <a:tabLst/>
+            </a:pPr>
+            <a:r>
+              <a:rPr kumimoji="0" lang="en-US" altLang="en-US" sz="1800" b="0" i="0" u="none" strike="noStrike" cap="none" normalizeH="0" baseline="0" dirty="0">
+                <a:ln>
+                  <a:noFill/>
+                </a:ln>
+                <a:solidFill>
+                  <a:schemeClr val="tx1"/>
+                </a:solidFill>
+                <a:effectLst/>
+                <a:latin typeface="Arial" panose="020B0604020202020204" pitchFamily="34" charset="0"/>
+              </a:rPr>
+              <a:t> </a:t>
             </a:r>
           </a:p>
         </p:txBody>
       </p:sp>
       <p:sp>
         <p:nvSpPr>
-          <p:cNvPr id="9" name="TextBox 8">
+          <p:cNvPr id="4" name="Rectangle 2">
             <a:extLst>
               <a:ext uri="{FF2B5EF4-FFF2-40B4-BE49-F238E27FC236}">
-                <a16:creationId xmlns:a16="http://schemas.microsoft.com/office/drawing/2014/main" id="{699DF14F-A432-81B5-18D5-443ECD7A0DFF}"/>
-              </a:ext>
-            </a:extLst>
-          </p:cNvPr>
-          <p:cNvSpPr txBox="1"/>
-          <p:nvPr/>
-        </p:nvSpPr>
-        <p:spPr>
-          <a:xfrm>
-            <a:off x="2514600" y="3905429"/>
-            <a:ext cx="13582650" cy="6370975"/>
-          </a:xfrm>
-          <a:prstGeom prst="rect">
-            <a:avLst/>
-          </a:prstGeom>
-          <a:noFill/>
-        </p:spPr>
-        <p:txBody>
-          <a:bodyPr wrap="square">
-            <a:spAutoFit/>
-          </a:bodyPr>
-          <a:lstStyle/>
-          <a:p>
-            <a:r>
-              <a:rPr lang="en-US" sz="800" b="1" dirty="0"/>
-              <a:t>Discriminant Analysis of Principal Components (DAPC)</a:t>
-            </a:r>
-            <a:r>
-              <a:rPr lang="en-US" sz="800" dirty="0"/>
-              <a:t> is a statistical technique that combines the strengths of Principal Components Analysis (PCA) and Discriminant Analysis (DA) to enhance classification performance, particularly in high-dimensional data settings. Here's a detailed description:</a:t>
-            </a:r>
-          </a:p>
-          <a:p>
-            <a:r>
-              <a:rPr lang="en-US" sz="800" b="1" dirty="0"/>
-              <a:t>Overview</a:t>
-            </a:r>
-          </a:p>
-          <a:p>
-            <a:r>
-              <a:rPr lang="en-US" sz="800" dirty="0"/>
-              <a:t>DAPC integrates two key methods:</a:t>
-            </a:r>
-          </a:p>
-          <a:p>
-            <a:pPr>
-              <a:buFont typeface="Arial" panose="020B0604020202020204" pitchFamily="34" charset="0"/>
-              <a:buChar char="•"/>
-            </a:pPr>
-            <a:r>
-              <a:rPr lang="en-US" sz="800" b="1" dirty="0"/>
-              <a:t>Principal Components Analysis (PCA)</a:t>
-            </a:r>
-            <a:r>
-              <a:rPr lang="en-US" sz="800" dirty="0"/>
-              <a:t>: A dimensionality reduction technique that transforms data into a new set of uncorrelated variables (principal components), capturing the maximum variance in the data.</a:t>
-            </a:r>
-          </a:p>
-          <a:p>
-            <a:pPr>
-              <a:buFont typeface="Arial" panose="020B0604020202020204" pitchFamily="34" charset="0"/>
-              <a:buChar char="•"/>
-            </a:pPr>
-            <a:r>
-              <a:rPr lang="en-US" sz="800" b="1" dirty="0"/>
-              <a:t>Discriminant Analysis (DA)</a:t>
-            </a:r>
-            <a:r>
-              <a:rPr lang="en-US" sz="800" dirty="0"/>
-              <a:t>: A classification method that finds linear combinations of features that best separate different classes.</a:t>
-            </a:r>
-          </a:p>
-          <a:p>
-            <a:r>
-              <a:rPr lang="en-US" sz="800" dirty="0"/>
-              <a:t>The goal of DAPC is to improve classification accuracy by first reducing dimensionality with PCA and then applying DA on the reduced-dimensional data.</a:t>
-            </a:r>
-          </a:p>
-          <a:p>
-            <a:r>
-              <a:rPr lang="en-US" sz="800" b="1" dirty="0"/>
-              <a:t>Steps in DAPC</a:t>
-            </a:r>
-          </a:p>
-          <a:p>
-            <a:pPr>
-              <a:buFont typeface="+mj-lt"/>
-              <a:buAutoNum type="arabicPeriod"/>
-            </a:pPr>
-            <a:r>
-              <a:rPr lang="en-US" sz="800" b="1" dirty="0"/>
-              <a:t>Data Preparation</a:t>
-            </a:r>
-            <a:endParaRPr lang="en-US" sz="800" dirty="0"/>
-          </a:p>
-          <a:p>
-            <a:pPr marL="742950" lvl="1" indent="-285750">
-              <a:buFont typeface="+mj-lt"/>
-              <a:buAutoNum type="arabicPeriod"/>
-            </a:pPr>
-            <a:r>
-              <a:rPr lang="en-US" sz="800" b="1" dirty="0"/>
-              <a:t>Objective</a:t>
-            </a:r>
-            <a:r>
-              <a:rPr lang="en-US" sz="800" dirty="0"/>
-              <a:t>: Clean and preprocess the data, handle missing values, and normalize or standardize features if necessary.</a:t>
-            </a:r>
-          </a:p>
-          <a:p>
-            <a:pPr>
-              <a:buFont typeface="+mj-lt"/>
-              <a:buAutoNum type="arabicPeriod"/>
-            </a:pPr>
-            <a:r>
-              <a:rPr lang="en-US" sz="800" b="1" dirty="0"/>
-              <a:t>Principal Components Analysis (PCA)</a:t>
-            </a:r>
-            <a:endParaRPr lang="en-US" sz="800" dirty="0"/>
-          </a:p>
-          <a:p>
-            <a:pPr marL="742950" lvl="1" indent="-285750">
-              <a:buFont typeface="+mj-lt"/>
-              <a:buAutoNum type="arabicPeriod"/>
-            </a:pPr>
-            <a:r>
-              <a:rPr lang="en-US" sz="800" b="1" dirty="0"/>
-              <a:t>Objective</a:t>
-            </a:r>
-            <a:r>
-              <a:rPr lang="en-US" sz="800" dirty="0"/>
-              <a:t>: Reduce dimensionality while retaining most of the variance in the dataset.</a:t>
-            </a:r>
-          </a:p>
-          <a:p>
-            <a:pPr marL="742950" lvl="1" indent="-285750">
-              <a:buFont typeface="+mj-lt"/>
-              <a:buAutoNum type="arabicPeriod"/>
-            </a:pPr>
-            <a:r>
-              <a:rPr lang="en-US" sz="800" b="1" dirty="0"/>
-              <a:t>Process</a:t>
-            </a:r>
-            <a:r>
-              <a:rPr lang="en-US" sz="800" dirty="0"/>
-              <a:t>:</a:t>
-            </a:r>
-          </a:p>
-          <a:p>
-            <a:pPr marL="1143000" lvl="2" indent="-228600">
-              <a:buFont typeface="+mj-lt"/>
-              <a:buAutoNum type="arabicPeriod"/>
-            </a:pPr>
-            <a:r>
-              <a:rPr lang="en-US" sz="800" b="1" dirty="0"/>
-              <a:t>Standardize Data</a:t>
-            </a:r>
-            <a:r>
-              <a:rPr lang="en-US" sz="800" dirty="0"/>
-              <a:t>: Center and scale the data to ensure each feature contributes equally.</a:t>
-            </a:r>
-          </a:p>
-          <a:p>
-            <a:pPr marL="1143000" lvl="2" indent="-228600">
-              <a:buFont typeface="+mj-lt"/>
-              <a:buAutoNum type="arabicPeriod"/>
-            </a:pPr>
-            <a:r>
-              <a:rPr lang="en-US" sz="800" b="1" dirty="0"/>
-              <a:t>Compute Covariance Matrix</a:t>
-            </a:r>
-            <a:r>
-              <a:rPr lang="en-US" sz="800" dirty="0"/>
-              <a:t>: Calculate the covariance matrix of the standardized data to understand the relationships between features.</a:t>
-            </a:r>
-          </a:p>
-          <a:p>
-            <a:pPr marL="1143000" lvl="2" indent="-228600">
-              <a:buFont typeface="+mj-lt"/>
-              <a:buAutoNum type="arabicPeriod"/>
-            </a:pPr>
-            <a:r>
-              <a:rPr lang="en-US" sz="800" b="1" dirty="0"/>
-              <a:t>Eigen Decomposition</a:t>
-            </a:r>
-            <a:r>
-              <a:rPr lang="en-US" sz="800" dirty="0"/>
-              <a:t>: Perform eigenvalue decomposition on the covariance matrix to obtain eigenvalues and eigenvectors.</a:t>
-            </a:r>
-          </a:p>
-          <a:p>
-            <a:pPr marL="1143000" lvl="2" indent="-228600">
-              <a:buFont typeface="+mj-lt"/>
-              <a:buAutoNum type="arabicPeriod"/>
-            </a:pPr>
-            <a:r>
-              <a:rPr lang="en-US" sz="800" b="1" dirty="0"/>
-              <a:t>Select Principal Components</a:t>
-            </a:r>
-            <a:r>
-              <a:rPr lang="en-US" sz="800" dirty="0"/>
-              <a:t>: Choose the top principal components that capture the most variance (often based on a threshold or cumulative variance).</a:t>
-            </a:r>
-          </a:p>
-          <a:p>
-            <a:pPr>
-              <a:buFont typeface="+mj-lt"/>
-              <a:buAutoNum type="arabicPeriod"/>
-            </a:pPr>
-            <a:r>
-              <a:rPr lang="en-US" sz="800" b="1" dirty="0"/>
-              <a:t>Discriminant Analysis (DA)</a:t>
-            </a:r>
-            <a:endParaRPr lang="en-US" sz="800" dirty="0"/>
-          </a:p>
-          <a:p>
-            <a:pPr marL="742950" lvl="1" indent="-285750">
-              <a:buFont typeface="+mj-lt"/>
-              <a:buAutoNum type="arabicPeriod"/>
-            </a:pPr>
-            <a:r>
-              <a:rPr lang="en-US" sz="800" b="1" dirty="0"/>
-              <a:t>Objective</a:t>
-            </a:r>
-            <a:r>
-              <a:rPr lang="en-US" sz="800" dirty="0"/>
-              <a:t>: Classify the data into different categories based on the reduced set of principal components.</a:t>
-            </a:r>
-          </a:p>
-          <a:p>
-            <a:pPr marL="742950" lvl="1" indent="-285750">
-              <a:buFont typeface="+mj-lt"/>
-              <a:buAutoNum type="arabicPeriod"/>
-            </a:pPr>
-            <a:r>
-              <a:rPr lang="en-US" sz="800" b="1" dirty="0"/>
-              <a:t>Process</a:t>
-            </a:r>
-            <a:r>
-              <a:rPr lang="en-US" sz="800" dirty="0"/>
-              <a:t>:</a:t>
-            </a:r>
-          </a:p>
-          <a:p>
-            <a:pPr marL="1143000" lvl="2" indent="-228600">
-              <a:buFont typeface="+mj-lt"/>
-              <a:buAutoNum type="arabicPeriod"/>
-            </a:pPr>
-            <a:r>
-              <a:rPr lang="en-US" sz="800" b="1" dirty="0"/>
-              <a:t>Apply DA</a:t>
-            </a:r>
-            <a:r>
-              <a:rPr lang="en-US" sz="800" dirty="0"/>
-              <a:t>: Use methods like Linear Discriminant Analysis (LDA) or Quadratic Discriminant Analysis (QDA) on the principal components to determine the decision boundaries for classification.</a:t>
-            </a:r>
-          </a:p>
-          <a:p>
-            <a:pPr marL="1143000" lvl="2" indent="-228600">
-              <a:buFont typeface="+mj-lt"/>
-              <a:buAutoNum type="arabicPeriod"/>
-            </a:pPr>
-            <a:r>
-              <a:rPr lang="en-US" sz="800" b="1" dirty="0"/>
-              <a:t>Train Model</a:t>
-            </a:r>
-            <a:r>
-              <a:rPr lang="en-US" sz="800" dirty="0"/>
-              <a:t>: Fit the discriminant model to the training data.</a:t>
-            </a:r>
-          </a:p>
-          <a:p>
-            <a:pPr marL="1143000" lvl="2" indent="-228600">
-              <a:buFont typeface="+mj-lt"/>
-              <a:buAutoNum type="arabicPeriod"/>
-            </a:pPr>
-            <a:r>
-              <a:rPr lang="en-US" sz="800" b="1" dirty="0"/>
-              <a:t>Classify Data</a:t>
-            </a:r>
-            <a:r>
-              <a:rPr lang="en-US" sz="800" dirty="0"/>
-              <a:t>: Use the trained model to predict class labels for new or unseen data.</a:t>
-            </a:r>
-          </a:p>
-          <a:p>
-            <a:pPr>
-              <a:buFont typeface="+mj-lt"/>
-              <a:buAutoNum type="arabicPeriod"/>
-            </a:pPr>
-            <a:r>
-              <a:rPr lang="en-US" sz="800" b="1" dirty="0"/>
-              <a:t>Model Evaluation</a:t>
-            </a:r>
-            <a:endParaRPr lang="en-US" sz="800" dirty="0"/>
-          </a:p>
-          <a:p>
-            <a:pPr marL="742950" lvl="1" indent="-285750">
-              <a:buFont typeface="+mj-lt"/>
-              <a:buAutoNum type="arabicPeriod"/>
-            </a:pPr>
-            <a:r>
-              <a:rPr lang="en-US" sz="800" b="1" dirty="0"/>
-              <a:t>Objective</a:t>
-            </a:r>
-            <a:r>
-              <a:rPr lang="en-US" sz="800" dirty="0"/>
-              <a:t>: Assess the performance of the classification model.</a:t>
-            </a:r>
-          </a:p>
-          <a:p>
-            <a:pPr marL="742950" lvl="1" indent="-285750">
-              <a:buFont typeface="+mj-lt"/>
-              <a:buAutoNum type="arabicPeriod"/>
-            </a:pPr>
-            <a:r>
-              <a:rPr lang="en-US" sz="800" b="1" dirty="0"/>
-              <a:t>Process</a:t>
-            </a:r>
-            <a:r>
-              <a:rPr lang="en-US" sz="800" dirty="0"/>
-              <a:t>:</a:t>
-            </a:r>
-          </a:p>
-          <a:p>
-            <a:pPr marL="1143000" lvl="2" indent="-228600">
-              <a:buFont typeface="+mj-lt"/>
-              <a:buAutoNum type="arabicPeriod"/>
-            </a:pPr>
-            <a:r>
-              <a:rPr lang="en-US" sz="800" b="1" dirty="0"/>
-              <a:t>Cross-Validation</a:t>
-            </a:r>
-            <a:r>
-              <a:rPr lang="en-US" sz="800" dirty="0"/>
-              <a:t>: Use techniques like k-fold cross-validation to estimate the model’s performance on different subsets of the data.</a:t>
-            </a:r>
-          </a:p>
-          <a:p>
-            <a:pPr marL="1143000" lvl="2" indent="-228600">
-              <a:buFont typeface="+mj-lt"/>
-              <a:buAutoNum type="arabicPeriod"/>
-            </a:pPr>
-            <a:r>
-              <a:rPr lang="en-US" sz="800" b="1" dirty="0"/>
-              <a:t>Performance Metrics</a:t>
-            </a:r>
-            <a:r>
-              <a:rPr lang="en-US" sz="800" dirty="0"/>
-              <a:t>: Evaluate using metrics such as accuracy, precision, recall, F1-score, and confusion matrices.</a:t>
-            </a:r>
-          </a:p>
-          <a:p>
-            <a:pPr>
-              <a:buFont typeface="+mj-lt"/>
-              <a:buAutoNum type="arabicPeriod"/>
-            </a:pPr>
-            <a:r>
-              <a:rPr lang="en-US" sz="800" b="1" dirty="0"/>
-              <a:t>Interpret Results</a:t>
-            </a:r>
-            <a:endParaRPr lang="en-US" sz="800" dirty="0"/>
-          </a:p>
-          <a:p>
-            <a:pPr marL="742950" lvl="1" indent="-285750">
-              <a:buFont typeface="+mj-lt"/>
-              <a:buAutoNum type="arabicPeriod"/>
-            </a:pPr>
-            <a:r>
-              <a:rPr lang="en-US" sz="800" b="1" dirty="0"/>
-              <a:t>Objective</a:t>
-            </a:r>
-            <a:r>
-              <a:rPr lang="en-US" sz="800" dirty="0"/>
-              <a:t>: Analyze and interpret the results to make informed decisions or conclusions.</a:t>
-            </a:r>
-          </a:p>
-          <a:p>
-            <a:pPr marL="742950" lvl="1" indent="-285750">
-              <a:buFont typeface="+mj-lt"/>
-              <a:buAutoNum type="arabicPeriod"/>
-            </a:pPr>
-            <a:r>
-              <a:rPr lang="en-US" sz="800" b="1" dirty="0"/>
-              <a:t>Process</a:t>
-            </a:r>
-            <a:r>
-              <a:rPr lang="en-US" sz="800" dirty="0"/>
-              <a:t>:</a:t>
-            </a:r>
-          </a:p>
-          <a:p>
-            <a:pPr marL="1143000" lvl="2" indent="-228600">
-              <a:buFont typeface="+mj-lt"/>
-              <a:buAutoNum type="arabicPeriod"/>
-            </a:pPr>
-            <a:r>
-              <a:rPr lang="en-US" sz="800" b="1" dirty="0"/>
-              <a:t>Examine Principal Components</a:t>
-            </a:r>
-            <a:r>
-              <a:rPr lang="en-US" sz="800" dirty="0"/>
-              <a:t>: Understand which components contribute most to the variance and their implications.</a:t>
-            </a:r>
-          </a:p>
-          <a:p>
-            <a:pPr marL="1143000" lvl="2" indent="-228600">
-              <a:buFont typeface="+mj-lt"/>
-              <a:buAutoNum type="arabicPeriod"/>
-            </a:pPr>
-            <a:r>
-              <a:rPr lang="en-US" sz="800" b="1" dirty="0"/>
-              <a:t>Analyze Classification Outcomes</a:t>
-            </a:r>
-            <a:r>
-              <a:rPr lang="en-US" sz="800" dirty="0"/>
-              <a:t>: Review how well the model performs and any potential improvements or insights.</a:t>
-            </a:r>
-          </a:p>
-          <a:p>
-            <a:r>
-              <a:rPr lang="en-US" sz="800" b="1" dirty="0"/>
-              <a:t>Advantages</a:t>
-            </a:r>
-          </a:p>
-          <a:p>
-            <a:pPr>
-              <a:buFont typeface="Arial" panose="020B0604020202020204" pitchFamily="34" charset="0"/>
-              <a:buChar char="•"/>
-            </a:pPr>
-            <a:r>
-              <a:rPr lang="en-US" sz="800" b="1" dirty="0"/>
-              <a:t>Improved Classification Accuracy</a:t>
-            </a:r>
-            <a:r>
-              <a:rPr lang="en-US" sz="800" dirty="0"/>
-              <a:t>: By reducing dimensionality and focusing on the most informative components, DAPC can lead to better classification results.</a:t>
-            </a:r>
-          </a:p>
-          <a:p>
-            <a:pPr>
-              <a:buFont typeface="Arial" panose="020B0604020202020204" pitchFamily="34" charset="0"/>
-              <a:buChar char="•"/>
-            </a:pPr>
-            <a:r>
-              <a:rPr lang="en-US" sz="800" b="1" dirty="0"/>
-              <a:t>Dimensionality Reduction</a:t>
-            </a:r>
-            <a:r>
-              <a:rPr lang="en-US" sz="800" dirty="0"/>
-              <a:t>: PCA reduces the number of features, making the data more manageable and computationally efficient.</a:t>
-            </a:r>
-          </a:p>
-          <a:p>
-            <a:pPr>
-              <a:buFont typeface="Arial" panose="020B0604020202020204" pitchFamily="34" charset="0"/>
-              <a:buChar char="•"/>
-            </a:pPr>
-            <a:r>
-              <a:rPr lang="en-US" sz="800" b="1" dirty="0"/>
-              <a:t>Noise Reduction</a:t>
-            </a:r>
-            <a:r>
-              <a:rPr lang="en-US" sz="800" dirty="0"/>
-              <a:t>: PCA filters out noise by focusing on the most significant components, improving the quality of the classification.</a:t>
-            </a:r>
-          </a:p>
-          <a:p>
-            <a:pPr>
-              <a:buFont typeface="Arial" panose="020B0604020202020204" pitchFamily="34" charset="0"/>
-              <a:buChar char="•"/>
-            </a:pPr>
-            <a:r>
-              <a:rPr lang="en-US" sz="800" b="1" dirty="0"/>
-              <a:t>Better Visualization</a:t>
-            </a:r>
-            <a:r>
-              <a:rPr lang="en-US" sz="800" dirty="0"/>
-              <a:t>: Reducing dimensions to principal components can make it easier to visualize and understand complex datasets.</a:t>
-            </a:r>
-          </a:p>
-          <a:p>
-            <a:r>
-              <a:rPr lang="en-US" sz="800" b="1" dirty="0"/>
-              <a:t>Challenges</a:t>
-            </a:r>
-          </a:p>
-          <a:p>
-            <a:pPr>
-              <a:buFont typeface="Arial" panose="020B0604020202020204" pitchFamily="34" charset="0"/>
-              <a:buChar char="•"/>
-            </a:pPr>
-            <a:r>
-              <a:rPr lang="en-US" sz="800" b="1" dirty="0"/>
-              <a:t>Choice of Components</a:t>
-            </a:r>
-            <a:r>
-              <a:rPr lang="en-US" sz="800" dirty="0"/>
-              <a:t>: Determining how many principal components to retain can be challenging and impacts the performance of the DA.</a:t>
-            </a:r>
-          </a:p>
-          <a:p>
-            <a:pPr>
-              <a:buFont typeface="Arial" panose="020B0604020202020204" pitchFamily="34" charset="0"/>
-              <a:buChar char="•"/>
-            </a:pPr>
-            <a:r>
-              <a:rPr lang="en-US" sz="800" b="1" dirty="0"/>
-              <a:t>Interpretability</a:t>
-            </a:r>
-            <a:r>
-              <a:rPr lang="en-US" sz="800" dirty="0"/>
-              <a:t>: Principal components are linear combinations of original features, which can be difficult to interpret.</a:t>
-            </a:r>
-          </a:p>
-          <a:p>
-            <a:pPr>
-              <a:buFont typeface="Arial" panose="020B0604020202020204" pitchFamily="34" charset="0"/>
-              <a:buChar char="•"/>
-            </a:pPr>
-            <a:r>
-              <a:rPr lang="en-US" sz="800" b="1" dirty="0"/>
-              <a:t>Assumptions</a:t>
-            </a:r>
-            <a:r>
-              <a:rPr lang="en-US" sz="800" dirty="0"/>
-              <a:t>: Both PCA and DA make assumptions (e.g., linearity, normality) that may not always hold true in practice.</a:t>
-            </a:r>
-          </a:p>
-          <a:p>
-            <a:r>
-              <a:rPr lang="en-US" sz="800" b="1" dirty="0"/>
-              <a:t>Applications</a:t>
-            </a:r>
-          </a:p>
-          <a:p>
-            <a:r>
-              <a:rPr lang="en-US" sz="800" dirty="0"/>
-              <a:t>DAPC is widely used in various fields, including:</a:t>
-            </a:r>
-          </a:p>
-          <a:p>
-            <a:pPr>
-              <a:buFont typeface="Arial" panose="020B0604020202020204" pitchFamily="34" charset="0"/>
-              <a:buChar char="•"/>
-            </a:pPr>
-            <a:r>
-              <a:rPr lang="en-US" sz="800" b="1" dirty="0"/>
-              <a:t>Genomics</a:t>
-            </a:r>
-            <a:r>
-              <a:rPr lang="en-US" sz="800" dirty="0"/>
-              <a:t>: Classifying genetic data to identify disease-related genes.</a:t>
-            </a:r>
-          </a:p>
-          <a:p>
-            <a:pPr>
-              <a:buFont typeface="Arial" panose="020B0604020202020204" pitchFamily="34" charset="0"/>
-              <a:buChar char="•"/>
-            </a:pPr>
-            <a:r>
-              <a:rPr lang="en-US" sz="800" b="1" dirty="0"/>
-              <a:t>Ecology</a:t>
-            </a:r>
-            <a:r>
-              <a:rPr lang="en-US" sz="800" dirty="0"/>
-              <a:t>: Analyzing species distributions based on environmental variables.</a:t>
-            </a:r>
-          </a:p>
-          <a:p>
-            <a:pPr>
-              <a:buFont typeface="Arial" panose="020B0604020202020204" pitchFamily="34" charset="0"/>
-              <a:buChar char="•"/>
-            </a:pPr>
-            <a:r>
-              <a:rPr lang="en-US" sz="800" b="1" dirty="0"/>
-              <a:t>Medical Diagnostics</a:t>
-            </a:r>
-            <a:r>
-              <a:rPr lang="en-US" sz="800" dirty="0"/>
-              <a:t>: Predicting disease outcomes based on patient data.</a:t>
-            </a:r>
-          </a:p>
-          <a:p>
-            <a:pPr>
-              <a:buFont typeface="Arial" panose="020B0604020202020204" pitchFamily="34" charset="0"/>
-              <a:buChar char="•"/>
-            </a:pPr>
-            <a:r>
-              <a:rPr lang="en-US" sz="800" b="1" dirty="0"/>
-              <a:t>Marketing</a:t>
-            </a:r>
-            <a:r>
-              <a:rPr lang="en-US" sz="800" dirty="0"/>
-              <a:t>: Segmenting customers and analyzing market trends.</a:t>
-            </a:r>
-          </a:p>
-          <a:p>
-            <a:pPr>
-              <a:buFont typeface="Arial" panose="020B0604020202020204" pitchFamily="34" charset="0"/>
-              <a:buChar char="•"/>
-            </a:pPr>
-            <a:r>
-              <a:rPr lang="en-US" sz="800" b="1" dirty="0"/>
-              <a:t>Finance</a:t>
-            </a:r>
-            <a:r>
-              <a:rPr lang="en-US" sz="800" dirty="0"/>
-              <a:t>: Assessing credit risk and detecting fraud.</a:t>
-            </a:r>
-          </a:p>
-          <a:p>
-            <a:r>
-              <a:rPr lang="en-US" sz="800" b="1" dirty="0"/>
-              <a:t>Summary</a:t>
-            </a:r>
-          </a:p>
-          <a:p>
-            <a:r>
-              <a:rPr lang="en-US" sz="800" dirty="0"/>
-              <a:t>DAPC is a powerful method for handling high-dimensional data by combining PCA for dimensionality reduction with DA for classification. It enhances classification accuracy, manages large datasets effectively, and provides valuable insights, although it requires careful consideration of component selection and interpretability.</a:t>
-            </a:r>
-          </a:p>
-        </p:txBody>
-      </p:sp>
-    </p:spTree>
-    <p:extLst>
-      <p:ext uri="{BB962C8B-B14F-4D97-AF65-F5344CB8AC3E}">
-        <p14:creationId xmlns:p14="http://schemas.microsoft.com/office/powerpoint/2010/main" val="2707235073"/>
-      </p:ext>
-    </p:extLst>
-  </p:cSld>
-  <p:clrMapOvr>
-    <a:masterClrMapping/>
-  </p:clrMapOvr>
-</p:sld>
-</file>
-
-<file path=ppt/slides/slide23.xml><?xml version="1.0" encoding="utf-8"?>
-<p:sld xmlns:a="http://schemas.openxmlformats.org/drawingml/2006/main" xmlns:r="http://schemas.openxmlformats.org/officeDocument/2006/relationships" xmlns:p="http://schemas.openxmlformats.org/presentationml/2006/main">
-  <p:cSld>
-    <p:spTree>
-      <p:nvGrpSpPr>
-        <p:cNvPr id="1" name=""/>
-        <p:cNvGrpSpPr/>
-        <p:nvPr/>
-      </p:nvGrpSpPr>
-      <p:grpSpPr>
-        <a:xfrm>
-          <a:off x="0" y="0"/>
-          <a:ext cx="0" cy="0"/>
-          <a:chOff x="0" y="0"/>
-          <a:chExt cx="0" cy="0"/>
-        </a:xfrm>
-      </p:grpSpPr>
-      <p:sp>
-        <p:nvSpPr>
-          <p:cNvPr id="2" name="object 2"/>
-          <p:cNvSpPr txBox="1">
-            <a:spLocks noGrp="1"/>
-          </p:cNvSpPr>
-          <p:nvPr>
-            <p:ph type="title" idx="4294967295"/>
-          </p:nvPr>
-        </p:nvSpPr>
-        <p:spPr>
-          <a:xfrm>
-            <a:off x="2362200" y="1028700"/>
-            <a:ext cx="14325600" cy="936625"/>
-          </a:xfrm>
-          <a:prstGeom prst="rect">
-            <a:avLst/>
-          </a:prstGeom>
-        </p:spPr>
-        <p:txBody>
-          <a:bodyPr vert="horz" wrap="square" lIns="0" tIns="12700" rIns="0" bIns="0" rtlCol="0">
-            <a:noAutofit/>
-          </a:bodyPr>
-          <a:lstStyle/>
-          <a:p>
-            <a:pPr marL="12700">
-              <a:lnSpc>
-                <a:spcPct val="100000"/>
-              </a:lnSpc>
-              <a:spcBef>
-                <a:spcPts val="100"/>
-              </a:spcBef>
-            </a:pPr>
-            <a:r>
-              <a:rPr lang="en-US" sz="6000" dirty="0"/>
-              <a:t>Principal Components Analysis (PCA)</a:t>
-            </a:r>
-            <a:endParaRPr sz="6000" b="0" dirty="0">
-              <a:solidFill>
-                <a:srgbClr val="0C234B"/>
-              </a:solidFill>
-              <a:latin typeface="Times New Roman" panose="02020603050405020304" pitchFamily="18" charset="0"/>
-              <a:cs typeface="Times New Roman" panose="02020603050405020304" pitchFamily="18" charset="0"/>
-            </a:endParaRPr>
-          </a:p>
-        </p:txBody>
-      </p:sp>
-      <p:sp>
-        <p:nvSpPr>
-          <p:cNvPr id="3" name="Rectangle 1">
-            <a:extLst>
-              <a:ext uri="{FF2B5EF4-FFF2-40B4-BE49-F238E27FC236}">
-                <a16:creationId xmlns:a16="http://schemas.microsoft.com/office/drawing/2014/main" id="{95F47A0C-C183-EB65-8CD0-89EFC0C0BCBB}"/>
+                <a16:creationId xmlns:a16="http://schemas.microsoft.com/office/drawing/2014/main" id="{509AF5BE-DA18-072B-ECE6-DF52B284E2FF}"/>
               </a:ext>
             </a:extLst>
           </p:cNvPr>
@@ -16866,8 +14134,8 @@
         </p:nvSpPr>
         <p:spPr bwMode="auto">
           <a:xfrm>
-            <a:off x="2362200" y="2206624"/>
-            <a:ext cx="12496800" cy="1200329"/>
+            <a:off x="2819400" y="3843556"/>
+            <a:ext cx="10210800" cy="3647152"/>
           </a:xfrm>
           <a:prstGeom prst="rect">
             <a:avLst/>
@@ -16928,10 +14196,760 @@
               <a:buClrTx/>
               <a:buSzTx/>
               <a:buFontTx/>
+              <a:buChar char="•"/>
+              <a:tabLst/>
+            </a:pPr>
+            <a:r>
+              <a:rPr kumimoji="0" lang="en-US" altLang="en-US" sz="1100" b="1" i="0" u="none" strike="noStrike" cap="none" normalizeH="0" baseline="0" dirty="0">
+                <a:ln>
+                  <a:noFill/>
+                </a:ln>
+                <a:solidFill>
+                  <a:schemeClr val="tx1"/>
+                </a:solidFill>
+                <a:effectLst/>
+                <a:latin typeface="Arial" panose="020B0604020202020204" pitchFamily="34" charset="0"/>
+              </a:rPr>
+              <a:t>Enhanced Classification Accuracy</a:t>
+            </a:r>
+            <a:r>
+              <a:rPr kumimoji="0" lang="en-US" altLang="en-US" sz="1100" b="0" i="0" u="none" strike="noStrike" cap="none" normalizeH="0" baseline="0" dirty="0">
+                <a:ln>
+                  <a:noFill/>
+                </a:ln>
+                <a:solidFill>
+                  <a:schemeClr val="tx1"/>
+                </a:solidFill>
+                <a:effectLst/>
+                <a:latin typeface="Arial" panose="020B0604020202020204" pitchFamily="34" charset="0"/>
+              </a:rPr>
+              <a:t>:</a:t>
+            </a:r>
+          </a:p>
+          <a:p>
+            <a:pPr marL="0" marR="0" lvl="0" indent="0" algn="l" defTabSz="914400" rtl="0" eaLnBrk="0" fontAlgn="base" latinLnBrk="0" hangingPunct="0">
+              <a:lnSpc>
+                <a:spcPct val="100000"/>
+              </a:lnSpc>
+              <a:spcBef>
+                <a:spcPct val="0"/>
+              </a:spcBef>
+              <a:spcAft>
+                <a:spcPct val="0"/>
+              </a:spcAft>
+              <a:buClrTx/>
+              <a:buSzTx/>
+              <a:buFontTx/>
+              <a:buChar char="•"/>
+              <a:tabLst/>
+            </a:pPr>
+            <a:r>
+              <a:rPr kumimoji="0" lang="en-US" altLang="en-US" sz="1100" b="0" i="0" u="none" strike="noStrike" cap="none" normalizeH="0" baseline="0" dirty="0">
+                <a:ln>
+                  <a:noFill/>
+                </a:ln>
+                <a:solidFill>
+                  <a:schemeClr val="tx1"/>
+                </a:solidFill>
+                <a:effectLst/>
+                <a:latin typeface="Arial" panose="020B0604020202020204" pitchFamily="34" charset="0"/>
+              </a:rPr>
+              <a:t>DAPC combines PCA and DA, often resulting in more accurate classification by leveraging reduced-dimensionality data that emphasizes key features.</a:t>
+            </a:r>
+          </a:p>
+          <a:p>
+            <a:pPr marL="0" marR="0" lvl="0" indent="0" algn="l" defTabSz="914400" rtl="0" eaLnBrk="0" fontAlgn="base" latinLnBrk="0" hangingPunct="0">
+              <a:lnSpc>
+                <a:spcPct val="100000"/>
+              </a:lnSpc>
+              <a:spcBef>
+                <a:spcPct val="0"/>
+              </a:spcBef>
+              <a:spcAft>
+                <a:spcPct val="0"/>
+              </a:spcAft>
+              <a:buClrTx/>
+              <a:buSzTx/>
+              <a:buFontTx/>
+              <a:buChar char="•"/>
+              <a:tabLst/>
+            </a:pPr>
+            <a:r>
+              <a:rPr kumimoji="0" lang="en-US" altLang="en-US" sz="1100" b="1" i="0" u="none" strike="noStrike" cap="none" normalizeH="0" baseline="0" dirty="0">
+                <a:ln>
+                  <a:noFill/>
+                </a:ln>
+                <a:solidFill>
+                  <a:schemeClr val="tx1"/>
+                </a:solidFill>
+                <a:effectLst/>
+                <a:latin typeface="Arial" panose="020B0604020202020204" pitchFamily="34" charset="0"/>
+              </a:rPr>
+              <a:t>Dimensionality Reduction</a:t>
+            </a:r>
+            <a:r>
+              <a:rPr kumimoji="0" lang="en-US" altLang="en-US" sz="1100" b="0" i="0" u="none" strike="noStrike" cap="none" normalizeH="0" baseline="0" dirty="0">
+                <a:ln>
+                  <a:noFill/>
+                </a:ln>
+                <a:solidFill>
+                  <a:schemeClr val="tx1"/>
+                </a:solidFill>
+                <a:effectLst/>
+                <a:latin typeface="Arial" panose="020B0604020202020204" pitchFamily="34" charset="0"/>
+              </a:rPr>
+              <a:t>:</a:t>
+            </a:r>
+          </a:p>
+          <a:p>
+            <a:pPr marL="0" marR="0" lvl="0" indent="0" algn="l" defTabSz="914400" rtl="0" eaLnBrk="0" fontAlgn="base" latinLnBrk="0" hangingPunct="0">
+              <a:lnSpc>
+                <a:spcPct val="100000"/>
+              </a:lnSpc>
+              <a:spcBef>
+                <a:spcPct val="0"/>
+              </a:spcBef>
+              <a:spcAft>
+                <a:spcPct val="0"/>
+              </a:spcAft>
+              <a:buClrTx/>
+              <a:buSzTx/>
+              <a:buFontTx/>
+              <a:buChar char="•"/>
+              <a:tabLst/>
+            </a:pPr>
+            <a:r>
+              <a:rPr kumimoji="0" lang="en-US" altLang="en-US" sz="1100" b="0" i="0" u="none" strike="noStrike" cap="none" normalizeH="0" baseline="0" dirty="0">
+                <a:ln>
+                  <a:noFill/>
+                </a:ln>
+                <a:solidFill>
+                  <a:schemeClr val="tx1"/>
+                </a:solidFill>
+                <a:effectLst/>
+                <a:latin typeface="Arial" panose="020B0604020202020204" pitchFamily="34" charset="0"/>
+              </a:rPr>
+              <a:t>PCA reduces the number of features, simplifying the data while retaining most of the variability, which helps in dealing with high-dimensional datasets.</a:t>
+            </a:r>
+          </a:p>
+          <a:p>
+            <a:pPr marL="0" marR="0" lvl="0" indent="0" algn="l" defTabSz="914400" rtl="0" eaLnBrk="0" fontAlgn="base" latinLnBrk="0" hangingPunct="0">
+              <a:lnSpc>
+                <a:spcPct val="100000"/>
+              </a:lnSpc>
+              <a:spcBef>
+                <a:spcPct val="0"/>
+              </a:spcBef>
+              <a:spcAft>
+                <a:spcPct val="0"/>
+              </a:spcAft>
+              <a:buClrTx/>
+              <a:buSzTx/>
+              <a:buFontTx/>
+              <a:buChar char="•"/>
+              <a:tabLst/>
+            </a:pPr>
+            <a:r>
+              <a:rPr kumimoji="0" lang="en-US" altLang="en-US" sz="1100" b="1" i="0" u="none" strike="noStrike" cap="none" normalizeH="0" baseline="0" dirty="0">
+                <a:ln>
+                  <a:noFill/>
+                </a:ln>
+                <a:solidFill>
+                  <a:schemeClr val="tx1"/>
+                </a:solidFill>
+                <a:effectLst/>
+                <a:latin typeface="Arial" panose="020B0604020202020204" pitchFamily="34" charset="0"/>
+              </a:rPr>
+              <a:t>Improved Computational Efficiency</a:t>
+            </a:r>
+            <a:r>
+              <a:rPr kumimoji="0" lang="en-US" altLang="en-US" sz="1100" b="0" i="0" u="none" strike="noStrike" cap="none" normalizeH="0" baseline="0" dirty="0">
+                <a:ln>
+                  <a:noFill/>
+                </a:ln>
+                <a:solidFill>
+                  <a:schemeClr val="tx1"/>
+                </a:solidFill>
+                <a:effectLst/>
+                <a:latin typeface="Arial" panose="020B0604020202020204" pitchFamily="34" charset="0"/>
+              </a:rPr>
+              <a:t>:</a:t>
+            </a:r>
+          </a:p>
+          <a:p>
+            <a:pPr marL="0" marR="0" lvl="0" indent="0" algn="l" defTabSz="914400" rtl="0" eaLnBrk="0" fontAlgn="base" latinLnBrk="0" hangingPunct="0">
+              <a:lnSpc>
+                <a:spcPct val="100000"/>
+              </a:lnSpc>
+              <a:spcBef>
+                <a:spcPct val="0"/>
+              </a:spcBef>
+              <a:spcAft>
+                <a:spcPct val="0"/>
+              </a:spcAft>
+              <a:buClrTx/>
+              <a:buSzTx/>
+              <a:buFontTx/>
+              <a:buChar char="•"/>
+              <a:tabLst/>
+            </a:pPr>
+            <a:r>
+              <a:rPr kumimoji="0" lang="en-US" altLang="en-US" sz="1100" b="0" i="0" u="none" strike="noStrike" cap="none" normalizeH="0" baseline="0" dirty="0">
+                <a:ln>
+                  <a:noFill/>
+                </a:ln>
+                <a:solidFill>
+                  <a:schemeClr val="tx1"/>
+                </a:solidFill>
+                <a:effectLst/>
+                <a:latin typeface="Arial" panose="020B0604020202020204" pitchFamily="34" charset="0"/>
+              </a:rPr>
+              <a:t>By reducing dimensionality before applying DA, DAPC reduces computational complexity and processing time, making it more efficient for large datasets.</a:t>
+            </a:r>
+          </a:p>
+          <a:p>
+            <a:pPr marL="0" marR="0" lvl="0" indent="0" algn="l" defTabSz="914400" rtl="0" eaLnBrk="0" fontAlgn="base" latinLnBrk="0" hangingPunct="0">
+              <a:lnSpc>
+                <a:spcPct val="100000"/>
+              </a:lnSpc>
+              <a:spcBef>
+                <a:spcPct val="0"/>
+              </a:spcBef>
+              <a:spcAft>
+                <a:spcPct val="0"/>
+              </a:spcAft>
+              <a:buClrTx/>
+              <a:buSzTx/>
+              <a:buFontTx/>
+              <a:buChar char="•"/>
+              <a:tabLst/>
+            </a:pPr>
+            <a:r>
+              <a:rPr kumimoji="0" lang="en-US" altLang="en-US" sz="1100" b="1" i="0" u="none" strike="noStrike" cap="none" normalizeH="0" baseline="0" dirty="0">
+                <a:ln>
+                  <a:noFill/>
+                </a:ln>
+                <a:solidFill>
+                  <a:schemeClr val="tx1"/>
+                </a:solidFill>
+                <a:effectLst/>
+                <a:latin typeface="Arial" panose="020B0604020202020204" pitchFamily="34" charset="0"/>
+              </a:rPr>
+              <a:t>Better Visualization</a:t>
+            </a:r>
+            <a:r>
+              <a:rPr kumimoji="0" lang="en-US" altLang="en-US" sz="1100" b="0" i="0" u="none" strike="noStrike" cap="none" normalizeH="0" baseline="0" dirty="0">
+                <a:ln>
+                  <a:noFill/>
+                </a:ln>
+                <a:solidFill>
+                  <a:schemeClr val="tx1"/>
+                </a:solidFill>
+                <a:effectLst/>
+                <a:latin typeface="Arial" panose="020B0604020202020204" pitchFamily="34" charset="0"/>
+              </a:rPr>
+              <a:t>:</a:t>
+            </a:r>
+          </a:p>
+          <a:p>
+            <a:pPr marL="0" marR="0" lvl="0" indent="0" algn="l" defTabSz="914400" rtl="0" eaLnBrk="0" fontAlgn="base" latinLnBrk="0" hangingPunct="0">
+              <a:lnSpc>
+                <a:spcPct val="100000"/>
+              </a:lnSpc>
+              <a:spcBef>
+                <a:spcPct val="0"/>
+              </a:spcBef>
+              <a:spcAft>
+                <a:spcPct val="0"/>
+              </a:spcAft>
+              <a:buClrTx/>
+              <a:buSzTx/>
+              <a:buFontTx/>
+              <a:buChar char="•"/>
+              <a:tabLst/>
+            </a:pPr>
+            <a:r>
+              <a:rPr kumimoji="0" lang="en-US" altLang="en-US" sz="1100" b="0" i="0" u="none" strike="noStrike" cap="none" normalizeH="0" baseline="0" dirty="0">
+                <a:ln>
+                  <a:noFill/>
+                </a:ln>
+                <a:solidFill>
+                  <a:schemeClr val="tx1"/>
+                </a:solidFill>
+                <a:effectLst/>
+                <a:latin typeface="Arial" panose="020B0604020202020204" pitchFamily="34" charset="0"/>
+              </a:rPr>
+              <a:t>PCA transforms data into a lower-dimensional space that can be visualized more easily, helping in understanding and interpreting complex data structures.</a:t>
+            </a:r>
+          </a:p>
+          <a:p>
+            <a:pPr marL="0" marR="0" lvl="0" indent="0" algn="l" defTabSz="914400" rtl="0" eaLnBrk="0" fontAlgn="base" latinLnBrk="0" hangingPunct="0">
+              <a:lnSpc>
+                <a:spcPct val="100000"/>
+              </a:lnSpc>
+              <a:spcBef>
+                <a:spcPct val="0"/>
+              </a:spcBef>
+              <a:spcAft>
+                <a:spcPct val="0"/>
+              </a:spcAft>
+              <a:buClrTx/>
+              <a:buSzTx/>
+              <a:buFontTx/>
+              <a:buChar char="•"/>
+              <a:tabLst/>
+            </a:pPr>
+            <a:r>
+              <a:rPr kumimoji="0" lang="en-US" altLang="en-US" sz="1100" b="1" i="0" u="none" strike="noStrike" cap="none" normalizeH="0" baseline="0" dirty="0">
+                <a:ln>
+                  <a:noFill/>
+                </a:ln>
+                <a:solidFill>
+                  <a:schemeClr val="tx1"/>
+                </a:solidFill>
+                <a:effectLst/>
+                <a:latin typeface="Arial" panose="020B0604020202020204" pitchFamily="34" charset="0"/>
+              </a:rPr>
+              <a:t>Noise Reduction</a:t>
+            </a:r>
+            <a:r>
+              <a:rPr kumimoji="0" lang="en-US" altLang="en-US" sz="1100" b="0" i="0" u="none" strike="noStrike" cap="none" normalizeH="0" baseline="0" dirty="0">
+                <a:ln>
+                  <a:noFill/>
+                </a:ln>
+                <a:solidFill>
+                  <a:schemeClr val="tx1"/>
+                </a:solidFill>
+                <a:effectLst/>
+                <a:latin typeface="Arial" panose="020B0604020202020204" pitchFamily="34" charset="0"/>
+              </a:rPr>
+              <a:t>:</a:t>
+            </a:r>
+          </a:p>
+          <a:p>
+            <a:pPr marL="0" marR="0" lvl="0" indent="0" algn="l" defTabSz="914400" rtl="0" eaLnBrk="0" fontAlgn="base" latinLnBrk="0" hangingPunct="0">
+              <a:lnSpc>
+                <a:spcPct val="100000"/>
+              </a:lnSpc>
+              <a:spcBef>
+                <a:spcPct val="0"/>
+              </a:spcBef>
+              <a:spcAft>
+                <a:spcPct val="0"/>
+              </a:spcAft>
+              <a:buClrTx/>
+              <a:buSzTx/>
+              <a:buFontTx/>
+              <a:buChar char="•"/>
+              <a:tabLst/>
+            </a:pPr>
+            <a:r>
+              <a:rPr kumimoji="0" lang="en-US" altLang="en-US" sz="1100" b="0" i="0" u="none" strike="noStrike" cap="none" normalizeH="0" baseline="0" dirty="0">
+                <a:ln>
+                  <a:noFill/>
+                </a:ln>
+                <a:solidFill>
+                  <a:schemeClr val="tx1"/>
+                </a:solidFill>
+                <a:effectLst/>
+                <a:latin typeface="Arial" panose="020B0604020202020204" pitchFamily="34" charset="0"/>
+              </a:rPr>
+              <a:t>PCA helps in filtering out noise and irrelevant features, leading to cleaner and more robust input for the discriminant analysis.</a:t>
+            </a:r>
+          </a:p>
+          <a:p>
+            <a:pPr marL="0" marR="0" lvl="0" indent="0" algn="l" defTabSz="914400" rtl="0" eaLnBrk="0" fontAlgn="base" latinLnBrk="0" hangingPunct="0">
+              <a:lnSpc>
+                <a:spcPct val="100000"/>
+              </a:lnSpc>
+              <a:spcBef>
+                <a:spcPct val="0"/>
+              </a:spcBef>
+              <a:spcAft>
+                <a:spcPct val="0"/>
+              </a:spcAft>
+              <a:buClrTx/>
+              <a:buSzTx/>
+              <a:buFontTx/>
+              <a:buChar char="•"/>
+              <a:tabLst/>
+            </a:pPr>
+            <a:r>
+              <a:rPr kumimoji="0" lang="en-US" altLang="en-US" sz="1100" b="1" i="0" u="none" strike="noStrike" cap="none" normalizeH="0" baseline="0" dirty="0">
+                <a:ln>
+                  <a:noFill/>
+                </a:ln>
+                <a:solidFill>
+                  <a:schemeClr val="tx1"/>
+                </a:solidFill>
+                <a:effectLst/>
+                <a:latin typeface="Arial" panose="020B0604020202020204" pitchFamily="34" charset="0"/>
+              </a:rPr>
+              <a:t>Handling Multicollinearity</a:t>
+            </a:r>
+            <a:r>
+              <a:rPr kumimoji="0" lang="en-US" altLang="en-US" sz="1100" b="0" i="0" u="none" strike="noStrike" cap="none" normalizeH="0" baseline="0" dirty="0">
+                <a:ln>
+                  <a:noFill/>
+                </a:ln>
+                <a:solidFill>
+                  <a:schemeClr val="tx1"/>
+                </a:solidFill>
+                <a:effectLst/>
+                <a:latin typeface="Arial" panose="020B0604020202020204" pitchFamily="34" charset="0"/>
+              </a:rPr>
+              <a:t>:</a:t>
+            </a:r>
+          </a:p>
+          <a:p>
+            <a:pPr marL="0" marR="0" lvl="0" indent="0" algn="l" defTabSz="914400" rtl="0" eaLnBrk="0" fontAlgn="base" latinLnBrk="0" hangingPunct="0">
+              <a:lnSpc>
+                <a:spcPct val="100000"/>
+              </a:lnSpc>
+              <a:spcBef>
+                <a:spcPct val="0"/>
+              </a:spcBef>
+              <a:spcAft>
+                <a:spcPct val="0"/>
+              </a:spcAft>
+              <a:buClrTx/>
+              <a:buSzTx/>
+              <a:buFontTx/>
+              <a:buChar char="•"/>
+              <a:tabLst/>
+            </a:pPr>
+            <a:r>
+              <a:rPr kumimoji="0" lang="en-US" altLang="en-US" sz="1100" b="0" i="0" u="none" strike="noStrike" cap="none" normalizeH="0" baseline="0" dirty="0">
+                <a:ln>
+                  <a:noFill/>
+                </a:ln>
+                <a:solidFill>
+                  <a:schemeClr val="tx1"/>
+                </a:solidFill>
+                <a:effectLst/>
+                <a:latin typeface="Arial" panose="020B0604020202020204" pitchFamily="34" charset="0"/>
+              </a:rPr>
+              <a:t>PCA addresses multicollinearity by transforming correlated features into uncorrelated principal components, improving the performance of the subsequent DA.</a:t>
+            </a:r>
+          </a:p>
+          <a:p>
+            <a:pPr marL="0" marR="0" lvl="0" indent="0" algn="l" defTabSz="914400" rtl="0" eaLnBrk="0" fontAlgn="base" latinLnBrk="0" hangingPunct="0">
+              <a:lnSpc>
+                <a:spcPct val="100000"/>
+              </a:lnSpc>
+              <a:spcBef>
+                <a:spcPct val="0"/>
+              </a:spcBef>
+              <a:spcAft>
+                <a:spcPct val="0"/>
+              </a:spcAft>
+              <a:buClrTx/>
+              <a:buSzTx/>
+              <a:buFontTx/>
+              <a:buChar char="•"/>
+              <a:tabLst/>
+            </a:pPr>
+            <a:r>
+              <a:rPr kumimoji="0" lang="en-US" altLang="en-US" sz="1100" b="1" i="0" u="none" strike="noStrike" cap="none" normalizeH="0" baseline="0" dirty="0">
+                <a:ln>
+                  <a:noFill/>
+                </a:ln>
+                <a:solidFill>
+                  <a:schemeClr val="tx1"/>
+                </a:solidFill>
+                <a:effectLst/>
+                <a:latin typeface="Arial" panose="020B0604020202020204" pitchFamily="34" charset="0"/>
+              </a:rPr>
+              <a:t>Flexibility in Classification</a:t>
+            </a:r>
+            <a:r>
+              <a:rPr kumimoji="0" lang="en-US" altLang="en-US" sz="1100" b="0" i="0" u="none" strike="noStrike" cap="none" normalizeH="0" baseline="0" dirty="0">
+                <a:ln>
+                  <a:noFill/>
+                </a:ln>
+                <a:solidFill>
+                  <a:schemeClr val="tx1"/>
+                </a:solidFill>
+                <a:effectLst/>
+                <a:latin typeface="Arial" panose="020B0604020202020204" pitchFamily="34" charset="0"/>
+              </a:rPr>
+              <a:t>:</a:t>
+            </a:r>
+          </a:p>
+          <a:p>
+            <a:pPr marL="0" marR="0" lvl="0" indent="0" algn="l" defTabSz="914400" rtl="0" eaLnBrk="0" fontAlgn="base" latinLnBrk="0" hangingPunct="0">
+              <a:lnSpc>
+                <a:spcPct val="100000"/>
+              </a:lnSpc>
+              <a:spcBef>
+                <a:spcPct val="0"/>
+              </a:spcBef>
+              <a:spcAft>
+                <a:spcPct val="0"/>
+              </a:spcAft>
+              <a:buClrTx/>
+              <a:buSzTx/>
+              <a:buFontTx/>
+              <a:buChar char="•"/>
+              <a:tabLst/>
+            </a:pPr>
+            <a:r>
+              <a:rPr kumimoji="0" lang="en-US" altLang="en-US" sz="1100" b="0" i="0" u="none" strike="noStrike" cap="none" normalizeH="0" baseline="0" dirty="0">
+                <a:ln>
+                  <a:noFill/>
+                </a:ln>
+                <a:solidFill>
+                  <a:schemeClr val="tx1"/>
+                </a:solidFill>
+                <a:effectLst/>
+                <a:latin typeface="Arial" panose="020B0604020202020204" pitchFamily="34" charset="0"/>
+              </a:rPr>
+              <a:t>DAPC can handle different types of discriminant analysis techniques (e.g., linear or quadratic) depending on the dataset and classification needs.</a:t>
+            </a:r>
+          </a:p>
+          <a:p>
+            <a:pPr marL="0" marR="0" lvl="0" indent="0" algn="l" defTabSz="914400" rtl="0" eaLnBrk="0" fontAlgn="base" latinLnBrk="0" hangingPunct="0">
+              <a:lnSpc>
+                <a:spcPct val="100000"/>
+              </a:lnSpc>
+              <a:spcBef>
+                <a:spcPct val="0"/>
+              </a:spcBef>
+              <a:spcAft>
+                <a:spcPct val="0"/>
+              </a:spcAft>
+              <a:buClrTx/>
+              <a:buSzTx/>
+              <a:buFontTx/>
+              <a:buChar char="•"/>
+              <a:tabLst/>
+            </a:pPr>
+            <a:r>
+              <a:rPr kumimoji="0" lang="en-US" altLang="en-US" sz="1100" b="1" i="0" u="none" strike="noStrike" cap="none" normalizeH="0" baseline="0" dirty="0">
+                <a:ln>
+                  <a:noFill/>
+                </a:ln>
+                <a:solidFill>
+                  <a:schemeClr val="tx1"/>
+                </a:solidFill>
+                <a:effectLst/>
+                <a:latin typeface="Arial" panose="020B0604020202020204" pitchFamily="34" charset="0"/>
+              </a:rPr>
+              <a:t>Scalability</a:t>
+            </a:r>
+            <a:r>
+              <a:rPr kumimoji="0" lang="en-US" altLang="en-US" sz="1100" b="0" i="0" u="none" strike="noStrike" cap="none" normalizeH="0" baseline="0" dirty="0">
+                <a:ln>
+                  <a:noFill/>
+                </a:ln>
+                <a:solidFill>
+                  <a:schemeClr val="tx1"/>
+                </a:solidFill>
+                <a:effectLst/>
+                <a:latin typeface="Arial" panose="020B0604020202020204" pitchFamily="34" charset="0"/>
+              </a:rPr>
+              <a:t>:</a:t>
+            </a:r>
+          </a:p>
+          <a:p>
+            <a:pPr marL="0" marR="0" lvl="0" indent="0" algn="l" defTabSz="914400" rtl="0" eaLnBrk="0" fontAlgn="base" latinLnBrk="0" hangingPunct="0">
+              <a:lnSpc>
+                <a:spcPct val="100000"/>
+              </a:lnSpc>
+              <a:spcBef>
+                <a:spcPct val="0"/>
+              </a:spcBef>
+              <a:spcAft>
+                <a:spcPct val="0"/>
+              </a:spcAft>
+              <a:buClrTx/>
+              <a:buSzTx/>
+              <a:buFontTx/>
+              <a:buChar char="•"/>
+              <a:tabLst/>
+            </a:pPr>
+            <a:r>
+              <a:rPr kumimoji="0" lang="en-US" altLang="en-US" sz="1100" b="0" i="0" u="none" strike="noStrike" cap="none" normalizeH="0" baseline="0" dirty="0">
+                <a:ln>
+                  <a:noFill/>
+                </a:ln>
+                <a:solidFill>
+                  <a:schemeClr val="tx1"/>
+                </a:solidFill>
+                <a:effectLst/>
+                <a:latin typeface="Arial" panose="020B0604020202020204" pitchFamily="34" charset="0"/>
+              </a:rPr>
+              <a:t>The method scales well with large datasets due to its combination of dimensionality reduction and classification, making it suitable for various domains.</a:t>
+            </a:r>
+          </a:p>
+          <a:p>
+            <a:pPr marL="0" marR="0" lvl="0" indent="0" algn="l" defTabSz="914400" rtl="0" eaLnBrk="0" fontAlgn="base" latinLnBrk="0" hangingPunct="0">
+              <a:lnSpc>
+                <a:spcPct val="100000"/>
+              </a:lnSpc>
+              <a:spcBef>
+                <a:spcPct val="0"/>
+              </a:spcBef>
+              <a:spcAft>
+                <a:spcPct val="0"/>
+              </a:spcAft>
+              <a:buClrTx/>
+              <a:buSzTx/>
+              <a:buFontTx/>
+              <a:buChar char="•"/>
+              <a:tabLst/>
+            </a:pPr>
+            <a:r>
+              <a:rPr kumimoji="0" lang="en-US" altLang="en-US" sz="1100" b="1" i="0" u="none" strike="noStrike" cap="none" normalizeH="0" baseline="0" dirty="0">
+                <a:ln>
+                  <a:noFill/>
+                </a:ln>
+                <a:solidFill>
+                  <a:schemeClr val="tx1"/>
+                </a:solidFill>
+                <a:effectLst/>
+                <a:latin typeface="Arial" panose="020B0604020202020204" pitchFamily="34" charset="0"/>
+              </a:rPr>
+              <a:t>Feature Extraction</a:t>
+            </a:r>
+            <a:r>
+              <a:rPr kumimoji="0" lang="en-US" altLang="en-US" sz="1100" b="0" i="0" u="none" strike="noStrike" cap="none" normalizeH="0" baseline="0" dirty="0">
+                <a:ln>
+                  <a:noFill/>
+                </a:ln>
+                <a:solidFill>
+                  <a:schemeClr val="tx1"/>
+                </a:solidFill>
+                <a:effectLst/>
+                <a:latin typeface="Arial" panose="020B0604020202020204" pitchFamily="34" charset="0"/>
+              </a:rPr>
+              <a:t>:</a:t>
+            </a:r>
+          </a:p>
+          <a:p>
+            <a:pPr marL="0" marR="0" lvl="0" indent="0" algn="l" defTabSz="914400" rtl="0" eaLnBrk="0" fontAlgn="base" latinLnBrk="0" hangingPunct="0">
+              <a:lnSpc>
+                <a:spcPct val="100000"/>
+              </a:lnSpc>
+              <a:spcBef>
+                <a:spcPct val="0"/>
+              </a:spcBef>
+              <a:spcAft>
+                <a:spcPct val="0"/>
+              </a:spcAft>
+              <a:buClrTx/>
+              <a:buSzTx/>
+              <a:buFontTx/>
+              <a:buChar char="•"/>
+              <a:tabLst/>
+            </a:pPr>
+            <a:r>
+              <a:rPr kumimoji="0" lang="en-US" altLang="en-US" sz="1100" b="0" i="0" u="none" strike="noStrike" cap="none" normalizeH="0" baseline="0" dirty="0">
+                <a:ln>
+                  <a:noFill/>
+                </a:ln>
+                <a:solidFill>
+                  <a:schemeClr val="tx1"/>
+                </a:solidFill>
+                <a:effectLst/>
+                <a:latin typeface="Arial" panose="020B0604020202020204" pitchFamily="34" charset="0"/>
+              </a:rPr>
+              <a:t>PCA identifies the most important features (principal components), which can be valuable for feature selection and understanding underlying data patterns.</a:t>
+            </a:r>
+          </a:p>
+          <a:p>
+            <a:pPr marL="0" marR="0" lvl="0" indent="0" algn="l" defTabSz="914400" rtl="0" eaLnBrk="0" fontAlgn="base" latinLnBrk="0" hangingPunct="0">
+              <a:lnSpc>
+                <a:spcPct val="100000"/>
+              </a:lnSpc>
+              <a:spcBef>
+                <a:spcPct val="0"/>
+              </a:spcBef>
+              <a:spcAft>
+                <a:spcPct val="0"/>
+              </a:spcAft>
+              <a:buClrTx/>
+              <a:buSzTx/>
+              <a:buFontTx/>
+              <a:buChar char="•"/>
+              <a:tabLst/>
+            </a:pPr>
+            <a:r>
+              <a:rPr kumimoji="0" lang="en-US" altLang="en-US" sz="1100" b="1" i="0" u="none" strike="noStrike" cap="none" normalizeH="0" baseline="0" dirty="0">
+                <a:ln>
+                  <a:noFill/>
+                </a:ln>
+                <a:solidFill>
+                  <a:schemeClr val="tx1"/>
+                </a:solidFill>
+                <a:effectLst/>
+                <a:latin typeface="Arial" panose="020B0604020202020204" pitchFamily="34" charset="0"/>
+              </a:rPr>
+              <a:t>Enhanced Interpretability</a:t>
+            </a:r>
+            <a:r>
+              <a:rPr kumimoji="0" lang="en-US" altLang="en-US" sz="1100" b="0" i="0" u="none" strike="noStrike" cap="none" normalizeH="0" baseline="0" dirty="0">
+                <a:ln>
+                  <a:noFill/>
+                </a:ln>
+                <a:solidFill>
+                  <a:schemeClr val="tx1"/>
+                </a:solidFill>
+                <a:effectLst/>
+                <a:latin typeface="Arial" panose="020B0604020202020204" pitchFamily="34" charset="0"/>
+              </a:rPr>
+              <a:t>:</a:t>
+            </a:r>
+          </a:p>
+          <a:p>
+            <a:pPr marL="0" marR="0" lvl="0" indent="0" algn="l" defTabSz="914400" rtl="0" eaLnBrk="0" fontAlgn="base" latinLnBrk="0" hangingPunct="0">
+              <a:lnSpc>
+                <a:spcPct val="100000"/>
+              </a:lnSpc>
+              <a:spcBef>
+                <a:spcPct val="0"/>
+              </a:spcBef>
+              <a:spcAft>
+                <a:spcPct val="0"/>
+              </a:spcAft>
+              <a:buClrTx/>
+              <a:buSzTx/>
+              <a:buFontTx/>
+              <a:buChar char="•"/>
+              <a:tabLst/>
+            </a:pPr>
+            <a:r>
+              <a:rPr kumimoji="0" lang="en-US" altLang="en-US" sz="1100" b="0" i="0" u="none" strike="noStrike" cap="none" normalizeH="0" baseline="0" dirty="0">
+                <a:ln>
+                  <a:noFill/>
+                </a:ln>
+                <a:solidFill>
+                  <a:schemeClr val="tx1"/>
+                </a:solidFill>
+                <a:effectLst/>
+                <a:latin typeface="Arial" panose="020B0604020202020204" pitchFamily="34" charset="0"/>
+              </a:rPr>
+              <a:t>By focusing on principal components, DAPC simplifies the data structure, making the results of the discriminant analysis easier to interpret and analyze.</a:t>
+            </a:r>
+          </a:p>
+          <a:p>
+            <a:pPr marL="0" marR="0" lvl="0" indent="0" algn="l" defTabSz="914400" rtl="0" eaLnBrk="0" fontAlgn="base" latinLnBrk="0" hangingPunct="0">
+              <a:lnSpc>
+                <a:spcPct val="100000"/>
+              </a:lnSpc>
+              <a:spcBef>
+                <a:spcPct val="0"/>
+              </a:spcBef>
+              <a:spcAft>
+                <a:spcPct val="0"/>
+              </a:spcAft>
+              <a:buClrTx/>
+              <a:buSzTx/>
+              <a:buFontTx/>
               <a:buNone/>
               <a:tabLst/>
             </a:pPr>
-            <a:endParaRPr kumimoji="0" lang="en-US" altLang="en-US" sz="1800" b="0" i="0" u="none" strike="noStrike" cap="none" normalizeH="0" baseline="0" dirty="0">
+            <a:endParaRPr kumimoji="0" lang="en-US" altLang="en-US" sz="1100" b="0" i="0" u="none" strike="noStrike" cap="none" normalizeH="0" baseline="0" dirty="0">
               <a:ln>
                 <a:noFill/>
               </a:ln>
@@ -16942,975 +14960,12 @@
               <a:latin typeface="Arial" panose="020B0604020202020204" pitchFamily="34" charset="0"/>
             </a:endParaRPr>
           </a:p>
-          <a:p>
-            <a:pPr marL="0" marR="0" lvl="0" indent="0" algn="l" defTabSz="914400" rtl="0" eaLnBrk="0" fontAlgn="base" latinLnBrk="0" hangingPunct="0">
-              <a:lnSpc>
-                <a:spcPct val="100000"/>
-              </a:lnSpc>
-              <a:spcBef>
-                <a:spcPct val="0"/>
-              </a:spcBef>
-              <a:spcAft>
-                <a:spcPct val="0"/>
-              </a:spcAft>
-              <a:buClrTx/>
-              <a:buSzTx/>
-              <a:buFontTx/>
-              <a:buChar char="•"/>
-              <a:tabLst/>
-            </a:pPr>
-            <a:r>
-              <a:rPr kumimoji="0" lang="en-US" altLang="en-US" sz="1800" b="0" i="0" u="none" strike="noStrike" cap="none" normalizeH="0" baseline="0" dirty="0">
-                <a:ln>
-                  <a:noFill/>
-                </a:ln>
-                <a:solidFill>
-                  <a:schemeClr val="tx1"/>
-                </a:solidFill>
-                <a:effectLst/>
-                <a:latin typeface="Arial" panose="020B0604020202020204" pitchFamily="34" charset="0"/>
-              </a:rPr>
-              <a:t>Definition: A technique to reduce dimensionality by transforming features into a smaller set of uncorrelated components.</a:t>
-            </a:r>
-          </a:p>
-          <a:p>
-            <a:pPr marL="0" marR="0" lvl="0" indent="0" algn="l" defTabSz="914400" rtl="0" eaLnBrk="0" fontAlgn="base" latinLnBrk="0" hangingPunct="0">
-              <a:lnSpc>
-                <a:spcPct val="100000"/>
-              </a:lnSpc>
-              <a:spcBef>
-                <a:spcPct val="0"/>
-              </a:spcBef>
-              <a:spcAft>
-                <a:spcPct val="0"/>
-              </a:spcAft>
-              <a:buClrTx/>
-              <a:buSzTx/>
-              <a:buFontTx/>
-              <a:buChar char="•"/>
-              <a:tabLst/>
-            </a:pPr>
-            <a:r>
-              <a:rPr kumimoji="0" lang="en-US" altLang="en-US" sz="1800" b="0" i="0" u="none" strike="noStrike" cap="none" normalizeH="0" baseline="0" dirty="0">
-                <a:ln>
-                  <a:noFill/>
-                </a:ln>
-                <a:solidFill>
-                  <a:schemeClr val="tx1"/>
-                </a:solidFill>
-                <a:effectLst/>
-                <a:latin typeface="Arial" panose="020B0604020202020204" pitchFamily="34" charset="0"/>
-              </a:rPr>
-              <a:t>Purpose: To simplify data while retaining variance.</a:t>
-            </a:r>
-          </a:p>
-          <a:p>
-            <a:pPr marL="0" marR="0" lvl="0" indent="0" algn="l" defTabSz="914400" rtl="0" eaLnBrk="0" fontAlgn="base" latinLnBrk="0" hangingPunct="0">
-              <a:lnSpc>
-                <a:spcPct val="100000"/>
-              </a:lnSpc>
-              <a:spcBef>
-                <a:spcPct val="0"/>
-              </a:spcBef>
-              <a:spcAft>
-                <a:spcPct val="0"/>
-              </a:spcAft>
-              <a:buClrTx/>
-              <a:buSzTx/>
-              <a:buFontTx/>
-              <a:buChar char="•"/>
-              <a:tabLst/>
-            </a:pPr>
-            <a:r>
-              <a:rPr kumimoji="0" lang="en-US" altLang="en-US" sz="1800" b="0" i="0" u="none" strike="noStrike" cap="none" normalizeH="0" baseline="0" dirty="0">
-                <a:ln>
-                  <a:noFill/>
-                </a:ln>
-                <a:solidFill>
-                  <a:schemeClr val="tx1"/>
-                </a:solidFill>
-                <a:effectLst/>
-                <a:latin typeface="Arial" panose="020B0604020202020204" pitchFamily="34" charset="0"/>
-              </a:rPr>
-              <a:t>Visual: Diagram showing PCA transformation. </a:t>
-            </a:r>
-          </a:p>
-        </p:txBody>
-      </p:sp>
-      <p:pic>
-        <p:nvPicPr>
-          <p:cNvPr id="5" name="Picture 4">
-            <a:extLst>
-              <a:ext uri="{FF2B5EF4-FFF2-40B4-BE49-F238E27FC236}">
-                <a16:creationId xmlns:a16="http://schemas.microsoft.com/office/drawing/2014/main" id="{42B60151-2BD0-1DF6-8203-18B1091372D6}"/>
-              </a:ext>
-            </a:extLst>
-          </p:cNvPr>
-          <p:cNvPicPr>
-            <a:picLocks noChangeAspect="1"/>
-          </p:cNvPicPr>
-          <p:nvPr/>
-        </p:nvPicPr>
-        <p:blipFill>
-          <a:blip r:embed="rId2"/>
-          <a:stretch>
-            <a:fillRect/>
-          </a:stretch>
-        </p:blipFill>
-        <p:spPr>
-          <a:xfrm>
-            <a:off x="2371165" y="3648252"/>
-            <a:ext cx="2295525" cy="5181600"/>
-          </a:xfrm>
-          <a:prstGeom prst="rect">
-            <a:avLst/>
-          </a:prstGeom>
-        </p:spPr>
-      </p:pic>
-      <p:sp>
-        <p:nvSpPr>
-          <p:cNvPr id="8" name="TextBox 7">
-            <a:extLst>
-              <a:ext uri="{FF2B5EF4-FFF2-40B4-BE49-F238E27FC236}">
-                <a16:creationId xmlns:a16="http://schemas.microsoft.com/office/drawing/2014/main" id="{B18C96B4-8DBC-2D03-2F12-050B2BEFEAE3}"/>
-              </a:ext>
-            </a:extLst>
-          </p:cNvPr>
-          <p:cNvSpPr txBox="1"/>
-          <p:nvPr/>
-        </p:nvSpPr>
-        <p:spPr>
-          <a:xfrm>
-            <a:off x="5181600" y="3543300"/>
-            <a:ext cx="11849100" cy="7294305"/>
-          </a:xfrm>
-          <a:prstGeom prst="rect">
-            <a:avLst/>
-          </a:prstGeom>
-          <a:noFill/>
-        </p:spPr>
-        <p:txBody>
-          <a:bodyPr wrap="square">
-            <a:spAutoFit/>
-          </a:bodyPr>
-          <a:lstStyle/>
-          <a:p>
-            <a:r>
-              <a:rPr lang="en-US" sz="900" b="1" dirty="0"/>
-              <a:t>Detailed Description of Principal Components Analysis (PCA)</a:t>
-            </a:r>
-          </a:p>
-          <a:p>
-            <a:r>
-              <a:rPr lang="en-US" sz="900" b="1" dirty="0"/>
-              <a:t>Principal Components Analysis (PCA)</a:t>
-            </a:r>
-            <a:r>
-              <a:rPr lang="en-US" sz="900" dirty="0"/>
-              <a:t> is a statistical technique used for dimensionality reduction while preserving as much variance in the dataset as possible. PCA transforms high-dimensional data into a lower-dimensional space, making it easier to visualize and analyze. It is widely used in various fields, including machine learning, data analysis, and pattern recognition.</a:t>
-            </a:r>
-          </a:p>
-          <a:p>
-            <a:r>
-              <a:rPr lang="en-US" sz="900" b="1" dirty="0"/>
-              <a:t>1. Purpose of PCA</a:t>
-            </a:r>
-          </a:p>
-          <a:p>
-            <a:pPr>
-              <a:buFont typeface="Arial" panose="020B0604020202020204" pitchFamily="34" charset="0"/>
-              <a:buChar char="•"/>
-            </a:pPr>
-            <a:r>
-              <a:rPr lang="en-US" sz="900" b="1" dirty="0"/>
-              <a:t>Dimensionality Reduction</a:t>
-            </a:r>
-            <a:r>
-              <a:rPr lang="en-US" sz="900" dirty="0"/>
-              <a:t>: PCA reduces the number of features in a dataset by transforming it into a new set of uncorrelated variables (principal components) that capture the maximum variance.</a:t>
-            </a:r>
-          </a:p>
-          <a:p>
-            <a:pPr>
-              <a:buFont typeface="Arial" panose="020B0604020202020204" pitchFamily="34" charset="0"/>
-              <a:buChar char="•"/>
-            </a:pPr>
-            <a:r>
-              <a:rPr lang="en-US" sz="900" b="1" dirty="0"/>
-              <a:t>Data Visualization</a:t>
-            </a:r>
-            <a:r>
-              <a:rPr lang="en-US" sz="900" dirty="0"/>
-              <a:t>: By reducing dimensions, PCA helps in visualizing complex datasets in lower-dimensional spaces, typically 2D or 3D.</a:t>
-            </a:r>
-          </a:p>
-          <a:p>
-            <a:pPr>
-              <a:buFont typeface="Arial" panose="020B0604020202020204" pitchFamily="34" charset="0"/>
-              <a:buChar char="•"/>
-            </a:pPr>
-            <a:r>
-              <a:rPr lang="en-US" sz="900" b="1" dirty="0"/>
-              <a:t>Feature Extraction</a:t>
-            </a:r>
-            <a:r>
-              <a:rPr lang="en-US" sz="900" dirty="0"/>
-              <a:t>: PCA identifies the most important features (principal components) that contribute most to the variance in the data, which can be useful for further analysis or modeling.</a:t>
-            </a:r>
-          </a:p>
-          <a:p>
-            <a:r>
-              <a:rPr lang="en-US" sz="900" b="1" dirty="0"/>
-              <a:t>2. PCA Process</a:t>
-            </a:r>
-          </a:p>
-          <a:p>
-            <a:pPr>
-              <a:buFont typeface="+mj-lt"/>
-              <a:buAutoNum type="arabicPeriod"/>
-            </a:pPr>
-            <a:r>
-              <a:rPr lang="en-US" sz="900" b="1" dirty="0"/>
-              <a:t>Standardize the Data</a:t>
-            </a:r>
-            <a:endParaRPr lang="en-US" sz="900" dirty="0"/>
-          </a:p>
-          <a:p>
-            <a:pPr marL="742950" lvl="1" indent="-285750">
-              <a:buFont typeface="+mj-lt"/>
-              <a:buAutoNum type="arabicPeriod"/>
-            </a:pPr>
-            <a:r>
-              <a:rPr lang="en-US" sz="900" b="1" dirty="0"/>
-              <a:t>Objective</a:t>
-            </a:r>
-            <a:r>
-              <a:rPr lang="en-US" sz="900" dirty="0"/>
-              <a:t>: Ensure that each feature contributes equally to the analysis, especially if features are on different scales.</a:t>
-            </a:r>
-          </a:p>
-          <a:p>
-            <a:pPr marL="742950" lvl="1" indent="-285750">
-              <a:buFont typeface="+mj-lt"/>
-              <a:buAutoNum type="arabicPeriod"/>
-            </a:pPr>
-            <a:r>
-              <a:rPr lang="en-US" sz="900" b="1" dirty="0"/>
-              <a:t>Process</a:t>
-            </a:r>
-            <a:r>
-              <a:rPr lang="en-US" sz="900" dirty="0"/>
-              <a:t>: Center the data by subtracting the mean of each feature from the data points, and scale the data by dividing by the standard deviation.</a:t>
-            </a:r>
-          </a:p>
-          <a:p>
-            <a:pPr>
-              <a:buFont typeface="+mj-lt"/>
-              <a:buAutoNum type="arabicPeriod"/>
-            </a:pPr>
-            <a:r>
-              <a:rPr lang="en-US" sz="900" b="1" dirty="0"/>
-              <a:t>Formula</a:t>
-            </a:r>
-            <a:r>
-              <a:rPr lang="en-US" sz="900" dirty="0"/>
-              <a:t>:</a:t>
-            </a:r>
-          </a:p>
-          <a:p>
-            <a:pPr>
-              <a:buFont typeface="+mj-lt"/>
-              <a:buAutoNum type="arabicPeriod"/>
-            </a:pPr>
-            <a:r>
-              <a:rPr lang="en-US" sz="900" dirty="0"/>
-              <a:t>Standardized X=</a:t>
-            </a:r>
-            <a:r>
-              <a:rPr lang="en-US" sz="900" dirty="0" err="1"/>
-              <a:t>X−Xˉσ</a:t>
-            </a:r>
-            <a:r>
-              <a:rPr lang="en-US" sz="900" dirty="0"/>
-              <a:t>\text{Standardized } X = \frac{X - \bar{X}}{\sigma}Standardized X=</a:t>
-            </a:r>
-            <a:r>
-              <a:rPr lang="en-US" sz="900" dirty="0" err="1"/>
-              <a:t>σX</a:t>
-            </a:r>
-            <a:r>
-              <a:rPr lang="en-US" sz="900" dirty="0"/>
-              <a:t>−Xˉ​Where Xˉ\bar{X}Xˉ is the mean and σ\</a:t>
-            </a:r>
-            <a:r>
-              <a:rPr lang="en-US" sz="900" dirty="0" err="1"/>
-              <a:t>sigmaσ</a:t>
-            </a:r>
-            <a:r>
-              <a:rPr lang="en-US" sz="900" dirty="0"/>
-              <a:t> is the standard deviation.</a:t>
-            </a:r>
-          </a:p>
-          <a:p>
-            <a:pPr>
-              <a:buFont typeface="+mj-lt"/>
-              <a:buAutoNum type="arabicPeriod"/>
-            </a:pPr>
-            <a:r>
-              <a:rPr lang="en-US" sz="900" b="1" dirty="0"/>
-              <a:t>Compute the Covariance Matrix</a:t>
-            </a:r>
-            <a:endParaRPr lang="en-US" sz="900" dirty="0"/>
-          </a:p>
-          <a:p>
-            <a:pPr marL="742950" lvl="1" indent="-285750">
-              <a:buFont typeface="+mj-lt"/>
-              <a:buAutoNum type="arabicPeriod"/>
-            </a:pPr>
-            <a:r>
-              <a:rPr lang="en-US" sz="900" b="1" dirty="0"/>
-              <a:t>Objective</a:t>
-            </a:r>
-            <a:r>
-              <a:rPr lang="en-US" sz="900" dirty="0"/>
-              <a:t>: Capture the relationships between features and understand how they vary together.</a:t>
-            </a:r>
-          </a:p>
-          <a:p>
-            <a:pPr marL="742950" lvl="1" indent="-285750">
-              <a:buFont typeface="+mj-lt"/>
-              <a:buAutoNum type="arabicPeriod"/>
-            </a:pPr>
-            <a:r>
-              <a:rPr lang="en-US" sz="900" b="1" dirty="0"/>
-              <a:t>Process</a:t>
-            </a:r>
-            <a:r>
-              <a:rPr lang="en-US" sz="900" dirty="0"/>
-              <a:t>: Calculate the covariance matrix of the standardized data to assess how each pair of features covaries.</a:t>
-            </a:r>
-          </a:p>
-          <a:p>
-            <a:pPr>
-              <a:buFont typeface="+mj-lt"/>
-              <a:buAutoNum type="arabicPeriod"/>
-            </a:pPr>
-            <a:r>
-              <a:rPr lang="en-US" sz="900" b="1" dirty="0"/>
-              <a:t>Formula</a:t>
-            </a:r>
-            <a:r>
-              <a:rPr lang="en-US" sz="900" dirty="0"/>
-              <a:t>:</a:t>
-            </a:r>
-          </a:p>
-          <a:p>
-            <a:pPr>
-              <a:buFont typeface="+mj-lt"/>
-              <a:buAutoNum type="arabicPeriod"/>
-            </a:pPr>
-            <a:r>
-              <a:rPr lang="en-US" sz="900" dirty="0" err="1"/>
-              <a:t>Cov</a:t>
-            </a:r>
-            <a:r>
-              <a:rPr lang="en-US" sz="900" dirty="0"/>
-              <a:t>(X)=1n−1∑i=1n(xi−xˉ)(xi−xˉ)T\text{</a:t>
-            </a:r>
-            <a:r>
-              <a:rPr lang="en-US" sz="900" dirty="0" err="1"/>
-              <a:t>Cov</a:t>
-            </a:r>
-            <a:r>
-              <a:rPr lang="en-US" sz="900" dirty="0"/>
-              <a:t>}(X) = \frac{1}{n-1} \sum_{</a:t>
-            </a:r>
-            <a:r>
-              <a:rPr lang="en-US" sz="900" dirty="0" err="1"/>
-              <a:t>i</a:t>
-            </a:r>
-            <a:r>
-              <a:rPr lang="en-US" sz="900" dirty="0"/>
-              <a:t>=1}^n (</a:t>
-            </a:r>
-            <a:r>
-              <a:rPr lang="en-US" sz="900" dirty="0" err="1"/>
-              <a:t>x_i</a:t>
-            </a:r>
-            <a:r>
-              <a:rPr lang="en-US" sz="900" dirty="0"/>
-              <a:t> - \bar{x})(</a:t>
-            </a:r>
-            <a:r>
-              <a:rPr lang="en-US" sz="900" dirty="0" err="1"/>
-              <a:t>x_i</a:t>
-            </a:r>
-            <a:r>
-              <a:rPr lang="en-US" sz="900" dirty="0"/>
-              <a:t> - \bar{x})^</a:t>
-            </a:r>
-            <a:r>
-              <a:rPr lang="en-US" sz="900" dirty="0" err="1"/>
-              <a:t>TCov</a:t>
-            </a:r>
-            <a:r>
-              <a:rPr lang="en-US" sz="900" dirty="0"/>
-              <a:t>(X)=n−11​</a:t>
-            </a:r>
-            <a:r>
-              <a:rPr lang="en-US" sz="900" dirty="0" err="1"/>
-              <a:t>i</a:t>
-            </a:r>
-            <a:r>
-              <a:rPr lang="en-US" sz="900" dirty="0"/>
-              <a:t>=1∑n​(xi​−xˉ)(xi​−xˉ)</a:t>
-            </a:r>
-            <a:r>
-              <a:rPr lang="en-US" sz="900" dirty="0" err="1"/>
-              <a:t>TWhere</a:t>
-            </a:r>
-            <a:r>
-              <a:rPr lang="en-US" sz="900" dirty="0"/>
-              <a:t> </a:t>
-            </a:r>
-            <a:r>
-              <a:rPr lang="en-US" sz="900" dirty="0" err="1"/>
-              <a:t>nnn</a:t>
-            </a:r>
-            <a:r>
-              <a:rPr lang="en-US" sz="900" dirty="0"/>
-              <a:t> is the number of data points, </a:t>
-            </a:r>
-            <a:r>
-              <a:rPr lang="en-US" sz="900" dirty="0" err="1"/>
-              <a:t>xix_ixi</a:t>
-            </a:r>
-            <a:r>
-              <a:rPr lang="en-US" sz="900" dirty="0"/>
-              <a:t>​ is a data point, and xˉ\bar{x}xˉ is the mean vector.</a:t>
-            </a:r>
-          </a:p>
-          <a:p>
-            <a:pPr>
-              <a:buFont typeface="+mj-lt"/>
-              <a:buAutoNum type="arabicPeriod"/>
-            </a:pPr>
-            <a:r>
-              <a:rPr lang="en-US" sz="900" b="1" dirty="0"/>
-              <a:t>Perform Eigen Decomposition</a:t>
-            </a:r>
-            <a:endParaRPr lang="en-US" sz="900" dirty="0"/>
-          </a:p>
-          <a:p>
-            <a:pPr marL="742950" lvl="1" indent="-285750">
-              <a:buFont typeface="+mj-lt"/>
-              <a:buAutoNum type="arabicPeriod"/>
-            </a:pPr>
-            <a:r>
-              <a:rPr lang="en-US" sz="900" b="1" dirty="0"/>
-              <a:t>Objective</a:t>
-            </a:r>
-            <a:r>
-              <a:rPr lang="en-US" sz="900" dirty="0"/>
-              <a:t>: Find the directions (principal components) in which the data varies the most.</a:t>
-            </a:r>
-          </a:p>
-          <a:p>
-            <a:pPr marL="742950" lvl="1" indent="-285750">
-              <a:buFont typeface="+mj-lt"/>
-              <a:buAutoNum type="arabicPeriod"/>
-            </a:pPr>
-            <a:r>
-              <a:rPr lang="en-US" sz="900" b="1" dirty="0"/>
-              <a:t>Process</a:t>
-            </a:r>
-            <a:r>
-              <a:rPr lang="en-US" sz="900" dirty="0"/>
-              <a:t>: Compute the eigenvalues and eigenvectors of the covariance matrix. Eigenvectors represent the directions of maximum variance, and eigenvalues indicate the magnitude of variance along those directions.</a:t>
-            </a:r>
-          </a:p>
-          <a:p>
-            <a:pPr>
-              <a:buFont typeface="+mj-lt"/>
-              <a:buAutoNum type="arabicPeriod"/>
-            </a:pPr>
-            <a:r>
-              <a:rPr lang="en-US" sz="900" b="1" dirty="0"/>
-              <a:t>Eigen Decomposition</a:t>
-            </a:r>
-            <a:r>
-              <a:rPr lang="en-US" sz="900" dirty="0"/>
-              <a:t>:</a:t>
-            </a:r>
-          </a:p>
-          <a:p>
-            <a:pPr>
-              <a:buFont typeface="+mj-lt"/>
-              <a:buAutoNum type="arabicPeriod"/>
-            </a:pPr>
-            <a:r>
-              <a:rPr lang="en-US" sz="900" dirty="0" err="1"/>
-              <a:t>Cov</a:t>
-            </a:r>
-            <a:r>
-              <a:rPr lang="en-US" sz="900" dirty="0"/>
-              <a:t>(X)=VΛVT\text{</a:t>
-            </a:r>
-            <a:r>
-              <a:rPr lang="en-US" sz="900" dirty="0" err="1"/>
-              <a:t>Cov</a:t>
-            </a:r>
-            <a:r>
-              <a:rPr lang="en-US" sz="900" dirty="0"/>
-              <a:t>}(X) = V \Lambda </a:t>
-            </a:r>
-            <a:r>
-              <a:rPr lang="en-US" sz="900" dirty="0" err="1"/>
-              <a:t>V^TCov</a:t>
-            </a:r>
-            <a:r>
-              <a:rPr lang="en-US" sz="900" dirty="0"/>
-              <a:t>(X)=</a:t>
-            </a:r>
-            <a:r>
-              <a:rPr lang="en-US" sz="900" dirty="0" err="1"/>
-              <a:t>VΛVTWhere</a:t>
-            </a:r>
-            <a:r>
-              <a:rPr lang="en-US" sz="900" dirty="0"/>
-              <a:t> VVV is the matrix of eigenvectors and Λ\</a:t>
-            </a:r>
-            <a:r>
-              <a:rPr lang="en-US" sz="900" dirty="0" err="1"/>
-              <a:t>LambdaΛ</a:t>
-            </a:r>
-            <a:r>
-              <a:rPr lang="en-US" sz="900" dirty="0"/>
-              <a:t> is the diagonal matrix of eigenvalues.</a:t>
-            </a:r>
-          </a:p>
-          <a:p>
-            <a:pPr>
-              <a:buFont typeface="+mj-lt"/>
-              <a:buAutoNum type="arabicPeriod"/>
-            </a:pPr>
-            <a:r>
-              <a:rPr lang="en-US" sz="900" b="1" dirty="0"/>
-              <a:t>Select Principal Components</a:t>
-            </a:r>
-            <a:endParaRPr lang="en-US" sz="900" dirty="0"/>
-          </a:p>
-          <a:p>
-            <a:pPr marL="742950" lvl="1" indent="-285750">
-              <a:buFont typeface="+mj-lt"/>
-              <a:buAutoNum type="arabicPeriod"/>
-            </a:pPr>
-            <a:r>
-              <a:rPr lang="en-US" sz="900" b="1" dirty="0"/>
-              <a:t>Objective</a:t>
-            </a:r>
-            <a:r>
-              <a:rPr lang="en-US" sz="900" dirty="0"/>
-              <a:t>: Reduce the dimensionality by selecting the top principal components that capture the most variance.</a:t>
-            </a:r>
-          </a:p>
-          <a:p>
-            <a:pPr marL="742950" lvl="1" indent="-285750">
-              <a:buFont typeface="+mj-lt"/>
-              <a:buAutoNum type="arabicPeriod"/>
-            </a:pPr>
-            <a:r>
-              <a:rPr lang="en-US" sz="900" b="1" dirty="0"/>
-              <a:t>Process</a:t>
-            </a:r>
-            <a:r>
-              <a:rPr lang="en-US" sz="900" dirty="0"/>
-              <a:t>: Rank eigenvalues from largest to smallest and select the corresponding eigenvectors (principal components) that capture the most variance.</a:t>
-            </a:r>
-          </a:p>
-          <a:p>
-            <a:pPr>
-              <a:buFont typeface="+mj-lt"/>
-              <a:buAutoNum type="arabicPeriod"/>
-            </a:pPr>
-            <a:r>
-              <a:rPr lang="en-US" sz="900" b="1" dirty="0"/>
-              <a:t>Variance Explained</a:t>
-            </a:r>
-            <a:r>
-              <a:rPr lang="en-US" sz="900" dirty="0"/>
-              <a:t>:</a:t>
-            </a:r>
-          </a:p>
-          <a:p>
-            <a:pPr>
-              <a:buFont typeface="+mj-lt"/>
-              <a:buAutoNum type="arabicPeriod"/>
-            </a:pPr>
-            <a:r>
-              <a:rPr lang="en-US" sz="900" dirty="0"/>
-              <a:t>Explained Variance=</a:t>
-            </a:r>
-            <a:r>
-              <a:rPr lang="en-US" sz="900" dirty="0" err="1"/>
-              <a:t>EigenvalueSum</a:t>
-            </a:r>
-            <a:r>
-              <a:rPr lang="en-US" sz="900" dirty="0"/>
-              <a:t> of all Eigenvalues\text{Explained Variance} = \frac{\text{Eigenvalue}}{\text{Sum of all Eigenvalues}}Explained Variance=Sum of all </a:t>
-            </a:r>
-            <a:r>
-              <a:rPr lang="en-US" sz="900" dirty="0" err="1"/>
-              <a:t>EigenvaluesEigenvalue</a:t>
-            </a:r>
-            <a:r>
-              <a:rPr lang="en-US" sz="900" dirty="0"/>
-              <a:t>​</a:t>
-            </a:r>
-          </a:p>
-          <a:p>
-            <a:pPr>
-              <a:buFont typeface="+mj-lt"/>
-              <a:buAutoNum type="arabicPeriod"/>
-            </a:pPr>
-            <a:r>
-              <a:rPr lang="en-US" sz="900" b="1" dirty="0"/>
-              <a:t>Project Data onto Principal Components</a:t>
-            </a:r>
-            <a:endParaRPr lang="en-US" sz="900" dirty="0"/>
-          </a:p>
-          <a:p>
-            <a:pPr marL="742950" lvl="1" indent="-285750">
-              <a:buFont typeface="+mj-lt"/>
-              <a:buAutoNum type="arabicPeriod"/>
-            </a:pPr>
-            <a:r>
-              <a:rPr lang="en-US" sz="900" b="1" dirty="0"/>
-              <a:t>Objective</a:t>
-            </a:r>
-            <a:r>
-              <a:rPr lang="en-US" sz="900" dirty="0"/>
-              <a:t>: Transform the original data into the new lower-dimensional space defined by the principal components.</a:t>
-            </a:r>
-          </a:p>
-          <a:p>
-            <a:pPr marL="742950" lvl="1" indent="-285750">
-              <a:buFont typeface="+mj-lt"/>
-              <a:buAutoNum type="arabicPeriod"/>
-            </a:pPr>
-            <a:r>
-              <a:rPr lang="en-US" sz="900" b="1" dirty="0"/>
-              <a:t>Process</a:t>
-            </a:r>
-            <a:r>
-              <a:rPr lang="en-US" sz="900" dirty="0"/>
-              <a:t>: Multiply the standardized data by the matrix of selected eigenvectors to get the reduced-dimensional representation.</a:t>
-            </a:r>
-          </a:p>
-          <a:p>
-            <a:pPr>
-              <a:buFont typeface="+mj-lt"/>
-              <a:buAutoNum type="arabicPeriod"/>
-            </a:pPr>
-            <a:r>
-              <a:rPr lang="en-US" sz="900" b="1" dirty="0"/>
-              <a:t>Projection</a:t>
-            </a:r>
-            <a:r>
-              <a:rPr lang="en-US" sz="900" dirty="0"/>
-              <a:t>:</a:t>
-            </a:r>
-          </a:p>
-          <a:p>
-            <a:pPr>
-              <a:buFont typeface="+mj-lt"/>
-              <a:buAutoNum type="arabicPeriod"/>
-            </a:pPr>
-            <a:r>
-              <a:rPr lang="en-US" sz="900" dirty="0"/>
-              <a:t>Z=</a:t>
-            </a:r>
-            <a:r>
-              <a:rPr lang="en-US" sz="900" dirty="0" err="1"/>
-              <a:t>X⋅VkZ</a:t>
-            </a:r>
-            <a:r>
-              <a:rPr lang="en-US" sz="900" dirty="0"/>
-              <a:t> = X \</a:t>
-            </a:r>
-            <a:r>
-              <a:rPr lang="en-US" sz="900" dirty="0" err="1"/>
-              <a:t>cdot</a:t>
-            </a:r>
-            <a:r>
-              <a:rPr lang="en-US" sz="900" dirty="0"/>
-              <a:t> </a:t>
-            </a:r>
-            <a:r>
-              <a:rPr lang="en-US" sz="900" dirty="0" err="1"/>
-              <a:t>V_kZ</a:t>
-            </a:r>
-            <a:r>
-              <a:rPr lang="en-US" sz="900" dirty="0"/>
-              <a:t>=</a:t>
-            </a:r>
-            <a:r>
-              <a:rPr lang="en-US" sz="900" dirty="0" err="1"/>
-              <a:t>X⋅Vk</a:t>
-            </a:r>
-            <a:r>
-              <a:rPr lang="en-US" sz="900" dirty="0"/>
-              <a:t>​Where </a:t>
-            </a:r>
-            <a:r>
-              <a:rPr lang="en-US" sz="900" dirty="0" err="1"/>
-              <a:t>VkV_kVk</a:t>
-            </a:r>
-            <a:r>
-              <a:rPr lang="en-US" sz="900" dirty="0"/>
-              <a:t>​ is the matrix of the top </a:t>
-            </a:r>
-            <a:r>
-              <a:rPr lang="en-US" sz="900" dirty="0" err="1"/>
-              <a:t>kkk</a:t>
-            </a:r>
-            <a:r>
-              <a:rPr lang="en-US" sz="900" dirty="0"/>
-              <a:t> eigenvectors.</a:t>
-            </a:r>
-          </a:p>
-          <a:p>
-            <a:r>
-              <a:rPr lang="en-US" sz="900" b="1" dirty="0"/>
-              <a:t>3. Key Concepts in PCA</a:t>
-            </a:r>
-          </a:p>
-          <a:p>
-            <a:pPr>
-              <a:buFont typeface="Arial" panose="020B0604020202020204" pitchFamily="34" charset="0"/>
-              <a:buChar char="•"/>
-            </a:pPr>
-            <a:r>
-              <a:rPr lang="en-US" sz="900" b="1" dirty="0"/>
-              <a:t>Principal Components</a:t>
-            </a:r>
-            <a:r>
-              <a:rPr lang="en-US" sz="900" dirty="0"/>
-              <a:t>: New variables created by PCA that are linear combinations of the original features. They are orthogonal and ordered by the amount of variance they capture.</a:t>
-            </a:r>
-          </a:p>
-          <a:p>
-            <a:pPr>
-              <a:buFont typeface="Arial" panose="020B0604020202020204" pitchFamily="34" charset="0"/>
-              <a:buChar char="•"/>
-            </a:pPr>
-            <a:r>
-              <a:rPr lang="en-US" sz="900" b="1" dirty="0"/>
-              <a:t>Explained Variance</a:t>
-            </a:r>
-            <a:r>
-              <a:rPr lang="en-US" sz="900" dirty="0"/>
-              <a:t>: The amount of variance captured by each principal component. Helps in deciding how many components to retain.</a:t>
-            </a:r>
-          </a:p>
-          <a:p>
-            <a:pPr>
-              <a:buFont typeface="Arial" panose="020B0604020202020204" pitchFamily="34" charset="0"/>
-              <a:buChar char="•"/>
-            </a:pPr>
-            <a:r>
-              <a:rPr lang="en-US" sz="900" b="1" dirty="0"/>
-              <a:t>Scree Plot</a:t>
-            </a:r>
-            <a:r>
-              <a:rPr lang="en-US" sz="900" dirty="0"/>
-              <a:t>: A plot of eigenvalues to visualize the amount of variance captured by each principal component and to determine the optimal number of components to retain.</a:t>
-            </a:r>
-          </a:p>
-          <a:p>
-            <a:r>
-              <a:rPr lang="en-US" sz="900" b="1" dirty="0"/>
-              <a:t>4. Advantages of PCA</a:t>
-            </a:r>
-          </a:p>
-          <a:p>
-            <a:pPr>
-              <a:buFont typeface="Arial" panose="020B0604020202020204" pitchFamily="34" charset="0"/>
-              <a:buChar char="•"/>
-            </a:pPr>
-            <a:r>
-              <a:rPr lang="en-US" sz="900" b="1" dirty="0"/>
-              <a:t>Reduces Complexity</a:t>
-            </a:r>
-            <a:r>
-              <a:rPr lang="en-US" sz="900" dirty="0"/>
-              <a:t>: Simplifies datasets by reducing the number of features while preserving essential patterns and structures.</a:t>
-            </a:r>
-          </a:p>
-          <a:p>
-            <a:pPr>
-              <a:buFont typeface="Arial" panose="020B0604020202020204" pitchFamily="34" charset="0"/>
-              <a:buChar char="•"/>
-            </a:pPr>
-            <a:r>
-              <a:rPr lang="en-US" sz="900" b="1" dirty="0"/>
-              <a:t>Improves Visualization</a:t>
-            </a:r>
-            <a:r>
-              <a:rPr lang="en-US" sz="900" dirty="0"/>
-              <a:t>: Enables visualization of high-dimensional data in 2D or 3D, facilitating better understanding and analysis.</a:t>
-            </a:r>
-          </a:p>
-          <a:p>
-            <a:pPr>
-              <a:buFont typeface="Arial" panose="020B0604020202020204" pitchFamily="34" charset="0"/>
-              <a:buChar char="•"/>
-            </a:pPr>
-            <a:r>
-              <a:rPr lang="en-US" sz="900" b="1" dirty="0"/>
-              <a:t>Removes Redundancy</a:t>
-            </a:r>
-            <a:r>
-              <a:rPr lang="en-US" sz="900" dirty="0"/>
-              <a:t>: Eliminates correlated features, reducing redundancy and multicollinearity in the dataset.</a:t>
-            </a:r>
-          </a:p>
-          <a:p>
-            <a:pPr>
-              <a:buFont typeface="Arial" panose="020B0604020202020204" pitchFamily="34" charset="0"/>
-              <a:buChar char="•"/>
-            </a:pPr>
-            <a:r>
-              <a:rPr lang="en-US" sz="900" b="1" dirty="0"/>
-              <a:t>Enhances Performance</a:t>
-            </a:r>
-            <a:r>
-              <a:rPr lang="en-US" sz="900" dirty="0"/>
-              <a:t>: Improves the performance of machine learning algorithms by reducing the dimensionality of the input data.</a:t>
-            </a:r>
-          </a:p>
-          <a:p>
-            <a:r>
-              <a:rPr lang="en-US" sz="900" b="1" dirty="0"/>
-              <a:t>5. Challenges and Limitations</a:t>
-            </a:r>
-          </a:p>
-          <a:p>
-            <a:pPr>
-              <a:buFont typeface="Arial" panose="020B0604020202020204" pitchFamily="34" charset="0"/>
-              <a:buChar char="•"/>
-            </a:pPr>
-            <a:r>
-              <a:rPr lang="en-US" sz="900" b="1" dirty="0"/>
-              <a:t>Loss of Information</a:t>
-            </a:r>
-            <a:r>
-              <a:rPr lang="en-US" sz="900" dirty="0"/>
-              <a:t>: Some information may be lost when reducing dimensions, which can affect the accuracy of subsequent analyses or models.</a:t>
-            </a:r>
-          </a:p>
-          <a:p>
-            <a:pPr>
-              <a:buFont typeface="Arial" panose="020B0604020202020204" pitchFamily="34" charset="0"/>
-              <a:buChar char="•"/>
-            </a:pPr>
-            <a:r>
-              <a:rPr lang="en-US" sz="900" b="1" dirty="0"/>
-              <a:t>Interpretability</a:t>
-            </a:r>
-            <a:r>
-              <a:rPr lang="en-US" sz="900" dirty="0"/>
-              <a:t>: Principal components are combinations of original features and may not always be easy to interpret in terms of the original variables.</a:t>
-            </a:r>
-          </a:p>
-          <a:p>
-            <a:pPr>
-              <a:buFont typeface="Arial" panose="020B0604020202020204" pitchFamily="34" charset="0"/>
-              <a:buChar char="•"/>
-            </a:pPr>
-            <a:r>
-              <a:rPr lang="en-US" sz="900" b="1" dirty="0"/>
-              <a:t>Assumptions</a:t>
-            </a:r>
-            <a:r>
-              <a:rPr lang="en-US" sz="900" dirty="0"/>
-              <a:t>: PCA assumes linear relationships among features, which may not always be appropriate for non-linear data.</a:t>
-            </a:r>
-          </a:p>
-          <a:p>
-            <a:r>
-              <a:rPr lang="en-US" sz="900" b="1" dirty="0"/>
-              <a:t>6. Applications of PCA</a:t>
-            </a:r>
-          </a:p>
-          <a:p>
-            <a:pPr>
-              <a:buFont typeface="Arial" panose="020B0604020202020204" pitchFamily="34" charset="0"/>
-              <a:buChar char="•"/>
-            </a:pPr>
-            <a:r>
-              <a:rPr lang="en-US" sz="900" b="1" dirty="0"/>
-              <a:t>Data Preprocessing</a:t>
-            </a:r>
-            <a:r>
-              <a:rPr lang="en-US" sz="900" dirty="0"/>
-              <a:t>: Used as a preprocessing step in machine learning to reduce dimensionality and improve model performance.</a:t>
-            </a:r>
-          </a:p>
-          <a:p>
-            <a:pPr>
-              <a:buFont typeface="Arial" panose="020B0604020202020204" pitchFamily="34" charset="0"/>
-              <a:buChar char="•"/>
-            </a:pPr>
-            <a:r>
-              <a:rPr lang="en-US" sz="900" b="1" dirty="0"/>
-              <a:t>Image Compression</a:t>
-            </a:r>
-            <a:r>
-              <a:rPr lang="en-US" sz="900" dirty="0"/>
-              <a:t>: Applied in image processing to compress images by reducing the number of pixels while retaining important features.</a:t>
-            </a:r>
-          </a:p>
-          <a:p>
-            <a:pPr>
-              <a:buFont typeface="Arial" panose="020B0604020202020204" pitchFamily="34" charset="0"/>
-              <a:buChar char="•"/>
-            </a:pPr>
-            <a:r>
-              <a:rPr lang="en-US" sz="900" b="1" dirty="0"/>
-              <a:t>Exploratory Data Analysis</a:t>
-            </a:r>
-            <a:r>
-              <a:rPr lang="en-US" sz="900" dirty="0"/>
-              <a:t>: Helps in exploring and visualizing complex datasets to identify underlying patterns and relationships.</a:t>
-            </a:r>
-          </a:p>
-          <a:p>
-            <a:pPr>
-              <a:buFont typeface="Arial" panose="020B0604020202020204" pitchFamily="34" charset="0"/>
-              <a:buChar char="•"/>
-            </a:pPr>
-            <a:r>
-              <a:rPr lang="en-US" sz="900" b="1" dirty="0"/>
-              <a:t>Noise Reduction</a:t>
-            </a:r>
-            <a:r>
-              <a:rPr lang="en-US" sz="900" dirty="0"/>
-              <a:t>: Used to filter out noise and enhance the quality of data by focusing on the most significant components.</a:t>
-            </a:r>
-          </a:p>
-          <a:p>
-            <a:r>
-              <a:rPr lang="en-US" sz="900" dirty="0"/>
-              <a:t>PCA is a fundamental technique in data analysis and machine learning, providing valuable insights into the structure of data and enabling more efficient and interpretable analyses.</a:t>
-            </a:r>
-          </a:p>
         </p:txBody>
       </p:sp>
     </p:spTree>
     <p:extLst>
       <p:ext uri="{BB962C8B-B14F-4D97-AF65-F5344CB8AC3E}">
-        <p14:creationId xmlns:p14="http://schemas.microsoft.com/office/powerpoint/2010/main" val="2935573238"/>
+        <p14:creationId xmlns:p14="http://schemas.microsoft.com/office/powerpoint/2010/main" val="3023116690"/>
       </p:ext>
     </p:extLst>
   </p:cSld>
@@ -17920,7 +14975,7 @@
 </p:sld>
 </file>
 
-<file path=ppt/slides/slide24.xml><?xml version="1.0" encoding="utf-8"?>
+<file path=ppt/slides/slide21.xml><?xml version="1.0" encoding="utf-8"?>
 <p:sld xmlns:a="http://schemas.openxmlformats.org/drawingml/2006/main" xmlns:r="http://schemas.openxmlformats.org/officeDocument/2006/relationships" xmlns:p="http://schemas.openxmlformats.org/presentationml/2006/main">
   <p:cSld>
     <p:spTree>
@@ -17972,7 +15027,7 @@
             </a:pPr>
             <a:r>
               <a:rPr lang="en-US" sz="6000" dirty="0"/>
-              <a:t>Discriminant Analysis (DA)</a:t>
+              <a:t>Challenges and Considerations</a:t>
             </a:r>
             <a:endParaRPr sz="6000" b="0" dirty="0">
               <a:solidFill>
@@ -17986,10 +15041,10 @@
       </p:sp>
       <p:sp>
         <p:nvSpPr>
-          <p:cNvPr id="5" name="Rectangle 1">
+          <p:cNvPr id="3" name="Rectangle 1">
             <a:extLst>
               <a:ext uri="{FF2B5EF4-FFF2-40B4-BE49-F238E27FC236}">
-                <a16:creationId xmlns:a16="http://schemas.microsoft.com/office/drawing/2014/main" id="{39481D93-6036-CCD4-C5B1-03E1A006B202}"/>
+                <a16:creationId xmlns:a16="http://schemas.microsoft.com/office/drawing/2014/main" id="{D3558A4B-E801-74EA-8331-1C1526FB5AD2}"/>
               </a:ext>
             </a:extLst>
           </p:cNvPr>
@@ -18000,8 +15055,8 @@
         </p:nvSpPr>
         <p:spPr bwMode="auto">
           <a:xfrm>
-            <a:off x="2362200" y="2247900"/>
-            <a:ext cx="12192000" cy="1200329"/>
+            <a:off x="2362200" y="2324100"/>
+            <a:ext cx="9677400" cy="1200329"/>
           </a:xfrm>
           <a:prstGeom prst="rect">
             <a:avLst/>
@@ -18065,7 +15120,7 @@
               <a:buNone/>
               <a:tabLst/>
             </a:pPr>
-            <a:endParaRPr kumimoji="0" lang="en-US" altLang="en-US" sz="1800" b="0" i="0" u="none" strike="noStrike" cap="none" normalizeH="0" baseline="0" dirty="0">
+            <a:endParaRPr kumimoji="0" lang="en-US" altLang="en-US" sz="1800" b="0" i="0" u="none" strike="noStrike" cap="none" normalizeH="0" baseline="0">
               <a:ln>
                 <a:noFill/>
               </a:ln>
@@ -18094,7 +15149,7 @@
               <a:tabLst/>
             </a:pPr>
             <a:r>
-              <a:rPr kumimoji="0" lang="en-US" altLang="en-US" sz="1800" b="0" i="0" u="none" strike="noStrike" cap="none" normalizeH="0" baseline="0" dirty="0">
+              <a:rPr kumimoji="0" lang="en-US" altLang="en-US" sz="1800" b="0" i="0" u="none" strike="noStrike" cap="none" normalizeH="0" baseline="0">
                 <a:ln>
                   <a:noFill/>
                 </a:ln>
@@ -18104,7 +15159,7 @@
                 <a:effectLst/>
                 <a:latin typeface="Arial" panose="020B0604020202020204" pitchFamily="34" charset="0"/>
               </a:rPr>
-              <a:t>Definition: A method for classifying observations by finding linear combinations of features that best separate classes.</a:t>
+              <a:t>Potential limitations: Choice of principal components, computational complexity.</a:t>
             </a:r>
           </a:p>
           <a:p>
@@ -18125,7 +15180,7 @@
               <a:tabLst/>
             </a:pPr>
             <a:r>
-              <a:rPr kumimoji="0" lang="en-US" altLang="en-US" sz="1800" b="0" i="0" u="none" strike="noStrike" cap="none" normalizeH="0" baseline="0" dirty="0">
+              <a:rPr kumimoji="0" lang="en-US" altLang="en-US" sz="1800" b="0" i="0" u="none" strike="noStrike" cap="none" normalizeH="0" baseline="0">
                 <a:ln>
                   <a:noFill/>
                 </a:ln>
@@ -18135,7 +15190,7 @@
                 <a:effectLst/>
                 <a:latin typeface="Arial" panose="020B0604020202020204" pitchFamily="34" charset="0"/>
               </a:rPr>
-              <a:t>Types: Linear Discriminant Analysis (LDA) and Quadratic Discriminant Analysis (QDA).</a:t>
+              <a:t>Considerations for effective use: Data quality, parameter selection.</a:t>
             </a:r>
           </a:p>
           <a:p>
@@ -18156,7 +15211,7 @@
               <a:tabLst/>
             </a:pPr>
             <a:r>
-              <a:rPr kumimoji="0" lang="en-US" altLang="en-US" sz="1800" b="0" i="0" u="none" strike="noStrike" cap="none" normalizeH="0" baseline="0" dirty="0">
+              <a:rPr kumimoji="0" lang="en-US" altLang="en-US" sz="1800" b="0" i="0" u="none" strike="noStrike" cap="none" normalizeH="0" baseline="0">
                 <a:ln>
                   <a:noFill/>
                 </a:ln>
@@ -18166,943 +15221,17 @@
                 <a:effectLst/>
                 <a:latin typeface="Arial" panose="020B0604020202020204" pitchFamily="34" charset="0"/>
               </a:rPr>
-              <a:t>Visual: Diagram showing DA classification. </a:t>
+              <a:t>Visual: List of challenges with icons or illustrations. </a:t>
             </a:r>
-          </a:p>
-        </p:txBody>
-      </p:sp>
-      <p:pic>
-        <p:nvPicPr>
-          <p:cNvPr id="7" name="Picture 6">
-            <a:extLst>
-              <a:ext uri="{FF2B5EF4-FFF2-40B4-BE49-F238E27FC236}">
-                <a16:creationId xmlns:a16="http://schemas.microsoft.com/office/drawing/2014/main" id="{8D7CA9BC-4A1F-2E04-EFC9-88DBE0E5E987}"/>
-              </a:ext>
-            </a:extLst>
-          </p:cNvPr>
-          <p:cNvPicPr>
-            <a:picLocks noChangeAspect="1"/>
-          </p:cNvPicPr>
-          <p:nvPr/>
-        </p:nvPicPr>
-        <p:blipFill>
-          <a:blip r:embed="rId2"/>
-          <a:stretch>
-            <a:fillRect/>
-          </a:stretch>
-        </p:blipFill>
-        <p:spPr>
-          <a:xfrm>
-            <a:off x="2590800" y="3701669"/>
-            <a:ext cx="2362200" cy="4972050"/>
-          </a:xfrm>
-          <a:prstGeom prst="rect">
-            <a:avLst/>
-          </a:prstGeom>
-        </p:spPr>
-      </p:pic>
-      <p:sp>
-        <p:nvSpPr>
-          <p:cNvPr id="9" name="TextBox 8">
-            <a:extLst>
-              <a:ext uri="{FF2B5EF4-FFF2-40B4-BE49-F238E27FC236}">
-                <a16:creationId xmlns:a16="http://schemas.microsoft.com/office/drawing/2014/main" id="{64FF254E-6DE7-628F-EF2B-0D8070964029}"/>
-              </a:ext>
-            </a:extLst>
-          </p:cNvPr>
-          <p:cNvSpPr txBox="1"/>
-          <p:nvPr/>
-        </p:nvSpPr>
-        <p:spPr>
-          <a:xfrm>
-            <a:off x="4975412" y="3450470"/>
-            <a:ext cx="12992100" cy="6986528"/>
-          </a:xfrm>
-          <a:prstGeom prst="rect">
-            <a:avLst/>
-          </a:prstGeom>
-          <a:noFill/>
-        </p:spPr>
-        <p:txBody>
-          <a:bodyPr wrap="square">
-            <a:spAutoFit/>
-          </a:bodyPr>
-          <a:lstStyle/>
-          <a:p>
-            <a:r>
-              <a:rPr lang="en-US" sz="800" b="1" dirty="0"/>
-              <a:t>Discriminant Analysis</a:t>
-            </a:r>
-            <a:r>
-              <a:rPr lang="en-US" sz="800" dirty="0"/>
-              <a:t> is a statistical technique used for classifying data into predefined categories based on the features or attributes of the data. It helps in identifying which variables discriminate between the categories and provides a model to predict the class of new observations. There are several types of Discriminant Analysis, including Linear Discriminant Analysis (LDA) and Quadratic Discriminant Analysis (QDA). Here is a detailed description:</a:t>
-            </a:r>
-          </a:p>
-          <a:p>
-            <a:r>
-              <a:rPr lang="en-US" sz="800" b="1" dirty="0"/>
-              <a:t>1. Purpose of Discriminant Analysis</a:t>
-            </a:r>
-          </a:p>
-          <a:p>
-            <a:pPr>
-              <a:buFont typeface="Arial" panose="020B0604020202020204" pitchFamily="34" charset="0"/>
-              <a:buChar char="•"/>
-            </a:pPr>
-            <a:r>
-              <a:rPr lang="en-US" sz="800" b="1" dirty="0"/>
-              <a:t>Classification</a:t>
-            </a:r>
-            <a:r>
-              <a:rPr lang="en-US" sz="800" dirty="0"/>
-              <a:t>: The primary goal is to classify data points into predefined categories or classes based on their attributes.</a:t>
-            </a:r>
-          </a:p>
-          <a:p>
-            <a:pPr>
-              <a:buFont typeface="Arial" panose="020B0604020202020204" pitchFamily="34" charset="0"/>
-              <a:buChar char="•"/>
-            </a:pPr>
-            <a:r>
-              <a:rPr lang="en-US" sz="800" b="1" dirty="0"/>
-              <a:t>Feature Discrimination</a:t>
-            </a:r>
-            <a:r>
-              <a:rPr lang="en-US" sz="800" dirty="0"/>
-              <a:t>: Identify which features contribute most to the separation between classes.</a:t>
-            </a:r>
-          </a:p>
-          <a:p>
-            <a:pPr>
-              <a:buFont typeface="Arial" panose="020B0604020202020204" pitchFamily="34" charset="0"/>
-              <a:buChar char="•"/>
-            </a:pPr>
-            <a:r>
-              <a:rPr lang="en-US" sz="800" b="1" dirty="0"/>
-              <a:t>Predictive Modeling</a:t>
-            </a:r>
-            <a:r>
-              <a:rPr lang="en-US" sz="800" dirty="0"/>
-              <a:t>: Develop models that can predict the class of new or unseen data based on the attributes.</a:t>
-            </a:r>
-          </a:p>
-          <a:p>
-            <a:r>
-              <a:rPr lang="en-US" sz="800" b="1" dirty="0"/>
-              <a:t>2. Types of Discriminant Analysis</a:t>
-            </a:r>
-          </a:p>
-          <a:p>
-            <a:pPr>
-              <a:buFont typeface="+mj-lt"/>
-              <a:buAutoNum type="arabicPeriod"/>
-            </a:pPr>
-            <a:r>
-              <a:rPr lang="en-US" sz="800" b="1" dirty="0"/>
-              <a:t>Linear Discriminant Analysis (LDA)</a:t>
-            </a:r>
-            <a:endParaRPr lang="en-US" sz="800" dirty="0"/>
-          </a:p>
-          <a:p>
-            <a:pPr marL="742950" lvl="1" indent="-285750">
-              <a:buFont typeface="+mj-lt"/>
-              <a:buAutoNum type="arabicPeriod"/>
-            </a:pPr>
-            <a:r>
-              <a:rPr lang="en-US" sz="800" b="1" dirty="0"/>
-              <a:t>Objective</a:t>
-            </a:r>
-            <a:r>
-              <a:rPr lang="en-US" sz="800" dirty="0"/>
-              <a:t>: Find a linear combination of features that best separates two or more classes.</a:t>
-            </a:r>
-          </a:p>
-          <a:p>
-            <a:pPr marL="742950" lvl="1" indent="-285750">
-              <a:buFont typeface="+mj-lt"/>
-              <a:buAutoNum type="arabicPeriod"/>
-            </a:pPr>
-            <a:r>
-              <a:rPr lang="en-US" sz="800" b="1" dirty="0"/>
-              <a:t>Assumptions</a:t>
-            </a:r>
-            <a:r>
-              <a:rPr lang="en-US" sz="800" dirty="0"/>
-              <a:t>:</a:t>
-            </a:r>
-          </a:p>
-          <a:p>
-            <a:pPr marL="1143000" lvl="2" indent="-228600">
-              <a:buFont typeface="+mj-lt"/>
-              <a:buAutoNum type="arabicPeriod"/>
-            </a:pPr>
-            <a:r>
-              <a:rPr lang="en-US" sz="800" dirty="0"/>
-              <a:t>Features are normally distributed within each class.</a:t>
-            </a:r>
-          </a:p>
-          <a:p>
-            <a:pPr marL="1143000" lvl="2" indent="-228600">
-              <a:buFont typeface="+mj-lt"/>
-              <a:buAutoNum type="arabicPeriod"/>
-            </a:pPr>
-            <a:r>
-              <a:rPr lang="en-US" sz="800" dirty="0"/>
-              <a:t>Classes have the same covariance matrix (homoscedasticity).</a:t>
-            </a:r>
-          </a:p>
-          <a:p>
-            <a:pPr marL="742950" lvl="1" indent="-285750">
-              <a:buFont typeface="+mj-lt"/>
-              <a:buAutoNum type="arabicPeriod"/>
-            </a:pPr>
-            <a:r>
-              <a:rPr lang="en-US" sz="800" b="1" dirty="0"/>
-              <a:t>Process</a:t>
-            </a:r>
-            <a:r>
-              <a:rPr lang="en-US" sz="800" dirty="0"/>
-              <a:t>:</a:t>
-            </a:r>
-          </a:p>
-          <a:p>
-            <a:pPr marL="1143000" lvl="2" indent="-228600">
-              <a:buFont typeface="+mj-lt"/>
-              <a:buAutoNum type="arabicPeriod"/>
-            </a:pPr>
-            <a:r>
-              <a:rPr lang="en-US" sz="800" b="1" dirty="0"/>
-              <a:t>Compute Class Means</a:t>
-            </a:r>
-            <a:r>
-              <a:rPr lang="en-US" sz="800" dirty="0"/>
-              <a:t>: Calculate the mean of each feature for each class.</a:t>
-            </a:r>
-          </a:p>
-          <a:p>
-            <a:pPr marL="1143000" lvl="2" indent="-228600">
-              <a:buFont typeface="+mj-lt"/>
-              <a:buAutoNum type="arabicPeriod"/>
-            </a:pPr>
-            <a:r>
-              <a:rPr lang="en-US" sz="800" b="1" dirty="0"/>
-              <a:t>Compute Within-Class and Between-Class Scatter Matrices</a:t>
-            </a:r>
-            <a:r>
-              <a:rPr lang="en-US" sz="800" dirty="0"/>
-              <a:t>:</a:t>
-            </a:r>
-          </a:p>
-          <a:p>
-            <a:pPr marL="1600200" lvl="3" indent="-228600">
-              <a:buFont typeface="+mj-lt"/>
-              <a:buAutoNum type="arabicPeriod"/>
-            </a:pPr>
-            <a:r>
-              <a:rPr lang="en-US" sz="800" dirty="0"/>
-              <a:t>Within-Class Scatter Matrix: Measures the scatter (variance) of features within each class.</a:t>
-            </a:r>
-          </a:p>
-          <a:p>
-            <a:pPr marL="1600200" lvl="3" indent="-228600">
-              <a:buFont typeface="+mj-lt"/>
-              <a:buAutoNum type="arabicPeriod"/>
-            </a:pPr>
-            <a:r>
-              <a:rPr lang="en-US" sz="800" dirty="0"/>
-              <a:t>Between-Class Scatter Matrix: Measures the scatter (variance) between different class means.</a:t>
-            </a:r>
-          </a:p>
-          <a:p>
-            <a:pPr marL="1143000" lvl="2" indent="-228600">
-              <a:buFont typeface="+mj-lt"/>
-              <a:buAutoNum type="arabicPeriod"/>
-            </a:pPr>
-            <a:r>
-              <a:rPr lang="en-US" sz="800" b="1" dirty="0"/>
-              <a:t>Solve Generalized Eigenvalue Problem</a:t>
-            </a:r>
-            <a:r>
-              <a:rPr lang="en-US" sz="800" dirty="0"/>
-              <a:t>:</a:t>
-            </a:r>
-          </a:p>
-          <a:p>
-            <a:pPr marL="1600200" lvl="3" indent="-228600">
-              <a:buFont typeface="+mj-lt"/>
-              <a:buAutoNum type="arabicPeriod"/>
-            </a:pPr>
-            <a:r>
-              <a:rPr lang="en-US" sz="800" dirty="0"/>
-              <a:t>Solve for eigenvalues and eigenvectors to determine the linear discriminants.</a:t>
-            </a:r>
-          </a:p>
-          <a:p>
-            <a:pPr marL="1143000" lvl="2" indent="-228600">
-              <a:buFont typeface="+mj-lt"/>
-              <a:buAutoNum type="arabicPeriod"/>
-            </a:pPr>
-            <a:r>
-              <a:rPr lang="en-US" sz="800" b="1" dirty="0"/>
-              <a:t>Project Data</a:t>
-            </a:r>
-            <a:r>
-              <a:rPr lang="en-US" sz="800" dirty="0"/>
-              <a:t>: Project data onto the linear discriminants to maximize separation between classes.</a:t>
-            </a:r>
-          </a:p>
-          <a:p>
-            <a:pPr>
-              <a:buFont typeface="+mj-lt"/>
-              <a:buAutoNum type="arabicPeriod"/>
-            </a:pPr>
-            <a:r>
-              <a:rPr lang="en-US" sz="800" b="1" dirty="0"/>
-              <a:t>Formula for Linear Discriminants</a:t>
-            </a:r>
-            <a:r>
-              <a:rPr lang="en-US" sz="800" dirty="0"/>
-              <a:t>:</a:t>
-            </a:r>
-          </a:p>
-          <a:p>
-            <a:pPr>
-              <a:buFont typeface="+mj-lt"/>
-              <a:buAutoNum type="arabicPeriod"/>
-            </a:pPr>
-            <a:r>
-              <a:rPr lang="en-US" sz="800" dirty="0"/>
-              <a:t>y=</a:t>
-            </a:r>
-            <a:r>
-              <a:rPr lang="en-US" sz="800" dirty="0" err="1"/>
-              <a:t>WTXy</a:t>
-            </a:r>
-            <a:r>
-              <a:rPr lang="en-US" sz="800" dirty="0"/>
-              <a:t> = W^T </a:t>
-            </a:r>
-            <a:r>
-              <a:rPr lang="en-US" sz="800" dirty="0" err="1"/>
-              <a:t>Xy</a:t>
-            </a:r>
-            <a:r>
-              <a:rPr lang="en-US" sz="800" dirty="0"/>
-              <a:t>=</a:t>
-            </a:r>
-            <a:r>
-              <a:rPr lang="en-US" sz="800" dirty="0" err="1"/>
-              <a:t>WTXWhere</a:t>
-            </a:r>
-            <a:r>
-              <a:rPr lang="en-US" sz="800" dirty="0"/>
-              <a:t> WWW is the matrix of linear discriminants and XXX is the data matrix.</a:t>
-            </a:r>
-          </a:p>
-          <a:p>
-            <a:pPr>
-              <a:buFont typeface="+mj-lt"/>
-              <a:buAutoNum type="arabicPeriod"/>
-            </a:pPr>
-            <a:r>
-              <a:rPr lang="en-US" sz="800" b="1" dirty="0"/>
-              <a:t>Quadratic Discriminant Analysis (QDA)</a:t>
-            </a:r>
-            <a:endParaRPr lang="en-US" sz="800" dirty="0"/>
-          </a:p>
-          <a:p>
-            <a:pPr marL="742950" lvl="1" indent="-285750">
-              <a:buFont typeface="+mj-lt"/>
-              <a:buAutoNum type="arabicPeriod"/>
-            </a:pPr>
-            <a:r>
-              <a:rPr lang="en-US" sz="800" b="1" dirty="0"/>
-              <a:t>Objective</a:t>
-            </a:r>
-            <a:r>
-              <a:rPr lang="en-US" sz="800" dirty="0"/>
-              <a:t>: Extend LDA by allowing each class to have its own covariance matrix.</a:t>
-            </a:r>
-          </a:p>
-          <a:p>
-            <a:pPr marL="742950" lvl="1" indent="-285750">
-              <a:buFont typeface="+mj-lt"/>
-              <a:buAutoNum type="arabicPeriod"/>
-            </a:pPr>
-            <a:r>
-              <a:rPr lang="en-US" sz="800" b="1" dirty="0"/>
-              <a:t>Assumptions</a:t>
-            </a:r>
-            <a:r>
-              <a:rPr lang="en-US" sz="800" dirty="0"/>
-              <a:t>:</a:t>
-            </a:r>
-          </a:p>
-          <a:p>
-            <a:pPr marL="1143000" lvl="2" indent="-228600">
-              <a:buFont typeface="+mj-lt"/>
-              <a:buAutoNum type="arabicPeriod"/>
-            </a:pPr>
-            <a:r>
-              <a:rPr lang="en-US" sz="800" dirty="0"/>
-              <a:t>Features are normally distributed within each class.</a:t>
-            </a:r>
-          </a:p>
-          <a:p>
-            <a:pPr marL="1143000" lvl="2" indent="-228600">
-              <a:buFont typeface="+mj-lt"/>
-              <a:buAutoNum type="arabicPeriod"/>
-            </a:pPr>
-            <a:r>
-              <a:rPr lang="en-US" sz="800" dirty="0"/>
-              <a:t>Classes have different covariance matrices (heteroscedasticity).</a:t>
-            </a:r>
-          </a:p>
-          <a:p>
-            <a:pPr marL="742950" lvl="1" indent="-285750">
-              <a:buFont typeface="+mj-lt"/>
-              <a:buAutoNum type="arabicPeriod"/>
-            </a:pPr>
-            <a:r>
-              <a:rPr lang="en-US" sz="800" b="1" dirty="0"/>
-              <a:t>Process</a:t>
-            </a:r>
-            <a:r>
-              <a:rPr lang="en-US" sz="800" dirty="0"/>
-              <a:t>:</a:t>
-            </a:r>
-          </a:p>
-          <a:p>
-            <a:pPr marL="1143000" lvl="2" indent="-228600">
-              <a:buFont typeface="+mj-lt"/>
-              <a:buAutoNum type="arabicPeriod"/>
-            </a:pPr>
-            <a:r>
-              <a:rPr lang="en-US" sz="800" b="1" dirty="0"/>
-              <a:t>Compute Class Means</a:t>
-            </a:r>
-            <a:r>
-              <a:rPr lang="en-US" sz="800" dirty="0"/>
-              <a:t>: Calculate the mean of each feature for each class.</a:t>
-            </a:r>
-          </a:p>
-          <a:p>
-            <a:pPr marL="1143000" lvl="2" indent="-228600">
-              <a:buFont typeface="+mj-lt"/>
-              <a:buAutoNum type="arabicPeriod"/>
-            </a:pPr>
-            <a:r>
-              <a:rPr lang="en-US" sz="800" b="1" dirty="0"/>
-              <a:t>Compute Class Covariance Matrices</a:t>
-            </a:r>
-            <a:r>
-              <a:rPr lang="en-US" sz="800" dirty="0"/>
-              <a:t>: Calculate separate covariance matrices for each class.</a:t>
-            </a:r>
-          </a:p>
-          <a:p>
-            <a:pPr marL="1143000" lvl="2" indent="-228600">
-              <a:buFont typeface="+mj-lt"/>
-              <a:buAutoNum type="arabicPeriod"/>
-            </a:pPr>
-            <a:r>
-              <a:rPr lang="en-US" sz="800" b="1" dirty="0"/>
-              <a:t>Apply Bayes’ Theorem</a:t>
-            </a:r>
-            <a:r>
-              <a:rPr lang="en-US" sz="800" dirty="0"/>
-              <a:t>: Use Bayes' theorem to compute the posterior probability for each class and classify data based on the highest posterior probability.</a:t>
-            </a:r>
-          </a:p>
-          <a:p>
-            <a:pPr>
-              <a:buFont typeface="+mj-lt"/>
-              <a:buAutoNum type="arabicPeriod"/>
-            </a:pPr>
-            <a:r>
-              <a:rPr lang="en-US" sz="800" b="1" dirty="0"/>
-              <a:t>Formula for Posterior Probability</a:t>
-            </a:r>
-            <a:r>
-              <a:rPr lang="en-US" sz="800" dirty="0"/>
-              <a:t>:</a:t>
-            </a:r>
-          </a:p>
-          <a:p>
-            <a:pPr>
-              <a:buFont typeface="+mj-lt"/>
-              <a:buAutoNum type="arabicPeriod"/>
-            </a:pPr>
-            <a:r>
-              <a:rPr lang="en-US" sz="800" dirty="0"/>
-              <a:t>P(</a:t>
-            </a:r>
-            <a:r>
-              <a:rPr lang="en-US" sz="800" dirty="0" err="1"/>
-              <a:t>Ck∣X</a:t>
-            </a:r>
-            <a:r>
-              <a:rPr lang="en-US" sz="800" dirty="0"/>
-              <a:t>)=P(</a:t>
-            </a:r>
-            <a:r>
-              <a:rPr lang="en-US" sz="800" dirty="0" err="1"/>
-              <a:t>X∣Ck</a:t>
-            </a:r>
-            <a:r>
-              <a:rPr lang="en-US" sz="800" dirty="0"/>
-              <a:t>)P(Ck)P(X)P(</a:t>
-            </a:r>
-            <a:r>
-              <a:rPr lang="en-US" sz="800" dirty="0" err="1"/>
-              <a:t>C_k</a:t>
-            </a:r>
-            <a:r>
-              <a:rPr lang="en-US" sz="800" dirty="0"/>
-              <a:t> | X) = \frac{P(X | </a:t>
-            </a:r>
-            <a:r>
-              <a:rPr lang="en-US" sz="800" dirty="0" err="1"/>
-              <a:t>C_k</a:t>
-            </a:r>
-            <a:r>
-              <a:rPr lang="en-US" sz="800" dirty="0"/>
-              <a:t>) P(</a:t>
-            </a:r>
-            <a:r>
-              <a:rPr lang="en-US" sz="800" dirty="0" err="1"/>
-              <a:t>C_k</a:t>
-            </a:r>
-            <a:r>
-              <a:rPr lang="en-US" sz="800" dirty="0"/>
-              <a:t>)}{P(X)}P(Ck​∣X)=P(X)P(</a:t>
-            </a:r>
-            <a:r>
-              <a:rPr lang="en-US" sz="800" dirty="0" err="1"/>
-              <a:t>X∣Ck</a:t>
-            </a:r>
-            <a:r>
-              <a:rPr lang="en-US" sz="800" dirty="0"/>
-              <a:t>​)P(Ck​)​Where P(</a:t>
-            </a:r>
-            <a:r>
-              <a:rPr lang="en-US" sz="800" dirty="0" err="1"/>
-              <a:t>Ck∣X</a:t>
-            </a:r>
-            <a:r>
-              <a:rPr lang="en-US" sz="800" dirty="0"/>
-              <a:t>)P(</a:t>
-            </a:r>
-            <a:r>
-              <a:rPr lang="en-US" sz="800" dirty="0" err="1"/>
-              <a:t>C_k</a:t>
-            </a:r>
-            <a:r>
-              <a:rPr lang="en-US" sz="800" dirty="0"/>
-              <a:t> | X)P(Ck​∣X) is the posterior probability of class </a:t>
-            </a:r>
-            <a:r>
-              <a:rPr lang="en-US" sz="800" dirty="0" err="1"/>
-              <a:t>CkC_kCk</a:t>
-            </a:r>
-            <a:r>
-              <a:rPr lang="en-US" sz="800" dirty="0"/>
-              <a:t>​, P(</a:t>
-            </a:r>
-            <a:r>
-              <a:rPr lang="en-US" sz="800" dirty="0" err="1"/>
-              <a:t>X∣Ck</a:t>
-            </a:r>
-            <a:r>
-              <a:rPr lang="en-US" sz="800" dirty="0"/>
-              <a:t>)P(X | </a:t>
-            </a:r>
-            <a:r>
-              <a:rPr lang="en-US" sz="800" dirty="0" err="1"/>
-              <a:t>C_k</a:t>
-            </a:r>
-            <a:r>
-              <a:rPr lang="en-US" sz="800" dirty="0"/>
-              <a:t>)P(</a:t>
-            </a:r>
-            <a:r>
-              <a:rPr lang="en-US" sz="800" dirty="0" err="1"/>
-              <a:t>X∣Ck</a:t>
-            </a:r>
-            <a:r>
-              <a:rPr lang="en-US" sz="800" dirty="0"/>
-              <a:t>​) is the likelihood of XXX given class </a:t>
-            </a:r>
-            <a:r>
-              <a:rPr lang="en-US" sz="800" dirty="0" err="1"/>
-              <a:t>CkC_kCk</a:t>
-            </a:r>
-            <a:r>
-              <a:rPr lang="en-US" sz="800" dirty="0"/>
-              <a:t>​, and P(Ck)P(</a:t>
-            </a:r>
-            <a:r>
-              <a:rPr lang="en-US" sz="800" dirty="0" err="1"/>
-              <a:t>C_k</a:t>
-            </a:r>
-            <a:r>
-              <a:rPr lang="en-US" sz="800" dirty="0"/>
-              <a:t>)P(Ck​) is the prior probability of class </a:t>
-            </a:r>
-            <a:r>
-              <a:rPr lang="en-US" sz="800" dirty="0" err="1"/>
-              <a:t>CkC_kCk</a:t>
-            </a:r>
-            <a:r>
-              <a:rPr lang="en-US" sz="800" dirty="0"/>
-              <a:t>​.</a:t>
-            </a:r>
-          </a:p>
-          <a:p>
-            <a:r>
-              <a:rPr lang="en-US" sz="800" b="1" dirty="0"/>
-              <a:t>3. Key Concepts in Discriminant Analysis</a:t>
-            </a:r>
-          </a:p>
-          <a:p>
-            <a:pPr>
-              <a:buFont typeface="Arial" panose="020B0604020202020204" pitchFamily="34" charset="0"/>
-              <a:buChar char="•"/>
-            </a:pPr>
-            <a:r>
-              <a:rPr lang="en-US" sz="800" b="1" dirty="0"/>
-              <a:t>Class Separation</a:t>
-            </a:r>
-            <a:r>
-              <a:rPr lang="en-US" sz="800" dirty="0"/>
-              <a:t>: The ability of the discriminant function to separate different classes based on the features.</a:t>
-            </a:r>
-          </a:p>
-          <a:p>
-            <a:pPr>
-              <a:buFont typeface="Arial" panose="020B0604020202020204" pitchFamily="34" charset="0"/>
-              <a:buChar char="•"/>
-            </a:pPr>
-            <a:r>
-              <a:rPr lang="en-US" sz="800" b="1" dirty="0"/>
-              <a:t>Prior Probabilities</a:t>
-            </a:r>
-            <a:r>
-              <a:rPr lang="en-US" sz="800" dirty="0"/>
-              <a:t>: The probability of each class before seeing the data, which can be used to weigh the importance of different classes in the model.</a:t>
-            </a:r>
-          </a:p>
-          <a:p>
-            <a:pPr>
-              <a:buFont typeface="Arial" panose="020B0604020202020204" pitchFamily="34" charset="0"/>
-              <a:buChar char="•"/>
-            </a:pPr>
-            <a:r>
-              <a:rPr lang="en-US" sz="800" b="1" dirty="0"/>
-              <a:t>Decision Boundary</a:t>
-            </a:r>
-            <a:r>
-              <a:rPr lang="en-US" sz="800" dirty="0"/>
-              <a:t>: The boundary defined by the discriminant functions that separates different classes in the feature space.</a:t>
-            </a:r>
-          </a:p>
-          <a:p>
-            <a:pPr>
-              <a:buFont typeface="Arial" panose="020B0604020202020204" pitchFamily="34" charset="0"/>
-              <a:buChar char="•"/>
-            </a:pPr>
-            <a:r>
-              <a:rPr lang="en-US" sz="800" b="1" dirty="0"/>
-              <a:t>Bayesian Approach</a:t>
-            </a:r>
-            <a:r>
-              <a:rPr lang="en-US" sz="800" dirty="0"/>
-              <a:t>: In QDA, the classification is based on Bayesian principles, estimating the probability of each class given the data.</a:t>
-            </a:r>
-          </a:p>
-          <a:p>
-            <a:r>
-              <a:rPr lang="en-US" sz="800" b="1" dirty="0"/>
-              <a:t>4. Advantages of Discriminant Analysis</a:t>
-            </a:r>
-          </a:p>
-          <a:p>
-            <a:pPr>
-              <a:buFont typeface="Arial" panose="020B0604020202020204" pitchFamily="34" charset="0"/>
-              <a:buChar char="•"/>
-            </a:pPr>
-            <a:r>
-              <a:rPr lang="en-US" sz="800" b="1" dirty="0"/>
-              <a:t>Effective Classification</a:t>
-            </a:r>
-            <a:r>
-              <a:rPr lang="en-US" sz="800" dirty="0"/>
-              <a:t>: Provides a robust method for classifying data into distinct categories.</a:t>
-            </a:r>
-          </a:p>
-          <a:p>
-            <a:pPr>
-              <a:buFont typeface="Arial" panose="020B0604020202020204" pitchFamily="34" charset="0"/>
-              <a:buChar char="•"/>
-            </a:pPr>
-            <a:r>
-              <a:rPr lang="en-US" sz="800" b="1" dirty="0"/>
-              <a:t>Feature Importance</a:t>
-            </a:r>
-            <a:r>
-              <a:rPr lang="en-US" sz="800" dirty="0"/>
-              <a:t>: Helps identify and interpret the most important features that distinguish between classes.</a:t>
-            </a:r>
-          </a:p>
-          <a:p>
-            <a:pPr>
-              <a:buFont typeface="Arial" panose="020B0604020202020204" pitchFamily="34" charset="0"/>
-              <a:buChar char="•"/>
-            </a:pPr>
-            <a:r>
-              <a:rPr lang="en-US" sz="800" b="1" dirty="0"/>
-              <a:t>Probabilistic Interpretation</a:t>
-            </a:r>
-            <a:r>
-              <a:rPr lang="en-US" sz="800" dirty="0"/>
-              <a:t>: In QDA, offers probabilistic classification, providing confidence levels for class predictions.</a:t>
-            </a:r>
-          </a:p>
-          <a:p>
-            <a:pPr>
-              <a:buFont typeface="Arial" panose="020B0604020202020204" pitchFamily="34" charset="0"/>
-              <a:buChar char="•"/>
-            </a:pPr>
-            <a:r>
-              <a:rPr lang="en-US" sz="800" b="1" dirty="0"/>
-              <a:t>Dimensionality Reduction</a:t>
-            </a:r>
-            <a:r>
-              <a:rPr lang="en-US" sz="800" dirty="0"/>
-              <a:t>: LDA can be used as a preprocessing step to reduce dimensionality while preserving class separation.</a:t>
-            </a:r>
-          </a:p>
-          <a:p>
-            <a:r>
-              <a:rPr lang="en-US" sz="800" b="1" dirty="0"/>
-              <a:t>5. Challenges and Limitations</a:t>
-            </a:r>
-          </a:p>
-          <a:p>
-            <a:pPr>
-              <a:buFont typeface="Arial" panose="020B0604020202020204" pitchFamily="34" charset="0"/>
-              <a:buChar char="•"/>
-            </a:pPr>
-            <a:r>
-              <a:rPr lang="en-US" sz="800" b="1" dirty="0"/>
-              <a:t>Assumptions</a:t>
-            </a:r>
-            <a:r>
-              <a:rPr lang="en-US" sz="800" dirty="0"/>
-              <a:t>: Both LDA and QDA have assumptions (e.g., normality, equal or unequal covariance) that may not always hold in real-world data.</a:t>
-            </a:r>
-          </a:p>
-          <a:p>
-            <a:pPr>
-              <a:buFont typeface="Arial" panose="020B0604020202020204" pitchFamily="34" charset="0"/>
-              <a:buChar char="•"/>
-            </a:pPr>
-            <a:r>
-              <a:rPr lang="en-US" sz="800" b="1" dirty="0"/>
-              <a:t>Outliers</a:t>
-            </a:r>
-            <a:r>
-              <a:rPr lang="en-US" sz="800" dirty="0"/>
-              <a:t>: Sensitive to outliers, which can affect the accuracy of the classification.</a:t>
-            </a:r>
-          </a:p>
-          <a:p>
-            <a:pPr>
-              <a:buFont typeface="Arial" panose="020B0604020202020204" pitchFamily="34" charset="0"/>
-              <a:buChar char="•"/>
-            </a:pPr>
-            <a:r>
-              <a:rPr lang="en-US" sz="800" b="1" dirty="0"/>
-              <a:t>Computational Complexity</a:t>
-            </a:r>
-            <a:r>
-              <a:rPr lang="en-US" sz="800" dirty="0"/>
-              <a:t>: QDA can be computationally intensive with large datasets due to the estimation of covariance matrices for each class.</a:t>
-            </a:r>
-          </a:p>
-          <a:p>
-            <a:pPr>
-              <a:buFont typeface="Arial" panose="020B0604020202020204" pitchFamily="34" charset="0"/>
-              <a:buChar char="•"/>
-            </a:pPr>
-            <a:r>
-              <a:rPr lang="en-US" sz="800" b="1" dirty="0"/>
-              <a:t>Interpretability</a:t>
-            </a:r>
-            <a:r>
-              <a:rPr lang="en-US" sz="800" dirty="0"/>
-              <a:t>: The results can sometimes be challenging to interpret, especially in high-dimensional spaces.</a:t>
-            </a:r>
-          </a:p>
-          <a:p>
-            <a:r>
-              <a:rPr lang="en-US" sz="800" b="1" dirty="0"/>
-              <a:t>6. Applications of Discriminant Analysis</a:t>
-            </a:r>
-          </a:p>
-          <a:p>
-            <a:pPr>
-              <a:buFont typeface="Arial" panose="020B0604020202020204" pitchFamily="34" charset="0"/>
-              <a:buChar char="•"/>
-            </a:pPr>
-            <a:r>
-              <a:rPr lang="en-US" sz="800" b="1" dirty="0"/>
-              <a:t>Medical Diagnosis</a:t>
-            </a:r>
-            <a:r>
-              <a:rPr lang="en-US" sz="800" dirty="0"/>
-              <a:t>: Classify patients based on diagnostic features to predict diseases or conditions.</a:t>
-            </a:r>
-          </a:p>
-          <a:p>
-            <a:pPr>
-              <a:buFont typeface="Arial" panose="020B0604020202020204" pitchFamily="34" charset="0"/>
-              <a:buChar char="•"/>
-            </a:pPr>
-            <a:r>
-              <a:rPr lang="en-US" sz="800" b="1" dirty="0"/>
-              <a:t>Marketing</a:t>
-            </a:r>
-            <a:r>
-              <a:rPr lang="en-US" sz="800" dirty="0"/>
-              <a:t>: Segment customers into different groups based on purchasing behavior or demographic data.</a:t>
-            </a:r>
-          </a:p>
-          <a:p>
-            <a:pPr>
-              <a:buFont typeface="Arial" panose="020B0604020202020204" pitchFamily="34" charset="0"/>
-              <a:buChar char="•"/>
-            </a:pPr>
-            <a:r>
-              <a:rPr lang="en-US" sz="800" b="1" dirty="0"/>
-              <a:t>Finance</a:t>
-            </a:r>
-            <a:r>
-              <a:rPr lang="en-US" sz="800" dirty="0"/>
-              <a:t>: Predict credit risk or detect fraudulent activities based on financial transactions.</a:t>
-            </a:r>
-          </a:p>
-          <a:p>
-            <a:pPr>
-              <a:buFont typeface="Arial" panose="020B0604020202020204" pitchFamily="34" charset="0"/>
-              <a:buChar char="•"/>
-            </a:pPr>
-            <a:r>
-              <a:rPr lang="en-US" sz="800" b="1" dirty="0"/>
-              <a:t>Pattern Recognition</a:t>
-            </a:r>
-            <a:r>
-              <a:rPr lang="en-US" sz="800" dirty="0"/>
-              <a:t>: Used in image and speech recognition to classify patterns and objects.</a:t>
-            </a:r>
-          </a:p>
-          <a:p>
-            <a:r>
-              <a:rPr lang="en-US" sz="800" b="1" dirty="0"/>
-              <a:t>Summary</a:t>
-            </a:r>
-          </a:p>
-          <a:p>
-            <a:r>
-              <a:rPr lang="en-US" sz="800" dirty="0"/>
-              <a:t>Discriminant Analysis is a powerful statistical tool for classification and feature discrimination, offering both linear and quadratic methods to handle different types of data. It helps in building predictive models, understanding feature importance, and making informed decisions based on the class predictions. Despite its assumptions and potential challenges, it remains a valuable technique in data analysis and machine learning.</a:t>
-            </a:r>
-          </a:p>
-        </p:txBody>
-      </p:sp>
-    </p:spTree>
-    <p:extLst>
-      <p:ext uri="{BB962C8B-B14F-4D97-AF65-F5344CB8AC3E}">
-        <p14:creationId xmlns:p14="http://schemas.microsoft.com/office/powerpoint/2010/main" val="325983473"/>
-      </p:ext>
-    </p:extLst>
-  </p:cSld>
-  <p:clrMapOvr>
-    <a:masterClrMapping/>
-  </p:clrMapOvr>
-</p:sld>
-</file>
-
-<file path=ppt/slides/slide25.xml><?xml version="1.0" encoding="utf-8"?>
-<p:sld xmlns:a="http://schemas.openxmlformats.org/drawingml/2006/main" xmlns:r="http://schemas.openxmlformats.org/officeDocument/2006/relationships" xmlns:p="http://schemas.openxmlformats.org/presentationml/2006/main">
-  <p:cSld>
-    <p:spTree>
-      <p:nvGrpSpPr>
-        <p:cNvPr id="1" name=""/>
-        <p:cNvGrpSpPr/>
-        <p:nvPr/>
-      </p:nvGrpSpPr>
-      <p:grpSpPr>
-        <a:xfrm>
-          <a:off x="0" y="0"/>
-          <a:ext cx="0" cy="0"/>
-          <a:chOff x="0" y="0"/>
-          <a:chExt cx="0" cy="0"/>
-        </a:xfrm>
-      </p:grpSpPr>
-      <p:sp>
-        <p:nvSpPr>
-          <p:cNvPr id="2" name="object 2"/>
-          <p:cNvSpPr txBox="1">
-            <a:spLocks noGrp="1"/>
-          </p:cNvSpPr>
-          <p:nvPr>
-            <p:ph type="title" idx="4294967295"/>
-          </p:nvPr>
-        </p:nvSpPr>
-        <p:spPr>
-          <a:xfrm>
-            <a:off x="2362200" y="1028700"/>
-            <a:ext cx="10352088" cy="936625"/>
-          </a:xfrm>
-          <a:prstGeom prst="rect">
-            <a:avLst/>
-          </a:prstGeom>
-        </p:spPr>
-        <p:txBody>
-          <a:bodyPr vert="horz" wrap="square" lIns="0" tIns="12700" rIns="0" bIns="0" rtlCol="0">
-            <a:noAutofit/>
-          </a:bodyPr>
-          <a:lstStyle/>
-          <a:p>
-            <a:pPr marL="12700">
-              <a:lnSpc>
-                <a:spcPct val="100000"/>
-              </a:lnSpc>
-              <a:spcBef>
-                <a:spcPts val="100"/>
-              </a:spcBef>
-            </a:pPr>
-            <a:r>
-              <a:rPr lang="en-US" sz="6000" dirty="0"/>
-              <a:t>Combining PCA and DA</a:t>
-            </a:r>
-            <a:endParaRPr sz="6000" b="0" dirty="0">
-              <a:solidFill>
-                <a:srgbClr val="0C234B"/>
-              </a:solidFill>
-              <a:latin typeface="Times New Roman" panose="02020603050405020304" pitchFamily="18" charset="0"/>
-              <a:cs typeface="Times New Roman" panose="02020603050405020304" pitchFamily="18" charset="0"/>
-            </a:endParaRPr>
           </a:p>
         </p:txBody>
       </p:sp>
       <p:sp>
         <p:nvSpPr>
-          <p:cNvPr id="3" name="Rectangle 1">
+          <p:cNvPr id="4" name="Rectangle 2">
             <a:extLst>
               <a:ext uri="{FF2B5EF4-FFF2-40B4-BE49-F238E27FC236}">
-                <a16:creationId xmlns:a16="http://schemas.microsoft.com/office/drawing/2014/main" id="{64A9EBA8-1F5E-0B7E-8B88-82E0BA355903}"/>
+                <a16:creationId xmlns:a16="http://schemas.microsoft.com/office/drawing/2014/main" id="{260D9E30-D468-B0FA-8D47-8677E3EBE4E3}"/>
               </a:ext>
             </a:extLst>
           </p:cNvPr>
@@ -19113,8 +15242,8 @@
         </p:nvSpPr>
         <p:spPr bwMode="auto">
           <a:xfrm>
-            <a:off x="2362200" y="2095500"/>
-            <a:ext cx="13335000" cy="1200329"/>
+            <a:off x="3429000" y="4076700"/>
+            <a:ext cx="13182600" cy="3970318"/>
           </a:xfrm>
           <a:prstGeom prst="rect">
             <a:avLst/>
@@ -19175,10 +15304,760 @@
               <a:buClrTx/>
               <a:buSzTx/>
               <a:buFontTx/>
+              <a:buChar char="•"/>
+              <a:tabLst/>
+            </a:pPr>
+            <a:r>
+              <a:rPr kumimoji="0" lang="en-US" altLang="en-US" sz="1200" b="1" i="0" u="none" strike="noStrike" cap="none" normalizeH="0" baseline="0">
+                <a:ln>
+                  <a:noFill/>
+                </a:ln>
+                <a:solidFill>
+                  <a:schemeClr val="tx1"/>
+                </a:solidFill>
+                <a:effectLst/>
+                <a:latin typeface="Arial" panose="020B0604020202020204" pitchFamily="34" charset="0"/>
+              </a:rPr>
+              <a:t>Choice of Principal Components</a:t>
+            </a:r>
+            <a:r>
+              <a:rPr kumimoji="0" lang="en-US" altLang="en-US" sz="1200" b="0" i="0" u="none" strike="noStrike" cap="none" normalizeH="0" baseline="0">
+                <a:ln>
+                  <a:noFill/>
+                </a:ln>
+                <a:solidFill>
+                  <a:schemeClr val="tx1"/>
+                </a:solidFill>
+                <a:effectLst/>
+                <a:latin typeface="Arial" panose="020B0604020202020204" pitchFamily="34" charset="0"/>
+              </a:rPr>
+              <a:t>:</a:t>
+            </a:r>
+          </a:p>
+          <a:p>
+            <a:pPr marL="0" marR="0" lvl="0" indent="0" algn="l" defTabSz="914400" rtl="0" eaLnBrk="0" fontAlgn="base" latinLnBrk="0" hangingPunct="0">
+              <a:lnSpc>
+                <a:spcPct val="100000"/>
+              </a:lnSpc>
+              <a:spcBef>
+                <a:spcPct val="0"/>
+              </a:spcBef>
+              <a:spcAft>
+                <a:spcPct val="0"/>
+              </a:spcAft>
+              <a:buClrTx/>
+              <a:buSzTx/>
+              <a:buFontTx/>
+              <a:buChar char="•"/>
+              <a:tabLst/>
+            </a:pPr>
+            <a:r>
+              <a:rPr kumimoji="0" lang="en-US" altLang="en-US" sz="1200" b="0" i="0" u="none" strike="noStrike" cap="none" normalizeH="0" baseline="0">
+                <a:ln>
+                  <a:noFill/>
+                </a:ln>
+                <a:solidFill>
+                  <a:schemeClr val="tx1"/>
+                </a:solidFill>
+                <a:effectLst/>
+                <a:latin typeface="Arial" panose="020B0604020202020204" pitchFamily="34" charset="0"/>
+              </a:rPr>
+              <a:t>Determining the number of principal components to retain can be subjective and impacts the performance of the discriminant analysis.</a:t>
+            </a:r>
+          </a:p>
+          <a:p>
+            <a:pPr marL="0" marR="0" lvl="0" indent="0" algn="l" defTabSz="914400" rtl="0" eaLnBrk="0" fontAlgn="base" latinLnBrk="0" hangingPunct="0">
+              <a:lnSpc>
+                <a:spcPct val="100000"/>
+              </a:lnSpc>
+              <a:spcBef>
+                <a:spcPct val="0"/>
+              </a:spcBef>
+              <a:spcAft>
+                <a:spcPct val="0"/>
+              </a:spcAft>
+              <a:buClrTx/>
+              <a:buSzTx/>
+              <a:buFontTx/>
+              <a:buChar char="•"/>
+              <a:tabLst/>
+            </a:pPr>
+            <a:r>
+              <a:rPr kumimoji="0" lang="en-US" altLang="en-US" sz="1200" b="1" i="0" u="none" strike="noStrike" cap="none" normalizeH="0" baseline="0">
+                <a:ln>
+                  <a:noFill/>
+                </a:ln>
+                <a:solidFill>
+                  <a:schemeClr val="tx1"/>
+                </a:solidFill>
+                <a:effectLst/>
+                <a:latin typeface="Arial" panose="020B0604020202020204" pitchFamily="34" charset="0"/>
+              </a:rPr>
+              <a:t>Computational Complexity</a:t>
+            </a:r>
+            <a:r>
+              <a:rPr kumimoji="0" lang="en-US" altLang="en-US" sz="1200" b="0" i="0" u="none" strike="noStrike" cap="none" normalizeH="0" baseline="0">
+                <a:ln>
+                  <a:noFill/>
+                </a:ln>
+                <a:solidFill>
+                  <a:schemeClr val="tx1"/>
+                </a:solidFill>
+                <a:effectLst/>
+                <a:latin typeface="Arial" panose="020B0604020202020204" pitchFamily="34" charset="0"/>
+              </a:rPr>
+              <a:t>:</a:t>
+            </a:r>
+          </a:p>
+          <a:p>
+            <a:pPr marL="0" marR="0" lvl="0" indent="0" algn="l" defTabSz="914400" rtl="0" eaLnBrk="0" fontAlgn="base" latinLnBrk="0" hangingPunct="0">
+              <a:lnSpc>
+                <a:spcPct val="100000"/>
+              </a:lnSpc>
+              <a:spcBef>
+                <a:spcPct val="0"/>
+              </a:spcBef>
+              <a:spcAft>
+                <a:spcPct val="0"/>
+              </a:spcAft>
+              <a:buClrTx/>
+              <a:buSzTx/>
+              <a:buFontTx/>
+              <a:buChar char="•"/>
+              <a:tabLst/>
+            </a:pPr>
+            <a:r>
+              <a:rPr kumimoji="0" lang="en-US" altLang="en-US" sz="1200" b="0" i="0" u="none" strike="noStrike" cap="none" normalizeH="0" baseline="0">
+                <a:ln>
+                  <a:noFill/>
+                </a:ln>
+                <a:solidFill>
+                  <a:schemeClr val="tx1"/>
+                </a:solidFill>
+                <a:effectLst/>
+                <a:latin typeface="Arial" panose="020B0604020202020204" pitchFamily="34" charset="0"/>
+              </a:rPr>
+              <a:t>Although DAPC improves efficiency over raw data, the PCA step can still be computationally intensive for very large datasets.</a:t>
+            </a:r>
+          </a:p>
+          <a:p>
+            <a:pPr marL="0" marR="0" lvl="0" indent="0" algn="l" defTabSz="914400" rtl="0" eaLnBrk="0" fontAlgn="base" latinLnBrk="0" hangingPunct="0">
+              <a:lnSpc>
+                <a:spcPct val="100000"/>
+              </a:lnSpc>
+              <a:spcBef>
+                <a:spcPct val="0"/>
+              </a:spcBef>
+              <a:spcAft>
+                <a:spcPct val="0"/>
+              </a:spcAft>
+              <a:buClrTx/>
+              <a:buSzTx/>
+              <a:buFontTx/>
+              <a:buChar char="•"/>
+              <a:tabLst/>
+            </a:pPr>
+            <a:r>
+              <a:rPr kumimoji="0" lang="en-US" altLang="en-US" sz="1200" b="1" i="0" u="none" strike="noStrike" cap="none" normalizeH="0" baseline="0">
+                <a:ln>
+                  <a:noFill/>
+                </a:ln>
+                <a:solidFill>
+                  <a:schemeClr val="tx1"/>
+                </a:solidFill>
+                <a:effectLst/>
+                <a:latin typeface="Arial" panose="020B0604020202020204" pitchFamily="34" charset="0"/>
+              </a:rPr>
+              <a:t>Assumptions of Linearity</a:t>
+            </a:r>
+            <a:r>
+              <a:rPr kumimoji="0" lang="en-US" altLang="en-US" sz="1200" b="0" i="0" u="none" strike="noStrike" cap="none" normalizeH="0" baseline="0">
+                <a:ln>
+                  <a:noFill/>
+                </a:ln>
+                <a:solidFill>
+                  <a:schemeClr val="tx1"/>
+                </a:solidFill>
+                <a:effectLst/>
+                <a:latin typeface="Arial" panose="020B0604020202020204" pitchFamily="34" charset="0"/>
+              </a:rPr>
+              <a:t>:</a:t>
+            </a:r>
+          </a:p>
+          <a:p>
+            <a:pPr marL="0" marR="0" lvl="0" indent="0" algn="l" defTabSz="914400" rtl="0" eaLnBrk="0" fontAlgn="base" latinLnBrk="0" hangingPunct="0">
+              <a:lnSpc>
+                <a:spcPct val="100000"/>
+              </a:lnSpc>
+              <a:spcBef>
+                <a:spcPct val="0"/>
+              </a:spcBef>
+              <a:spcAft>
+                <a:spcPct val="0"/>
+              </a:spcAft>
+              <a:buClrTx/>
+              <a:buSzTx/>
+              <a:buFontTx/>
+              <a:buChar char="•"/>
+              <a:tabLst/>
+            </a:pPr>
+            <a:r>
+              <a:rPr kumimoji="0" lang="en-US" altLang="en-US" sz="1200" b="0" i="0" u="none" strike="noStrike" cap="none" normalizeH="0" baseline="0">
+                <a:ln>
+                  <a:noFill/>
+                </a:ln>
+                <a:solidFill>
+                  <a:schemeClr val="tx1"/>
+                </a:solidFill>
+                <a:effectLst/>
+                <a:latin typeface="Arial" panose="020B0604020202020204" pitchFamily="34" charset="0"/>
+              </a:rPr>
+              <a:t>DAPC assumes linear relationships among features, which may not always hold true, potentially affecting classification performance.</a:t>
+            </a:r>
+          </a:p>
+          <a:p>
+            <a:pPr marL="0" marR="0" lvl="0" indent="0" algn="l" defTabSz="914400" rtl="0" eaLnBrk="0" fontAlgn="base" latinLnBrk="0" hangingPunct="0">
+              <a:lnSpc>
+                <a:spcPct val="100000"/>
+              </a:lnSpc>
+              <a:spcBef>
+                <a:spcPct val="0"/>
+              </a:spcBef>
+              <a:spcAft>
+                <a:spcPct val="0"/>
+              </a:spcAft>
+              <a:buClrTx/>
+              <a:buSzTx/>
+              <a:buFontTx/>
+              <a:buChar char="•"/>
+              <a:tabLst/>
+            </a:pPr>
+            <a:r>
+              <a:rPr kumimoji="0" lang="en-US" altLang="en-US" sz="1200" b="1" i="0" u="none" strike="noStrike" cap="none" normalizeH="0" baseline="0">
+                <a:ln>
+                  <a:noFill/>
+                </a:ln>
+                <a:solidFill>
+                  <a:schemeClr val="tx1"/>
+                </a:solidFill>
+                <a:effectLst/>
+                <a:latin typeface="Arial" panose="020B0604020202020204" pitchFamily="34" charset="0"/>
+              </a:rPr>
+              <a:t>Interpretability of Principal Components</a:t>
+            </a:r>
+            <a:r>
+              <a:rPr kumimoji="0" lang="en-US" altLang="en-US" sz="1200" b="0" i="0" u="none" strike="noStrike" cap="none" normalizeH="0" baseline="0">
+                <a:ln>
+                  <a:noFill/>
+                </a:ln>
+                <a:solidFill>
+                  <a:schemeClr val="tx1"/>
+                </a:solidFill>
+                <a:effectLst/>
+                <a:latin typeface="Arial" panose="020B0604020202020204" pitchFamily="34" charset="0"/>
+              </a:rPr>
+              <a:t>:</a:t>
+            </a:r>
+          </a:p>
+          <a:p>
+            <a:pPr marL="0" marR="0" lvl="0" indent="0" algn="l" defTabSz="914400" rtl="0" eaLnBrk="0" fontAlgn="base" latinLnBrk="0" hangingPunct="0">
+              <a:lnSpc>
+                <a:spcPct val="100000"/>
+              </a:lnSpc>
+              <a:spcBef>
+                <a:spcPct val="0"/>
+              </a:spcBef>
+              <a:spcAft>
+                <a:spcPct val="0"/>
+              </a:spcAft>
+              <a:buClrTx/>
+              <a:buSzTx/>
+              <a:buFontTx/>
+              <a:buChar char="•"/>
+              <a:tabLst/>
+            </a:pPr>
+            <a:r>
+              <a:rPr kumimoji="0" lang="en-US" altLang="en-US" sz="1200" b="0" i="0" u="none" strike="noStrike" cap="none" normalizeH="0" baseline="0">
+                <a:ln>
+                  <a:noFill/>
+                </a:ln>
+                <a:solidFill>
+                  <a:schemeClr val="tx1"/>
+                </a:solidFill>
+                <a:effectLst/>
+                <a:latin typeface="Arial" panose="020B0604020202020204" pitchFamily="34" charset="0"/>
+              </a:rPr>
+              <a:t>Principal components are linear combinations of original features and can be challenging to interpret, especially in terms of their meaning and relevance.</a:t>
+            </a:r>
+          </a:p>
+          <a:p>
+            <a:pPr marL="0" marR="0" lvl="0" indent="0" algn="l" defTabSz="914400" rtl="0" eaLnBrk="0" fontAlgn="base" latinLnBrk="0" hangingPunct="0">
+              <a:lnSpc>
+                <a:spcPct val="100000"/>
+              </a:lnSpc>
+              <a:spcBef>
+                <a:spcPct val="0"/>
+              </a:spcBef>
+              <a:spcAft>
+                <a:spcPct val="0"/>
+              </a:spcAft>
+              <a:buClrTx/>
+              <a:buSzTx/>
+              <a:buFontTx/>
+              <a:buChar char="•"/>
+              <a:tabLst/>
+            </a:pPr>
+            <a:r>
+              <a:rPr kumimoji="0" lang="en-US" altLang="en-US" sz="1200" b="1" i="0" u="none" strike="noStrike" cap="none" normalizeH="0" baseline="0">
+                <a:ln>
+                  <a:noFill/>
+                </a:ln>
+                <a:solidFill>
+                  <a:schemeClr val="tx1"/>
+                </a:solidFill>
+                <a:effectLst/>
+                <a:latin typeface="Arial" panose="020B0604020202020204" pitchFamily="34" charset="0"/>
+              </a:rPr>
+              <a:t>Overfitting Risk</a:t>
+            </a:r>
+            <a:r>
+              <a:rPr kumimoji="0" lang="en-US" altLang="en-US" sz="1200" b="0" i="0" u="none" strike="noStrike" cap="none" normalizeH="0" baseline="0">
+                <a:ln>
+                  <a:noFill/>
+                </a:ln>
+                <a:solidFill>
+                  <a:schemeClr val="tx1"/>
+                </a:solidFill>
+                <a:effectLst/>
+                <a:latin typeface="Arial" panose="020B0604020202020204" pitchFamily="34" charset="0"/>
+              </a:rPr>
+              <a:t>:</a:t>
+            </a:r>
+          </a:p>
+          <a:p>
+            <a:pPr marL="0" marR="0" lvl="0" indent="0" algn="l" defTabSz="914400" rtl="0" eaLnBrk="0" fontAlgn="base" latinLnBrk="0" hangingPunct="0">
+              <a:lnSpc>
+                <a:spcPct val="100000"/>
+              </a:lnSpc>
+              <a:spcBef>
+                <a:spcPct val="0"/>
+              </a:spcBef>
+              <a:spcAft>
+                <a:spcPct val="0"/>
+              </a:spcAft>
+              <a:buClrTx/>
+              <a:buSzTx/>
+              <a:buFontTx/>
+              <a:buChar char="•"/>
+              <a:tabLst/>
+            </a:pPr>
+            <a:r>
+              <a:rPr kumimoji="0" lang="en-US" altLang="en-US" sz="1200" b="0" i="0" u="none" strike="noStrike" cap="none" normalizeH="0" baseline="0">
+                <a:ln>
+                  <a:noFill/>
+                </a:ln>
+                <a:solidFill>
+                  <a:schemeClr val="tx1"/>
+                </a:solidFill>
+                <a:effectLst/>
+                <a:latin typeface="Arial" panose="020B0604020202020204" pitchFamily="34" charset="0"/>
+              </a:rPr>
+              <a:t>With a high number of principal components, there is a risk of overfitting the discriminant model to the training data, which can affect generalizability.</a:t>
+            </a:r>
+          </a:p>
+          <a:p>
+            <a:pPr marL="0" marR="0" lvl="0" indent="0" algn="l" defTabSz="914400" rtl="0" eaLnBrk="0" fontAlgn="base" latinLnBrk="0" hangingPunct="0">
+              <a:lnSpc>
+                <a:spcPct val="100000"/>
+              </a:lnSpc>
+              <a:spcBef>
+                <a:spcPct val="0"/>
+              </a:spcBef>
+              <a:spcAft>
+                <a:spcPct val="0"/>
+              </a:spcAft>
+              <a:buClrTx/>
+              <a:buSzTx/>
+              <a:buFontTx/>
+              <a:buChar char="•"/>
+              <a:tabLst/>
+            </a:pPr>
+            <a:r>
+              <a:rPr kumimoji="0" lang="en-US" altLang="en-US" sz="1200" b="1" i="0" u="none" strike="noStrike" cap="none" normalizeH="0" baseline="0">
+                <a:ln>
+                  <a:noFill/>
+                </a:ln>
+                <a:solidFill>
+                  <a:schemeClr val="tx1"/>
+                </a:solidFill>
+                <a:effectLst/>
+                <a:latin typeface="Arial" panose="020B0604020202020204" pitchFamily="34" charset="0"/>
+              </a:rPr>
+              <a:t>Sensitivity to Data Scaling</a:t>
+            </a:r>
+            <a:r>
+              <a:rPr kumimoji="0" lang="en-US" altLang="en-US" sz="1200" b="0" i="0" u="none" strike="noStrike" cap="none" normalizeH="0" baseline="0">
+                <a:ln>
+                  <a:noFill/>
+                </a:ln>
+                <a:solidFill>
+                  <a:schemeClr val="tx1"/>
+                </a:solidFill>
+                <a:effectLst/>
+                <a:latin typeface="Arial" panose="020B0604020202020204" pitchFamily="34" charset="0"/>
+              </a:rPr>
+              <a:t>:</a:t>
+            </a:r>
+          </a:p>
+          <a:p>
+            <a:pPr marL="0" marR="0" lvl="0" indent="0" algn="l" defTabSz="914400" rtl="0" eaLnBrk="0" fontAlgn="base" latinLnBrk="0" hangingPunct="0">
+              <a:lnSpc>
+                <a:spcPct val="100000"/>
+              </a:lnSpc>
+              <a:spcBef>
+                <a:spcPct val="0"/>
+              </a:spcBef>
+              <a:spcAft>
+                <a:spcPct val="0"/>
+              </a:spcAft>
+              <a:buClrTx/>
+              <a:buSzTx/>
+              <a:buFontTx/>
+              <a:buChar char="•"/>
+              <a:tabLst/>
+            </a:pPr>
+            <a:r>
+              <a:rPr kumimoji="0" lang="en-US" altLang="en-US" sz="1200" b="0" i="0" u="none" strike="noStrike" cap="none" normalizeH="0" baseline="0">
+                <a:ln>
+                  <a:noFill/>
+                </a:ln>
+                <a:solidFill>
+                  <a:schemeClr val="tx1"/>
+                </a:solidFill>
+                <a:effectLst/>
+                <a:latin typeface="Arial" panose="020B0604020202020204" pitchFamily="34" charset="0"/>
+              </a:rPr>
+              <a:t>PCA is sensitive to the scale of features, requiring careful normalization or standardization of data before applying PCA.</a:t>
+            </a:r>
+          </a:p>
+          <a:p>
+            <a:pPr marL="0" marR="0" lvl="0" indent="0" algn="l" defTabSz="914400" rtl="0" eaLnBrk="0" fontAlgn="base" latinLnBrk="0" hangingPunct="0">
+              <a:lnSpc>
+                <a:spcPct val="100000"/>
+              </a:lnSpc>
+              <a:spcBef>
+                <a:spcPct val="0"/>
+              </a:spcBef>
+              <a:spcAft>
+                <a:spcPct val="0"/>
+              </a:spcAft>
+              <a:buClrTx/>
+              <a:buSzTx/>
+              <a:buFontTx/>
+              <a:buChar char="•"/>
+              <a:tabLst/>
+            </a:pPr>
+            <a:r>
+              <a:rPr kumimoji="0" lang="en-US" altLang="en-US" sz="1200" b="1" i="0" u="none" strike="noStrike" cap="none" normalizeH="0" baseline="0">
+                <a:ln>
+                  <a:noFill/>
+                </a:ln>
+                <a:solidFill>
+                  <a:schemeClr val="tx1"/>
+                </a:solidFill>
+                <a:effectLst/>
+                <a:latin typeface="Arial" panose="020B0604020202020204" pitchFamily="34" charset="0"/>
+              </a:rPr>
+              <a:t>Choice of Discriminant Analysis Method</a:t>
+            </a:r>
+            <a:r>
+              <a:rPr kumimoji="0" lang="en-US" altLang="en-US" sz="1200" b="0" i="0" u="none" strike="noStrike" cap="none" normalizeH="0" baseline="0">
+                <a:ln>
+                  <a:noFill/>
+                </a:ln>
+                <a:solidFill>
+                  <a:schemeClr val="tx1"/>
+                </a:solidFill>
+                <a:effectLst/>
+                <a:latin typeface="Arial" panose="020B0604020202020204" pitchFamily="34" charset="0"/>
+              </a:rPr>
+              <a:t>:</a:t>
+            </a:r>
+          </a:p>
+          <a:p>
+            <a:pPr marL="0" marR="0" lvl="0" indent="0" algn="l" defTabSz="914400" rtl="0" eaLnBrk="0" fontAlgn="base" latinLnBrk="0" hangingPunct="0">
+              <a:lnSpc>
+                <a:spcPct val="100000"/>
+              </a:lnSpc>
+              <a:spcBef>
+                <a:spcPct val="0"/>
+              </a:spcBef>
+              <a:spcAft>
+                <a:spcPct val="0"/>
+              </a:spcAft>
+              <a:buClrTx/>
+              <a:buSzTx/>
+              <a:buFontTx/>
+              <a:buChar char="•"/>
+              <a:tabLst/>
+            </a:pPr>
+            <a:r>
+              <a:rPr kumimoji="0" lang="en-US" altLang="en-US" sz="1200" b="0" i="0" u="none" strike="noStrike" cap="none" normalizeH="0" baseline="0">
+                <a:ln>
+                  <a:noFill/>
+                </a:ln>
+                <a:solidFill>
+                  <a:schemeClr val="tx1"/>
+                </a:solidFill>
+                <a:effectLst/>
+                <a:latin typeface="Arial" panose="020B0604020202020204" pitchFamily="34" charset="0"/>
+              </a:rPr>
+              <a:t>Selecting the appropriate discriminant analysis technique (e.g., Linear Discriminant Analysis vs. Quadratic Discriminant Analysis) can impact the effectiveness of the classification.</a:t>
+            </a:r>
+          </a:p>
+          <a:p>
+            <a:pPr marL="0" marR="0" lvl="0" indent="0" algn="l" defTabSz="914400" rtl="0" eaLnBrk="0" fontAlgn="base" latinLnBrk="0" hangingPunct="0">
+              <a:lnSpc>
+                <a:spcPct val="100000"/>
+              </a:lnSpc>
+              <a:spcBef>
+                <a:spcPct val="0"/>
+              </a:spcBef>
+              <a:spcAft>
+                <a:spcPct val="0"/>
+              </a:spcAft>
+              <a:buClrTx/>
+              <a:buSzTx/>
+              <a:buFontTx/>
+              <a:buChar char="•"/>
+              <a:tabLst/>
+            </a:pPr>
+            <a:r>
+              <a:rPr kumimoji="0" lang="en-US" altLang="en-US" sz="1200" b="1" i="0" u="none" strike="noStrike" cap="none" normalizeH="0" baseline="0">
+                <a:ln>
+                  <a:noFill/>
+                </a:ln>
+                <a:solidFill>
+                  <a:schemeClr val="tx1"/>
+                </a:solidFill>
+                <a:effectLst/>
+                <a:latin typeface="Arial" panose="020B0604020202020204" pitchFamily="34" charset="0"/>
+              </a:rPr>
+              <a:t>Dimensionality Reduction Loss</a:t>
+            </a:r>
+            <a:r>
+              <a:rPr kumimoji="0" lang="en-US" altLang="en-US" sz="1200" b="0" i="0" u="none" strike="noStrike" cap="none" normalizeH="0" baseline="0">
+                <a:ln>
+                  <a:noFill/>
+                </a:ln>
+                <a:solidFill>
+                  <a:schemeClr val="tx1"/>
+                </a:solidFill>
+                <a:effectLst/>
+                <a:latin typeface="Arial" panose="020B0604020202020204" pitchFamily="34" charset="0"/>
+              </a:rPr>
+              <a:t>:</a:t>
+            </a:r>
+          </a:p>
+          <a:p>
+            <a:pPr marL="0" marR="0" lvl="0" indent="0" algn="l" defTabSz="914400" rtl="0" eaLnBrk="0" fontAlgn="base" latinLnBrk="0" hangingPunct="0">
+              <a:lnSpc>
+                <a:spcPct val="100000"/>
+              </a:lnSpc>
+              <a:spcBef>
+                <a:spcPct val="0"/>
+              </a:spcBef>
+              <a:spcAft>
+                <a:spcPct val="0"/>
+              </a:spcAft>
+              <a:buClrTx/>
+              <a:buSzTx/>
+              <a:buFontTx/>
+              <a:buChar char="•"/>
+              <a:tabLst/>
+            </a:pPr>
+            <a:r>
+              <a:rPr kumimoji="0" lang="en-US" altLang="en-US" sz="1200" b="0" i="0" u="none" strike="noStrike" cap="none" normalizeH="0" baseline="0">
+                <a:ln>
+                  <a:noFill/>
+                </a:ln>
+                <a:solidFill>
+                  <a:schemeClr val="tx1"/>
+                </a:solidFill>
+                <a:effectLst/>
+                <a:latin typeface="Arial" panose="020B0604020202020204" pitchFamily="34" charset="0"/>
+              </a:rPr>
+              <a:t>Reducing dimensions through PCA may result in loss of some information, which can affect the accuracy of the classification if not managed properly.</a:t>
+            </a:r>
+          </a:p>
+          <a:p>
+            <a:pPr marL="0" marR="0" lvl="0" indent="0" algn="l" defTabSz="914400" rtl="0" eaLnBrk="0" fontAlgn="base" latinLnBrk="0" hangingPunct="0">
+              <a:lnSpc>
+                <a:spcPct val="100000"/>
+              </a:lnSpc>
+              <a:spcBef>
+                <a:spcPct val="0"/>
+              </a:spcBef>
+              <a:spcAft>
+                <a:spcPct val="0"/>
+              </a:spcAft>
+              <a:buClrTx/>
+              <a:buSzTx/>
+              <a:buFontTx/>
+              <a:buChar char="•"/>
+              <a:tabLst/>
+            </a:pPr>
+            <a:r>
+              <a:rPr kumimoji="0" lang="en-US" altLang="en-US" sz="1200" b="1" i="0" u="none" strike="noStrike" cap="none" normalizeH="0" baseline="0">
+                <a:ln>
+                  <a:noFill/>
+                </a:ln>
+                <a:solidFill>
+                  <a:schemeClr val="tx1"/>
+                </a:solidFill>
+                <a:effectLst/>
+                <a:latin typeface="Arial" panose="020B0604020202020204" pitchFamily="34" charset="0"/>
+              </a:rPr>
+              <a:t>Handling Non-Gaussian Data</a:t>
+            </a:r>
+            <a:r>
+              <a:rPr kumimoji="0" lang="en-US" altLang="en-US" sz="1200" b="0" i="0" u="none" strike="noStrike" cap="none" normalizeH="0" baseline="0">
+                <a:ln>
+                  <a:noFill/>
+                </a:ln>
+                <a:solidFill>
+                  <a:schemeClr val="tx1"/>
+                </a:solidFill>
+                <a:effectLst/>
+                <a:latin typeface="Arial" panose="020B0604020202020204" pitchFamily="34" charset="0"/>
+              </a:rPr>
+              <a:t>:</a:t>
+            </a:r>
+          </a:p>
+          <a:p>
+            <a:pPr marL="0" marR="0" lvl="0" indent="0" algn="l" defTabSz="914400" rtl="0" eaLnBrk="0" fontAlgn="base" latinLnBrk="0" hangingPunct="0">
+              <a:lnSpc>
+                <a:spcPct val="100000"/>
+              </a:lnSpc>
+              <a:spcBef>
+                <a:spcPct val="0"/>
+              </a:spcBef>
+              <a:spcAft>
+                <a:spcPct val="0"/>
+              </a:spcAft>
+              <a:buClrTx/>
+              <a:buSzTx/>
+              <a:buFontTx/>
+              <a:buChar char="•"/>
+              <a:tabLst/>
+            </a:pPr>
+            <a:r>
+              <a:rPr kumimoji="0" lang="en-US" altLang="en-US" sz="1200" b="0" i="0" u="none" strike="noStrike" cap="none" normalizeH="0" baseline="0">
+                <a:ln>
+                  <a:noFill/>
+                </a:ln>
+                <a:solidFill>
+                  <a:schemeClr val="tx1"/>
+                </a:solidFill>
+                <a:effectLst/>
+                <a:latin typeface="Arial" panose="020B0604020202020204" pitchFamily="34" charset="0"/>
+              </a:rPr>
+              <a:t>DAPC may not perform well with non-Gaussian data distributions, as traditional discriminant analysis techniques often assume normality.</a:t>
+            </a:r>
+          </a:p>
+          <a:p>
+            <a:pPr marL="0" marR="0" lvl="0" indent="0" algn="l" defTabSz="914400" rtl="0" eaLnBrk="0" fontAlgn="base" latinLnBrk="0" hangingPunct="0">
+              <a:lnSpc>
+                <a:spcPct val="100000"/>
+              </a:lnSpc>
+              <a:spcBef>
+                <a:spcPct val="0"/>
+              </a:spcBef>
+              <a:spcAft>
+                <a:spcPct val="0"/>
+              </a:spcAft>
+              <a:buClrTx/>
+              <a:buSzTx/>
+              <a:buFontTx/>
+              <a:buChar char="•"/>
+              <a:tabLst/>
+            </a:pPr>
+            <a:r>
+              <a:rPr kumimoji="0" lang="en-US" altLang="en-US" sz="1200" b="1" i="0" u="none" strike="noStrike" cap="none" normalizeH="0" baseline="0">
+                <a:ln>
+                  <a:noFill/>
+                </a:ln>
+                <a:solidFill>
+                  <a:schemeClr val="tx1"/>
+                </a:solidFill>
+                <a:effectLst/>
+                <a:latin typeface="Arial" panose="020B0604020202020204" pitchFamily="34" charset="0"/>
+              </a:rPr>
+              <a:t>Complexity in Implementation</a:t>
+            </a:r>
+            <a:r>
+              <a:rPr kumimoji="0" lang="en-US" altLang="en-US" sz="1200" b="0" i="0" u="none" strike="noStrike" cap="none" normalizeH="0" baseline="0">
+                <a:ln>
+                  <a:noFill/>
+                </a:ln>
+                <a:solidFill>
+                  <a:schemeClr val="tx1"/>
+                </a:solidFill>
+                <a:effectLst/>
+                <a:latin typeface="Arial" panose="020B0604020202020204" pitchFamily="34" charset="0"/>
+              </a:rPr>
+              <a:t>:</a:t>
+            </a:r>
+          </a:p>
+          <a:p>
+            <a:pPr marL="0" marR="0" lvl="0" indent="0" algn="l" defTabSz="914400" rtl="0" eaLnBrk="0" fontAlgn="base" latinLnBrk="0" hangingPunct="0">
+              <a:lnSpc>
+                <a:spcPct val="100000"/>
+              </a:lnSpc>
+              <a:spcBef>
+                <a:spcPct val="0"/>
+              </a:spcBef>
+              <a:spcAft>
+                <a:spcPct val="0"/>
+              </a:spcAft>
+              <a:buClrTx/>
+              <a:buSzTx/>
+              <a:buFontTx/>
+              <a:buChar char="•"/>
+              <a:tabLst/>
+            </a:pPr>
+            <a:r>
+              <a:rPr kumimoji="0" lang="en-US" altLang="en-US" sz="1200" b="0" i="0" u="none" strike="noStrike" cap="none" normalizeH="0" baseline="0">
+                <a:ln>
+                  <a:noFill/>
+                </a:ln>
+                <a:solidFill>
+                  <a:schemeClr val="tx1"/>
+                </a:solidFill>
+                <a:effectLst/>
+                <a:latin typeface="Arial" panose="020B0604020202020204" pitchFamily="34" charset="0"/>
+              </a:rPr>
+              <a:t>Implementing DAPC requires careful execution of PCA followed by discriminant analysis, which can be complex and requires a good understanding of both techniques.</a:t>
+            </a:r>
+          </a:p>
+          <a:p>
+            <a:pPr marL="0" marR="0" lvl="0" indent="0" algn="l" defTabSz="914400" rtl="0" eaLnBrk="0" fontAlgn="base" latinLnBrk="0" hangingPunct="0">
+              <a:lnSpc>
+                <a:spcPct val="100000"/>
+              </a:lnSpc>
+              <a:spcBef>
+                <a:spcPct val="0"/>
+              </a:spcBef>
+              <a:spcAft>
+                <a:spcPct val="0"/>
+              </a:spcAft>
+              <a:buClrTx/>
+              <a:buSzTx/>
+              <a:buFontTx/>
               <a:buNone/>
               <a:tabLst/>
             </a:pPr>
-            <a:endParaRPr kumimoji="0" lang="en-US" altLang="en-US" sz="1800" b="0" i="0" u="none" strike="noStrike" cap="none" normalizeH="0" baseline="0" dirty="0">
+            <a:endParaRPr kumimoji="0" lang="en-US" altLang="en-US" sz="1200" b="0" i="0" u="none" strike="noStrike" cap="none" normalizeH="0" baseline="0">
               <a:ln>
                 <a:noFill/>
               </a:ln>
@@ -19189,135 +16068,12 @@
               <a:latin typeface="Arial" panose="020B0604020202020204" pitchFamily="34" charset="0"/>
             </a:endParaRPr>
           </a:p>
-          <a:p>
-            <a:pPr marL="0" marR="0" lvl="0" indent="0" algn="l" defTabSz="914400" rtl="0" eaLnBrk="0" fontAlgn="base" latinLnBrk="0" hangingPunct="0">
-              <a:lnSpc>
-                <a:spcPct val="100000"/>
-              </a:lnSpc>
-              <a:spcBef>
-                <a:spcPct val="0"/>
-              </a:spcBef>
-              <a:spcAft>
-                <a:spcPct val="0"/>
-              </a:spcAft>
-              <a:buClrTx/>
-              <a:buSzTx/>
-              <a:buFontTx/>
-              <a:buChar char="•"/>
-              <a:tabLst/>
-            </a:pPr>
-            <a:r>
-              <a:rPr kumimoji="0" lang="en-US" altLang="en-US" sz="1800" b="0" i="0" u="none" strike="noStrike" cap="none" normalizeH="0" baseline="0" dirty="0">
-                <a:ln>
-                  <a:noFill/>
-                </a:ln>
-                <a:solidFill>
-                  <a:schemeClr val="tx1"/>
-                </a:solidFill>
-                <a:effectLst/>
-                <a:latin typeface="Arial" panose="020B0604020202020204" pitchFamily="34" charset="0"/>
-              </a:rPr>
-              <a:t>Process: PCA is applied first to reduce dimensionality, followed by DA for classification.</a:t>
-            </a:r>
-          </a:p>
-          <a:p>
-            <a:pPr marL="0" marR="0" lvl="0" indent="0" algn="l" defTabSz="914400" rtl="0" eaLnBrk="0" fontAlgn="base" latinLnBrk="0" hangingPunct="0">
-              <a:lnSpc>
-                <a:spcPct val="100000"/>
-              </a:lnSpc>
-              <a:spcBef>
-                <a:spcPct val="0"/>
-              </a:spcBef>
-              <a:spcAft>
-                <a:spcPct val="0"/>
-              </a:spcAft>
-              <a:buClrTx/>
-              <a:buSzTx/>
-              <a:buFontTx/>
-              <a:buChar char="•"/>
-              <a:tabLst/>
-            </a:pPr>
-            <a:r>
-              <a:rPr kumimoji="0" lang="en-US" altLang="en-US" sz="1800" b="0" i="0" u="none" strike="noStrike" cap="none" normalizeH="0" baseline="0" dirty="0">
-                <a:ln>
-                  <a:noFill/>
-                </a:ln>
-                <a:solidFill>
-                  <a:schemeClr val="tx1"/>
-                </a:solidFill>
-                <a:effectLst/>
-                <a:latin typeface="Arial" panose="020B0604020202020204" pitchFamily="34" charset="0"/>
-              </a:rPr>
-              <a:t>Benefits: Enhances classification performance, manages high-dimensional data.</a:t>
-            </a:r>
-          </a:p>
-          <a:p>
-            <a:pPr marL="0" marR="0" lvl="0" indent="0" algn="l" defTabSz="914400" rtl="0" eaLnBrk="0" fontAlgn="base" latinLnBrk="0" hangingPunct="0">
-              <a:lnSpc>
-                <a:spcPct val="100000"/>
-              </a:lnSpc>
-              <a:spcBef>
-                <a:spcPct val="0"/>
-              </a:spcBef>
-              <a:spcAft>
-                <a:spcPct val="0"/>
-              </a:spcAft>
-              <a:buClrTx/>
-              <a:buSzTx/>
-              <a:buFontTx/>
-              <a:buChar char="•"/>
-              <a:tabLst/>
-            </a:pPr>
-            <a:r>
-              <a:rPr kumimoji="0" lang="en-US" altLang="en-US" sz="1800" b="0" i="0" u="none" strike="noStrike" cap="none" normalizeH="0" baseline="0" dirty="0">
-                <a:ln>
-                  <a:noFill/>
-                </a:ln>
-                <a:solidFill>
-                  <a:schemeClr val="tx1"/>
-                </a:solidFill>
-                <a:effectLst/>
-                <a:latin typeface="Arial" panose="020B0604020202020204" pitchFamily="34" charset="0"/>
-              </a:rPr>
-              <a:t>Visual: Flowchart showing the DAPC process. </a:t>
-            </a:r>
-          </a:p>
         </p:txBody>
       </p:sp>
-      <p:pic>
-        <p:nvPicPr>
-          <p:cNvPr id="5" name="Picture 4">
-            <a:extLst>
-              <a:ext uri="{FF2B5EF4-FFF2-40B4-BE49-F238E27FC236}">
-                <a16:creationId xmlns:a16="http://schemas.microsoft.com/office/drawing/2014/main" id="{60652BBC-958A-EEB7-1B7C-4368FE0505A1}"/>
-              </a:ext>
-            </a:extLst>
-          </p:cNvPr>
-          <p:cNvPicPr>
-            <a:picLocks noChangeAspect="1"/>
-          </p:cNvPicPr>
-          <p:nvPr/>
-        </p:nvPicPr>
-        <p:blipFill>
-          <a:blip r:embed="rId2"/>
-          <a:stretch>
-            <a:fillRect/>
-          </a:stretch>
-        </p:blipFill>
-        <p:spPr>
-          <a:xfrm>
-            <a:off x="2514600" y="3426004"/>
-            <a:ext cx="2638425" cy="5838825"/>
-          </a:xfrm>
-          <a:prstGeom prst="rect">
-            <a:avLst/>
-          </a:prstGeom>
-        </p:spPr>
-      </p:pic>
     </p:spTree>
     <p:extLst>
       <p:ext uri="{BB962C8B-B14F-4D97-AF65-F5344CB8AC3E}">
-        <p14:creationId xmlns:p14="http://schemas.microsoft.com/office/powerpoint/2010/main" val="1630906794"/>
+        <p14:creationId xmlns:p14="http://schemas.microsoft.com/office/powerpoint/2010/main" val="775134715"/>
       </p:ext>
     </p:extLst>
   </p:cSld>
